--- a/Nike_vs_Adidas.pptx
+++ b/Nike_vs_Adidas.pptx
@@ -5,7 +5,7 @@
     <p:sldMasterId id="2147483673" r:id="rId4"/>
   </p:sldMasterIdLst>
   <p:notesMasterIdLst>
-    <p:notesMasterId r:id="rId11"/>
+    <p:notesMasterId r:id="rId14"/>
   </p:notesMasterIdLst>
   <p:sldIdLst>
     <p:sldId id="257" r:id="rId5"/>
@@ -14,6 +14,9 @@
     <p:sldId id="265" r:id="rId8"/>
     <p:sldId id="263" r:id="rId9"/>
     <p:sldId id="262" r:id="rId10"/>
+    <p:sldId id="267" r:id="rId11"/>
+    <p:sldId id="268" r:id="rId12"/>
+    <p:sldId id="270" r:id="rId13"/>
   </p:sldIdLst>
   <p:sldSz cx="12192000" cy="6858000"/>
   <p:notesSz cx="6858000" cy="9144000"/>
@@ -2883,1848 +2886,6 @@
 </dgm:colorsDef>
 </file>
 
-<file path=ppt/diagrams/colors4.xml><?xml version="1.0" encoding="utf-8"?>
-<dgm:colorsDef xmlns:dgm="http://schemas.openxmlformats.org/drawingml/2006/diagram" xmlns:a="http://schemas.openxmlformats.org/drawingml/2006/main" uniqueId="urn:microsoft.com/office/officeart/2018/5/colors/Iconchunking_neutralicon_colorful1">
-  <dgm:title val=""/>
-  <dgm:desc val=""/>
-  <dgm:catLst>
-    <dgm:cat type="colorful" pri="10100"/>
-  </dgm:catLst>
-  <dgm:styleLbl name="node0">
-    <dgm:fillClrLst meth="repeat">
-      <a:schemeClr val="accent1"/>
-    </dgm:fillClrLst>
-    <dgm:linClrLst meth="repeat">
-      <a:schemeClr val="lt1"/>
-    </dgm:linClrLst>
-    <dgm:effectClrLst/>
-    <dgm:txLinClrLst/>
-    <dgm:txFillClrLst/>
-    <dgm:txEffectClrLst/>
-  </dgm:styleLbl>
-  <dgm:styleLbl name="node1">
-    <dgm:fillClrLst meth="repeat">
-      <a:schemeClr val="bg1"/>
-    </dgm:fillClrLst>
-    <dgm:linClrLst meth="repeat">
-      <a:schemeClr val="lt1">
-        <a:alpha val="0"/>
-      </a:schemeClr>
-    </dgm:linClrLst>
-    <dgm:effectClrLst/>
-    <dgm:txLinClrLst/>
-    <dgm:txFillClrLst meth="repeat">
-      <a:schemeClr val="dk1"/>
-    </dgm:txFillClrLst>
-    <dgm:txEffectClrLst/>
-  </dgm:styleLbl>
-  <dgm:styleLbl name="alignNode1">
-    <dgm:fillClrLst meth="repeat">
-      <a:schemeClr val="accent2"/>
-      <a:schemeClr val="accent3"/>
-      <a:schemeClr val="accent4"/>
-      <a:schemeClr val="accent5"/>
-      <a:schemeClr val="accent6"/>
-    </dgm:fillClrLst>
-    <dgm:linClrLst meth="repeat">
-      <a:schemeClr val="accent2"/>
-      <a:schemeClr val="accent3"/>
-      <a:schemeClr val="accent4"/>
-      <a:schemeClr val="accent5"/>
-      <a:schemeClr val="accent6"/>
-    </dgm:linClrLst>
-    <dgm:effectClrLst/>
-    <dgm:txLinClrLst/>
-    <dgm:txFillClrLst/>
-    <dgm:txEffectClrLst/>
-  </dgm:styleLbl>
-  <dgm:styleLbl name="lnNode1">
-    <dgm:fillClrLst meth="repeat">
-      <a:schemeClr val="accent2"/>
-      <a:schemeClr val="accent3"/>
-      <a:schemeClr val="accent4"/>
-      <a:schemeClr val="accent5"/>
-      <a:schemeClr val="accent6"/>
-    </dgm:fillClrLst>
-    <dgm:linClrLst meth="repeat">
-      <a:schemeClr val="lt1"/>
-    </dgm:linClrLst>
-    <dgm:effectClrLst/>
-    <dgm:txLinClrLst/>
-    <dgm:txFillClrLst/>
-    <dgm:txEffectClrLst/>
-  </dgm:styleLbl>
-  <dgm:styleLbl name="vennNode1">
-    <dgm:fillClrLst meth="repeat">
-      <a:schemeClr val="accent2">
-        <a:alpha val="50000"/>
-      </a:schemeClr>
-      <a:schemeClr val="accent3">
-        <a:alpha val="50000"/>
-      </a:schemeClr>
-      <a:schemeClr val="accent4">
-        <a:alpha val="50000"/>
-      </a:schemeClr>
-      <a:schemeClr val="accent5">
-        <a:alpha val="50000"/>
-      </a:schemeClr>
-      <a:schemeClr val="accent6">
-        <a:alpha val="50000"/>
-      </a:schemeClr>
-    </dgm:fillClrLst>
-    <dgm:linClrLst meth="repeat">
-      <a:schemeClr val="lt1"/>
-    </dgm:linClrLst>
-    <dgm:effectClrLst/>
-    <dgm:txLinClrLst/>
-    <dgm:txFillClrLst/>
-    <dgm:txEffectClrLst/>
-  </dgm:styleLbl>
-  <dgm:styleLbl name="node2">
-    <dgm:fillClrLst>
-      <a:schemeClr val="accent2"/>
-    </dgm:fillClrLst>
-    <dgm:linClrLst meth="repeat">
-      <a:schemeClr val="lt1"/>
-    </dgm:linClrLst>
-    <dgm:effectClrLst/>
-    <dgm:txLinClrLst/>
-    <dgm:txFillClrLst/>
-    <dgm:txEffectClrLst/>
-  </dgm:styleLbl>
-  <dgm:styleLbl name="node3">
-    <dgm:fillClrLst>
-      <a:schemeClr val="accent3"/>
-    </dgm:fillClrLst>
-    <dgm:linClrLst meth="repeat">
-      <a:schemeClr val="lt1"/>
-    </dgm:linClrLst>
-    <dgm:effectClrLst/>
-    <dgm:txLinClrLst/>
-    <dgm:txFillClrLst/>
-    <dgm:txEffectClrLst/>
-  </dgm:styleLbl>
-  <dgm:styleLbl name="node4">
-    <dgm:fillClrLst>
-      <a:schemeClr val="accent4"/>
-    </dgm:fillClrLst>
-    <dgm:linClrLst meth="repeat">
-      <a:schemeClr val="lt1"/>
-    </dgm:linClrLst>
-    <dgm:effectClrLst/>
-    <dgm:txLinClrLst/>
-    <dgm:txFillClrLst/>
-    <dgm:txEffectClrLst/>
-  </dgm:styleLbl>
-  <dgm:styleLbl name="fgImgPlace1">
-    <dgm:fillClrLst meth="repeat">
-      <a:schemeClr val="accent2">
-        <a:tint val="50000"/>
-      </a:schemeClr>
-      <a:schemeClr val="accent3">
-        <a:tint val="50000"/>
-      </a:schemeClr>
-      <a:schemeClr val="accent4">
-        <a:tint val="50000"/>
-      </a:schemeClr>
-      <a:schemeClr val="accent5">
-        <a:tint val="50000"/>
-      </a:schemeClr>
-      <a:schemeClr val="accent6">
-        <a:tint val="50000"/>
-      </a:schemeClr>
-    </dgm:fillClrLst>
-    <dgm:linClrLst meth="repeat">
-      <a:schemeClr val="lt1"/>
-    </dgm:linClrLst>
-    <dgm:effectClrLst/>
-    <dgm:txLinClrLst/>
-    <dgm:txFillClrLst meth="repeat">
-      <a:schemeClr val="lt1"/>
-    </dgm:txFillClrLst>
-    <dgm:txEffectClrLst/>
-  </dgm:styleLbl>
-  <dgm:styleLbl name="alignImgPlace1">
-    <dgm:fillClrLst>
-      <a:schemeClr val="accent1">
-        <a:tint val="50000"/>
-      </a:schemeClr>
-      <a:schemeClr val="accent2">
-        <a:tint val="20000"/>
-      </a:schemeClr>
-    </dgm:fillClrLst>
-    <dgm:linClrLst meth="repeat">
-      <a:schemeClr val="lt1"/>
-    </dgm:linClrLst>
-    <dgm:effectClrLst/>
-    <dgm:txLinClrLst/>
-    <dgm:txFillClrLst meth="repeat">
-      <a:schemeClr val="lt1"/>
-    </dgm:txFillClrLst>
-    <dgm:txEffectClrLst/>
-  </dgm:styleLbl>
-  <dgm:styleLbl name="bgImgPlace1">
-    <dgm:fillClrLst>
-      <a:schemeClr val="accent1">
-        <a:tint val="50000"/>
-      </a:schemeClr>
-      <a:schemeClr val="accent2">
-        <a:tint val="20000"/>
-      </a:schemeClr>
-    </dgm:fillClrLst>
-    <dgm:linClrLst meth="repeat">
-      <a:schemeClr val="lt1"/>
-    </dgm:linClrLst>
-    <dgm:effectClrLst/>
-    <dgm:txLinClrLst/>
-    <dgm:txFillClrLst meth="repeat">
-      <a:schemeClr val="lt1"/>
-    </dgm:txFillClrLst>
-    <dgm:txEffectClrLst/>
-  </dgm:styleLbl>
-  <dgm:styleLbl name="sibTrans2D1">
-    <dgm:fillClrLst meth="repeat">
-      <a:schemeClr val="accent2"/>
-      <a:schemeClr val="accent3"/>
-      <a:schemeClr val="accent4"/>
-      <a:schemeClr val="accent5"/>
-      <a:schemeClr val="accent6"/>
-    </dgm:fillClrLst>
-    <dgm:linClrLst meth="cycle">
-      <a:schemeClr val="lt1"/>
-    </dgm:linClrLst>
-    <dgm:effectClrLst/>
-    <dgm:txLinClrLst/>
-    <dgm:txFillClrLst/>
-    <dgm:txEffectClrLst/>
-  </dgm:styleLbl>
-  <dgm:styleLbl name="fgSibTrans2D1">
-    <dgm:fillClrLst meth="repeat">
-      <a:schemeClr val="accent2"/>
-      <a:schemeClr val="accent3"/>
-      <a:schemeClr val="accent4"/>
-      <a:schemeClr val="accent5"/>
-      <a:schemeClr val="accent6"/>
-    </dgm:fillClrLst>
-    <dgm:linClrLst meth="cycle">
-      <a:schemeClr val="lt1"/>
-    </dgm:linClrLst>
-    <dgm:effectClrLst/>
-    <dgm:txLinClrLst/>
-    <dgm:txFillClrLst meth="repeat">
-      <a:schemeClr val="lt1"/>
-    </dgm:txFillClrLst>
-    <dgm:txEffectClrLst/>
-  </dgm:styleLbl>
-  <dgm:styleLbl name="bgSibTrans2D1">
-    <dgm:fillClrLst meth="repeat">
-      <a:schemeClr val="accent2"/>
-      <a:schemeClr val="accent3"/>
-      <a:schemeClr val="accent4"/>
-      <a:schemeClr val="accent5"/>
-      <a:schemeClr val="accent6"/>
-    </dgm:fillClrLst>
-    <dgm:linClrLst meth="cycle">
-      <a:schemeClr val="lt1"/>
-    </dgm:linClrLst>
-    <dgm:effectClrLst/>
-    <dgm:txLinClrLst/>
-    <dgm:txFillClrLst meth="repeat">
-      <a:schemeClr val="lt1"/>
-    </dgm:txFillClrLst>
-    <dgm:txEffectClrLst/>
-  </dgm:styleLbl>
-  <dgm:styleLbl name="sibTrans1D1">
-    <dgm:fillClrLst meth="repeat">
-      <a:schemeClr val="accent2"/>
-      <a:schemeClr val="accent3"/>
-      <a:schemeClr val="accent4"/>
-      <a:schemeClr val="accent5"/>
-      <a:schemeClr val="accent6"/>
-    </dgm:fillClrLst>
-    <dgm:linClrLst meth="repeat">
-      <a:schemeClr val="accent2"/>
-      <a:schemeClr val="accent3"/>
-      <a:schemeClr val="accent4"/>
-      <a:schemeClr val="accent5"/>
-      <a:schemeClr val="accent6"/>
-    </dgm:linClrLst>
-    <dgm:effectClrLst/>
-    <dgm:txLinClrLst/>
-    <dgm:txFillClrLst meth="repeat">
-      <a:schemeClr val="tx1"/>
-    </dgm:txFillClrLst>
-    <dgm:txEffectClrLst/>
-  </dgm:styleLbl>
-  <dgm:styleLbl name="callout">
-    <dgm:fillClrLst meth="repeat">
-      <a:schemeClr val="accent2"/>
-    </dgm:fillClrLst>
-    <dgm:linClrLst meth="repeat">
-      <a:schemeClr val="accent2">
-        <a:tint val="50000"/>
-      </a:schemeClr>
-    </dgm:linClrLst>
-    <dgm:effectClrLst/>
-    <dgm:txLinClrLst/>
-    <dgm:txFillClrLst meth="repeat">
-      <a:schemeClr val="tx1"/>
-    </dgm:txFillClrLst>
-    <dgm:txEffectClrLst/>
-  </dgm:styleLbl>
-  <dgm:styleLbl name="asst0">
-    <dgm:fillClrLst meth="repeat">
-      <a:schemeClr val="accent1"/>
-    </dgm:fillClrLst>
-    <dgm:linClrLst meth="repeat">
-      <a:schemeClr val="lt1"/>
-    </dgm:linClrLst>
-    <dgm:effectClrLst/>
-    <dgm:txLinClrLst/>
-    <dgm:txFillClrLst/>
-    <dgm:txEffectClrLst/>
-  </dgm:styleLbl>
-  <dgm:styleLbl name="asst1">
-    <dgm:fillClrLst meth="repeat">
-      <a:schemeClr val="accent2"/>
-    </dgm:fillClrLst>
-    <dgm:linClrLst meth="repeat">
-      <a:schemeClr val="lt1"/>
-    </dgm:linClrLst>
-    <dgm:effectClrLst/>
-    <dgm:txLinClrLst/>
-    <dgm:txFillClrLst/>
-    <dgm:txEffectClrLst/>
-  </dgm:styleLbl>
-  <dgm:styleLbl name="asst2">
-    <dgm:fillClrLst>
-      <a:schemeClr val="accent3"/>
-    </dgm:fillClrLst>
-    <dgm:linClrLst meth="repeat">
-      <a:schemeClr val="lt1"/>
-    </dgm:linClrLst>
-    <dgm:effectClrLst/>
-    <dgm:txLinClrLst/>
-    <dgm:txFillClrLst/>
-    <dgm:txEffectClrLst/>
-  </dgm:styleLbl>
-  <dgm:styleLbl name="asst3">
-    <dgm:fillClrLst>
-      <a:schemeClr val="accent4"/>
-    </dgm:fillClrLst>
-    <dgm:linClrLst meth="repeat">
-      <a:schemeClr val="lt1"/>
-    </dgm:linClrLst>
-    <dgm:effectClrLst/>
-    <dgm:txLinClrLst/>
-    <dgm:txFillClrLst/>
-    <dgm:txEffectClrLst/>
-  </dgm:styleLbl>
-  <dgm:styleLbl name="asst4">
-    <dgm:fillClrLst>
-      <a:schemeClr val="accent5"/>
-    </dgm:fillClrLst>
-    <dgm:linClrLst meth="repeat">
-      <a:schemeClr val="lt1"/>
-    </dgm:linClrLst>
-    <dgm:effectClrLst/>
-    <dgm:txLinClrLst/>
-    <dgm:txFillClrLst/>
-    <dgm:txEffectClrLst/>
-  </dgm:styleLbl>
-  <dgm:styleLbl name="parChTrans2D1">
-    <dgm:fillClrLst meth="repeat">
-      <a:schemeClr val="accent2"/>
-    </dgm:fillClrLst>
-    <dgm:linClrLst meth="repeat">
-      <a:schemeClr val="lt1"/>
-    </dgm:linClrLst>
-    <dgm:effectClrLst/>
-    <dgm:txLinClrLst/>
-    <dgm:txFillClrLst meth="repeat">
-      <a:schemeClr val="lt1"/>
-    </dgm:txFillClrLst>
-    <dgm:txEffectClrLst/>
-  </dgm:styleLbl>
-  <dgm:styleLbl name="parChTrans2D2">
-    <dgm:fillClrLst meth="repeat">
-      <a:schemeClr val="accent3"/>
-    </dgm:fillClrLst>
-    <dgm:linClrLst meth="repeat">
-      <a:schemeClr val="lt1"/>
-    </dgm:linClrLst>
-    <dgm:effectClrLst/>
-    <dgm:txLinClrLst/>
-    <dgm:txFillClrLst/>
-    <dgm:txEffectClrLst/>
-  </dgm:styleLbl>
-  <dgm:styleLbl name="parChTrans2D3">
-    <dgm:fillClrLst meth="repeat">
-      <a:schemeClr val="accent4"/>
-    </dgm:fillClrLst>
-    <dgm:linClrLst meth="repeat">
-      <a:schemeClr val="lt1"/>
-    </dgm:linClrLst>
-    <dgm:effectClrLst/>
-    <dgm:txLinClrLst/>
-    <dgm:txFillClrLst/>
-    <dgm:txEffectClrLst/>
-  </dgm:styleLbl>
-  <dgm:styleLbl name="parChTrans2D4">
-    <dgm:fillClrLst meth="repeat">
-      <a:schemeClr val="accent5"/>
-    </dgm:fillClrLst>
-    <dgm:linClrLst meth="repeat">
-      <a:schemeClr val="lt1"/>
-    </dgm:linClrLst>
-    <dgm:effectClrLst/>
-    <dgm:txLinClrLst/>
-    <dgm:txFillClrLst meth="repeat">
-      <a:schemeClr val="lt1"/>
-    </dgm:txFillClrLst>
-    <dgm:txEffectClrLst/>
-  </dgm:styleLbl>
-  <dgm:styleLbl name="parChTrans1D1">
-    <dgm:fillClrLst meth="repeat">
-      <a:schemeClr val="accent2"/>
-    </dgm:fillClrLst>
-    <dgm:linClrLst meth="repeat">
-      <a:schemeClr val="accent1"/>
-    </dgm:linClrLst>
-    <dgm:effectClrLst/>
-    <dgm:txLinClrLst/>
-    <dgm:txFillClrLst meth="repeat">
-      <a:schemeClr val="tx1"/>
-    </dgm:txFillClrLst>
-    <dgm:txEffectClrLst/>
-  </dgm:styleLbl>
-  <dgm:styleLbl name="parChTrans1D2">
-    <dgm:fillClrLst meth="repeat">
-      <a:schemeClr val="accent3">
-        <a:tint val="90000"/>
-      </a:schemeClr>
-    </dgm:fillClrLst>
-    <dgm:linClrLst meth="repeat">
-      <a:schemeClr val="accent2"/>
-    </dgm:linClrLst>
-    <dgm:effectClrLst/>
-    <dgm:txLinClrLst/>
-    <dgm:txFillClrLst meth="repeat">
-      <a:schemeClr val="tx1"/>
-    </dgm:txFillClrLst>
-    <dgm:txEffectClrLst/>
-  </dgm:styleLbl>
-  <dgm:styleLbl name="parChTrans1D3">
-    <dgm:fillClrLst meth="repeat">
-      <a:schemeClr val="accent4">
-        <a:tint val="70000"/>
-      </a:schemeClr>
-    </dgm:fillClrLst>
-    <dgm:linClrLst meth="repeat">
-      <a:schemeClr val="accent3"/>
-    </dgm:linClrLst>
-    <dgm:effectClrLst/>
-    <dgm:txLinClrLst/>
-    <dgm:txFillClrLst meth="repeat">
-      <a:schemeClr val="tx1"/>
-    </dgm:txFillClrLst>
-    <dgm:txEffectClrLst/>
-  </dgm:styleLbl>
-  <dgm:styleLbl name="parChTrans1D4">
-    <dgm:fillClrLst meth="repeat">
-      <a:schemeClr val="accent5">
-        <a:tint val="50000"/>
-      </a:schemeClr>
-    </dgm:fillClrLst>
-    <dgm:linClrLst meth="repeat">
-      <a:schemeClr val="accent4"/>
-    </dgm:linClrLst>
-    <dgm:effectClrLst/>
-    <dgm:txLinClrLst/>
-    <dgm:txFillClrLst meth="repeat">
-      <a:schemeClr val="tx1"/>
-    </dgm:txFillClrLst>
-    <dgm:txEffectClrLst/>
-  </dgm:styleLbl>
-  <dgm:styleLbl name="fgAcc1">
-    <dgm:fillClrLst meth="repeat">
-      <a:schemeClr val="lt1">
-        <a:alpha val="90000"/>
-      </a:schemeClr>
-    </dgm:fillClrLst>
-    <dgm:linClrLst meth="repeat">
-      <a:schemeClr val="accent2"/>
-      <a:schemeClr val="accent3"/>
-      <a:schemeClr val="accent4"/>
-      <a:schemeClr val="accent5"/>
-      <a:schemeClr val="accent6"/>
-    </dgm:linClrLst>
-    <dgm:effectClrLst/>
-    <dgm:txLinClrLst/>
-    <dgm:txFillClrLst meth="repeat">
-      <a:schemeClr val="dk1"/>
-    </dgm:txFillClrLst>
-    <dgm:txEffectClrLst/>
-  </dgm:styleLbl>
-  <dgm:styleLbl name="conFgAcc1">
-    <dgm:fillClrLst meth="repeat">
-      <a:schemeClr val="lt1">
-        <a:alpha val="90000"/>
-      </a:schemeClr>
-    </dgm:fillClrLst>
-    <dgm:linClrLst meth="repeat">
-      <a:schemeClr val="accent2"/>
-      <a:schemeClr val="accent3"/>
-      <a:schemeClr val="accent4"/>
-      <a:schemeClr val="accent5"/>
-      <a:schemeClr val="accent6"/>
-    </dgm:linClrLst>
-    <dgm:effectClrLst/>
-    <dgm:txLinClrLst/>
-    <dgm:txFillClrLst meth="repeat">
-      <a:schemeClr val="dk1"/>
-    </dgm:txFillClrLst>
-    <dgm:txEffectClrLst/>
-  </dgm:styleLbl>
-  <dgm:styleLbl name="alignAcc1">
-    <dgm:fillClrLst meth="repeat">
-      <a:schemeClr val="lt1">
-        <a:alpha val="90000"/>
-      </a:schemeClr>
-    </dgm:fillClrLst>
-    <dgm:linClrLst meth="repeat">
-      <a:schemeClr val="accent2"/>
-      <a:schemeClr val="accent3"/>
-      <a:schemeClr val="accent4"/>
-      <a:schemeClr val="accent5"/>
-      <a:schemeClr val="accent6"/>
-    </dgm:linClrLst>
-    <dgm:effectClrLst/>
-    <dgm:txLinClrLst/>
-    <dgm:txFillClrLst meth="repeat">
-      <a:schemeClr val="dk1"/>
-    </dgm:txFillClrLst>
-    <dgm:txEffectClrLst/>
-  </dgm:styleLbl>
-  <dgm:styleLbl name="trAlignAcc1">
-    <dgm:fillClrLst meth="repeat">
-      <a:schemeClr val="lt1">
-        <a:alpha val="40000"/>
-      </a:schemeClr>
-    </dgm:fillClrLst>
-    <dgm:linClrLst meth="repeat">
-      <a:schemeClr val="accent1"/>
-    </dgm:linClrLst>
-    <dgm:effectClrLst/>
-    <dgm:txLinClrLst/>
-    <dgm:txFillClrLst meth="repeat">
-      <a:schemeClr val="dk1"/>
-    </dgm:txFillClrLst>
-    <dgm:txEffectClrLst/>
-  </dgm:styleLbl>
-  <dgm:styleLbl name="bgAcc1">
-    <dgm:fillClrLst meth="repeat">
-      <a:schemeClr val="lt1">
-        <a:alpha val="90000"/>
-      </a:schemeClr>
-    </dgm:fillClrLst>
-    <dgm:linClrLst meth="repeat">
-      <a:schemeClr val="accent2"/>
-      <a:schemeClr val="accent3"/>
-      <a:schemeClr val="accent4"/>
-      <a:schemeClr val="accent5"/>
-      <a:schemeClr val="accent6"/>
-    </dgm:linClrLst>
-    <dgm:effectClrLst/>
-    <dgm:txLinClrLst/>
-    <dgm:txFillClrLst meth="repeat">
-      <a:schemeClr val="dk1"/>
-    </dgm:txFillClrLst>
-    <dgm:txEffectClrLst/>
-  </dgm:styleLbl>
-  <dgm:styleLbl name="solidFgAcc1">
-    <dgm:fillClrLst meth="repeat">
-      <a:schemeClr val="lt1"/>
-    </dgm:fillClrLst>
-    <dgm:linClrLst meth="repeat">
-      <a:schemeClr val="accent2"/>
-      <a:schemeClr val="accent3"/>
-      <a:schemeClr val="accent4"/>
-      <a:schemeClr val="accent5"/>
-      <a:schemeClr val="accent6"/>
-    </dgm:linClrLst>
-    <dgm:effectClrLst/>
-    <dgm:txLinClrLst/>
-    <dgm:txFillClrLst meth="repeat">
-      <a:schemeClr val="dk1"/>
-    </dgm:txFillClrLst>
-    <dgm:txEffectClrLst/>
-  </dgm:styleLbl>
-  <dgm:styleLbl name="solidAlignAcc1">
-    <dgm:fillClrLst meth="repeat">
-      <a:schemeClr val="lt1"/>
-    </dgm:fillClrLst>
-    <dgm:linClrLst meth="repeat">
-      <a:schemeClr val="accent2"/>
-      <a:schemeClr val="accent3"/>
-      <a:schemeClr val="accent4"/>
-      <a:schemeClr val="accent5"/>
-      <a:schemeClr val="accent6"/>
-    </dgm:linClrLst>
-    <dgm:effectClrLst/>
-    <dgm:txLinClrLst/>
-    <dgm:txFillClrLst meth="repeat">
-      <a:schemeClr val="dk1"/>
-    </dgm:txFillClrLst>
-    <dgm:txEffectClrLst/>
-  </dgm:styleLbl>
-  <dgm:styleLbl name="solidBgAcc1">
-    <dgm:fillClrLst meth="repeat">
-      <a:schemeClr val="lt1"/>
-    </dgm:fillClrLst>
-    <dgm:linClrLst meth="repeat">
-      <a:schemeClr val="accent2"/>
-      <a:schemeClr val="accent3"/>
-      <a:schemeClr val="accent4"/>
-      <a:schemeClr val="accent5"/>
-      <a:schemeClr val="accent6"/>
-    </dgm:linClrLst>
-    <dgm:effectClrLst/>
-    <dgm:txLinClrLst/>
-    <dgm:txFillClrLst meth="repeat">
-      <a:schemeClr val="dk1"/>
-    </dgm:txFillClrLst>
-    <dgm:txEffectClrLst/>
-  </dgm:styleLbl>
-  <dgm:styleLbl name="fgAccFollowNode1">
-    <dgm:fillClrLst meth="repeat">
-      <a:schemeClr val="accent2">
-        <a:tint val="40000"/>
-        <a:alpha val="90000"/>
-      </a:schemeClr>
-      <a:schemeClr val="accent3">
-        <a:tint val="40000"/>
-        <a:alpha val="90000"/>
-      </a:schemeClr>
-      <a:schemeClr val="accent4">
-        <a:tint val="40000"/>
-        <a:alpha val="90000"/>
-      </a:schemeClr>
-      <a:schemeClr val="accent5">
-        <a:tint val="40000"/>
-        <a:alpha val="90000"/>
-      </a:schemeClr>
-      <a:schemeClr val="accent6">
-        <a:tint val="40000"/>
-        <a:alpha val="90000"/>
-      </a:schemeClr>
-    </dgm:fillClrLst>
-    <dgm:linClrLst meth="repeat">
-      <a:schemeClr val="accent2">
-        <a:tint val="40000"/>
-        <a:alpha val="90000"/>
-      </a:schemeClr>
-      <a:schemeClr val="accent3">
-        <a:tint val="40000"/>
-        <a:alpha val="90000"/>
-      </a:schemeClr>
-      <a:schemeClr val="accent4">
-        <a:tint val="40000"/>
-        <a:alpha val="90000"/>
-      </a:schemeClr>
-      <a:schemeClr val="accent5">
-        <a:tint val="40000"/>
-        <a:alpha val="90000"/>
-      </a:schemeClr>
-      <a:schemeClr val="accent6">
-        <a:tint val="40000"/>
-        <a:alpha val="90000"/>
-      </a:schemeClr>
-    </dgm:linClrLst>
-    <dgm:effectClrLst/>
-    <dgm:txLinClrLst/>
-    <dgm:txFillClrLst meth="repeat">
-      <a:schemeClr val="dk1"/>
-    </dgm:txFillClrLst>
-    <dgm:txEffectClrLst/>
-  </dgm:styleLbl>
-  <dgm:styleLbl name="alignAccFollowNode1">
-    <dgm:fillClrLst meth="repeat">
-      <a:schemeClr val="accent2">
-        <a:tint val="40000"/>
-        <a:alpha val="90000"/>
-      </a:schemeClr>
-      <a:schemeClr val="accent3">
-        <a:tint val="40000"/>
-        <a:alpha val="90000"/>
-      </a:schemeClr>
-      <a:schemeClr val="accent4">
-        <a:tint val="40000"/>
-        <a:alpha val="90000"/>
-      </a:schemeClr>
-      <a:schemeClr val="accent5">
-        <a:tint val="40000"/>
-        <a:alpha val="90000"/>
-      </a:schemeClr>
-      <a:schemeClr val="accent6">
-        <a:tint val="40000"/>
-        <a:alpha val="90000"/>
-      </a:schemeClr>
-    </dgm:fillClrLst>
-    <dgm:linClrLst meth="repeat">
-      <a:schemeClr val="accent2">
-        <a:tint val="40000"/>
-        <a:alpha val="90000"/>
-      </a:schemeClr>
-      <a:schemeClr val="accent3">
-        <a:tint val="40000"/>
-        <a:alpha val="90000"/>
-      </a:schemeClr>
-      <a:schemeClr val="accent4">
-        <a:tint val="40000"/>
-        <a:alpha val="90000"/>
-      </a:schemeClr>
-      <a:schemeClr val="accent5">
-        <a:tint val="40000"/>
-        <a:alpha val="90000"/>
-      </a:schemeClr>
-      <a:schemeClr val="accent6">
-        <a:tint val="40000"/>
-        <a:alpha val="90000"/>
-      </a:schemeClr>
-    </dgm:linClrLst>
-    <dgm:effectClrLst/>
-    <dgm:txLinClrLst/>
-    <dgm:txFillClrLst meth="repeat">
-      <a:schemeClr val="dk1"/>
-    </dgm:txFillClrLst>
-    <dgm:txEffectClrLst/>
-  </dgm:styleLbl>
-  <dgm:styleLbl name="bgAccFollowNode1">
-    <dgm:fillClrLst meth="repeat">
-      <a:schemeClr val="accent2">
-        <a:tint val="40000"/>
-        <a:alpha val="90000"/>
-      </a:schemeClr>
-      <a:schemeClr val="accent3">
-        <a:tint val="40000"/>
-        <a:alpha val="90000"/>
-      </a:schemeClr>
-      <a:schemeClr val="accent4">
-        <a:tint val="40000"/>
-        <a:alpha val="90000"/>
-      </a:schemeClr>
-      <a:schemeClr val="accent5">
-        <a:tint val="40000"/>
-        <a:alpha val="90000"/>
-      </a:schemeClr>
-      <a:schemeClr val="accent6">
-        <a:tint val="40000"/>
-        <a:alpha val="90000"/>
-      </a:schemeClr>
-    </dgm:fillClrLst>
-    <dgm:linClrLst meth="repeat">
-      <a:schemeClr val="accent2">
-        <a:tint val="40000"/>
-        <a:alpha val="90000"/>
-      </a:schemeClr>
-      <a:schemeClr val="accent3">
-        <a:tint val="40000"/>
-        <a:alpha val="90000"/>
-      </a:schemeClr>
-      <a:schemeClr val="accent4">
-        <a:tint val="40000"/>
-        <a:alpha val="90000"/>
-      </a:schemeClr>
-      <a:schemeClr val="accent5">
-        <a:tint val="40000"/>
-        <a:alpha val="90000"/>
-      </a:schemeClr>
-      <a:schemeClr val="accent6">
-        <a:tint val="40000"/>
-        <a:alpha val="90000"/>
-      </a:schemeClr>
-    </dgm:linClrLst>
-    <dgm:effectClrLst/>
-    <dgm:txLinClrLst/>
-    <dgm:txFillClrLst meth="repeat">
-      <a:schemeClr val="dk1"/>
-    </dgm:txFillClrLst>
-    <dgm:txEffectClrLst/>
-  </dgm:styleLbl>
-  <dgm:styleLbl name="fgAcc0">
-    <dgm:fillClrLst meth="repeat">
-      <a:schemeClr val="lt1">
-        <a:alpha val="90000"/>
-      </a:schemeClr>
-    </dgm:fillClrLst>
-    <dgm:linClrLst>
-      <a:schemeClr val="accent1"/>
-    </dgm:linClrLst>
-    <dgm:effectClrLst/>
-    <dgm:txLinClrLst/>
-    <dgm:txFillClrLst meth="repeat">
-      <a:schemeClr val="dk1"/>
-    </dgm:txFillClrLst>
-    <dgm:txEffectClrLst/>
-  </dgm:styleLbl>
-  <dgm:styleLbl name="fgAcc2">
-    <dgm:fillClrLst meth="repeat">
-      <a:schemeClr val="lt1">
-        <a:alpha val="90000"/>
-      </a:schemeClr>
-    </dgm:fillClrLst>
-    <dgm:linClrLst>
-      <a:schemeClr val="accent2"/>
-    </dgm:linClrLst>
-    <dgm:effectClrLst/>
-    <dgm:txLinClrLst/>
-    <dgm:txFillClrLst meth="repeat">
-      <a:schemeClr val="dk1"/>
-    </dgm:txFillClrLst>
-    <dgm:txEffectClrLst/>
-  </dgm:styleLbl>
-  <dgm:styleLbl name="fgAcc3">
-    <dgm:fillClrLst meth="repeat">
-      <a:schemeClr val="lt1">
-        <a:alpha val="90000"/>
-      </a:schemeClr>
-    </dgm:fillClrLst>
-    <dgm:linClrLst>
-      <a:schemeClr val="accent3"/>
-    </dgm:linClrLst>
-    <dgm:effectClrLst/>
-    <dgm:txLinClrLst/>
-    <dgm:txFillClrLst meth="repeat">
-      <a:schemeClr val="dk1"/>
-    </dgm:txFillClrLst>
-    <dgm:txEffectClrLst/>
-  </dgm:styleLbl>
-  <dgm:styleLbl name="fgAcc4">
-    <dgm:fillClrLst meth="repeat">
-      <a:schemeClr val="lt1">
-        <a:alpha val="90000"/>
-      </a:schemeClr>
-    </dgm:fillClrLst>
-    <dgm:linClrLst>
-      <a:schemeClr val="accent4"/>
-    </dgm:linClrLst>
-    <dgm:effectClrLst/>
-    <dgm:txLinClrLst/>
-    <dgm:txFillClrLst meth="repeat">
-      <a:schemeClr val="dk1"/>
-    </dgm:txFillClrLst>
-    <dgm:txEffectClrLst/>
-  </dgm:styleLbl>
-  <dgm:styleLbl name="bgShp">
-    <dgm:fillClrLst meth="repeat">
-      <a:schemeClr val="accent2"/>
-      <a:schemeClr val="accent3"/>
-      <a:schemeClr val="accent4"/>
-      <a:schemeClr val="accent5"/>
-      <a:schemeClr val="accent6"/>
-    </dgm:fillClrLst>
-    <dgm:linClrLst meth="repeat">
-      <a:schemeClr val="lt1">
-        <a:alpha val="0"/>
-      </a:schemeClr>
-    </dgm:linClrLst>
-    <dgm:effectClrLst/>
-    <dgm:txLinClrLst/>
-    <dgm:txFillClrLst/>
-    <dgm:txEffectClrLst/>
-  </dgm:styleLbl>
-  <dgm:styleLbl name="dkBgShp">
-    <dgm:fillClrLst meth="repeat">
-      <a:schemeClr val="accent2">
-        <a:shade val="90000"/>
-      </a:schemeClr>
-    </dgm:fillClrLst>
-    <dgm:linClrLst meth="repeat">
-      <a:schemeClr val="dk1"/>
-    </dgm:linClrLst>
-    <dgm:effectClrLst/>
-    <dgm:txLinClrLst/>
-    <dgm:txFillClrLst meth="repeat">
-      <a:schemeClr val="lt1"/>
-    </dgm:txFillClrLst>
-    <dgm:txEffectClrLst/>
-  </dgm:styleLbl>
-  <dgm:styleLbl name="trBgShp">
-    <dgm:fillClrLst meth="repeat">
-      <a:schemeClr val="accent1">
-        <a:tint val="50000"/>
-        <a:alpha val="40000"/>
-      </a:schemeClr>
-    </dgm:fillClrLst>
-    <dgm:linClrLst meth="repeat">
-      <a:schemeClr val="accent2"/>
-    </dgm:linClrLst>
-    <dgm:effectClrLst/>
-    <dgm:txLinClrLst/>
-    <dgm:txFillClrLst meth="repeat">
-      <a:schemeClr val="lt1"/>
-    </dgm:txFillClrLst>
-    <dgm:txEffectClrLst/>
-  </dgm:styleLbl>
-  <dgm:styleLbl name="fgShp">
-    <dgm:fillClrLst meth="repeat">
-      <a:schemeClr val="accent2">
-        <a:tint val="40000"/>
-      </a:schemeClr>
-    </dgm:fillClrLst>
-    <dgm:linClrLst meth="repeat">
-      <a:schemeClr val="lt1"/>
-    </dgm:linClrLst>
-    <dgm:effectClrLst/>
-    <dgm:txLinClrLst/>
-    <dgm:txFillClrLst meth="repeat">
-      <a:schemeClr val="dk1"/>
-    </dgm:txFillClrLst>
-    <dgm:txEffectClrLst/>
-  </dgm:styleLbl>
-  <dgm:styleLbl name="revTx">
-    <dgm:fillClrLst meth="repeat">
-      <a:schemeClr val="lt1">
-        <a:alpha val="0"/>
-      </a:schemeClr>
-    </dgm:fillClrLst>
-    <dgm:linClrLst meth="repeat">
-      <a:schemeClr val="dk1">
-        <a:alpha val="0"/>
-      </a:schemeClr>
-    </dgm:linClrLst>
-    <dgm:effectClrLst/>
-    <dgm:txLinClrLst/>
-    <dgm:txFillClrLst meth="repeat">
-      <a:schemeClr val="tx1"/>
-    </dgm:txFillClrLst>
-    <dgm:txEffectClrLst/>
-  </dgm:styleLbl>
-</dgm:colorsDef>
-</file>
-
-<file path=ppt/diagrams/colors5.xml><?xml version="1.0" encoding="utf-8"?>
-<dgm:colorsDef xmlns:dgm="http://schemas.openxmlformats.org/drawingml/2006/diagram" xmlns:a="http://schemas.openxmlformats.org/drawingml/2006/main" uniqueId="urn:microsoft.com/office/officeart/2018/5/colors/Iconchunking_neutralicon_colorful1">
-  <dgm:title val=""/>
-  <dgm:desc val=""/>
-  <dgm:catLst>
-    <dgm:cat type="colorful" pri="10100"/>
-  </dgm:catLst>
-  <dgm:styleLbl name="node0">
-    <dgm:fillClrLst meth="repeat">
-      <a:schemeClr val="accent1"/>
-    </dgm:fillClrLst>
-    <dgm:linClrLst meth="repeat">
-      <a:schemeClr val="lt1"/>
-    </dgm:linClrLst>
-    <dgm:effectClrLst/>
-    <dgm:txLinClrLst/>
-    <dgm:txFillClrLst/>
-    <dgm:txEffectClrLst/>
-  </dgm:styleLbl>
-  <dgm:styleLbl name="node1">
-    <dgm:fillClrLst meth="repeat">
-      <a:schemeClr val="bg1"/>
-    </dgm:fillClrLst>
-    <dgm:linClrLst meth="repeat">
-      <a:schemeClr val="lt1">
-        <a:alpha val="0"/>
-      </a:schemeClr>
-    </dgm:linClrLst>
-    <dgm:effectClrLst/>
-    <dgm:txLinClrLst/>
-    <dgm:txFillClrLst meth="repeat">
-      <a:schemeClr val="dk1"/>
-    </dgm:txFillClrLst>
-    <dgm:txEffectClrLst/>
-  </dgm:styleLbl>
-  <dgm:styleLbl name="alignNode1">
-    <dgm:fillClrLst meth="repeat">
-      <a:schemeClr val="accent2"/>
-      <a:schemeClr val="accent3"/>
-      <a:schemeClr val="accent4"/>
-      <a:schemeClr val="accent5"/>
-      <a:schemeClr val="accent6"/>
-    </dgm:fillClrLst>
-    <dgm:linClrLst meth="repeat">
-      <a:schemeClr val="accent2"/>
-      <a:schemeClr val="accent3"/>
-      <a:schemeClr val="accent4"/>
-      <a:schemeClr val="accent5"/>
-      <a:schemeClr val="accent6"/>
-    </dgm:linClrLst>
-    <dgm:effectClrLst/>
-    <dgm:txLinClrLst/>
-    <dgm:txFillClrLst/>
-    <dgm:txEffectClrLst/>
-  </dgm:styleLbl>
-  <dgm:styleLbl name="lnNode1">
-    <dgm:fillClrLst meth="repeat">
-      <a:schemeClr val="accent2"/>
-      <a:schemeClr val="accent3"/>
-      <a:schemeClr val="accent4"/>
-      <a:schemeClr val="accent5"/>
-      <a:schemeClr val="accent6"/>
-    </dgm:fillClrLst>
-    <dgm:linClrLst meth="repeat">
-      <a:schemeClr val="lt1"/>
-    </dgm:linClrLst>
-    <dgm:effectClrLst/>
-    <dgm:txLinClrLst/>
-    <dgm:txFillClrLst/>
-    <dgm:txEffectClrLst/>
-  </dgm:styleLbl>
-  <dgm:styleLbl name="vennNode1">
-    <dgm:fillClrLst meth="repeat">
-      <a:schemeClr val="accent2">
-        <a:alpha val="50000"/>
-      </a:schemeClr>
-      <a:schemeClr val="accent3">
-        <a:alpha val="50000"/>
-      </a:schemeClr>
-      <a:schemeClr val="accent4">
-        <a:alpha val="50000"/>
-      </a:schemeClr>
-      <a:schemeClr val="accent5">
-        <a:alpha val="50000"/>
-      </a:schemeClr>
-      <a:schemeClr val="accent6">
-        <a:alpha val="50000"/>
-      </a:schemeClr>
-    </dgm:fillClrLst>
-    <dgm:linClrLst meth="repeat">
-      <a:schemeClr val="lt1"/>
-    </dgm:linClrLst>
-    <dgm:effectClrLst/>
-    <dgm:txLinClrLst/>
-    <dgm:txFillClrLst/>
-    <dgm:txEffectClrLst/>
-  </dgm:styleLbl>
-  <dgm:styleLbl name="node2">
-    <dgm:fillClrLst>
-      <a:schemeClr val="accent2"/>
-    </dgm:fillClrLst>
-    <dgm:linClrLst meth="repeat">
-      <a:schemeClr val="lt1"/>
-    </dgm:linClrLst>
-    <dgm:effectClrLst/>
-    <dgm:txLinClrLst/>
-    <dgm:txFillClrLst/>
-    <dgm:txEffectClrLst/>
-  </dgm:styleLbl>
-  <dgm:styleLbl name="node3">
-    <dgm:fillClrLst>
-      <a:schemeClr val="accent3"/>
-    </dgm:fillClrLst>
-    <dgm:linClrLst meth="repeat">
-      <a:schemeClr val="lt1"/>
-    </dgm:linClrLst>
-    <dgm:effectClrLst/>
-    <dgm:txLinClrLst/>
-    <dgm:txFillClrLst/>
-    <dgm:txEffectClrLst/>
-  </dgm:styleLbl>
-  <dgm:styleLbl name="node4">
-    <dgm:fillClrLst>
-      <a:schemeClr val="accent4"/>
-    </dgm:fillClrLst>
-    <dgm:linClrLst meth="repeat">
-      <a:schemeClr val="lt1"/>
-    </dgm:linClrLst>
-    <dgm:effectClrLst/>
-    <dgm:txLinClrLst/>
-    <dgm:txFillClrLst/>
-    <dgm:txEffectClrLst/>
-  </dgm:styleLbl>
-  <dgm:styleLbl name="fgImgPlace1">
-    <dgm:fillClrLst meth="repeat">
-      <a:schemeClr val="accent2">
-        <a:tint val="50000"/>
-      </a:schemeClr>
-      <a:schemeClr val="accent3">
-        <a:tint val="50000"/>
-      </a:schemeClr>
-      <a:schemeClr val="accent4">
-        <a:tint val="50000"/>
-      </a:schemeClr>
-      <a:schemeClr val="accent5">
-        <a:tint val="50000"/>
-      </a:schemeClr>
-      <a:schemeClr val="accent6">
-        <a:tint val="50000"/>
-      </a:schemeClr>
-    </dgm:fillClrLst>
-    <dgm:linClrLst meth="repeat">
-      <a:schemeClr val="lt1"/>
-    </dgm:linClrLst>
-    <dgm:effectClrLst/>
-    <dgm:txLinClrLst/>
-    <dgm:txFillClrLst meth="repeat">
-      <a:schemeClr val="lt1"/>
-    </dgm:txFillClrLst>
-    <dgm:txEffectClrLst/>
-  </dgm:styleLbl>
-  <dgm:styleLbl name="alignImgPlace1">
-    <dgm:fillClrLst>
-      <a:schemeClr val="accent1">
-        <a:tint val="50000"/>
-      </a:schemeClr>
-      <a:schemeClr val="accent2">
-        <a:tint val="20000"/>
-      </a:schemeClr>
-    </dgm:fillClrLst>
-    <dgm:linClrLst meth="repeat">
-      <a:schemeClr val="lt1"/>
-    </dgm:linClrLst>
-    <dgm:effectClrLst/>
-    <dgm:txLinClrLst/>
-    <dgm:txFillClrLst meth="repeat">
-      <a:schemeClr val="lt1"/>
-    </dgm:txFillClrLst>
-    <dgm:txEffectClrLst/>
-  </dgm:styleLbl>
-  <dgm:styleLbl name="bgImgPlace1">
-    <dgm:fillClrLst>
-      <a:schemeClr val="accent1">
-        <a:tint val="50000"/>
-      </a:schemeClr>
-      <a:schemeClr val="accent2">
-        <a:tint val="20000"/>
-      </a:schemeClr>
-    </dgm:fillClrLst>
-    <dgm:linClrLst meth="repeat">
-      <a:schemeClr val="lt1"/>
-    </dgm:linClrLst>
-    <dgm:effectClrLst/>
-    <dgm:txLinClrLst/>
-    <dgm:txFillClrLst meth="repeat">
-      <a:schemeClr val="lt1"/>
-    </dgm:txFillClrLst>
-    <dgm:txEffectClrLst/>
-  </dgm:styleLbl>
-  <dgm:styleLbl name="sibTrans2D1">
-    <dgm:fillClrLst meth="repeat">
-      <a:schemeClr val="accent2"/>
-      <a:schemeClr val="accent3"/>
-      <a:schemeClr val="accent4"/>
-      <a:schemeClr val="accent5"/>
-      <a:schemeClr val="accent6"/>
-    </dgm:fillClrLst>
-    <dgm:linClrLst meth="cycle">
-      <a:schemeClr val="lt1"/>
-    </dgm:linClrLst>
-    <dgm:effectClrLst/>
-    <dgm:txLinClrLst/>
-    <dgm:txFillClrLst/>
-    <dgm:txEffectClrLst/>
-  </dgm:styleLbl>
-  <dgm:styleLbl name="fgSibTrans2D1">
-    <dgm:fillClrLst meth="repeat">
-      <a:schemeClr val="accent2"/>
-      <a:schemeClr val="accent3"/>
-      <a:schemeClr val="accent4"/>
-      <a:schemeClr val="accent5"/>
-      <a:schemeClr val="accent6"/>
-    </dgm:fillClrLst>
-    <dgm:linClrLst meth="cycle">
-      <a:schemeClr val="lt1"/>
-    </dgm:linClrLst>
-    <dgm:effectClrLst/>
-    <dgm:txLinClrLst/>
-    <dgm:txFillClrLst meth="repeat">
-      <a:schemeClr val="lt1"/>
-    </dgm:txFillClrLst>
-    <dgm:txEffectClrLst/>
-  </dgm:styleLbl>
-  <dgm:styleLbl name="bgSibTrans2D1">
-    <dgm:fillClrLst meth="repeat">
-      <a:schemeClr val="accent2"/>
-      <a:schemeClr val="accent3"/>
-      <a:schemeClr val="accent4"/>
-      <a:schemeClr val="accent5"/>
-      <a:schemeClr val="accent6"/>
-    </dgm:fillClrLst>
-    <dgm:linClrLst meth="cycle">
-      <a:schemeClr val="lt1"/>
-    </dgm:linClrLst>
-    <dgm:effectClrLst/>
-    <dgm:txLinClrLst/>
-    <dgm:txFillClrLst meth="repeat">
-      <a:schemeClr val="lt1"/>
-    </dgm:txFillClrLst>
-    <dgm:txEffectClrLst/>
-  </dgm:styleLbl>
-  <dgm:styleLbl name="sibTrans1D1">
-    <dgm:fillClrLst meth="repeat">
-      <a:schemeClr val="accent2"/>
-      <a:schemeClr val="accent3"/>
-      <a:schemeClr val="accent4"/>
-      <a:schemeClr val="accent5"/>
-      <a:schemeClr val="accent6"/>
-    </dgm:fillClrLst>
-    <dgm:linClrLst meth="repeat">
-      <a:schemeClr val="accent2"/>
-      <a:schemeClr val="accent3"/>
-      <a:schemeClr val="accent4"/>
-      <a:schemeClr val="accent5"/>
-      <a:schemeClr val="accent6"/>
-    </dgm:linClrLst>
-    <dgm:effectClrLst/>
-    <dgm:txLinClrLst/>
-    <dgm:txFillClrLst meth="repeat">
-      <a:schemeClr val="tx1"/>
-    </dgm:txFillClrLst>
-    <dgm:txEffectClrLst/>
-  </dgm:styleLbl>
-  <dgm:styleLbl name="callout">
-    <dgm:fillClrLst meth="repeat">
-      <a:schemeClr val="accent2"/>
-    </dgm:fillClrLst>
-    <dgm:linClrLst meth="repeat">
-      <a:schemeClr val="accent2">
-        <a:tint val="50000"/>
-      </a:schemeClr>
-    </dgm:linClrLst>
-    <dgm:effectClrLst/>
-    <dgm:txLinClrLst/>
-    <dgm:txFillClrLst meth="repeat">
-      <a:schemeClr val="tx1"/>
-    </dgm:txFillClrLst>
-    <dgm:txEffectClrLst/>
-  </dgm:styleLbl>
-  <dgm:styleLbl name="asst0">
-    <dgm:fillClrLst meth="repeat">
-      <a:schemeClr val="accent1"/>
-    </dgm:fillClrLst>
-    <dgm:linClrLst meth="repeat">
-      <a:schemeClr val="lt1"/>
-    </dgm:linClrLst>
-    <dgm:effectClrLst/>
-    <dgm:txLinClrLst/>
-    <dgm:txFillClrLst/>
-    <dgm:txEffectClrLst/>
-  </dgm:styleLbl>
-  <dgm:styleLbl name="asst1">
-    <dgm:fillClrLst meth="repeat">
-      <a:schemeClr val="accent2"/>
-    </dgm:fillClrLst>
-    <dgm:linClrLst meth="repeat">
-      <a:schemeClr val="lt1"/>
-    </dgm:linClrLst>
-    <dgm:effectClrLst/>
-    <dgm:txLinClrLst/>
-    <dgm:txFillClrLst/>
-    <dgm:txEffectClrLst/>
-  </dgm:styleLbl>
-  <dgm:styleLbl name="asst2">
-    <dgm:fillClrLst>
-      <a:schemeClr val="accent3"/>
-    </dgm:fillClrLst>
-    <dgm:linClrLst meth="repeat">
-      <a:schemeClr val="lt1"/>
-    </dgm:linClrLst>
-    <dgm:effectClrLst/>
-    <dgm:txLinClrLst/>
-    <dgm:txFillClrLst/>
-    <dgm:txEffectClrLst/>
-  </dgm:styleLbl>
-  <dgm:styleLbl name="asst3">
-    <dgm:fillClrLst>
-      <a:schemeClr val="accent4"/>
-    </dgm:fillClrLst>
-    <dgm:linClrLst meth="repeat">
-      <a:schemeClr val="lt1"/>
-    </dgm:linClrLst>
-    <dgm:effectClrLst/>
-    <dgm:txLinClrLst/>
-    <dgm:txFillClrLst/>
-    <dgm:txEffectClrLst/>
-  </dgm:styleLbl>
-  <dgm:styleLbl name="asst4">
-    <dgm:fillClrLst>
-      <a:schemeClr val="accent5"/>
-    </dgm:fillClrLst>
-    <dgm:linClrLst meth="repeat">
-      <a:schemeClr val="lt1"/>
-    </dgm:linClrLst>
-    <dgm:effectClrLst/>
-    <dgm:txLinClrLst/>
-    <dgm:txFillClrLst/>
-    <dgm:txEffectClrLst/>
-  </dgm:styleLbl>
-  <dgm:styleLbl name="parChTrans2D1">
-    <dgm:fillClrLst meth="repeat">
-      <a:schemeClr val="accent2"/>
-    </dgm:fillClrLst>
-    <dgm:linClrLst meth="repeat">
-      <a:schemeClr val="lt1"/>
-    </dgm:linClrLst>
-    <dgm:effectClrLst/>
-    <dgm:txLinClrLst/>
-    <dgm:txFillClrLst meth="repeat">
-      <a:schemeClr val="lt1"/>
-    </dgm:txFillClrLst>
-    <dgm:txEffectClrLst/>
-  </dgm:styleLbl>
-  <dgm:styleLbl name="parChTrans2D2">
-    <dgm:fillClrLst meth="repeat">
-      <a:schemeClr val="accent3"/>
-    </dgm:fillClrLst>
-    <dgm:linClrLst meth="repeat">
-      <a:schemeClr val="lt1"/>
-    </dgm:linClrLst>
-    <dgm:effectClrLst/>
-    <dgm:txLinClrLst/>
-    <dgm:txFillClrLst/>
-    <dgm:txEffectClrLst/>
-  </dgm:styleLbl>
-  <dgm:styleLbl name="parChTrans2D3">
-    <dgm:fillClrLst meth="repeat">
-      <a:schemeClr val="accent4"/>
-    </dgm:fillClrLst>
-    <dgm:linClrLst meth="repeat">
-      <a:schemeClr val="lt1"/>
-    </dgm:linClrLst>
-    <dgm:effectClrLst/>
-    <dgm:txLinClrLst/>
-    <dgm:txFillClrLst/>
-    <dgm:txEffectClrLst/>
-  </dgm:styleLbl>
-  <dgm:styleLbl name="parChTrans2D4">
-    <dgm:fillClrLst meth="repeat">
-      <a:schemeClr val="accent5"/>
-    </dgm:fillClrLst>
-    <dgm:linClrLst meth="repeat">
-      <a:schemeClr val="lt1"/>
-    </dgm:linClrLst>
-    <dgm:effectClrLst/>
-    <dgm:txLinClrLst/>
-    <dgm:txFillClrLst meth="repeat">
-      <a:schemeClr val="lt1"/>
-    </dgm:txFillClrLst>
-    <dgm:txEffectClrLst/>
-  </dgm:styleLbl>
-  <dgm:styleLbl name="parChTrans1D1">
-    <dgm:fillClrLst meth="repeat">
-      <a:schemeClr val="accent2"/>
-    </dgm:fillClrLst>
-    <dgm:linClrLst meth="repeat">
-      <a:schemeClr val="accent1"/>
-    </dgm:linClrLst>
-    <dgm:effectClrLst/>
-    <dgm:txLinClrLst/>
-    <dgm:txFillClrLst meth="repeat">
-      <a:schemeClr val="tx1"/>
-    </dgm:txFillClrLst>
-    <dgm:txEffectClrLst/>
-  </dgm:styleLbl>
-  <dgm:styleLbl name="parChTrans1D2">
-    <dgm:fillClrLst meth="repeat">
-      <a:schemeClr val="accent3">
-        <a:tint val="90000"/>
-      </a:schemeClr>
-    </dgm:fillClrLst>
-    <dgm:linClrLst meth="repeat">
-      <a:schemeClr val="accent2"/>
-    </dgm:linClrLst>
-    <dgm:effectClrLst/>
-    <dgm:txLinClrLst/>
-    <dgm:txFillClrLst meth="repeat">
-      <a:schemeClr val="tx1"/>
-    </dgm:txFillClrLst>
-    <dgm:txEffectClrLst/>
-  </dgm:styleLbl>
-  <dgm:styleLbl name="parChTrans1D3">
-    <dgm:fillClrLst meth="repeat">
-      <a:schemeClr val="accent4">
-        <a:tint val="70000"/>
-      </a:schemeClr>
-    </dgm:fillClrLst>
-    <dgm:linClrLst meth="repeat">
-      <a:schemeClr val="accent3"/>
-    </dgm:linClrLst>
-    <dgm:effectClrLst/>
-    <dgm:txLinClrLst/>
-    <dgm:txFillClrLst meth="repeat">
-      <a:schemeClr val="tx1"/>
-    </dgm:txFillClrLst>
-    <dgm:txEffectClrLst/>
-  </dgm:styleLbl>
-  <dgm:styleLbl name="parChTrans1D4">
-    <dgm:fillClrLst meth="repeat">
-      <a:schemeClr val="accent5">
-        <a:tint val="50000"/>
-      </a:schemeClr>
-    </dgm:fillClrLst>
-    <dgm:linClrLst meth="repeat">
-      <a:schemeClr val="accent4"/>
-    </dgm:linClrLst>
-    <dgm:effectClrLst/>
-    <dgm:txLinClrLst/>
-    <dgm:txFillClrLst meth="repeat">
-      <a:schemeClr val="tx1"/>
-    </dgm:txFillClrLst>
-    <dgm:txEffectClrLst/>
-  </dgm:styleLbl>
-  <dgm:styleLbl name="fgAcc1">
-    <dgm:fillClrLst meth="repeat">
-      <a:schemeClr val="lt1">
-        <a:alpha val="90000"/>
-      </a:schemeClr>
-    </dgm:fillClrLst>
-    <dgm:linClrLst meth="repeat">
-      <a:schemeClr val="accent2"/>
-      <a:schemeClr val="accent3"/>
-      <a:schemeClr val="accent4"/>
-      <a:schemeClr val="accent5"/>
-      <a:schemeClr val="accent6"/>
-    </dgm:linClrLst>
-    <dgm:effectClrLst/>
-    <dgm:txLinClrLst/>
-    <dgm:txFillClrLst meth="repeat">
-      <a:schemeClr val="dk1"/>
-    </dgm:txFillClrLst>
-    <dgm:txEffectClrLst/>
-  </dgm:styleLbl>
-  <dgm:styleLbl name="conFgAcc1">
-    <dgm:fillClrLst meth="repeat">
-      <a:schemeClr val="lt1">
-        <a:alpha val="90000"/>
-      </a:schemeClr>
-    </dgm:fillClrLst>
-    <dgm:linClrLst meth="repeat">
-      <a:schemeClr val="accent2"/>
-      <a:schemeClr val="accent3"/>
-      <a:schemeClr val="accent4"/>
-      <a:schemeClr val="accent5"/>
-      <a:schemeClr val="accent6"/>
-    </dgm:linClrLst>
-    <dgm:effectClrLst/>
-    <dgm:txLinClrLst/>
-    <dgm:txFillClrLst meth="repeat">
-      <a:schemeClr val="dk1"/>
-    </dgm:txFillClrLst>
-    <dgm:txEffectClrLst/>
-  </dgm:styleLbl>
-  <dgm:styleLbl name="alignAcc1">
-    <dgm:fillClrLst meth="repeat">
-      <a:schemeClr val="lt1">
-        <a:alpha val="90000"/>
-      </a:schemeClr>
-    </dgm:fillClrLst>
-    <dgm:linClrLst meth="repeat">
-      <a:schemeClr val="accent2"/>
-      <a:schemeClr val="accent3"/>
-      <a:schemeClr val="accent4"/>
-      <a:schemeClr val="accent5"/>
-      <a:schemeClr val="accent6"/>
-    </dgm:linClrLst>
-    <dgm:effectClrLst/>
-    <dgm:txLinClrLst/>
-    <dgm:txFillClrLst meth="repeat">
-      <a:schemeClr val="dk1"/>
-    </dgm:txFillClrLst>
-    <dgm:txEffectClrLst/>
-  </dgm:styleLbl>
-  <dgm:styleLbl name="trAlignAcc1">
-    <dgm:fillClrLst meth="repeat">
-      <a:schemeClr val="lt1">
-        <a:alpha val="40000"/>
-      </a:schemeClr>
-    </dgm:fillClrLst>
-    <dgm:linClrLst meth="repeat">
-      <a:schemeClr val="accent1"/>
-    </dgm:linClrLst>
-    <dgm:effectClrLst/>
-    <dgm:txLinClrLst/>
-    <dgm:txFillClrLst meth="repeat">
-      <a:schemeClr val="dk1"/>
-    </dgm:txFillClrLst>
-    <dgm:txEffectClrLst/>
-  </dgm:styleLbl>
-  <dgm:styleLbl name="bgAcc1">
-    <dgm:fillClrLst meth="repeat">
-      <a:schemeClr val="lt1">
-        <a:alpha val="90000"/>
-      </a:schemeClr>
-    </dgm:fillClrLst>
-    <dgm:linClrLst meth="repeat">
-      <a:schemeClr val="accent2"/>
-      <a:schemeClr val="accent3"/>
-      <a:schemeClr val="accent4"/>
-      <a:schemeClr val="accent5"/>
-      <a:schemeClr val="accent6"/>
-    </dgm:linClrLst>
-    <dgm:effectClrLst/>
-    <dgm:txLinClrLst/>
-    <dgm:txFillClrLst meth="repeat">
-      <a:schemeClr val="dk1"/>
-    </dgm:txFillClrLst>
-    <dgm:txEffectClrLst/>
-  </dgm:styleLbl>
-  <dgm:styleLbl name="solidFgAcc1">
-    <dgm:fillClrLst meth="repeat">
-      <a:schemeClr val="lt1"/>
-    </dgm:fillClrLst>
-    <dgm:linClrLst meth="repeat">
-      <a:schemeClr val="accent2"/>
-      <a:schemeClr val="accent3"/>
-      <a:schemeClr val="accent4"/>
-      <a:schemeClr val="accent5"/>
-      <a:schemeClr val="accent6"/>
-    </dgm:linClrLst>
-    <dgm:effectClrLst/>
-    <dgm:txLinClrLst/>
-    <dgm:txFillClrLst meth="repeat">
-      <a:schemeClr val="dk1"/>
-    </dgm:txFillClrLst>
-    <dgm:txEffectClrLst/>
-  </dgm:styleLbl>
-  <dgm:styleLbl name="solidAlignAcc1">
-    <dgm:fillClrLst meth="repeat">
-      <a:schemeClr val="lt1"/>
-    </dgm:fillClrLst>
-    <dgm:linClrLst meth="repeat">
-      <a:schemeClr val="accent2"/>
-      <a:schemeClr val="accent3"/>
-      <a:schemeClr val="accent4"/>
-      <a:schemeClr val="accent5"/>
-      <a:schemeClr val="accent6"/>
-    </dgm:linClrLst>
-    <dgm:effectClrLst/>
-    <dgm:txLinClrLst/>
-    <dgm:txFillClrLst meth="repeat">
-      <a:schemeClr val="dk1"/>
-    </dgm:txFillClrLst>
-    <dgm:txEffectClrLst/>
-  </dgm:styleLbl>
-  <dgm:styleLbl name="solidBgAcc1">
-    <dgm:fillClrLst meth="repeat">
-      <a:schemeClr val="lt1"/>
-    </dgm:fillClrLst>
-    <dgm:linClrLst meth="repeat">
-      <a:schemeClr val="accent2"/>
-      <a:schemeClr val="accent3"/>
-      <a:schemeClr val="accent4"/>
-      <a:schemeClr val="accent5"/>
-      <a:schemeClr val="accent6"/>
-    </dgm:linClrLst>
-    <dgm:effectClrLst/>
-    <dgm:txLinClrLst/>
-    <dgm:txFillClrLst meth="repeat">
-      <a:schemeClr val="dk1"/>
-    </dgm:txFillClrLst>
-    <dgm:txEffectClrLst/>
-  </dgm:styleLbl>
-  <dgm:styleLbl name="fgAccFollowNode1">
-    <dgm:fillClrLst meth="repeat">
-      <a:schemeClr val="accent2">
-        <a:tint val="40000"/>
-        <a:alpha val="90000"/>
-      </a:schemeClr>
-      <a:schemeClr val="accent3">
-        <a:tint val="40000"/>
-        <a:alpha val="90000"/>
-      </a:schemeClr>
-      <a:schemeClr val="accent4">
-        <a:tint val="40000"/>
-        <a:alpha val="90000"/>
-      </a:schemeClr>
-      <a:schemeClr val="accent5">
-        <a:tint val="40000"/>
-        <a:alpha val="90000"/>
-      </a:schemeClr>
-      <a:schemeClr val="accent6">
-        <a:tint val="40000"/>
-        <a:alpha val="90000"/>
-      </a:schemeClr>
-    </dgm:fillClrLst>
-    <dgm:linClrLst meth="repeat">
-      <a:schemeClr val="accent2">
-        <a:tint val="40000"/>
-        <a:alpha val="90000"/>
-      </a:schemeClr>
-      <a:schemeClr val="accent3">
-        <a:tint val="40000"/>
-        <a:alpha val="90000"/>
-      </a:schemeClr>
-      <a:schemeClr val="accent4">
-        <a:tint val="40000"/>
-        <a:alpha val="90000"/>
-      </a:schemeClr>
-      <a:schemeClr val="accent5">
-        <a:tint val="40000"/>
-        <a:alpha val="90000"/>
-      </a:schemeClr>
-      <a:schemeClr val="accent6">
-        <a:tint val="40000"/>
-        <a:alpha val="90000"/>
-      </a:schemeClr>
-    </dgm:linClrLst>
-    <dgm:effectClrLst/>
-    <dgm:txLinClrLst/>
-    <dgm:txFillClrLst meth="repeat">
-      <a:schemeClr val="dk1"/>
-    </dgm:txFillClrLst>
-    <dgm:txEffectClrLst/>
-  </dgm:styleLbl>
-  <dgm:styleLbl name="alignAccFollowNode1">
-    <dgm:fillClrLst meth="repeat">
-      <a:schemeClr val="accent2">
-        <a:tint val="40000"/>
-        <a:alpha val="90000"/>
-      </a:schemeClr>
-      <a:schemeClr val="accent3">
-        <a:tint val="40000"/>
-        <a:alpha val="90000"/>
-      </a:schemeClr>
-      <a:schemeClr val="accent4">
-        <a:tint val="40000"/>
-        <a:alpha val="90000"/>
-      </a:schemeClr>
-      <a:schemeClr val="accent5">
-        <a:tint val="40000"/>
-        <a:alpha val="90000"/>
-      </a:schemeClr>
-      <a:schemeClr val="accent6">
-        <a:tint val="40000"/>
-        <a:alpha val="90000"/>
-      </a:schemeClr>
-    </dgm:fillClrLst>
-    <dgm:linClrLst meth="repeat">
-      <a:schemeClr val="accent2">
-        <a:tint val="40000"/>
-        <a:alpha val="90000"/>
-      </a:schemeClr>
-      <a:schemeClr val="accent3">
-        <a:tint val="40000"/>
-        <a:alpha val="90000"/>
-      </a:schemeClr>
-      <a:schemeClr val="accent4">
-        <a:tint val="40000"/>
-        <a:alpha val="90000"/>
-      </a:schemeClr>
-      <a:schemeClr val="accent5">
-        <a:tint val="40000"/>
-        <a:alpha val="90000"/>
-      </a:schemeClr>
-      <a:schemeClr val="accent6">
-        <a:tint val="40000"/>
-        <a:alpha val="90000"/>
-      </a:schemeClr>
-    </dgm:linClrLst>
-    <dgm:effectClrLst/>
-    <dgm:txLinClrLst/>
-    <dgm:txFillClrLst meth="repeat">
-      <a:schemeClr val="dk1"/>
-    </dgm:txFillClrLst>
-    <dgm:txEffectClrLst/>
-  </dgm:styleLbl>
-  <dgm:styleLbl name="bgAccFollowNode1">
-    <dgm:fillClrLst meth="repeat">
-      <a:schemeClr val="accent2">
-        <a:tint val="40000"/>
-        <a:alpha val="90000"/>
-      </a:schemeClr>
-      <a:schemeClr val="accent3">
-        <a:tint val="40000"/>
-        <a:alpha val="90000"/>
-      </a:schemeClr>
-      <a:schemeClr val="accent4">
-        <a:tint val="40000"/>
-        <a:alpha val="90000"/>
-      </a:schemeClr>
-      <a:schemeClr val="accent5">
-        <a:tint val="40000"/>
-        <a:alpha val="90000"/>
-      </a:schemeClr>
-      <a:schemeClr val="accent6">
-        <a:tint val="40000"/>
-        <a:alpha val="90000"/>
-      </a:schemeClr>
-    </dgm:fillClrLst>
-    <dgm:linClrLst meth="repeat">
-      <a:schemeClr val="accent2">
-        <a:tint val="40000"/>
-        <a:alpha val="90000"/>
-      </a:schemeClr>
-      <a:schemeClr val="accent3">
-        <a:tint val="40000"/>
-        <a:alpha val="90000"/>
-      </a:schemeClr>
-      <a:schemeClr val="accent4">
-        <a:tint val="40000"/>
-        <a:alpha val="90000"/>
-      </a:schemeClr>
-      <a:schemeClr val="accent5">
-        <a:tint val="40000"/>
-        <a:alpha val="90000"/>
-      </a:schemeClr>
-      <a:schemeClr val="accent6">
-        <a:tint val="40000"/>
-        <a:alpha val="90000"/>
-      </a:schemeClr>
-    </dgm:linClrLst>
-    <dgm:effectClrLst/>
-    <dgm:txLinClrLst/>
-    <dgm:txFillClrLst meth="repeat">
-      <a:schemeClr val="dk1"/>
-    </dgm:txFillClrLst>
-    <dgm:txEffectClrLst/>
-  </dgm:styleLbl>
-  <dgm:styleLbl name="fgAcc0">
-    <dgm:fillClrLst meth="repeat">
-      <a:schemeClr val="lt1">
-        <a:alpha val="90000"/>
-      </a:schemeClr>
-    </dgm:fillClrLst>
-    <dgm:linClrLst>
-      <a:schemeClr val="accent1"/>
-    </dgm:linClrLst>
-    <dgm:effectClrLst/>
-    <dgm:txLinClrLst/>
-    <dgm:txFillClrLst meth="repeat">
-      <a:schemeClr val="dk1"/>
-    </dgm:txFillClrLst>
-    <dgm:txEffectClrLst/>
-  </dgm:styleLbl>
-  <dgm:styleLbl name="fgAcc2">
-    <dgm:fillClrLst meth="repeat">
-      <a:schemeClr val="lt1">
-        <a:alpha val="90000"/>
-      </a:schemeClr>
-    </dgm:fillClrLst>
-    <dgm:linClrLst>
-      <a:schemeClr val="accent2"/>
-    </dgm:linClrLst>
-    <dgm:effectClrLst/>
-    <dgm:txLinClrLst/>
-    <dgm:txFillClrLst meth="repeat">
-      <a:schemeClr val="dk1"/>
-    </dgm:txFillClrLst>
-    <dgm:txEffectClrLst/>
-  </dgm:styleLbl>
-  <dgm:styleLbl name="fgAcc3">
-    <dgm:fillClrLst meth="repeat">
-      <a:schemeClr val="lt1">
-        <a:alpha val="90000"/>
-      </a:schemeClr>
-    </dgm:fillClrLst>
-    <dgm:linClrLst>
-      <a:schemeClr val="accent3"/>
-    </dgm:linClrLst>
-    <dgm:effectClrLst/>
-    <dgm:txLinClrLst/>
-    <dgm:txFillClrLst meth="repeat">
-      <a:schemeClr val="dk1"/>
-    </dgm:txFillClrLst>
-    <dgm:txEffectClrLst/>
-  </dgm:styleLbl>
-  <dgm:styleLbl name="fgAcc4">
-    <dgm:fillClrLst meth="repeat">
-      <a:schemeClr val="lt1">
-        <a:alpha val="90000"/>
-      </a:schemeClr>
-    </dgm:fillClrLst>
-    <dgm:linClrLst>
-      <a:schemeClr val="accent4"/>
-    </dgm:linClrLst>
-    <dgm:effectClrLst/>
-    <dgm:txLinClrLst/>
-    <dgm:txFillClrLst meth="repeat">
-      <a:schemeClr val="dk1"/>
-    </dgm:txFillClrLst>
-    <dgm:txEffectClrLst/>
-  </dgm:styleLbl>
-  <dgm:styleLbl name="bgShp">
-    <dgm:fillClrLst meth="repeat">
-      <a:schemeClr val="accent2"/>
-      <a:schemeClr val="accent3"/>
-      <a:schemeClr val="accent4"/>
-      <a:schemeClr val="accent5"/>
-      <a:schemeClr val="accent6"/>
-    </dgm:fillClrLst>
-    <dgm:linClrLst meth="repeat">
-      <a:schemeClr val="lt1">
-        <a:alpha val="0"/>
-      </a:schemeClr>
-    </dgm:linClrLst>
-    <dgm:effectClrLst/>
-    <dgm:txLinClrLst/>
-    <dgm:txFillClrLst/>
-    <dgm:txEffectClrLst/>
-  </dgm:styleLbl>
-  <dgm:styleLbl name="dkBgShp">
-    <dgm:fillClrLst meth="repeat">
-      <a:schemeClr val="accent2">
-        <a:shade val="90000"/>
-      </a:schemeClr>
-    </dgm:fillClrLst>
-    <dgm:linClrLst meth="repeat">
-      <a:schemeClr val="dk1"/>
-    </dgm:linClrLst>
-    <dgm:effectClrLst/>
-    <dgm:txLinClrLst/>
-    <dgm:txFillClrLst meth="repeat">
-      <a:schemeClr val="lt1"/>
-    </dgm:txFillClrLst>
-    <dgm:txEffectClrLst/>
-  </dgm:styleLbl>
-  <dgm:styleLbl name="trBgShp">
-    <dgm:fillClrLst meth="repeat">
-      <a:schemeClr val="accent1">
-        <a:tint val="50000"/>
-        <a:alpha val="40000"/>
-      </a:schemeClr>
-    </dgm:fillClrLst>
-    <dgm:linClrLst meth="repeat">
-      <a:schemeClr val="accent2"/>
-    </dgm:linClrLst>
-    <dgm:effectClrLst/>
-    <dgm:txLinClrLst/>
-    <dgm:txFillClrLst meth="repeat">
-      <a:schemeClr val="lt1"/>
-    </dgm:txFillClrLst>
-    <dgm:txEffectClrLst/>
-  </dgm:styleLbl>
-  <dgm:styleLbl name="fgShp">
-    <dgm:fillClrLst meth="repeat">
-      <a:schemeClr val="accent2">
-        <a:tint val="40000"/>
-      </a:schemeClr>
-    </dgm:fillClrLst>
-    <dgm:linClrLst meth="repeat">
-      <a:schemeClr val="lt1"/>
-    </dgm:linClrLst>
-    <dgm:effectClrLst/>
-    <dgm:txLinClrLst/>
-    <dgm:txFillClrLst meth="repeat">
-      <a:schemeClr val="dk1"/>
-    </dgm:txFillClrLst>
-    <dgm:txEffectClrLst/>
-  </dgm:styleLbl>
-  <dgm:styleLbl name="revTx">
-    <dgm:fillClrLst meth="repeat">
-      <a:schemeClr val="lt1">
-        <a:alpha val="0"/>
-      </a:schemeClr>
-    </dgm:fillClrLst>
-    <dgm:linClrLst meth="repeat">
-      <a:schemeClr val="dk1">
-        <a:alpha val="0"/>
-      </a:schemeClr>
-    </dgm:linClrLst>
-    <dgm:effectClrLst/>
-    <dgm:txLinClrLst/>
-    <dgm:txFillClrLst meth="repeat">
-      <a:schemeClr val="tx1"/>
-    </dgm:txFillClrLst>
-    <dgm:txEffectClrLst/>
-  </dgm:styleLbl>
-</dgm:colorsDef>
-</file>
-
 <file path=ppt/diagrams/data1.xml><?xml version="1.0" encoding="utf-8"?>
 <dgm:dataModel xmlns:dgm="http://schemas.openxmlformats.org/drawingml/2006/diagram" xmlns:a="http://schemas.openxmlformats.org/drawingml/2006/main">
   <dgm:ptLst>
@@ -4754,7 +2915,7 @@
           </a:pPr>
           <a:r>
             <a:rPr lang="en-US" dirty="0"/>
-            <a:t>Customer reviews</a:t>
+            <a:t>Discounting strategy</a:t>
           </a:r>
         </a:p>
       </dgm:t>
@@ -4796,7 +2957,7 @@
           </a:pPr>
           <a:r>
             <a:rPr lang="en-US" dirty="0"/>
-            <a:t>Discounting strategy</a:t>
+            <a:t>Customer reviews</a:t>
           </a:r>
         </a:p>
       </dgm:t>
@@ -4838,7 +2999,7 @@
           </a:pPr>
           <a:r>
             <a:rPr lang="en-US" dirty="0"/>
-            <a:t>Category</a:t>
+            <a:t>Customer ratings</a:t>
           </a:r>
         </a:p>
       </dgm:t>
@@ -5538,26 +3699,6 @@
             <a:t>Product category</a:t>
           </a:r>
         </a:p>
-        <a:p>
-          <a:pPr>
-            <a:lnSpc>
-              <a:spcPct val="100000"/>
-            </a:lnSpc>
-            <a:defRPr cap="all"/>
-          </a:pPr>
-          <a:r>
-            <a:rPr lang="en-US" dirty="0"/>
-            <a:t>Gender binning (</a:t>
-          </a:r>
-          <a:r>
-            <a:rPr lang="en-US" dirty="0" err="1"/>
-            <a:t>nike</a:t>
-          </a:r>
-          <a:r>
-            <a:rPr lang="en-US" dirty="0"/>
-            <a:t>)</a:t>
-          </a:r>
-        </a:p>
       </dgm:t>
     </dgm:pt>
     <dgm:pt modelId="{CAD7EF86-FB23-41F6-BF42-040B36DEFDB1}" type="parTrans" cxnId="{C7AD8469-3C68-4AF9-AB82-79B0043AA120}">
@@ -5660,712 +3801,6 @@
           <a:r>
             <a:rPr lang="en-US" dirty="0"/>
             <a:t> rows</a:t>
-          </a:r>
-        </a:p>
-        <a:p>
-          <a:pPr>
-            <a:lnSpc>
-              <a:spcPct val="100000"/>
-            </a:lnSpc>
-            <a:defRPr cap="all"/>
-          </a:pPr>
-          <a:endParaRPr lang="en-US" dirty="0"/>
-        </a:p>
-        <a:p>
-          <a:pPr>
-            <a:lnSpc>
-              <a:spcPct val="100000"/>
-            </a:lnSpc>
-            <a:defRPr cap="all"/>
-          </a:pPr>
-          <a:endParaRPr lang="en-US" dirty="0"/>
-        </a:p>
-      </dgm:t>
-    </dgm:pt>
-    <dgm:pt modelId="{A7920A2F-3244-4159-AF04-6A1D38B7B317}" type="parTrans" cxnId="{C4CCE57E-E871-46D6-BAD5-880252C95D22}">
-      <dgm:prSet/>
-      <dgm:spPr/>
-      <dgm:t>
-        <a:bodyPr/>
-        <a:lstStyle/>
-        <a:p>
-          <a:endParaRPr lang="en-US"/>
-        </a:p>
-      </dgm:t>
-    </dgm:pt>
-    <dgm:pt modelId="{8500F72A-2C6D-4FDF-9C1D-CA691380EB0B}" type="sibTrans" cxnId="{C4CCE57E-E871-46D6-BAD5-880252C95D22}">
-      <dgm:prSet/>
-      <dgm:spPr/>
-      <dgm:t>
-        <a:bodyPr/>
-        <a:lstStyle/>
-        <a:p>
-          <a:endParaRPr lang="en-US"/>
-        </a:p>
-      </dgm:t>
-    </dgm:pt>
-    <dgm:pt modelId="{50B3CE7C-E10B-4E23-BD93-03664997C932}" type="pres">
-      <dgm:prSet presAssocID="{01A66772-F185-4D58-B8BB-E9370D7A7A2B}" presName="root" presStyleCnt="0">
-        <dgm:presLayoutVars>
-          <dgm:dir/>
-          <dgm:resizeHandles val="exact"/>
-        </dgm:presLayoutVars>
-      </dgm:prSet>
-      <dgm:spPr/>
-    </dgm:pt>
-    <dgm:pt modelId="{DE9CE479-E4AE-4283-AEF1-10C1535B4324}" type="pres">
-      <dgm:prSet presAssocID="{40FC4FFE-8987-4A26-B7F4-8A516F18ADAE}" presName="compNode" presStyleCnt="0"/>
-      <dgm:spPr/>
-    </dgm:pt>
-    <dgm:pt modelId="{B59FCF02-CAD2-4D6F-9542-AD86711168CA}" type="pres">
-      <dgm:prSet presAssocID="{40FC4FFE-8987-4A26-B7F4-8A516F18ADAE}" presName="iconBgRect" presStyleLbl="bgShp" presStyleIdx="0" presStyleCnt="3"/>
-      <dgm:spPr/>
-    </dgm:pt>
-    <dgm:pt modelId="{7C175B98-93F4-4D7C-BB95-1514AB879CD5}" type="pres">
-      <dgm:prSet presAssocID="{40FC4FFE-8987-4A26-B7F4-8A516F18ADAE}" presName="iconRect" presStyleLbl="node1" presStyleIdx="0" presStyleCnt="3"/>
-      <dgm:spPr>
-        <a:blipFill>
-          <a:blip xmlns:r="http://schemas.openxmlformats.org/officeDocument/2006/relationships" r:embed="rId1">
-            <a:extLst>
-              <a:ext uri="{28A0092B-C50C-407E-A947-70E740481C1C}">
-                <a14:useLocalDpi xmlns:a14="http://schemas.microsoft.com/office/drawing/2010/main" val="0"/>
-              </a:ext>
-              <a:ext uri="{96DAC541-7B7A-43D3-8B79-37D633B846F1}">
-                <asvg:svgBlip xmlns:asvg="http://schemas.microsoft.com/office/drawing/2016/SVG/main" r:embed="rId2"/>
-              </a:ext>
-            </a:extLst>
-          </a:blip>
-          <a:srcRect/>
-          <a:stretch>
-            <a:fillRect/>
-          </a:stretch>
-        </a:blipFill>
-        <a:ln>
-          <a:noFill/>
-        </a:ln>
-      </dgm:spPr>
-      <dgm:extLst>
-        <a:ext uri="{E40237B7-FDA0-4F09-8148-C483321AD2D9}">
-          <dgm14:cNvPr xmlns:dgm14="http://schemas.microsoft.com/office/drawing/2010/diagram" id="0" name="" descr="Bar graph with downward trend"/>
-        </a:ext>
-      </dgm:extLst>
-    </dgm:pt>
-    <dgm:pt modelId="{677A3090-5F01-43FD-9FA6-C0420AD80FD6}" type="pres">
-      <dgm:prSet presAssocID="{40FC4FFE-8987-4A26-B7F4-8A516F18ADAE}" presName="spaceRect" presStyleCnt="0"/>
-      <dgm:spPr/>
-    </dgm:pt>
-    <dgm:pt modelId="{127117FB-F8A7-4A20-A8A7-EC686DDC76D0}" type="pres">
-      <dgm:prSet presAssocID="{40FC4FFE-8987-4A26-B7F4-8A516F18ADAE}" presName="textRect" presStyleLbl="revTx" presStyleIdx="0" presStyleCnt="3">
-        <dgm:presLayoutVars>
-          <dgm:chMax val="1"/>
-          <dgm:chPref val="1"/>
-        </dgm:presLayoutVars>
-      </dgm:prSet>
-      <dgm:spPr/>
-    </dgm:pt>
-    <dgm:pt modelId="{FD1EED9C-83D3-41AD-A09B-D3B36354168F}" type="pres">
-      <dgm:prSet presAssocID="{5B62599A-5C9B-48E7-896E-EA782AC60C8B}" presName="sibTrans" presStyleCnt="0"/>
-      <dgm:spPr/>
-    </dgm:pt>
-    <dgm:pt modelId="{C998AB0A-577D-44AA-A068-F634DDE7BD47}" type="pres">
-      <dgm:prSet presAssocID="{49225C73-1633-42F1-AB3B-7CB183E5F8B8}" presName="compNode" presStyleCnt="0"/>
-      <dgm:spPr/>
-    </dgm:pt>
-    <dgm:pt modelId="{BCD8CDD9-0C56-4401-ADB1-8B48DAB2C96F}" type="pres">
-      <dgm:prSet presAssocID="{49225C73-1633-42F1-AB3B-7CB183E5F8B8}" presName="iconBgRect" presStyleLbl="bgShp" presStyleIdx="1" presStyleCnt="3"/>
-      <dgm:spPr/>
-    </dgm:pt>
-    <dgm:pt modelId="{DB4CA7C4-FCA1-4127-B20A-2A5C031A3CF4}" type="pres">
-      <dgm:prSet presAssocID="{49225C73-1633-42F1-AB3B-7CB183E5F8B8}" presName="iconRect" presStyleLbl="node1" presStyleIdx="1" presStyleCnt="3"/>
-      <dgm:spPr>
-        <a:blipFill>
-          <a:blip xmlns:r="http://schemas.openxmlformats.org/officeDocument/2006/relationships" r:embed="rId3">
-            <a:extLst>
-              <a:ext uri="{28A0092B-C50C-407E-A947-70E740481C1C}">
-                <a14:useLocalDpi xmlns:a14="http://schemas.microsoft.com/office/drawing/2010/main" val="0"/>
-              </a:ext>
-              <a:ext uri="{96DAC541-7B7A-43D3-8B79-37D633B846F1}">
-                <asvg:svgBlip xmlns:asvg="http://schemas.microsoft.com/office/drawing/2016/SVG/main" r:embed="rId4"/>
-              </a:ext>
-            </a:extLst>
-          </a:blip>
-          <a:srcRect/>
-          <a:stretch>
-            <a:fillRect/>
-          </a:stretch>
-        </a:blipFill>
-        <a:ln>
-          <a:noFill/>
-        </a:ln>
-      </dgm:spPr>
-      <dgm:extLst>
-        <a:ext uri="{E40237B7-FDA0-4F09-8148-C483321AD2D9}">
-          <dgm14:cNvPr xmlns:dgm14="http://schemas.microsoft.com/office/drawing/2010/diagram" id="0" name="" descr="Presentation with bar chart"/>
-        </a:ext>
-      </dgm:extLst>
-    </dgm:pt>
-    <dgm:pt modelId="{9B0C8FBF-0BDD-48A5-967E-F3FE71659F6A}" type="pres">
-      <dgm:prSet presAssocID="{49225C73-1633-42F1-AB3B-7CB183E5F8B8}" presName="spaceRect" presStyleCnt="0"/>
-      <dgm:spPr/>
-    </dgm:pt>
-    <dgm:pt modelId="{7E6FE37A-5DB0-4899-9FCB-0CE39BC185F8}" type="pres">
-      <dgm:prSet presAssocID="{49225C73-1633-42F1-AB3B-7CB183E5F8B8}" presName="textRect" presStyleLbl="revTx" presStyleIdx="1" presStyleCnt="3">
-        <dgm:presLayoutVars>
-          <dgm:chMax val="1"/>
-          <dgm:chPref val="1"/>
-        </dgm:presLayoutVars>
-      </dgm:prSet>
-      <dgm:spPr/>
-    </dgm:pt>
-    <dgm:pt modelId="{5A266296-0042-402F-92EF-D59AB148E92E}" type="pres">
-      <dgm:prSet presAssocID="{9646853A-8964-4519-A5B1-0B7D18B2983D}" presName="sibTrans" presStyleCnt="0"/>
-      <dgm:spPr/>
-    </dgm:pt>
-    <dgm:pt modelId="{ECFA770B-DE2C-4683-A038-58D0FE44BC27}" type="pres">
-      <dgm:prSet presAssocID="{1C383F32-22E8-4F62-A3E0-BDC3D5F48992}" presName="compNode" presStyleCnt="0"/>
-      <dgm:spPr/>
-    </dgm:pt>
-    <dgm:pt modelId="{FF93E135-77D6-48A0-8871-9BC93D705D06}" type="pres">
-      <dgm:prSet presAssocID="{1C383F32-22E8-4F62-A3E0-BDC3D5F48992}" presName="iconBgRect" presStyleLbl="bgShp" presStyleIdx="2" presStyleCnt="3"/>
-      <dgm:spPr/>
-    </dgm:pt>
-    <dgm:pt modelId="{39509775-983E-4110-B989-EE2CD6514BE0}" type="pres">
-      <dgm:prSet presAssocID="{1C383F32-22E8-4F62-A3E0-BDC3D5F48992}" presName="iconRect" presStyleLbl="node1" presStyleIdx="2" presStyleCnt="3"/>
-      <dgm:spPr>
-        <a:blipFill>
-          <a:blip xmlns:r="http://schemas.openxmlformats.org/officeDocument/2006/relationships" r:embed="rId5">
-            <a:extLst>
-              <a:ext uri="{28A0092B-C50C-407E-A947-70E740481C1C}">
-                <a14:useLocalDpi xmlns:a14="http://schemas.microsoft.com/office/drawing/2010/main" val="0"/>
-              </a:ext>
-              <a:ext uri="{96DAC541-7B7A-43D3-8B79-37D633B846F1}">
-                <asvg:svgBlip xmlns:asvg="http://schemas.microsoft.com/office/drawing/2016/SVG/main" r:embed="rId6"/>
-              </a:ext>
-            </a:extLst>
-          </a:blip>
-          <a:srcRect/>
-          <a:stretch>
-            <a:fillRect/>
-          </a:stretch>
-        </a:blipFill>
-        <a:ln>
-          <a:noFill/>
-        </a:ln>
-      </dgm:spPr>
-      <dgm:extLst>
-        <a:ext uri="{E40237B7-FDA0-4F09-8148-C483321AD2D9}">
-          <dgm14:cNvPr xmlns:dgm14="http://schemas.microsoft.com/office/drawing/2010/diagram" id="0" name="" descr="Stopwatch"/>
-        </a:ext>
-      </dgm:extLst>
-    </dgm:pt>
-    <dgm:pt modelId="{493B43B2-705C-4AE5-8A77-D8DEEDA1B5CF}" type="pres">
-      <dgm:prSet presAssocID="{1C383F32-22E8-4F62-A3E0-BDC3D5F48992}" presName="spaceRect" presStyleCnt="0"/>
-      <dgm:spPr/>
-    </dgm:pt>
-    <dgm:pt modelId="{1AEDC777-00B3-41D7-9AE1-23D741E941C3}" type="pres">
-      <dgm:prSet presAssocID="{1C383F32-22E8-4F62-A3E0-BDC3D5F48992}" presName="textRect" presStyleLbl="revTx" presStyleIdx="2" presStyleCnt="3">
-        <dgm:presLayoutVars>
-          <dgm:chMax val="1"/>
-          <dgm:chPref val="1"/>
-        </dgm:presLayoutVars>
-      </dgm:prSet>
-      <dgm:spPr/>
-    </dgm:pt>
-  </dgm:ptLst>
-  <dgm:cxnLst>
-    <dgm:cxn modelId="{A9154303-8225-4248-91DC-1B0156A35F07}" srcId="{01A66772-F185-4D58-B8BB-E9370D7A7A2B}" destId="{49225C73-1633-42F1-AB3B-7CB183E5F8B8}" srcOrd="1" destOrd="0" parTransId="{1A0E2090-1D4F-438A-8766-B6030CE01ADD}" sibTransId="{9646853A-8964-4519-A5B1-0B7D18B2983D}"/>
-    <dgm:cxn modelId="{7A710F69-5154-4855-ACF5-BC7C1BF85A80}" type="presOf" srcId="{49225C73-1633-42F1-AB3B-7CB183E5F8B8}" destId="{7E6FE37A-5DB0-4899-9FCB-0CE39BC185F8}" srcOrd="0" destOrd="0" presId="urn:microsoft.com/office/officeart/2018/5/layout/IconCircleLabelList"/>
-    <dgm:cxn modelId="{C7AD8469-3C68-4AF9-AB82-79B0043AA120}" srcId="{01A66772-F185-4D58-B8BB-E9370D7A7A2B}" destId="{40FC4FFE-8987-4A26-B7F4-8A516F18ADAE}" srcOrd="0" destOrd="0" parTransId="{CAD7EF86-FB23-41F6-BF42-040B36DEFDB1}" sibTransId="{5B62599A-5C9B-48E7-896E-EA782AC60C8B}"/>
-    <dgm:cxn modelId="{676D3A6A-6EA7-4483-BB12-0BD4A7D7AF9D}" type="presOf" srcId="{01A66772-F185-4D58-B8BB-E9370D7A7A2B}" destId="{50B3CE7C-E10B-4E23-BD93-03664997C932}" srcOrd="0" destOrd="0" presId="urn:microsoft.com/office/officeart/2018/5/layout/IconCircleLabelList"/>
-    <dgm:cxn modelId="{1496FC70-DB8B-48D4-98DE-DD2856E389EE}" type="presOf" srcId="{1C383F32-22E8-4F62-A3E0-BDC3D5F48992}" destId="{1AEDC777-00B3-41D7-9AE1-23D741E941C3}" srcOrd="0" destOrd="0" presId="urn:microsoft.com/office/officeart/2018/5/layout/IconCircleLabelList"/>
-    <dgm:cxn modelId="{C4CCE57E-E871-46D6-BAD5-880252C95D22}" srcId="{01A66772-F185-4D58-B8BB-E9370D7A7A2B}" destId="{1C383F32-22E8-4F62-A3E0-BDC3D5F48992}" srcOrd="2" destOrd="0" parTransId="{A7920A2F-3244-4159-AF04-6A1D38B7B317}" sibTransId="{8500F72A-2C6D-4FDF-9C1D-CA691380EB0B}"/>
-    <dgm:cxn modelId="{355227E3-55E0-4343-BC8D-FC0EB1694F48}" type="presOf" srcId="{40FC4FFE-8987-4A26-B7F4-8A516F18ADAE}" destId="{127117FB-F8A7-4A20-A8A7-EC686DDC76D0}" srcOrd="0" destOrd="0" presId="urn:microsoft.com/office/officeart/2018/5/layout/IconCircleLabelList"/>
-    <dgm:cxn modelId="{555498CB-3ED1-404E-A25F-EB243EFC5FB1}" type="presParOf" srcId="{50B3CE7C-E10B-4E23-BD93-03664997C932}" destId="{DE9CE479-E4AE-4283-AEF1-10C1535B4324}" srcOrd="0" destOrd="0" presId="urn:microsoft.com/office/officeart/2018/5/layout/IconCircleLabelList"/>
-    <dgm:cxn modelId="{11F12D49-CD08-4D50-BD13-3ECBC3A476A4}" type="presParOf" srcId="{DE9CE479-E4AE-4283-AEF1-10C1535B4324}" destId="{B59FCF02-CAD2-4D6F-9542-AD86711168CA}" srcOrd="0" destOrd="0" presId="urn:microsoft.com/office/officeart/2018/5/layout/IconCircleLabelList"/>
-    <dgm:cxn modelId="{F443A659-540B-487B-97F9-49219CF60D6B}" type="presParOf" srcId="{DE9CE479-E4AE-4283-AEF1-10C1535B4324}" destId="{7C175B98-93F4-4D7C-BB95-1514AB879CD5}" srcOrd="1" destOrd="0" presId="urn:microsoft.com/office/officeart/2018/5/layout/IconCircleLabelList"/>
-    <dgm:cxn modelId="{A503D7AB-7D64-4163-93B5-1CEEDAE81823}" type="presParOf" srcId="{DE9CE479-E4AE-4283-AEF1-10C1535B4324}" destId="{677A3090-5F01-43FD-9FA6-C0420AD80FD6}" srcOrd="2" destOrd="0" presId="urn:microsoft.com/office/officeart/2018/5/layout/IconCircleLabelList"/>
-    <dgm:cxn modelId="{780188ED-7DCE-45BB-B6AF-91BE48969612}" type="presParOf" srcId="{DE9CE479-E4AE-4283-AEF1-10C1535B4324}" destId="{127117FB-F8A7-4A20-A8A7-EC686DDC76D0}" srcOrd="3" destOrd="0" presId="urn:microsoft.com/office/officeart/2018/5/layout/IconCircleLabelList"/>
-    <dgm:cxn modelId="{155719F8-A89B-4E96-BC49-C48BC717F480}" type="presParOf" srcId="{50B3CE7C-E10B-4E23-BD93-03664997C932}" destId="{FD1EED9C-83D3-41AD-A09B-D3B36354168F}" srcOrd="1" destOrd="0" presId="urn:microsoft.com/office/officeart/2018/5/layout/IconCircleLabelList"/>
-    <dgm:cxn modelId="{2772E199-56B0-4310-A55E-67D00CA3E59E}" type="presParOf" srcId="{50B3CE7C-E10B-4E23-BD93-03664997C932}" destId="{C998AB0A-577D-44AA-A068-F634DDE7BD47}" srcOrd="2" destOrd="0" presId="urn:microsoft.com/office/officeart/2018/5/layout/IconCircleLabelList"/>
-    <dgm:cxn modelId="{4E351D18-D97F-4B92-A608-2E9600B91C28}" type="presParOf" srcId="{C998AB0A-577D-44AA-A068-F634DDE7BD47}" destId="{BCD8CDD9-0C56-4401-ADB1-8B48DAB2C96F}" srcOrd="0" destOrd="0" presId="urn:microsoft.com/office/officeart/2018/5/layout/IconCircleLabelList"/>
-    <dgm:cxn modelId="{B3DC724C-4569-4E9D-BD5A-49E4CD991FD0}" type="presParOf" srcId="{C998AB0A-577D-44AA-A068-F634DDE7BD47}" destId="{DB4CA7C4-FCA1-4127-B20A-2A5C031A3CF4}" srcOrd="1" destOrd="0" presId="urn:microsoft.com/office/officeart/2018/5/layout/IconCircleLabelList"/>
-    <dgm:cxn modelId="{AD1AB552-CCE0-4911-BB9E-5D4A60B21F4F}" type="presParOf" srcId="{C998AB0A-577D-44AA-A068-F634DDE7BD47}" destId="{9B0C8FBF-0BDD-48A5-967E-F3FE71659F6A}" srcOrd="2" destOrd="0" presId="urn:microsoft.com/office/officeart/2018/5/layout/IconCircleLabelList"/>
-    <dgm:cxn modelId="{8558F796-2D01-40FE-A21A-7530EEBC3BC3}" type="presParOf" srcId="{C998AB0A-577D-44AA-A068-F634DDE7BD47}" destId="{7E6FE37A-5DB0-4899-9FCB-0CE39BC185F8}" srcOrd="3" destOrd="0" presId="urn:microsoft.com/office/officeart/2018/5/layout/IconCircleLabelList"/>
-    <dgm:cxn modelId="{1532E2BE-82E9-40A4-A6F7-40B60FC879AE}" type="presParOf" srcId="{50B3CE7C-E10B-4E23-BD93-03664997C932}" destId="{5A266296-0042-402F-92EF-D59AB148E92E}" srcOrd="3" destOrd="0" presId="urn:microsoft.com/office/officeart/2018/5/layout/IconCircleLabelList"/>
-    <dgm:cxn modelId="{3A7F4DB9-1469-4F58-B633-24B7EEE084D1}" type="presParOf" srcId="{50B3CE7C-E10B-4E23-BD93-03664997C932}" destId="{ECFA770B-DE2C-4683-A038-58D0FE44BC27}" srcOrd="4" destOrd="0" presId="urn:microsoft.com/office/officeart/2018/5/layout/IconCircleLabelList"/>
-    <dgm:cxn modelId="{91311827-CDAC-4BA8-B4A3-117AFD1CEE2D}" type="presParOf" srcId="{ECFA770B-DE2C-4683-A038-58D0FE44BC27}" destId="{FF93E135-77D6-48A0-8871-9BC93D705D06}" srcOrd="0" destOrd="0" presId="urn:microsoft.com/office/officeart/2018/5/layout/IconCircleLabelList"/>
-    <dgm:cxn modelId="{83B7CA40-11B7-4507-8422-A40F02D469B2}" type="presParOf" srcId="{ECFA770B-DE2C-4683-A038-58D0FE44BC27}" destId="{39509775-983E-4110-B989-EE2CD6514BE0}" srcOrd="1" destOrd="0" presId="urn:microsoft.com/office/officeart/2018/5/layout/IconCircleLabelList"/>
-    <dgm:cxn modelId="{A44BB251-01EB-4DEF-A28C-6D495183E4DC}" type="presParOf" srcId="{ECFA770B-DE2C-4683-A038-58D0FE44BC27}" destId="{493B43B2-705C-4AE5-8A77-D8DEEDA1B5CF}" srcOrd="2" destOrd="0" presId="urn:microsoft.com/office/officeart/2018/5/layout/IconCircleLabelList"/>
-    <dgm:cxn modelId="{1EFA52DF-3C80-4DAA-BED6-AFE2F81796B2}" type="presParOf" srcId="{ECFA770B-DE2C-4683-A038-58D0FE44BC27}" destId="{1AEDC777-00B3-41D7-9AE1-23D741E941C3}" srcOrd="3" destOrd="0" presId="urn:microsoft.com/office/officeart/2018/5/layout/IconCircleLabelList"/>
-  </dgm:cxnLst>
-  <dgm:bg/>
-  <dgm:whole/>
-  <dgm:extLst>
-    <a:ext uri="http://schemas.microsoft.com/office/drawing/2008/diagram">
-      <dsp:dataModelExt xmlns:dsp="http://schemas.microsoft.com/office/drawing/2008/diagram" relId="rId7" minVer="http://schemas.openxmlformats.org/drawingml/2006/diagram"/>
-    </a:ext>
-  </dgm:extLst>
-</dgm:dataModel>
-</file>
-
-<file path=ppt/diagrams/data4.xml><?xml version="1.0" encoding="utf-8"?>
-<dgm:dataModel xmlns:dgm="http://schemas.openxmlformats.org/drawingml/2006/diagram" xmlns:a="http://schemas.openxmlformats.org/drawingml/2006/main">
-  <dgm:ptLst>
-    <dgm:pt modelId="{01A66772-F185-4D58-B8BB-E9370D7A7A2B}" type="doc">
-      <dgm:prSet loTypeId="urn:microsoft.com/office/officeart/2018/5/layout/IconCircleLabelList" loCatId="icon" qsTypeId="urn:microsoft.com/office/officeart/2005/8/quickstyle/simple1" qsCatId="simple" csTypeId="urn:microsoft.com/office/officeart/2018/5/colors/Iconchunking_neutralicon_colorful1" csCatId="colorful" phldr="1"/>
-      <dgm:spPr/>
-      <dgm:t>
-        <a:bodyPr/>
-        <a:lstStyle/>
-        <a:p>
-          <a:endParaRPr lang="en-US"/>
-        </a:p>
-      </dgm:t>
-    </dgm:pt>
-    <dgm:pt modelId="{40FC4FFE-8987-4A26-B7F4-8A516F18ADAE}">
-      <dgm:prSet/>
-      <dgm:spPr/>
-      <dgm:t>
-        <a:bodyPr/>
-        <a:lstStyle/>
-        <a:p>
-          <a:pPr>
-            <a:lnSpc>
-              <a:spcPct val="100000"/>
-            </a:lnSpc>
-            <a:defRPr cap="all"/>
-          </a:pPr>
-          <a:r>
-            <a:rPr lang="en-US" dirty="0"/>
-            <a:t>Nike vs adidas</a:t>
-          </a:r>
-        </a:p>
-      </dgm:t>
-    </dgm:pt>
-    <dgm:pt modelId="{CAD7EF86-FB23-41F6-BF42-040B36DEFDB1}" type="parTrans" cxnId="{C7AD8469-3C68-4AF9-AB82-79B0043AA120}">
-      <dgm:prSet/>
-      <dgm:spPr/>
-      <dgm:t>
-        <a:bodyPr/>
-        <a:lstStyle/>
-        <a:p>
-          <a:endParaRPr lang="en-US"/>
-        </a:p>
-      </dgm:t>
-    </dgm:pt>
-    <dgm:pt modelId="{5B62599A-5C9B-48E7-896E-EA782AC60C8B}" type="sibTrans" cxnId="{C7AD8469-3C68-4AF9-AB82-79B0043AA120}">
-      <dgm:prSet/>
-      <dgm:spPr/>
-      <dgm:t>
-        <a:bodyPr/>
-        <a:lstStyle/>
-        <a:p>
-          <a:endParaRPr lang="en-US"/>
-        </a:p>
-      </dgm:t>
-    </dgm:pt>
-    <dgm:pt modelId="{49225C73-1633-42F1-AB3B-7CB183E5F8B8}">
-      <dgm:prSet/>
-      <dgm:spPr/>
-      <dgm:t>
-        <a:bodyPr/>
-        <a:lstStyle/>
-        <a:p>
-          <a:pPr>
-            <a:lnSpc>
-              <a:spcPct val="100000"/>
-            </a:lnSpc>
-            <a:defRPr cap="all"/>
-          </a:pPr>
-          <a:r>
-            <a:rPr lang="en-US" dirty="0"/>
-            <a:t>Gender analysis</a:t>
-          </a:r>
-        </a:p>
-      </dgm:t>
-    </dgm:pt>
-    <dgm:pt modelId="{1A0E2090-1D4F-438A-8766-B6030CE01ADD}" type="parTrans" cxnId="{A9154303-8225-4248-91DC-1B0156A35F07}">
-      <dgm:prSet/>
-      <dgm:spPr/>
-      <dgm:t>
-        <a:bodyPr/>
-        <a:lstStyle/>
-        <a:p>
-          <a:endParaRPr lang="en-US"/>
-        </a:p>
-      </dgm:t>
-    </dgm:pt>
-    <dgm:pt modelId="{9646853A-8964-4519-A5B1-0B7D18B2983D}" type="sibTrans" cxnId="{A9154303-8225-4248-91DC-1B0156A35F07}">
-      <dgm:prSet/>
-      <dgm:spPr/>
-      <dgm:t>
-        <a:bodyPr/>
-        <a:lstStyle/>
-        <a:p>
-          <a:endParaRPr lang="en-US"/>
-        </a:p>
-      </dgm:t>
-    </dgm:pt>
-    <dgm:pt modelId="{1C383F32-22E8-4F62-A3E0-BDC3D5F48992}">
-      <dgm:prSet/>
-      <dgm:spPr/>
-      <dgm:t>
-        <a:bodyPr/>
-        <a:lstStyle/>
-        <a:p>
-          <a:pPr>
-            <a:lnSpc>
-              <a:spcPct val="100000"/>
-            </a:lnSpc>
-            <a:defRPr cap="all"/>
-          </a:pPr>
-          <a:r>
-            <a:rPr lang="en-US" dirty="0"/>
-            <a:t>Pellentesque habitant morbi tristique senectus et netus.</a:t>
-          </a:r>
-        </a:p>
-      </dgm:t>
-    </dgm:pt>
-    <dgm:pt modelId="{A7920A2F-3244-4159-AF04-6A1D38B7B317}" type="parTrans" cxnId="{C4CCE57E-E871-46D6-BAD5-880252C95D22}">
-      <dgm:prSet/>
-      <dgm:spPr/>
-      <dgm:t>
-        <a:bodyPr/>
-        <a:lstStyle/>
-        <a:p>
-          <a:endParaRPr lang="en-US"/>
-        </a:p>
-      </dgm:t>
-    </dgm:pt>
-    <dgm:pt modelId="{8500F72A-2C6D-4FDF-9C1D-CA691380EB0B}" type="sibTrans" cxnId="{C4CCE57E-E871-46D6-BAD5-880252C95D22}">
-      <dgm:prSet/>
-      <dgm:spPr/>
-      <dgm:t>
-        <a:bodyPr/>
-        <a:lstStyle/>
-        <a:p>
-          <a:endParaRPr lang="en-US"/>
-        </a:p>
-      </dgm:t>
-    </dgm:pt>
-    <dgm:pt modelId="{50B3CE7C-E10B-4E23-BD93-03664997C932}" type="pres">
-      <dgm:prSet presAssocID="{01A66772-F185-4D58-B8BB-E9370D7A7A2B}" presName="root" presStyleCnt="0">
-        <dgm:presLayoutVars>
-          <dgm:dir/>
-          <dgm:resizeHandles val="exact"/>
-        </dgm:presLayoutVars>
-      </dgm:prSet>
-      <dgm:spPr/>
-    </dgm:pt>
-    <dgm:pt modelId="{DE9CE479-E4AE-4283-AEF1-10C1535B4324}" type="pres">
-      <dgm:prSet presAssocID="{40FC4FFE-8987-4A26-B7F4-8A516F18ADAE}" presName="compNode" presStyleCnt="0"/>
-      <dgm:spPr/>
-    </dgm:pt>
-    <dgm:pt modelId="{B59FCF02-CAD2-4D6F-9542-AD86711168CA}" type="pres">
-      <dgm:prSet presAssocID="{40FC4FFE-8987-4A26-B7F4-8A516F18ADAE}" presName="iconBgRect" presStyleLbl="bgShp" presStyleIdx="0" presStyleCnt="3"/>
-      <dgm:spPr/>
-    </dgm:pt>
-    <dgm:pt modelId="{7C175B98-93F4-4D7C-BB95-1514AB879CD5}" type="pres">
-      <dgm:prSet presAssocID="{40FC4FFE-8987-4A26-B7F4-8A516F18ADAE}" presName="iconRect" presStyleLbl="node1" presStyleIdx="0" presStyleCnt="3"/>
-      <dgm:spPr>
-        <a:blipFill>
-          <a:blip xmlns:r="http://schemas.openxmlformats.org/officeDocument/2006/relationships" r:embed="rId1">
-            <a:extLst>
-              <a:ext uri="{28A0092B-C50C-407E-A947-70E740481C1C}">
-                <a14:useLocalDpi xmlns:a14="http://schemas.microsoft.com/office/drawing/2010/main" val="0"/>
-              </a:ext>
-              <a:ext uri="{96DAC541-7B7A-43D3-8B79-37D633B846F1}">
-                <asvg:svgBlip xmlns:asvg="http://schemas.microsoft.com/office/drawing/2016/SVG/main" r:embed="rId2"/>
-              </a:ext>
-            </a:extLst>
-          </a:blip>
-          <a:srcRect/>
-          <a:stretch>
-            <a:fillRect/>
-          </a:stretch>
-        </a:blipFill>
-        <a:ln>
-          <a:noFill/>
-        </a:ln>
-      </dgm:spPr>
-      <dgm:extLst>
-        <a:ext uri="{E40237B7-FDA0-4F09-8148-C483321AD2D9}">
-          <dgm14:cNvPr xmlns:dgm14="http://schemas.microsoft.com/office/drawing/2010/diagram" id="0" name="" descr="Bar graph with downward trend"/>
-        </a:ext>
-      </dgm:extLst>
-    </dgm:pt>
-    <dgm:pt modelId="{677A3090-5F01-43FD-9FA6-C0420AD80FD6}" type="pres">
-      <dgm:prSet presAssocID="{40FC4FFE-8987-4A26-B7F4-8A516F18ADAE}" presName="spaceRect" presStyleCnt="0"/>
-      <dgm:spPr/>
-    </dgm:pt>
-    <dgm:pt modelId="{127117FB-F8A7-4A20-A8A7-EC686DDC76D0}" type="pres">
-      <dgm:prSet presAssocID="{40FC4FFE-8987-4A26-B7F4-8A516F18ADAE}" presName="textRect" presStyleLbl="revTx" presStyleIdx="0" presStyleCnt="3">
-        <dgm:presLayoutVars>
-          <dgm:chMax val="1"/>
-          <dgm:chPref val="1"/>
-        </dgm:presLayoutVars>
-      </dgm:prSet>
-      <dgm:spPr/>
-    </dgm:pt>
-    <dgm:pt modelId="{FD1EED9C-83D3-41AD-A09B-D3B36354168F}" type="pres">
-      <dgm:prSet presAssocID="{5B62599A-5C9B-48E7-896E-EA782AC60C8B}" presName="sibTrans" presStyleCnt="0"/>
-      <dgm:spPr/>
-    </dgm:pt>
-    <dgm:pt modelId="{C998AB0A-577D-44AA-A068-F634DDE7BD47}" type="pres">
-      <dgm:prSet presAssocID="{49225C73-1633-42F1-AB3B-7CB183E5F8B8}" presName="compNode" presStyleCnt="0"/>
-      <dgm:spPr/>
-    </dgm:pt>
-    <dgm:pt modelId="{BCD8CDD9-0C56-4401-ADB1-8B48DAB2C96F}" type="pres">
-      <dgm:prSet presAssocID="{49225C73-1633-42F1-AB3B-7CB183E5F8B8}" presName="iconBgRect" presStyleLbl="bgShp" presStyleIdx="1" presStyleCnt="3"/>
-      <dgm:spPr/>
-    </dgm:pt>
-    <dgm:pt modelId="{DB4CA7C4-FCA1-4127-B20A-2A5C031A3CF4}" type="pres">
-      <dgm:prSet presAssocID="{49225C73-1633-42F1-AB3B-7CB183E5F8B8}" presName="iconRect" presStyleLbl="node1" presStyleIdx="1" presStyleCnt="3"/>
-      <dgm:spPr>
-        <a:blipFill>
-          <a:blip xmlns:r="http://schemas.openxmlformats.org/officeDocument/2006/relationships" r:embed="rId3">
-            <a:extLst>
-              <a:ext uri="{28A0092B-C50C-407E-A947-70E740481C1C}">
-                <a14:useLocalDpi xmlns:a14="http://schemas.microsoft.com/office/drawing/2010/main" val="0"/>
-              </a:ext>
-              <a:ext uri="{96DAC541-7B7A-43D3-8B79-37D633B846F1}">
-                <asvg:svgBlip xmlns:asvg="http://schemas.microsoft.com/office/drawing/2016/SVG/main" r:embed="rId4"/>
-              </a:ext>
-            </a:extLst>
-          </a:blip>
-          <a:srcRect/>
-          <a:stretch>
-            <a:fillRect/>
-          </a:stretch>
-        </a:blipFill>
-        <a:ln>
-          <a:noFill/>
-        </a:ln>
-      </dgm:spPr>
-      <dgm:extLst>
-        <a:ext uri="{E40237B7-FDA0-4F09-8148-C483321AD2D9}">
-          <dgm14:cNvPr xmlns:dgm14="http://schemas.microsoft.com/office/drawing/2010/diagram" id="0" name="" descr="Presentation with bar chart"/>
-        </a:ext>
-      </dgm:extLst>
-    </dgm:pt>
-    <dgm:pt modelId="{9B0C8FBF-0BDD-48A5-967E-F3FE71659F6A}" type="pres">
-      <dgm:prSet presAssocID="{49225C73-1633-42F1-AB3B-7CB183E5F8B8}" presName="spaceRect" presStyleCnt="0"/>
-      <dgm:spPr/>
-    </dgm:pt>
-    <dgm:pt modelId="{7E6FE37A-5DB0-4899-9FCB-0CE39BC185F8}" type="pres">
-      <dgm:prSet presAssocID="{49225C73-1633-42F1-AB3B-7CB183E5F8B8}" presName="textRect" presStyleLbl="revTx" presStyleIdx="1" presStyleCnt="3">
-        <dgm:presLayoutVars>
-          <dgm:chMax val="1"/>
-          <dgm:chPref val="1"/>
-        </dgm:presLayoutVars>
-      </dgm:prSet>
-      <dgm:spPr/>
-    </dgm:pt>
-    <dgm:pt modelId="{5A266296-0042-402F-92EF-D59AB148E92E}" type="pres">
-      <dgm:prSet presAssocID="{9646853A-8964-4519-A5B1-0B7D18B2983D}" presName="sibTrans" presStyleCnt="0"/>
-      <dgm:spPr/>
-    </dgm:pt>
-    <dgm:pt modelId="{ECFA770B-DE2C-4683-A038-58D0FE44BC27}" type="pres">
-      <dgm:prSet presAssocID="{1C383F32-22E8-4F62-A3E0-BDC3D5F48992}" presName="compNode" presStyleCnt="0"/>
-      <dgm:spPr/>
-    </dgm:pt>
-    <dgm:pt modelId="{FF93E135-77D6-48A0-8871-9BC93D705D06}" type="pres">
-      <dgm:prSet presAssocID="{1C383F32-22E8-4F62-A3E0-BDC3D5F48992}" presName="iconBgRect" presStyleLbl="bgShp" presStyleIdx="2" presStyleCnt="3"/>
-      <dgm:spPr/>
-    </dgm:pt>
-    <dgm:pt modelId="{39509775-983E-4110-B989-EE2CD6514BE0}" type="pres">
-      <dgm:prSet presAssocID="{1C383F32-22E8-4F62-A3E0-BDC3D5F48992}" presName="iconRect" presStyleLbl="node1" presStyleIdx="2" presStyleCnt="3"/>
-      <dgm:spPr>
-        <a:blipFill>
-          <a:blip xmlns:r="http://schemas.openxmlformats.org/officeDocument/2006/relationships" r:embed="rId5">
-            <a:extLst>
-              <a:ext uri="{28A0092B-C50C-407E-A947-70E740481C1C}">
-                <a14:useLocalDpi xmlns:a14="http://schemas.microsoft.com/office/drawing/2010/main" val="0"/>
-              </a:ext>
-              <a:ext uri="{96DAC541-7B7A-43D3-8B79-37D633B846F1}">
-                <asvg:svgBlip xmlns:asvg="http://schemas.microsoft.com/office/drawing/2016/SVG/main" r:embed="rId6"/>
-              </a:ext>
-            </a:extLst>
-          </a:blip>
-          <a:srcRect/>
-          <a:stretch>
-            <a:fillRect/>
-          </a:stretch>
-        </a:blipFill>
-        <a:ln>
-          <a:noFill/>
-        </a:ln>
-      </dgm:spPr>
-      <dgm:extLst>
-        <a:ext uri="{E40237B7-FDA0-4F09-8148-C483321AD2D9}">
-          <dgm14:cNvPr xmlns:dgm14="http://schemas.microsoft.com/office/drawing/2010/diagram" id="0" name="" descr="Stopwatch"/>
-        </a:ext>
-      </dgm:extLst>
-    </dgm:pt>
-    <dgm:pt modelId="{493B43B2-705C-4AE5-8A77-D8DEEDA1B5CF}" type="pres">
-      <dgm:prSet presAssocID="{1C383F32-22E8-4F62-A3E0-BDC3D5F48992}" presName="spaceRect" presStyleCnt="0"/>
-      <dgm:spPr/>
-    </dgm:pt>
-    <dgm:pt modelId="{1AEDC777-00B3-41D7-9AE1-23D741E941C3}" type="pres">
-      <dgm:prSet presAssocID="{1C383F32-22E8-4F62-A3E0-BDC3D5F48992}" presName="textRect" presStyleLbl="revTx" presStyleIdx="2" presStyleCnt="3">
-        <dgm:presLayoutVars>
-          <dgm:chMax val="1"/>
-          <dgm:chPref val="1"/>
-        </dgm:presLayoutVars>
-      </dgm:prSet>
-      <dgm:spPr/>
-    </dgm:pt>
-  </dgm:ptLst>
-  <dgm:cxnLst>
-    <dgm:cxn modelId="{A9154303-8225-4248-91DC-1B0156A35F07}" srcId="{01A66772-F185-4D58-B8BB-E9370D7A7A2B}" destId="{49225C73-1633-42F1-AB3B-7CB183E5F8B8}" srcOrd="1" destOrd="0" parTransId="{1A0E2090-1D4F-438A-8766-B6030CE01ADD}" sibTransId="{9646853A-8964-4519-A5B1-0B7D18B2983D}"/>
-    <dgm:cxn modelId="{7A710F69-5154-4855-ACF5-BC7C1BF85A80}" type="presOf" srcId="{49225C73-1633-42F1-AB3B-7CB183E5F8B8}" destId="{7E6FE37A-5DB0-4899-9FCB-0CE39BC185F8}" srcOrd="0" destOrd="0" presId="urn:microsoft.com/office/officeart/2018/5/layout/IconCircleLabelList"/>
-    <dgm:cxn modelId="{C7AD8469-3C68-4AF9-AB82-79B0043AA120}" srcId="{01A66772-F185-4D58-B8BB-E9370D7A7A2B}" destId="{40FC4FFE-8987-4A26-B7F4-8A516F18ADAE}" srcOrd="0" destOrd="0" parTransId="{CAD7EF86-FB23-41F6-BF42-040B36DEFDB1}" sibTransId="{5B62599A-5C9B-48E7-896E-EA782AC60C8B}"/>
-    <dgm:cxn modelId="{676D3A6A-6EA7-4483-BB12-0BD4A7D7AF9D}" type="presOf" srcId="{01A66772-F185-4D58-B8BB-E9370D7A7A2B}" destId="{50B3CE7C-E10B-4E23-BD93-03664997C932}" srcOrd="0" destOrd="0" presId="urn:microsoft.com/office/officeart/2018/5/layout/IconCircleLabelList"/>
-    <dgm:cxn modelId="{1496FC70-DB8B-48D4-98DE-DD2856E389EE}" type="presOf" srcId="{1C383F32-22E8-4F62-A3E0-BDC3D5F48992}" destId="{1AEDC777-00B3-41D7-9AE1-23D741E941C3}" srcOrd="0" destOrd="0" presId="urn:microsoft.com/office/officeart/2018/5/layout/IconCircleLabelList"/>
-    <dgm:cxn modelId="{C4CCE57E-E871-46D6-BAD5-880252C95D22}" srcId="{01A66772-F185-4D58-B8BB-E9370D7A7A2B}" destId="{1C383F32-22E8-4F62-A3E0-BDC3D5F48992}" srcOrd="2" destOrd="0" parTransId="{A7920A2F-3244-4159-AF04-6A1D38B7B317}" sibTransId="{8500F72A-2C6D-4FDF-9C1D-CA691380EB0B}"/>
-    <dgm:cxn modelId="{355227E3-55E0-4343-BC8D-FC0EB1694F48}" type="presOf" srcId="{40FC4FFE-8987-4A26-B7F4-8A516F18ADAE}" destId="{127117FB-F8A7-4A20-A8A7-EC686DDC76D0}" srcOrd="0" destOrd="0" presId="urn:microsoft.com/office/officeart/2018/5/layout/IconCircleLabelList"/>
-    <dgm:cxn modelId="{555498CB-3ED1-404E-A25F-EB243EFC5FB1}" type="presParOf" srcId="{50B3CE7C-E10B-4E23-BD93-03664997C932}" destId="{DE9CE479-E4AE-4283-AEF1-10C1535B4324}" srcOrd="0" destOrd="0" presId="urn:microsoft.com/office/officeart/2018/5/layout/IconCircleLabelList"/>
-    <dgm:cxn modelId="{11F12D49-CD08-4D50-BD13-3ECBC3A476A4}" type="presParOf" srcId="{DE9CE479-E4AE-4283-AEF1-10C1535B4324}" destId="{B59FCF02-CAD2-4D6F-9542-AD86711168CA}" srcOrd="0" destOrd="0" presId="urn:microsoft.com/office/officeart/2018/5/layout/IconCircleLabelList"/>
-    <dgm:cxn modelId="{F443A659-540B-487B-97F9-49219CF60D6B}" type="presParOf" srcId="{DE9CE479-E4AE-4283-AEF1-10C1535B4324}" destId="{7C175B98-93F4-4D7C-BB95-1514AB879CD5}" srcOrd="1" destOrd="0" presId="urn:microsoft.com/office/officeart/2018/5/layout/IconCircleLabelList"/>
-    <dgm:cxn modelId="{A503D7AB-7D64-4163-93B5-1CEEDAE81823}" type="presParOf" srcId="{DE9CE479-E4AE-4283-AEF1-10C1535B4324}" destId="{677A3090-5F01-43FD-9FA6-C0420AD80FD6}" srcOrd="2" destOrd="0" presId="urn:microsoft.com/office/officeart/2018/5/layout/IconCircleLabelList"/>
-    <dgm:cxn modelId="{780188ED-7DCE-45BB-B6AF-91BE48969612}" type="presParOf" srcId="{DE9CE479-E4AE-4283-AEF1-10C1535B4324}" destId="{127117FB-F8A7-4A20-A8A7-EC686DDC76D0}" srcOrd="3" destOrd="0" presId="urn:microsoft.com/office/officeart/2018/5/layout/IconCircleLabelList"/>
-    <dgm:cxn modelId="{155719F8-A89B-4E96-BC49-C48BC717F480}" type="presParOf" srcId="{50B3CE7C-E10B-4E23-BD93-03664997C932}" destId="{FD1EED9C-83D3-41AD-A09B-D3B36354168F}" srcOrd="1" destOrd="0" presId="urn:microsoft.com/office/officeart/2018/5/layout/IconCircleLabelList"/>
-    <dgm:cxn modelId="{2772E199-56B0-4310-A55E-67D00CA3E59E}" type="presParOf" srcId="{50B3CE7C-E10B-4E23-BD93-03664997C932}" destId="{C998AB0A-577D-44AA-A068-F634DDE7BD47}" srcOrd="2" destOrd="0" presId="urn:microsoft.com/office/officeart/2018/5/layout/IconCircleLabelList"/>
-    <dgm:cxn modelId="{4E351D18-D97F-4B92-A608-2E9600B91C28}" type="presParOf" srcId="{C998AB0A-577D-44AA-A068-F634DDE7BD47}" destId="{BCD8CDD9-0C56-4401-ADB1-8B48DAB2C96F}" srcOrd="0" destOrd="0" presId="urn:microsoft.com/office/officeart/2018/5/layout/IconCircleLabelList"/>
-    <dgm:cxn modelId="{B3DC724C-4569-4E9D-BD5A-49E4CD991FD0}" type="presParOf" srcId="{C998AB0A-577D-44AA-A068-F634DDE7BD47}" destId="{DB4CA7C4-FCA1-4127-B20A-2A5C031A3CF4}" srcOrd="1" destOrd="0" presId="urn:microsoft.com/office/officeart/2018/5/layout/IconCircleLabelList"/>
-    <dgm:cxn modelId="{AD1AB552-CCE0-4911-BB9E-5D4A60B21F4F}" type="presParOf" srcId="{C998AB0A-577D-44AA-A068-F634DDE7BD47}" destId="{9B0C8FBF-0BDD-48A5-967E-F3FE71659F6A}" srcOrd="2" destOrd="0" presId="urn:microsoft.com/office/officeart/2018/5/layout/IconCircleLabelList"/>
-    <dgm:cxn modelId="{8558F796-2D01-40FE-A21A-7530EEBC3BC3}" type="presParOf" srcId="{C998AB0A-577D-44AA-A068-F634DDE7BD47}" destId="{7E6FE37A-5DB0-4899-9FCB-0CE39BC185F8}" srcOrd="3" destOrd="0" presId="urn:microsoft.com/office/officeart/2018/5/layout/IconCircleLabelList"/>
-    <dgm:cxn modelId="{1532E2BE-82E9-40A4-A6F7-40B60FC879AE}" type="presParOf" srcId="{50B3CE7C-E10B-4E23-BD93-03664997C932}" destId="{5A266296-0042-402F-92EF-D59AB148E92E}" srcOrd="3" destOrd="0" presId="urn:microsoft.com/office/officeart/2018/5/layout/IconCircleLabelList"/>
-    <dgm:cxn modelId="{3A7F4DB9-1469-4F58-B633-24B7EEE084D1}" type="presParOf" srcId="{50B3CE7C-E10B-4E23-BD93-03664997C932}" destId="{ECFA770B-DE2C-4683-A038-58D0FE44BC27}" srcOrd="4" destOrd="0" presId="urn:microsoft.com/office/officeart/2018/5/layout/IconCircleLabelList"/>
-    <dgm:cxn modelId="{91311827-CDAC-4BA8-B4A3-117AFD1CEE2D}" type="presParOf" srcId="{ECFA770B-DE2C-4683-A038-58D0FE44BC27}" destId="{FF93E135-77D6-48A0-8871-9BC93D705D06}" srcOrd="0" destOrd="0" presId="urn:microsoft.com/office/officeart/2018/5/layout/IconCircleLabelList"/>
-    <dgm:cxn modelId="{83B7CA40-11B7-4507-8422-A40F02D469B2}" type="presParOf" srcId="{ECFA770B-DE2C-4683-A038-58D0FE44BC27}" destId="{39509775-983E-4110-B989-EE2CD6514BE0}" srcOrd="1" destOrd="0" presId="urn:microsoft.com/office/officeart/2018/5/layout/IconCircleLabelList"/>
-    <dgm:cxn modelId="{A44BB251-01EB-4DEF-A28C-6D495183E4DC}" type="presParOf" srcId="{ECFA770B-DE2C-4683-A038-58D0FE44BC27}" destId="{493B43B2-705C-4AE5-8A77-D8DEEDA1B5CF}" srcOrd="2" destOrd="0" presId="urn:microsoft.com/office/officeart/2018/5/layout/IconCircleLabelList"/>
-    <dgm:cxn modelId="{1EFA52DF-3C80-4DAA-BED6-AFE2F81796B2}" type="presParOf" srcId="{ECFA770B-DE2C-4683-A038-58D0FE44BC27}" destId="{1AEDC777-00B3-41D7-9AE1-23D741E941C3}" srcOrd="3" destOrd="0" presId="urn:microsoft.com/office/officeart/2018/5/layout/IconCircleLabelList"/>
-  </dgm:cxnLst>
-  <dgm:bg/>
-  <dgm:whole/>
-  <dgm:extLst>
-    <a:ext uri="http://schemas.microsoft.com/office/drawing/2008/diagram">
-      <dsp:dataModelExt xmlns:dsp="http://schemas.microsoft.com/office/drawing/2008/diagram" relId="rId7" minVer="http://schemas.openxmlformats.org/drawingml/2006/diagram"/>
-    </a:ext>
-  </dgm:extLst>
-</dgm:dataModel>
-</file>
-
-<file path=ppt/diagrams/data5.xml><?xml version="1.0" encoding="utf-8"?>
-<dgm:dataModel xmlns:dgm="http://schemas.openxmlformats.org/drawingml/2006/diagram" xmlns:a="http://schemas.openxmlformats.org/drawingml/2006/main">
-  <dgm:ptLst>
-    <dgm:pt modelId="{01A66772-F185-4D58-B8BB-E9370D7A7A2B}" type="doc">
-      <dgm:prSet loTypeId="urn:microsoft.com/office/officeart/2018/5/layout/IconCircleLabelList" loCatId="icon" qsTypeId="urn:microsoft.com/office/officeart/2005/8/quickstyle/simple1" qsCatId="simple" csTypeId="urn:microsoft.com/office/officeart/2018/5/colors/Iconchunking_neutralicon_colorful1" csCatId="colorful" phldr="1"/>
-      <dgm:spPr/>
-      <dgm:t>
-        <a:bodyPr/>
-        <a:lstStyle/>
-        <a:p>
-          <a:endParaRPr lang="en-US"/>
-        </a:p>
-      </dgm:t>
-    </dgm:pt>
-    <dgm:pt modelId="{40FC4FFE-8987-4A26-B7F4-8A516F18ADAE}">
-      <dgm:prSet/>
-      <dgm:spPr/>
-      <dgm:t>
-        <a:bodyPr/>
-        <a:lstStyle/>
-        <a:p>
-          <a:pPr>
-            <a:lnSpc>
-              <a:spcPct val="100000"/>
-            </a:lnSpc>
-            <a:defRPr cap="all"/>
-          </a:pPr>
-          <a:r>
-            <a:rPr lang="en-US" dirty="0"/>
-            <a:t>Pricing tiers</a:t>
-          </a:r>
-        </a:p>
-      </dgm:t>
-    </dgm:pt>
-    <dgm:pt modelId="{CAD7EF86-FB23-41F6-BF42-040B36DEFDB1}" type="parTrans" cxnId="{C7AD8469-3C68-4AF9-AB82-79B0043AA120}">
-      <dgm:prSet/>
-      <dgm:spPr/>
-      <dgm:t>
-        <a:bodyPr/>
-        <a:lstStyle/>
-        <a:p>
-          <a:endParaRPr lang="en-US"/>
-        </a:p>
-      </dgm:t>
-    </dgm:pt>
-    <dgm:pt modelId="{5B62599A-5C9B-48E7-896E-EA782AC60C8B}" type="sibTrans" cxnId="{C7AD8469-3C68-4AF9-AB82-79B0043AA120}">
-      <dgm:prSet/>
-      <dgm:spPr/>
-      <dgm:t>
-        <a:bodyPr/>
-        <a:lstStyle/>
-        <a:p>
-          <a:endParaRPr lang="en-US"/>
-        </a:p>
-      </dgm:t>
-    </dgm:pt>
-    <dgm:pt modelId="{49225C73-1633-42F1-AB3B-7CB183E5F8B8}">
-      <dgm:prSet/>
-      <dgm:spPr/>
-      <dgm:t>
-        <a:bodyPr/>
-        <a:lstStyle/>
-        <a:p>
-          <a:pPr>
-            <a:lnSpc>
-              <a:spcPct val="100000"/>
-            </a:lnSpc>
-            <a:defRPr cap="all"/>
-          </a:pPr>
-          <a:r>
-            <a:rPr lang="en-US" dirty="0"/>
-            <a:t>Gender discounting</a:t>
-          </a:r>
-        </a:p>
-      </dgm:t>
-    </dgm:pt>
-    <dgm:pt modelId="{1A0E2090-1D4F-438A-8766-B6030CE01ADD}" type="parTrans" cxnId="{A9154303-8225-4248-91DC-1B0156A35F07}">
-      <dgm:prSet/>
-      <dgm:spPr/>
-      <dgm:t>
-        <a:bodyPr/>
-        <a:lstStyle/>
-        <a:p>
-          <a:endParaRPr lang="en-US"/>
-        </a:p>
-      </dgm:t>
-    </dgm:pt>
-    <dgm:pt modelId="{9646853A-8964-4519-A5B1-0B7D18B2983D}" type="sibTrans" cxnId="{A9154303-8225-4248-91DC-1B0156A35F07}">
-      <dgm:prSet/>
-      <dgm:spPr/>
-      <dgm:t>
-        <a:bodyPr/>
-        <a:lstStyle/>
-        <a:p>
-          <a:endParaRPr lang="en-US"/>
-        </a:p>
-      </dgm:t>
-    </dgm:pt>
-    <dgm:pt modelId="{1C383F32-22E8-4F62-A3E0-BDC3D5F48992}">
-      <dgm:prSet/>
-      <dgm:spPr/>
-      <dgm:t>
-        <a:bodyPr/>
-        <a:lstStyle/>
-        <a:p>
-          <a:pPr>
-            <a:lnSpc>
-              <a:spcPct val="100000"/>
-            </a:lnSpc>
-            <a:defRPr cap="all"/>
-          </a:pPr>
-          <a:r>
-            <a:rPr lang="en-US" dirty="0"/>
-            <a:t>Pellentesque habitant morbi tristique senectus et netus.</a:t>
           </a:r>
         </a:p>
       </dgm:t>
@@ -6745,7 +4180,7 @@
           </a:pPr>
           <a:r>
             <a:rPr lang="en-US" sz="2300" kern="1200" dirty="0"/>
-            <a:t>Customer reviews</a:t>
+            <a:t>Discounting strategy</a:t>
           </a:r>
         </a:p>
       </dsp:txBody>
@@ -6895,7 +4330,7 @@
           </a:pPr>
           <a:r>
             <a:rPr lang="en-US" sz="2300" kern="1200" dirty="0"/>
-            <a:t>Discounting strategy</a:t>
+            <a:t>Customer reviews</a:t>
           </a:r>
         </a:p>
       </dsp:txBody>
@@ -7045,7 +4480,7 @@
           </a:pPr>
           <a:r>
             <a:rPr lang="en-US" sz="2300" kern="1200" dirty="0"/>
-            <a:t>Category</a:t>
+            <a:t>Customer ratings</a:t>
           </a:r>
         </a:p>
       </dsp:txBody>
@@ -7677,554 +5112,6 @@
       </dsp:nvSpPr>
       <dsp:spPr>
         <a:xfrm>
-          <a:off x="616949" y="231555"/>
-          <a:ext cx="1818562" cy="1818562"/>
-        </a:xfrm>
-        <a:prstGeom prst="ellipse">
-          <a:avLst/>
-        </a:prstGeom>
-        <a:solidFill>
-          <a:schemeClr val="accent2">
-            <a:hueOff val="0"/>
-            <a:satOff val="0"/>
-            <a:lumOff val="0"/>
-            <a:alphaOff val="0"/>
-          </a:schemeClr>
-        </a:solidFill>
-        <a:ln>
-          <a:noFill/>
-        </a:ln>
-        <a:effectLst/>
-      </dsp:spPr>
-      <dsp:style>
-        <a:lnRef idx="0">
-          <a:scrgbClr r="0" g="0" b="0"/>
-        </a:lnRef>
-        <a:fillRef idx="1">
-          <a:scrgbClr r="0" g="0" b="0"/>
-        </a:fillRef>
-        <a:effectRef idx="0">
-          <a:scrgbClr r="0" g="0" b="0"/>
-        </a:effectRef>
-        <a:fontRef idx="minor"/>
-      </dsp:style>
-    </dsp:sp>
-    <dsp:sp modelId="{7C175B98-93F4-4D7C-BB95-1514AB879CD5}">
-      <dsp:nvSpPr>
-        <dsp:cNvPr id="0" name=""/>
-        <dsp:cNvSpPr/>
-      </dsp:nvSpPr>
-      <dsp:spPr>
-        <a:xfrm>
-          <a:off x="1004512" y="619118"/>
-          <a:ext cx="1043437" cy="1043437"/>
-        </a:xfrm>
-        <a:prstGeom prst="rect">
-          <a:avLst/>
-        </a:prstGeom>
-        <a:blipFill>
-          <a:blip xmlns:r="http://schemas.openxmlformats.org/officeDocument/2006/relationships" r:embed="rId1">
-            <a:extLst>
-              <a:ext uri="{28A0092B-C50C-407E-A947-70E740481C1C}">
-                <a14:useLocalDpi xmlns:a14="http://schemas.microsoft.com/office/drawing/2010/main" val="0"/>
-              </a:ext>
-              <a:ext uri="{96DAC541-7B7A-43D3-8B79-37D633B846F1}">
-                <asvg:svgBlip xmlns:asvg="http://schemas.microsoft.com/office/drawing/2016/SVG/main" r:embed="rId2"/>
-              </a:ext>
-            </a:extLst>
-          </a:blip>
-          <a:srcRect/>
-          <a:stretch>
-            <a:fillRect/>
-          </a:stretch>
-        </a:blipFill>
-        <a:ln w="12700" cap="flat" cmpd="sng" algn="ctr">
-          <a:noFill/>
-          <a:prstDash val="solid"/>
-        </a:ln>
-        <a:effectLst/>
-      </dsp:spPr>
-      <dsp:style>
-        <a:lnRef idx="2">
-          <a:scrgbClr r="0" g="0" b="0"/>
-        </a:lnRef>
-        <a:fillRef idx="1">
-          <a:scrgbClr r="0" g="0" b="0"/>
-        </a:fillRef>
-        <a:effectRef idx="0">
-          <a:scrgbClr r="0" g="0" b="0"/>
-        </a:effectRef>
-        <a:fontRef idx="minor">
-          <a:schemeClr val="lt1"/>
-        </a:fontRef>
-      </dsp:style>
-    </dsp:sp>
-    <dsp:sp modelId="{127117FB-F8A7-4A20-A8A7-EC686DDC76D0}">
-      <dsp:nvSpPr>
-        <dsp:cNvPr id="0" name=""/>
-        <dsp:cNvSpPr/>
-      </dsp:nvSpPr>
-      <dsp:spPr>
-        <a:xfrm>
-          <a:off x="35606" y="2616556"/>
-          <a:ext cx="2981250" cy="877500"/>
-        </a:xfrm>
-        <a:prstGeom prst="rect">
-          <a:avLst/>
-        </a:prstGeom>
-        <a:noFill/>
-        <a:ln>
-          <a:noFill/>
-        </a:ln>
-        <a:effectLst/>
-      </dsp:spPr>
-      <dsp:style>
-        <a:lnRef idx="0">
-          <a:scrgbClr r="0" g="0" b="0"/>
-        </a:lnRef>
-        <a:fillRef idx="0">
-          <a:scrgbClr r="0" g="0" b="0"/>
-        </a:fillRef>
-        <a:effectRef idx="0">
-          <a:scrgbClr r="0" g="0" b="0"/>
-        </a:effectRef>
-        <a:fontRef idx="minor"/>
-      </dsp:style>
-      <dsp:txBody>
-        <a:bodyPr spcFirstLastPara="0" vert="horz" wrap="square" lIns="0" tIns="0" rIns="0" bIns="0" numCol="1" spcCol="1270" anchor="t" anchorCtr="0">
-          <a:noAutofit/>
-        </a:bodyPr>
-        <a:lstStyle/>
-        <a:p>
-          <a:pPr marL="0" lvl="0" indent="0" algn="ctr" defTabSz="488950">
-            <a:lnSpc>
-              <a:spcPct val="100000"/>
-            </a:lnSpc>
-            <a:spcBef>
-              <a:spcPct val="0"/>
-            </a:spcBef>
-            <a:spcAft>
-              <a:spcPct val="35000"/>
-            </a:spcAft>
-            <a:buNone/>
-            <a:defRPr cap="all"/>
-          </a:pPr>
-          <a:r>
-            <a:rPr lang="en-US" sz="1100" kern="1200" dirty="0"/>
-            <a:t>Product category</a:t>
-          </a:r>
-        </a:p>
-        <a:p>
-          <a:pPr marL="0" lvl="0" indent="0" algn="ctr" defTabSz="488950">
-            <a:lnSpc>
-              <a:spcPct val="100000"/>
-            </a:lnSpc>
-            <a:spcBef>
-              <a:spcPct val="0"/>
-            </a:spcBef>
-            <a:spcAft>
-              <a:spcPct val="35000"/>
-            </a:spcAft>
-            <a:buNone/>
-            <a:defRPr cap="all"/>
-          </a:pPr>
-          <a:r>
-            <a:rPr lang="en-US" sz="1100" kern="1200" dirty="0"/>
-            <a:t>Gender binning (</a:t>
-          </a:r>
-          <a:r>
-            <a:rPr lang="en-US" sz="1100" kern="1200" dirty="0" err="1"/>
-            <a:t>nike</a:t>
-          </a:r>
-          <a:r>
-            <a:rPr lang="en-US" sz="1100" kern="1200" dirty="0"/>
-            <a:t>)</a:t>
-          </a:r>
-        </a:p>
-      </dsp:txBody>
-      <dsp:txXfrm>
-        <a:off x="35606" y="2616556"/>
-        <a:ext cx="2981250" cy="877500"/>
-      </dsp:txXfrm>
-    </dsp:sp>
-    <dsp:sp modelId="{BCD8CDD9-0C56-4401-ADB1-8B48DAB2C96F}">
-      <dsp:nvSpPr>
-        <dsp:cNvPr id="0" name=""/>
-        <dsp:cNvSpPr/>
-      </dsp:nvSpPr>
-      <dsp:spPr>
-        <a:xfrm>
-          <a:off x="4119918" y="231555"/>
-          <a:ext cx="1818562" cy="1818562"/>
-        </a:xfrm>
-        <a:prstGeom prst="ellipse">
-          <a:avLst/>
-        </a:prstGeom>
-        <a:solidFill>
-          <a:schemeClr val="accent3">
-            <a:hueOff val="0"/>
-            <a:satOff val="0"/>
-            <a:lumOff val="0"/>
-            <a:alphaOff val="0"/>
-          </a:schemeClr>
-        </a:solidFill>
-        <a:ln>
-          <a:noFill/>
-        </a:ln>
-        <a:effectLst/>
-      </dsp:spPr>
-      <dsp:style>
-        <a:lnRef idx="0">
-          <a:scrgbClr r="0" g="0" b="0"/>
-        </a:lnRef>
-        <a:fillRef idx="1">
-          <a:scrgbClr r="0" g="0" b="0"/>
-        </a:fillRef>
-        <a:effectRef idx="0">
-          <a:scrgbClr r="0" g="0" b="0"/>
-        </a:effectRef>
-        <a:fontRef idx="minor"/>
-      </dsp:style>
-    </dsp:sp>
-    <dsp:sp modelId="{DB4CA7C4-FCA1-4127-B20A-2A5C031A3CF4}">
-      <dsp:nvSpPr>
-        <dsp:cNvPr id="0" name=""/>
-        <dsp:cNvSpPr/>
-      </dsp:nvSpPr>
-      <dsp:spPr>
-        <a:xfrm>
-          <a:off x="4507481" y="619118"/>
-          <a:ext cx="1043437" cy="1043437"/>
-        </a:xfrm>
-        <a:prstGeom prst="rect">
-          <a:avLst/>
-        </a:prstGeom>
-        <a:blipFill>
-          <a:blip xmlns:r="http://schemas.openxmlformats.org/officeDocument/2006/relationships" r:embed="rId3">
-            <a:extLst>
-              <a:ext uri="{28A0092B-C50C-407E-A947-70E740481C1C}">
-                <a14:useLocalDpi xmlns:a14="http://schemas.microsoft.com/office/drawing/2010/main" val="0"/>
-              </a:ext>
-              <a:ext uri="{96DAC541-7B7A-43D3-8B79-37D633B846F1}">
-                <asvg:svgBlip xmlns:asvg="http://schemas.microsoft.com/office/drawing/2016/SVG/main" r:embed="rId4"/>
-              </a:ext>
-            </a:extLst>
-          </a:blip>
-          <a:srcRect/>
-          <a:stretch>
-            <a:fillRect/>
-          </a:stretch>
-        </a:blipFill>
-        <a:ln w="12700" cap="flat" cmpd="sng" algn="ctr">
-          <a:noFill/>
-          <a:prstDash val="solid"/>
-        </a:ln>
-        <a:effectLst/>
-      </dsp:spPr>
-      <dsp:style>
-        <a:lnRef idx="2">
-          <a:scrgbClr r="0" g="0" b="0"/>
-        </a:lnRef>
-        <a:fillRef idx="1">
-          <a:scrgbClr r="0" g="0" b="0"/>
-        </a:fillRef>
-        <a:effectRef idx="0">
-          <a:scrgbClr r="0" g="0" b="0"/>
-        </a:effectRef>
-        <a:fontRef idx="minor">
-          <a:schemeClr val="lt1"/>
-        </a:fontRef>
-      </dsp:style>
-    </dsp:sp>
-    <dsp:sp modelId="{7E6FE37A-5DB0-4899-9FCB-0CE39BC185F8}">
-      <dsp:nvSpPr>
-        <dsp:cNvPr id="0" name=""/>
-        <dsp:cNvSpPr/>
-      </dsp:nvSpPr>
-      <dsp:spPr>
-        <a:xfrm>
-          <a:off x="3538574" y="2616556"/>
-          <a:ext cx="2981250" cy="877500"/>
-        </a:xfrm>
-        <a:prstGeom prst="rect">
-          <a:avLst/>
-        </a:prstGeom>
-        <a:noFill/>
-        <a:ln>
-          <a:noFill/>
-        </a:ln>
-        <a:effectLst/>
-      </dsp:spPr>
-      <dsp:style>
-        <a:lnRef idx="0">
-          <a:scrgbClr r="0" g="0" b="0"/>
-        </a:lnRef>
-        <a:fillRef idx="0">
-          <a:scrgbClr r="0" g="0" b="0"/>
-        </a:fillRef>
-        <a:effectRef idx="0">
-          <a:scrgbClr r="0" g="0" b="0"/>
-        </a:effectRef>
-        <a:fontRef idx="minor"/>
-      </dsp:style>
-      <dsp:txBody>
-        <a:bodyPr spcFirstLastPara="0" vert="horz" wrap="square" lIns="0" tIns="0" rIns="0" bIns="0" numCol="1" spcCol="1270" anchor="t" anchorCtr="0">
-          <a:noAutofit/>
-        </a:bodyPr>
-        <a:lstStyle/>
-        <a:p>
-          <a:pPr marL="0" lvl="0" indent="0" algn="ctr" defTabSz="488950">
-            <a:lnSpc>
-              <a:spcPct val="100000"/>
-            </a:lnSpc>
-            <a:spcBef>
-              <a:spcPct val="0"/>
-            </a:spcBef>
-            <a:spcAft>
-              <a:spcPct val="35000"/>
-            </a:spcAft>
-            <a:buNone/>
-            <a:defRPr cap="all"/>
-          </a:pPr>
-          <a:r>
-            <a:rPr lang="en-US" sz="1100" kern="1200" dirty="0"/>
-            <a:t>Sales volume</a:t>
-          </a:r>
-        </a:p>
-      </dsp:txBody>
-      <dsp:txXfrm>
-        <a:off x="3538574" y="2616556"/>
-        <a:ext cx="2981250" cy="877500"/>
-      </dsp:txXfrm>
-    </dsp:sp>
-    <dsp:sp modelId="{FF93E135-77D6-48A0-8871-9BC93D705D06}">
-      <dsp:nvSpPr>
-        <dsp:cNvPr id="0" name=""/>
-        <dsp:cNvSpPr/>
-      </dsp:nvSpPr>
-      <dsp:spPr>
-        <a:xfrm>
-          <a:off x="7622887" y="231555"/>
-          <a:ext cx="1818562" cy="1818562"/>
-        </a:xfrm>
-        <a:prstGeom prst="ellipse">
-          <a:avLst/>
-        </a:prstGeom>
-        <a:solidFill>
-          <a:schemeClr val="accent4">
-            <a:hueOff val="0"/>
-            <a:satOff val="0"/>
-            <a:lumOff val="0"/>
-            <a:alphaOff val="0"/>
-          </a:schemeClr>
-        </a:solidFill>
-        <a:ln>
-          <a:noFill/>
-        </a:ln>
-        <a:effectLst/>
-      </dsp:spPr>
-      <dsp:style>
-        <a:lnRef idx="0">
-          <a:scrgbClr r="0" g="0" b="0"/>
-        </a:lnRef>
-        <a:fillRef idx="1">
-          <a:scrgbClr r="0" g="0" b="0"/>
-        </a:fillRef>
-        <a:effectRef idx="0">
-          <a:scrgbClr r="0" g="0" b="0"/>
-        </a:effectRef>
-        <a:fontRef idx="minor"/>
-      </dsp:style>
-    </dsp:sp>
-    <dsp:sp modelId="{39509775-983E-4110-B989-EE2CD6514BE0}">
-      <dsp:nvSpPr>
-        <dsp:cNvPr id="0" name=""/>
-        <dsp:cNvSpPr/>
-      </dsp:nvSpPr>
-      <dsp:spPr>
-        <a:xfrm>
-          <a:off x="8010450" y="619118"/>
-          <a:ext cx="1043437" cy="1043437"/>
-        </a:xfrm>
-        <a:prstGeom prst="rect">
-          <a:avLst/>
-        </a:prstGeom>
-        <a:blipFill>
-          <a:blip xmlns:r="http://schemas.openxmlformats.org/officeDocument/2006/relationships" r:embed="rId5">
-            <a:extLst>
-              <a:ext uri="{28A0092B-C50C-407E-A947-70E740481C1C}">
-                <a14:useLocalDpi xmlns:a14="http://schemas.microsoft.com/office/drawing/2010/main" val="0"/>
-              </a:ext>
-              <a:ext uri="{96DAC541-7B7A-43D3-8B79-37D633B846F1}">
-                <asvg:svgBlip xmlns:asvg="http://schemas.microsoft.com/office/drawing/2016/SVG/main" r:embed="rId6"/>
-              </a:ext>
-            </a:extLst>
-          </a:blip>
-          <a:srcRect/>
-          <a:stretch>
-            <a:fillRect/>
-          </a:stretch>
-        </a:blipFill>
-        <a:ln w="12700" cap="flat" cmpd="sng" algn="ctr">
-          <a:noFill/>
-          <a:prstDash val="solid"/>
-        </a:ln>
-        <a:effectLst/>
-      </dsp:spPr>
-      <dsp:style>
-        <a:lnRef idx="2">
-          <a:scrgbClr r="0" g="0" b="0"/>
-        </a:lnRef>
-        <a:fillRef idx="1">
-          <a:scrgbClr r="0" g="0" b="0"/>
-        </a:fillRef>
-        <a:effectRef idx="0">
-          <a:scrgbClr r="0" g="0" b="0"/>
-        </a:effectRef>
-        <a:fontRef idx="minor">
-          <a:schemeClr val="lt1"/>
-        </a:fontRef>
-      </dsp:style>
-    </dsp:sp>
-    <dsp:sp modelId="{1AEDC777-00B3-41D7-9AE1-23D741E941C3}">
-      <dsp:nvSpPr>
-        <dsp:cNvPr id="0" name=""/>
-        <dsp:cNvSpPr/>
-      </dsp:nvSpPr>
-      <dsp:spPr>
-        <a:xfrm>
-          <a:off x="7041543" y="2616556"/>
-          <a:ext cx="2981250" cy="877500"/>
-        </a:xfrm>
-        <a:prstGeom prst="rect">
-          <a:avLst/>
-        </a:prstGeom>
-        <a:noFill/>
-        <a:ln>
-          <a:noFill/>
-        </a:ln>
-        <a:effectLst/>
-      </dsp:spPr>
-      <dsp:style>
-        <a:lnRef idx="0">
-          <a:scrgbClr r="0" g="0" b="0"/>
-        </a:lnRef>
-        <a:fillRef idx="0">
-          <a:scrgbClr r="0" g="0" b="0"/>
-        </a:fillRef>
-        <a:effectRef idx="0">
-          <a:scrgbClr r="0" g="0" b="0"/>
-        </a:effectRef>
-        <a:fontRef idx="minor"/>
-      </dsp:style>
-      <dsp:txBody>
-        <a:bodyPr spcFirstLastPara="0" vert="horz" wrap="square" lIns="0" tIns="0" rIns="0" bIns="0" numCol="1" spcCol="1270" anchor="t" anchorCtr="0">
-          <a:noAutofit/>
-        </a:bodyPr>
-        <a:lstStyle/>
-        <a:p>
-          <a:pPr marL="0" lvl="0" indent="0" algn="ctr" defTabSz="488950">
-            <a:lnSpc>
-              <a:spcPct val="100000"/>
-            </a:lnSpc>
-            <a:spcBef>
-              <a:spcPct val="0"/>
-            </a:spcBef>
-            <a:spcAft>
-              <a:spcPct val="35000"/>
-            </a:spcAft>
-            <a:buNone/>
-            <a:defRPr cap="all"/>
-          </a:pPr>
-          <a:r>
-            <a:rPr lang="en-US" sz="1100" kern="1200" dirty="0"/>
-            <a:t>Nike &lt; adidas data size</a:t>
-          </a:r>
-        </a:p>
-        <a:p>
-          <a:pPr marL="0" lvl="0" indent="0" algn="ctr" defTabSz="488950">
-            <a:lnSpc>
-              <a:spcPct val="100000"/>
-            </a:lnSpc>
-            <a:spcBef>
-              <a:spcPct val="0"/>
-            </a:spcBef>
-            <a:spcAft>
-              <a:spcPct val="35000"/>
-            </a:spcAft>
-            <a:buNone/>
-            <a:defRPr cap="all"/>
-          </a:pPr>
-          <a:r>
-            <a:rPr lang="en-US" sz="1100" kern="1200" dirty="0"/>
-            <a:t>155 </a:t>
-          </a:r>
-          <a:r>
-            <a:rPr lang="en-US" sz="1100" kern="1200" dirty="0" err="1"/>
-            <a:t>nike</a:t>
-          </a:r>
-          <a:r>
-            <a:rPr lang="en-US" sz="1100" kern="1200" dirty="0"/>
-            <a:t> rows</a:t>
-          </a:r>
-        </a:p>
-        <a:p>
-          <a:pPr marL="0" lvl="0" indent="0" algn="ctr" defTabSz="488950">
-            <a:lnSpc>
-              <a:spcPct val="100000"/>
-            </a:lnSpc>
-            <a:spcBef>
-              <a:spcPct val="0"/>
-            </a:spcBef>
-            <a:spcAft>
-              <a:spcPct val="35000"/>
-            </a:spcAft>
-            <a:buNone/>
-            <a:defRPr cap="all"/>
-          </a:pPr>
-          <a:endParaRPr lang="en-US" sz="1100" kern="1200" dirty="0"/>
-        </a:p>
-        <a:p>
-          <a:pPr marL="0" lvl="0" indent="0" algn="ctr" defTabSz="488950">
-            <a:lnSpc>
-              <a:spcPct val="100000"/>
-            </a:lnSpc>
-            <a:spcBef>
-              <a:spcPct val="0"/>
-            </a:spcBef>
-            <a:spcAft>
-              <a:spcPct val="35000"/>
-            </a:spcAft>
-            <a:buNone/>
-            <a:defRPr cap="all"/>
-          </a:pPr>
-          <a:endParaRPr lang="en-US" sz="1100" kern="1200" dirty="0"/>
-        </a:p>
-      </dsp:txBody>
-      <dsp:txXfrm>
-        <a:off x="7041543" y="2616556"/>
-        <a:ext cx="2981250" cy="877500"/>
-      </dsp:txXfrm>
-    </dsp:sp>
-  </dsp:spTree>
-</dsp:drawing>
-</file>
-
-<file path=ppt/diagrams/drawing4.xml><?xml version="1.0" encoding="utf-8"?>
-<dsp:drawing xmlns:dgm="http://schemas.openxmlformats.org/drawingml/2006/diagram" xmlns:dsp="http://schemas.microsoft.com/office/drawing/2008/diagram" xmlns:a="http://schemas.openxmlformats.org/drawingml/2006/main">
-  <dsp:spTree>
-    <dsp:nvGrpSpPr>
-      <dsp:cNvPr id="0" name=""/>
-      <dsp:cNvGrpSpPr/>
-    </dsp:nvGrpSpPr>
-    <dsp:grpSpPr/>
-    <dsp:sp modelId="{B59FCF02-CAD2-4D6F-9542-AD86711168CA}">
-      <dsp:nvSpPr>
-        <dsp:cNvPr id="0" name=""/>
-        <dsp:cNvSpPr/>
-      </dsp:nvSpPr>
-      <dsp:spPr>
-        <a:xfrm>
           <a:off x="616949" y="310305"/>
           <a:ext cx="1818562" cy="1818562"/>
         </a:xfrm>
@@ -8344,7 +5231,7 @@
         </a:bodyPr>
         <a:lstStyle/>
         <a:p>
-          <a:pPr marL="0" lvl="0" indent="0" algn="ctr" defTabSz="666750">
+          <a:pPr marL="0" lvl="0" indent="0" algn="ctr" defTabSz="844550">
             <a:lnSpc>
               <a:spcPct val="100000"/>
             </a:lnSpc>
@@ -8358,8 +5245,8 @@
             <a:defRPr cap="all"/>
           </a:pPr>
           <a:r>
-            <a:rPr lang="en-US" sz="1500" kern="1200" dirty="0"/>
-            <a:t>Nike vs adidas</a:t>
+            <a:rPr lang="en-US" sz="1900" kern="1200" dirty="0"/>
+            <a:t>Product category</a:t>
           </a:r>
         </a:p>
       </dsp:txBody>
@@ -8494,7 +5381,7 @@
         </a:bodyPr>
         <a:lstStyle/>
         <a:p>
-          <a:pPr marL="0" lvl="0" indent="0" algn="ctr" defTabSz="666750">
+          <a:pPr marL="0" lvl="0" indent="0" algn="ctr" defTabSz="844550">
             <a:lnSpc>
               <a:spcPct val="100000"/>
             </a:lnSpc>
@@ -8508,8 +5395,8 @@
             <a:defRPr cap="all"/>
           </a:pPr>
           <a:r>
-            <a:rPr lang="en-US" sz="1500" kern="1200" dirty="0"/>
-            <a:t>Gender analysis</a:t>
+            <a:rPr lang="en-US" sz="1900" kern="1200" dirty="0"/>
+            <a:t>Sales volume</a:t>
           </a:r>
         </a:p>
       </dsp:txBody>
@@ -8644,7 +5531,7 @@
         </a:bodyPr>
         <a:lstStyle/>
         <a:p>
-          <a:pPr marL="0" lvl="0" indent="0" algn="ctr" defTabSz="666750">
+          <a:pPr marL="0" lvl="0" indent="0" algn="ctr" defTabSz="844550">
             <a:lnSpc>
               <a:spcPct val="100000"/>
             </a:lnSpc>
@@ -8658,155 +5545,12 @@
             <a:defRPr cap="all"/>
           </a:pPr>
           <a:r>
-            <a:rPr lang="en-US" sz="1500" kern="1200" dirty="0"/>
-            <a:t>Pellentesque habitant morbi tristique senectus et netus.</a:t>
+            <a:rPr lang="en-US" sz="1900" kern="1200" dirty="0"/>
+            <a:t>Nike &lt; adidas data size</a:t>
           </a:r>
         </a:p>
-      </dsp:txBody>
-      <dsp:txXfrm>
-        <a:off x="7041543" y="2695306"/>
-        <a:ext cx="2981250" cy="720000"/>
-      </dsp:txXfrm>
-    </dsp:sp>
-  </dsp:spTree>
-</dsp:drawing>
-</file>
-
-<file path=ppt/diagrams/drawing5.xml><?xml version="1.0" encoding="utf-8"?>
-<dsp:drawing xmlns:dgm="http://schemas.openxmlformats.org/drawingml/2006/diagram" xmlns:dsp="http://schemas.microsoft.com/office/drawing/2008/diagram" xmlns:a="http://schemas.openxmlformats.org/drawingml/2006/main">
-  <dsp:spTree>
-    <dsp:nvGrpSpPr>
-      <dsp:cNvPr id="0" name=""/>
-      <dsp:cNvGrpSpPr/>
-    </dsp:nvGrpSpPr>
-    <dsp:grpSpPr/>
-    <dsp:sp modelId="{B59FCF02-CAD2-4D6F-9542-AD86711168CA}">
-      <dsp:nvSpPr>
-        <dsp:cNvPr id="0" name=""/>
-        <dsp:cNvSpPr/>
-      </dsp:nvSpPr>
-      <dsp:spPr>
-        <a:xfrm>
-          <a:off x="616949" y="310305"/>
-          <a:ext cx="1818562" cy="1818562"/>
-        </a:xfrm>
-        <a:prstGeom prst="ellipse">
-          <a:avLst/>
-        </a:prstGeom>
-        <a:solidFill>
-          <a:schemeClr val="accent2">
-            <a:hueOff val="0"/>
-            <a:satOff val="0"/>
-            <a:lumOff val="0"/>
-            <a:alphaOff val="0"/>
-          </a:schemeClr>
-        </a:solidFill>
-        <a:ln>
-          <a:noFill/>
-        </a:ln>
-        <a:effectLst/>
-      </dsp:spPr>
-      <dsp:style>
-        <a:lnRef idx="0">
-          <a:scrgbClr r="0" g="0" b="0"/>
-        </a:lnRef>
-        <a:fillRef idx="1">
-          <a:scrgbClr r="0" g="0" b="0"/>
-        </a:fillRef>
-        <a:effectRef idx="0">
-          <a:scrgbClr r="0" g="0" b="0"/>
-        </a:effectRef>
-        <a:fontRef idx="minor"/>
-      </dsp:style>
-    </dsp:sp>
-    <dsp:sp modelId="{7C175B98-93F4-4D7C-BB95-1514AB879CD5}">
-      <dsp:nvSpPr>
-        <dsp:cNvPr id="0" name=""/>
-        <dsp:cNvSpPr/>
-      </dsp:nvSpPr>
-      <dsp:spPr>
-        <a:xfrm>
-          <a:off x="1004512" y="697868"/>
-          <a:ext cx="1043437" cy="1043437"/>
-        </a:xfrm>
-        <a:prstGeom prst="rect">
-          <a:avLst/>
-        </a:prstGeom>
-        <a:blipFill>
-          <a:blip xmlns:r="http://schemas.openxmlformats.org/officeDocument/2006/relationships" r:embed="rId1">
-            <a:extLst>
-              <a:ext uri="{28A0092B-C50C-407E-A947-70E740481C1C}">
-                <a14:useLocalDpi xmlns:a14="http://schemas.microsoft.com/office/drawing/2010/main" val="0"/>
-              </a:ext>
-              <a:ext uri="{96DAC541-7B7A-43D3-8B79-37D633B846F1}">
-                <asvg:svgBlip xmlns:asvg="http://schemas.microsoft.com/office/drawing/2016/SVG/main" r:embed="rId2"/>
-              </a:ext>
-            </a:extLst>
-          </a:blip>
-          <a:srcRect/>
-          <a:stretch>
-            <a:fillRect/>
-          </a:stretch>
-        </a:blipFill>
-        <a:ln w="12700" cap="flat" cmpd="sng" algn="ctr">
-          <a:noFill/>
-          <a:prstDash val="solid"/>
-        </a:ln>
-        <a:effectLst/>
-      </dsp:spPr>
-      <dsp:style>
-        <a:lnRef idx="2">
-          <a:scrgbClr r="0" g="0" b="0"/>
-        </a:lnRef>
-        <a:fillRef idx="1">
-          <a:scrgbClr r="0" g="0" b="0"/>
-        </a:fillRef>
-        <a:effectRef idx="0">
-          <a:scrgbClr r="0" g="0" b="0"/>
-        </a:effectRef>
-        <a:fontRef idx="minor">
-          <a:schemeClr val="lt1"/>
-        </a:fontRef>
-      </dsp:style>
-    </dsp:sp>
-    <dsp:sp modelId="{127117FB-F8A7-4A20-A8A7-EC686DDC76D0}">
-      <dsp:nvSpPr>
-        <dsp:cNvPr id="0" name=""/>
-        <dsp:cNvSpPr/>
-      </dsp:nvSpPr>
-      <dsp:spPr>
-        <a:xfrm>
-          <a:off x="35606" y="2695306"/>
-          <a:ext cx="2981250" cy="720000"/>
-        </a:xfrm>
-        <a:prstGeom prst="rect">
-          <a:avLst/>
-        </a:prstGeom>
-        <a:noFill/>
-        <a:ln>
-          <a:noFill/>
-        </a:ln>
-        <a:effectLst/>
-      </dsp:spPr>
-      <dsp:style>
-        <a:lnRef idx="0">
-          <a:scrgbClr r="0" g="0" b="0"/>
-        </a:lnRef>
-        <a:fillRef idx="0">
-          <a:scrgbClr r="0" g="0" b="0"/>
-        </a:fillRef>
-        <a:effectRef idx="0">
-          <a:scrgbClr r="0" g="0" b="0"/>
-        </a:effectRef>
-        <a:fontRef idx="minor"/>
-      </dsp:style>
-      <dsp:txBody>
-        <a:bodyPr spcFirstLastPara="0" vert="horz" wrap="square" lIns="0" tIns="0" rIns="0" bIns="0" numCol="1" spcCol="1270" anchor="t" anchorCtr="0">
-          <a:noAutofit/>
-        </a:bodyPr>
-        <a:lstStyle/>
         <a:p>
-          <a:pPr marL="0" lvl="0" indent="0" algn="ctr" defTabSz="666750">
+          <a:pPr marL="0" lvl="0" indent="0" algn="ctr" defTabSz="844550">
             <a:lnSpc>
               <a:spcPct val="100000"/>
             </a:lnSpc>
@@ -8820,308 +5564,16 @@
             <a:defRPr cap="all"/>
           </a:pPr>
           <a:r>
-            <a:rPr lang="en-US" sz="1500" kern="1200" dirty="0"/>
-            <a:t>Pricing tiers</a:t>
+            <a:rPr lang="en-US" sz="1900" kern="1200" dirty="0"/>
+            <a:t>155 </a:t>
           </a:r>
-        </a:p>
-      </dsp:txBody>
-      <dsp:txXfrm>
-        <a:off x="35606" y="2695306"/>
-        <a:ext cx="2981250" cy="720000"/>
-      </dsp:txXfrm>
-    </dsp:sp>
-    <dsp:sp modelId="{BCD8CDD9-0C56-4401-ADB1-8B48DAB2C96F}">
-      <dsp:nvSpPr>
-        <dsp:cNvPr id="0" name=""/>
-        <dsp:cNvSpPr/>
-      </dsp:nvSpPr>
-      <dsp:spPr>
-        <a:xfrm>
-          <a:off x="4119918" y="310305"/>
-          <a:ext cx="1818562" cy="1818562"/>
-        </a:xfrm>
-        <a:prstGeom prst="ellipse">
-          <a:avLst/>
-        </a:prstGeom>
-        <a:solidFill>
-          <a:schemeClr val="accent3">
-            <a:hueOff val="0"/>
-            <a:satOff val="0"/>
-            <a:lumOff val="0"/>
-            <a:alphaOff val="0"/>
-          </a:schemeClr>
-        </a:solidFill>
-        <a:ln>
-          <a:noFill/>
-        </a:ln>
-        <a:effectLst/>
-      </dsp:spPr>
-      <dsp:style>
-        <a:lnRef idx="0">
-          <a:scrgbClr r="0" g="0" b="0"/>
-        </a:lnRef>
-        <a:fillRef idx="1">
-          <a:scrgbClr r="0" g="0" b="0"/>
-        </a:fillRef>
-        <a:effectRef idx="0">
-          <a:scrgbClr r="0" g="0" b="0"/>
-        </a:effectRef>
-        <a:fontRef idx="minor"/>
-      </dsp:style>
-    </dsp:sp>
-    <dsp:sp modelId="{DB4CA7C4-FCA1-4127-B20A-2A5C031A3CF4}">
-      <dsp:nvSpPr>
-        <dsp:cNvPr id="0" name=""/>
-        <dsp:cNvSpPr/>
-      </dsp:nvSpPr>
-      <dsp:spPr>
-        <a:xfrm>
-          <a:off x="4507481" y="697868"/>
-          <a:ext cx="1043437" cy="1043437"/>
-        </a:xfrm>
-        <a:prstGeom prst="rect">
-          <a:avLst/>
-        </a:prstGeom>
-        <a:blipFill>
-          <a:blip xmlns:r="http://schemas.openxmlformats.org/officeDocument/2006/relationships" r:embed="rId3">
-            <a:extLst>
-              <a:ext uri="{28A0092B-C50C-407E-A947-70E740481C1C}">
-                <a14:useLocalDpi xmlns:a14="http://schemas.microsoft.com/office/drawing/2010/main" val="0"/>
-              </a:ext>
-              <a:ext uri="{96DAC541-7B7A-43D3-8B79-37D633B846F1}">
-                <asvg:svgBlip xmlns:asvg="http://schemas.microsoft.com/office/drawing/2016/SVG/main" r:embed="rId4"/>
-              </a:ext>
-            </a:extLst>
-          </a:blip>
-          <a:srcRect/>
-          <a:stretch>
-            <a:fillRect/>
-          </a:stretch>
-        </a:blipFill>
-        <a:ln w="12700" cap="flat" cmpd="sng" algn="ctr">
-          <a:noFill/>
-          <a:prstDash val="solid"/>
-        </a:ln>
-        <a:effectLst/>
-      </dsp:spPr>
-      <dsp:style>
-        <a:lnRef idx="2">
-          <a:scrgbClr r="0" g="0" b="0"/>
-        </a:lnRef>
-        <a:fillRef idx="1">
-          <a:scrgbClr r="0" g="0" b="0"/>
-        </a:fillRef>
-        <a:effectRef idx="0">
-          <a:scrgbClr r="0" g="0" b="0"/>
-        </a:effectRef>
-        <a:fontRef idx="minor">
-          <a:schemeClr val="lt1"/>
-        </a:fontRef>
-      </dsp:style>
-    </dsp:sp>
-    <dsp:sp modelId="{7E6FE37A-5DB0-4899-9FCB-0CE39BC185F8}">
-      <dsp:nvSpPr>
-        <dsp:cNvPr id="0" name=""/>
-        <dsp:cNvSpPr/>
-      </dsp:nvSpPr>
-      <dsp:spPr>
-        <a:xfrm>
-          <a:off x="3538574" y="2695306"/>
-          <a:ext cx="2981250" cy="720000"/>
-        </a:xfrm>
-        <a:prstGeom prst="rect">
-          <a:avLst/>
-        </a:prstGeom>
-        <a:noFill/>
-        <a:ln>
-          <a:noFill/>
-        </a:ln>
-        <a:effectLst/>
-      </dsp:spPr>
-      <dsp:style>
-        <a:lnRef idx="0">
-          <a:scrgbClr r="0" g="0" b="0"/>
-        </a:lnRef>
-        <a:fillRef idx="0">
-          <a:scrgbClr r="0" g="0" b="0"/>
-        </a:fillRef>
-        <a:effectRef idx="0">
-          <a:scrgbClr r="0" g="0" b="0"/>
-        </a:effectRef>
-        <a:fontRef idx="minor"/>
-      </dsp:style>
-      <dsp:txBody>
-        <a:bodyPr spcFirstLastPara="0" vert="horz" wrap="square" lIns="0" tIns="0" rIns="0" bIns="0" numCol="1" spcCol="1270" anchor="t" anchorCtr="0">
-          <a:noAutofit/>
-        </a:bodyPr>
-        <a:lstStyle/>
-        <a:p>
-          <a:pPr marL="0" lvl="0" indent="0" algn="ctr" defTabSz="666750">
-            <a:lnSpc>
-              <a:spcPct val="100000"/>
-            </a:lnSpc>
-            <a:spcBef>
-              <a:spcPct val="0"/>
-            </a:spcBef>
-            <a:spcAft>
-              <a:spcPct val="35000"/>
-            </a:spcAft>
-            <a:buNone/>
-            <a:defRPr cap="all"/>
-          </a:pPr>
           <a:r>
-            <a:rPr lang="en-US" sz="1500" kern="1200" dirty="0"/>
-            <a:t>Gender discounting</a:t>
+            <a:rPr lang="en-US" sz="1900" kern="1200" dirty="0" err="1"/>
+            <a:t>nike</a:t>
           </a:r>
-        </a:p>
-      </dsp:txBody>
-      <dsp:txXfrm>
-        <a:off x="3538574" y="2695306"/>
-        <a:ext cx="2981250" cy="720000"/>
-      </dsp:txXfrm>
-    </dsp:sp>
-    <dsp:sp modelId="{FF93E135-77D6-48A0-8871-9BC93D705D06}">
-      <dsp:nvSpPr>
-        <dsp:cNvPr id="0" name=""/>
-        <dsp:cNvSpPr/>
-      </dsp:nvSpPr>
-      <dsp:spPr>
-        <a:xfrm>
-          <a:off x="7622887" y="310305"/>
-          <a:ext cx="1818562" cy="1818562"/>
-        </a:xfrm>
-        <a:prstGeom prst="ellipse">
-          <a:avLst/>
-        </a:prstGeom>
-        <a:solidFill>
-          <a:schemeClr val="accent4">
-            <a:hueOff val="0"/>
-            <a:satOff val="0"/>
-            <a:lumOff val="0"/>
-            <a:alphaOff val="0"/>
-          </a:schemeClr>
-        </a:solidFill>
-        <a:ln>
-          <a:noFill/>
-        </a:ln>
-        <a:effectLst/>
-      </dsp:spPr>
-      <dsp:style>
-        <a:lnRef idx="0">
-          <a:scrgbClr r="0" g="0" b="0"/>
-        </a:lnRef>
-        <a:fillRef idx="1">
-          <a:scrgbClr r="0" g="0" b="0"/>
-        </a:fillRef>
-        <a:effectRef idx="0">
-          <a:scrgbClr r="0" g="0" b="0"/>
-        </a:effectRef>
-        <a:fontRef idx="minor"/>
-      </dsp:style>
-    </dsp:sp>
-    <dsp:sp modelId="{39509775-983E-4110-B989-EE2CD6514BE0}">
-      <dsp:nvSpPr>
-        <dsp:cNvPr id="0" name=""/>
-        <dsp:cNvSpPr/>
-      </dsp:nvSpPr>
-      <dsp:spPr>
-        <a:xfrm>
-          <a:off x="8010450" y="697868"/>
-          <a:ext cx="1043437" cy="1043437"/>
-        </a:xfrm>
-        <a:prstGeom prst="rect">
-          <a:avLst/>
-        </a:prstGeom>
-        <a:blipFill>
-          <a:blip xmlns:r="http://schemas.openxmlformats.org/officeDocument/2006/relationships" r:embed="rId5">
-            <a:extLst>
-              <a:ext uri="{28A0092B-C50C-407E-A947-70E740481C1C}">
-                <a14:useLocalDpi xmlns:a14="http://schemas.microsoft.com/office/drawing/2010/main" val="0"/>
-              </a:ext>
-              <a:ext uri="{96DAC541-7B7A-43D3-8B79-37D633B846F1}">
-                <asvg:svgBlip xmlns:asvg="http://schemas.microsoft.com/office/drawing/2016/SVG/main" r:embed="rId6"/>
-              </a:ext>
-            </a:extLst>
-          </a:blip>
-          <a:srcRect/>
-          <a:stretch>
-            <a:fillRect/>
-          </a:stretch>
-        </a:blipFill>
-        <a:ln w="12700" cap="flat" cmpd="sng" algn="ctr">
-          <a:noFill/>
-          <a:prstDash val="solid"/>
-        </a:ln>
-        <a:effectLst/>
-      </dsp:spPr>
-      <dsp:style>
-        <a:lnRef idx="2">
-          <a:scrgbClr r="0" g="0" b="0"/>
-        </a:lnRef>
-        <a:fillRef idx="1">
-          <a:scrgbClr r="0" g="0" b="0"/>
-        </a:fillRef>
-        <a:effectRef idx="0">
-          <a:scrgbClr r="0" g="0" b="0"/>
-        </a:effectRef>
-        <a:fontRef idx="minor">
-          <a:schemeClr val="lt1"/>
-        </a:fontRef>
-      </dsp:style>
-    </dsp:sp>
-    <dsp:sp modelId="{1AEDC777-00B3-41D7-9AE1-23D741E941C3}">
-      <dsp:nvSpPr>
-        <dsp:cNvPr id="0" name=""/>
-        <dsp:cNvSpPr/>
-      </dsp:nvSpPr>
-      <dsp:spPr>
-        <a:xfrm>
-          <a:off x="7041543" y="2695306"/>
-          <a:ext cx="2981250" cy="720000"/>
-        </a:xfrm>
-        <a:prstGeom prst="rect">
-          <a:avLst/>
-        </a:prstGeom>
-        <a:noFill/>
-        <a:ln>
-          <a:noFill/>
-        </a:ln>
-        <a:effectLst/>
-      </dsp:spPr>
-      <dsp:style>
-        <a:lnRef idx="0">
-          <a:scrgbClr r="0" g="0" b="0"/>
-        </a:lnRef>
-        <a:fillRef idx="0">
-          <a:scrgbClr r="0" g="0" b="0"/>
-        </a:fillRef>
-        <a:effectRef idx="0">
-          <a:scrgbClr r="0" g="0" b="0"/>
-        </a:effectRef>
-        <a:fontRef idx="minor"/>
-      </dsp:style>
-      <dsp:txBody>
-        <a:bodyPr spcFirstLastPara="0" vert="horz" wrap="square" lIns="0" tIns="0" rIns="0" bIns="0" numCol="1" spcCol="1270" anchor="t" anchorCtr="0">
-          <a:noAutofit/>
-        </a:bodyPr>
-        <a:lstStyle/>
-        <a:p>
-          <a:pPr marL="0" lvl="0" indent="0" algn="ctr" defTabSz="666750">
-            <a:lnSpc>
-              <a:spcPct val="100000"/>
-            </a:lnSpc>
-            <a:spcBef>
-              <a:spcPct val="0"/>
-            </a:spcBef>
-            <a:spcAft>
-              <a:spcPct val="35000"/>
-            </a:spcAft>
-            <a:buNone/>
-            <a:defRPr cap="all"/>
-          </a:pPr>
           <a:r>
-            <a:rPr lang="en-US" sz="1500" kern="1200" dirty="0"/>
-            <a:t>Pellentesque habitant morbi tristique senectus et netus.</a:t>
+            <a:rPr lang="en-US" sz="1900" kern="1200" dirty="0"/>
+            <a:t> rows</a:t>
           </a:r>
         </a:p>
       </dsp:txBody>
@@ -9779,436 +6231,6 @@
 </dgm:layoutDef>
 </file>
 
-<file path=ppt/diagrams/layout4.xml><?xml version="1.0" encoding="utf-8"?>
-<dgm:layoutDef xmlns:dgm="http://schemas.openxmlformats.org/drawingml/2006/diagram" xmlns:a="http://schemas.openxmlformats.org/drawingml/2006/main" uniqueId="urn:microsoft.com/office/officeart/2018/5/layout/IconCircleLabelList">
-  <dgm:title val="Icon Circle Label List"/>
-  <dgm:desc val="Use to show non-sequential or grouped chunks of information accompanied by a related visuals. Works best with icons or small pictures with short text captions."/>
-  <dgm:catLst>
-    <dgm:cat type="icon" pri="500"/>
-  </dgm:catLst>
-  <dgm:sampData useDef="1">
-    <dgm:dataModel>
-      <dgm:ptLst/>
-      <dgm:bg/>
-      <dgm:whole/>
-    </dgm:dataModel>
-  </dgm:sampData>
-  <dgm:styleData useDef="1">
-    <dgm:dataModel>
-      <dgm:ptLst/>
-      <dgm:bg/>
-      <dgm:whole/>
-    </dgm:dataModel>
-  </dgm:styleData>
-  <dgm:clrData useDef="1">
-    <dgm:dataModel>
-      <dgm:ptLst/>
-      <dgm:bg/>
-      <dgm:whole/>
-    </dgm:dataModel>
-  </dgm:clrData>
-  <dgm:layoutNode name="root">
-    <dgm:varLst>
-      <dgm:dir/>
-      <dgm:resizeHandles val="exact"/>
-    </dgm:varLst>
-    <dgm:choose name="Name0">
-      <dgm:if name="Name1" axis="self" func="var" arg="dir" op="equ" val="norm">
-        <dgm:alg type="snake">
-          <dgm:param type="grDir" val="tL"/>
-          <dgm:param type="flowDir" val="row"/>
-          <dgm:param type="contDir" val="sameDir"/>
-          <dgm:param type="off" val="ctr"/>
-          <dgm:param type="vertAlign" val="mid"/>
-          <dgm:param type="horzAlign" val="ctr"/>
-        </dgm:alg>
-      </dgm:if>
-      <dgm:else name="Name2">
-        <dgm:alg type="snake">
-          <dgm:param type="grDir" val="tR"/>
-          <dgm:param type="flowDir" val="row"/>
-          <dgm:param type="contDir" val="sameDir"/>
-          <dgm:param type="off" val="ctr"/>
-          <dgm:param type="vertAlign" val="mid"/>
-          <dgm:param type="horzAlign" val="ctr"/>
-        </dgm:alg>
-      </dgm:else>
-    </dgm:choose>
-    <dgm:shape xmlns:r="http://schemas.openxmlformats.org/officeDocument/2006/relationships" r:blip="">
-      <dgm:adjLst/>
-    </dgm:shape>
-    <dgm:presOf/>
-    <dgm:choose name="Name3">
-      <dgm:if name="Name4" axis="ch" ptType="node" func="cnt" op="lte" val="2">
-        <dgm:constrLst>
-          <dgm:constr type="h" for="ch" forName="compNode" refType="h" fact="0.4"/>
-          <dgm:constr type="w" for="ch" forName="compNode" val="100"/>
-          <dgm:constr type="w" for="ch" forName="sibTrans" refType="w" refFor="ch" refForName="compNode" fact="0.175"/>
-          <dgm:constr type="sp" refType="w" refFor="ch" refForName="compNode" op="equ" fact="0.25"/>
-          <dgm:constr type="primFontSz" for="des" ptType="node" op="equ" val="44"/>
-          <dgm:constr type="h" for="des" forName="compNode" op="equ"/>
-          <dgm:constr type="h" for="des" forName="textRect" op="equ"/>
-        </dgm:constrLst>
-      </dgm:if>
-      <dgm:if name="Name5" axis="ch" ptType="node" func="cnt" op="lte" val="3">
-        <dgm:constrLst>
-          <dgm:constr type="h" for="ch" forName="compNode" refType="h" fact="0.4"/>
-          <dgm:constr type="w" for="ch" forName="compNode" val="100"/>
-          <dgm:constr type="w" for="ch" forName="sibTrans" refType="w" refFor="ch" refForName="compNode" fact="0.175"/>
-          <dgm:constr type="sp" refType="w" refFor="ch" refForName="compNode" op="equ" fact="0.25"/>
-          <dgm:constr type="primFontSz" for="des" ptType="node" op="equ" val="40"/>
-          <dgm:constr type="h" for="des" forName="compNode" op="equ"/>
-          <dgm:constr type="h" for="des" forName="textRect" op="equ"/>
-        </dgm:constrLst>
-      </dgm:if>
-      <dgm:if name="Name6" axis="ch" ptType="node" func="cnt" op="lte" val="4">
-        <dgm:constrLst>
-          <dgm:constr type="h" for="ch" forName="compNode" refType="h" fact="0.4"/>
-          <dgm:constr type="w" for="ch" forName="compNode" refType="w"/>
-          <dgm:constr type="w" for="ch" forName="sibTrans" refType="w" refFor="ch" refForName="compNode" fact="0.175"/>
-          <dgm:constr type="sp" refType="w" refFor="ch" refForName="compNode" op="equ" fact="0.25"/>
-          <dgm:constr type="primFontSz" for="des" ptType="node" op="equ" val="32"/>
-          <dgm:constr type="h" for="des" forName="compNode" op="equ"/>
-          <dgm:constr type="h" for="des" forName="textRect" op="equ"/>
-        </dgm:constrLst>
-      </dgm:if>
-      <dgm:else name="Name7">
-        <dgm:constrLst>
-          <dgm:constr type="h" for="ch" forName="compNode" refType="h" fact="0.4"/>
-          <dgm:constr type="w" for="ch" forName="compNode" refType="w"/>
-          <dgm:constr type="w" for="ch" forName="sibTrans" refType="w" refFor="ch" refForName="compNode" fact="0.175"/>
-          <dgm:constr type="sp" refType="w" refFor="ch" refForName="compNode" op="equ" fact="0.25"/>
-          <dgm:constr type="primFontSz" for="des" ptType="node" op="equ" val="24"/>
-          <dgm:constr type="h" for="des" forName="compNode" op="equ"/>
-          <dgm:constr type="h" for="des" forName="textRect" op="equ"/>
-        </dgm:constrLst>
-      </dgm:else>
-    </dgm:choose>
-    <dgm:ruleLst>
-      <dgm:rule type="w" for="ch" forName="compNode" val="50" fact="NaN" max="NaN"/>
-    </dgm:ruleLst>
-    <dgm:forEach name="Name8" axis="ch" ptType="node">
-      <dgm:layoutNode name="compNode">
-        <dgm:alg type="composite"/>
-        <dgm:shape xmlns:r="http://schemas.openxmlformats.org/officeDocument/2006/relationships" r:blip="">
-          <dgm:adjLst/>
-        </dgm:shape>
-        <dgm:presOf axis="self"/>
-        <dgm:constrLst>
-          <dgm:constr type="w" for="ch" forName="iconBgRect" refType="w" fact="0.61"/>
-          <dgm:constr type="h" for="ch" forName="iconBgRect" refType="w" refFor="ch" refForName="iconBgRect"/>
-          <dgm:constr type="t" for="ch" forName="iconBgRect"/>
-          <dgm:constr type="ctrX" for="ch" forName="iconBgRect" refType="w" fact="0.5"/>
-          <dgm:constr type="w" for="ch" forName="iconRect" refType="w" fact="0.35"/>
-          <dgm:constr type="h" for="ch" forName="iconRect" refType="w" refFor="ch" refForName="iconRect"/>
-          <dgm:constr type="ctrX" for="ch" forName="iconRect" refType="ctrX" refFor="ch" refForName="iconBgRect"/>
-          <dgm:constr type="ctrY" for="ch" forName="iconRect" refType="ctrY" refFor="ch" refForName="iconBgRect"/>
-          <dgm:constr type="h" for="ch" forName="spaceRect" refType="w" fact="0.19"/>
-          <dgm:constr type="w" for="ch" forName="spaceRect" refType="w"/>
-          <dgm:constr type="l" for="ch" forName="spaceRect"/>
-          <dgm:constr type="t" for="ch" forName="spaceRect" refType="b" refFor="ch" refForName="iconBgRect"/>
-          <dgm:constr type="h" for="ch" forName="textRect" val="20"/>
-          <dgm:constr type="w" for="ch" forName="textRect" refType="w"/>
-          <dgm:constr type="l" for="ch" forName="textRect"/>
-          <dgm:constr type="t" for="ch" forName="textRect" refType="b" refFor="ch" refForName="spaceRect"/>
-        </dgm:constrLst>
-        <dgm:ruleLst>
-          <dgm:rule type="h" val="INF" fact="NaN" max="NaN"/>
-        </dgm:ruleLst>
-        <dgm:layoutNode name="iconBgRect" styleLbl="bgShp">
-          <dgm:alg type="sp"/>
-          <dgm:shape xmlns:r="http://schemas.openxmlformats.org/officeDocument/2006/relationships" type="ellipse" r:blip="">
-            <dgm:adjLst/>
-          </dgm:shape>
-          <dgm:presOf/>
-          <dgm:constrLst/>
-          <dgm:ruleLst/>
-        </dgm:layoutNode>
-        <dgm:layoutNode name="iconRect" styleLbl="node1">
-          <dgm:alg type="sp"/>
-          <dgm:shape xmlns:r="http://schemas.openxmlformats.org/officeDocument/2006/relationships" type="rect" r:blip="" blipPhldr="1">
-            <dgm:adjLst/>
-          </dgm:shape>
-          <dgm:presOf/>
-          <dgm:constrLst/>
-          <dgm:ruleLst/>
-        </dgm:layoutNode>
-        <dgm:layoutNode name="spaceRect">
-          <dgm:alg type="sp"/>
-          <dgm:shape xmlns:r="http://schemas.openxmlformats.org/officeDocument/2006/relationships" r:blip="">
-            <dgm:adjLst/>
-          </dgm:shape>
-          <dgm:presOf/>
-          <dgm:constrLst/>
-          <dgm:ruleLst/>
-        </dgm:layoutNode>
-        <dgm:layoutNode name="textRect" styleLbl="revTx">
-          <dgm:varLst>
-            <dgm:chMax val="1"/>
-            <dgm:chPref val="1"/>
-          </dgm:varLst>
-          <dgm:alg type="tx">
-            <dgm:param type="txAnchorVert" val="t"/>
-          </dgm:alg>
-          <dgm:shape xmlns:r="http://schemas.openxmlformats.org/officeDocument/2006/relationships" type="rect" r:blip="">
-            <dgm:adjLst/>
-          </dgm:shape>
-          <dgm:presOf axis="self" ptType="node"/>
-          <dgm:constrLst>
-            <dgm:constr type="lMarg"/>
-            <dgm:constr type="rMarg"/>
-            <dgm:constr type="tMarg"/>
-            <dgm:constr type="bMarg"/>
-          </dgm:constrLst>
-          <dgm:ruleLst>
-            <dgm:rule type="primFontSz" val="11" fact="NaN" max="NaN"/>
-            <dgm:rule type="h" val="INF" fact="NaN" max="NaN"/>
-          </dgm:ruleLst>
-        </dgm:layoutNode>
-      </dgm:layoutNode>
-      <dgm:forEach name="Name9" axis="followSib" ptType="sibTrans" cnt="1">
-        <dgm:layoutNode name="sibTrans">
-          <dgm:alg type="sp"/>
-          <dgm:shape xmlns:r="http://schemas.openxmlformats.org/officeDocument/2006/relationships" r:blip="">
-            <dgm:adjLst/>
-          </dgm:shape>
-          <dgm:presOf axis="self"/>
-          <dgm:constrLst/>
-          <dgm:ruleLst/>
-        </dgm:layoutNode>
-      </dgm:forEach>
-    </dgm:forEach>
-  </dgm:layoutNode>
-  <dgm:extLst>
-    <a:ext uri="{68A01E43-0DF5-4B5B-8FA6-DAF915123BFB}">
-      <dgm1612:lstStyle xmlns:dgm1612="http://schemas.microsoft.com/office/drawing/2016/12/diagram">
-        <a:lvl1pPr>
-          <a:lnSpc>
-            <a:spcPct val="100000"/>
-          </a:lnSpc>
-          <a:defRPr cap="all"/>
-        </a:lvl1pPr>
-      </dgm1612:lstStyle>
-    </a:ext>
-  </dgm:extLst>
-</dgm:layoutDef>
-</file>
-
-<file path=ppt/diagrams/layout5.xml><?xml version="1.0" encoding="utf-8"?>
-<dgm:layoutDef xmlns:dgm="http://schemas.openxmlformats.org/drawingml/2006/diagram" xmlns:a="http://schemas.openxmlformats.org/drawingml/2006/main" uniqueId="urn:microsoft.com/office/officeart/2018/5/layout/IconCircleLabelList">
-  <dgm:title val="Icon Circle Label List"/>
-  <dgm:desc val="Use to show non-sequential or grouped chunks of information accompanied by a related visuals. Works best with icons or small pictures with short text captions."/>
-  <dgm:catLst>
-    <dgm:cat type="icon" pri="500"/>
-  </dgm:catLst>
-  <dgm:sampData useDef="1">
-    <dgm:dataModel>
-      <dgm:ptLst/>
-      <dgm:bg/>
-      <dgm:whole/>
-    </dgm:dataModel>
-  </dgm:sampData>
-  <dgm:styleData useDef="1">
-    <dgm:dataModel>
-      <dgm:ptLst/>
-      <dgm:bg/>
-      <dgm:whole/>
-    </dgm:dataModel>
-  </dgm:styleData>
-  <dgm:clrData useDef="1">
-    <dgm:dataModel>
-      <dgm:ptLst/>
-      <dgm:bg/>
-      <dgm:whole/>
-    </dgm:dataModel>
-  </dgm:clrData>
-  <dgm:layoutNode name="root">
-    <dgm:varLst>
-      <dgm:dir/>
-      <dgm:resizeHandles val="exact"/>
-    </dgm:varLst>
-    <dgm:choose name="Name0">
-      <dgm:if name="Name1" axis="self" func="var" arg="dir" op="equ" val="norm">
-        <dgm:alg type="snake">
-          <dgm:param type="grDir" val="tL"/>
-          <dgm:param type="flowDir" val="row"/>
-          <dgm:param type="contDir" val="sameDir"/>
-          <dgm:param type="off" val="ctr"/>
-          <dgm:param type="vertAlign" val="mid"/>
-          <dgm:param type="horzAlign" val="ctr"/>
-        </dgm:alg>
-      </dgm:if>
-      <dgm:else name="Name2">
-        <dgm:alg type="snake">
-          <dgm:param type="grDir" val="tR"/>
-          <dgm:param type="flowDir" val="row"/>
-          <dgm:param type="contDir" val="sameDir"/>
-          <dgm:param type="off" val="ctr"/>
-          <dgm:param type="vertAlign" val="mid"/>
-          <dgm:param type="horzAlign" val="ctr"/>
-        </dgm:alg>
-      </dgm:else>
-    </dgm:choose>
-    <dgm:shape xmlns:r="http://schemas.openxmlformats.org/officeDocument/2006/relationships" r:blip="">
-      <dgm:adjLst/>
-    </dgm:shape>
-    <dgm:presOf/>
-    <dgm:choose name="Name3">
-      <dgm:if name="Name4" axis="ch" ptType="node" func="cnt" op="lte" val="2">
-        <dgm:constrLst>
-          <dgm:constr type="h" for="ch" forName="compNode" refType="h" fact="0.4"/>
-          <dgm:constr type="w" for="ch" forName="compNode" val="100"/>
-          <dgm:constr type="w" for="ch" forName="sibTrans" refType="w" refFor="ch" refForName="compNode" fact="0.175"/>
-          <dgm:constr type="sp" refType="w" refFor="ch" refForName="compNode" op="equ" fact="0.25"/>
-          <dgm:constr type="primFontSz" for="des" ptType="node" op="equ" val="44"/>
-          <dgm:constr type="h" for="des" forName="compNode" op="equ"/>
-          <dgm:constr type="h" for="des" forName="textRect" op="equ"/>
-        </dgm:constrLst>
-      </dgm:if>
-      <dgm:if name="Name5" axis="ch" ptType="node" func="cnt" op="lte" val="3">
-        <dgm:constrLst>
-          <dgm:constr type="h" for="ch" forName="compNode" refType="h" fact="0.4"/>
-          <dgm:constr type="w" for="ch" forName="compNode" val="100"/>
-          <dgm:constr type="w" for="ch" forName="sibTrans" refType="w" refFor="ch" refForName="compNode" fact="0.175"/>
-          <dgm:constr type="sp" refType="w" refFor="ch" refForName="compNode" op="equ" fact="0.25"/>
-          <dgm:constr type="primFontSz" for="des" ptType="node" op="equ" val="40"/>
-          <dgm:constr type="h" for="des" forName="compNode" op="equ"/>
-          <dgm:constr type="h" for="des" forName="textRect" op="equ"/>
-        </dgm:constrLst>
-      </dgm:if>
-      <dgm:if name="Name6" axis="ch" ptType="node" func="cnt" op="lte" val="4">
-        <dgm:constrLst>
-          <dgm:constr type="h" for="ch" forName="compNode" refType="h" fact="0.4"/>
-          <dgm:constr type="w" for="ch" forName="compNode" refType="w"/>
-          <dgm:constr type="w" for="ch" forName="sibTrans" refType="w" refFor="ch" refForName="compNode" fact="0.175"/>
-          <dgm:constr type="sp" refType="w" refFor="ch" refForName="compNode" op="equ" fact="0.25"/>
-          <dgm:constr type="primFontSz" for="des" ptType="node" op="equ" val="32"/>
-          <dgm:constr type="h" for="des" forName="compNode" op="equ"/>
-          <dgm:constr type="h" for="des" forName="textRect" op="equ"/>
-        </dgm:constrLst>
-      </dgm:if>
-      <dgm:else name="Name7">
-        <dgm:constrLst>
-          <dgm:constr type="h" for="ch" forName="compNode" refType="h" fact="0.4"/>
-          <dgm:constr type="w" for="ch" forName="compNode" refType="w"/>
-          <dgm:constr type="w" for="ch" forName="sibTrans" refType="w" refFor="ch" refForName="compNode" fact="0.175"/>
-          <dgm:constr type="sp" refType="w" refFor="ch" refForName="compNode" op="equ" fact="0.25"/>
-          <dgm:constr type="primFontSz" for="des" ptType="node" op="equ" val="24"/>
-          <dgm:constr type="h" for="des" forName="compNode" op="equ"/>
-          <dgm:constr type="h" for="des" forName="textRect" op="equ"/>
-        </dgm:constrLst>
-      </dgm:else>
-    </dgm:choose>
-    <dgm:ruleLst>
-      <dgm:rule type="w" for="ch" forName="compNode" val="50" fact="NaN" max="NaN"/>
-    </dgm:ruleLst>
-    <dgm:forEach name="Name8" axis="ch" ptType="node">
-      <dgm:layoutNode name="compNode">
-        <dgm:alg type="composite"/>
-        <dgm:shape xmlns:r="http://schemas.openxmlformats.org/officeDocument/2006/relationships" r:blip="">
-          <dgm:adjLst/>
-        </dgm:shape>
-        <dgm:presOf axis="self"/>
-        <dgm:constrLst>
-          <dgm:constr type="w" for="ch" forName="iconBgRect" refType="w" fact="0.61"/>
-          <dgm:constr type="h" for="ch" forName="iconBgRect" refType="w" refFor="ch" refForName="iconBgRect"/>
-          <dgm:constr type="t" for="ch" forName="iconBgRect"/>
-          <dgm:constr type="ctrX" for="ch" forName="iconBgRect" refType="w" fact="0.5"/>
-          <dgm:constr type="w" for="ch" forName="iconRect" refType="w" fact="0.35"/>
-          <dgm:constr type="h" for="ch" forName="iconRect" refType="w" refFor="ch" refForName="iconRect"/>
-          <dgm:constr type="ctrX" for="ch" forName="iconRect" refType="ctrX" refFor="ch" refForName="iconBgRect"/>
-          <dgm:constr type="ctrY" for="ch" forName="iconRect" refType="ctrY" refFor="ch" refForName="iconBgRect"/>
-          <dgm:constr type="h" for="ch" forName="spaceRect" refType="w" fact="0.19"/>
-          <dgm:constr type="w" for="ch" forName="spaceRect" refType="w"/>
-          <dgm:constr type="l" for="ch" forName="spaceRect"/>
-          <dgm:constr type="t" for="ch" forName="spaceRect" refType="b" refFor="ch" refForName="iconBgRect"/>
-          <dgm:constr type="h" for="ch" forName="textRect" val="20"/>
-          <dgm:constr type="w" for="ch" forName="textRect" refType="w"/>
-          <dgm:constr type="l" for="ch" forName="textRect"/>
-          <dgm:constr type="t" for="ch" forName="textRect" refType="b" refFor="ch" refForName="spaceRect"/>
-        </dgm:constrLst>
-        <dgm:ruleLst>
-          <dgm:rule type="h" val="INF" fact="NaN" max="NaN"/>
-        </dgm:ruleLst>
-        <dgm:layoutNode name="iconBgRect" styleLbl="bgShp">
-          <dgm:alg type="sp"/>
-          <dgm:shape xmlns:r="http://schemas.openxmlformats.org/officeDocument/2006/relationships" type="ellipse" r:blip="">
-            <dgm:adjLst/>
-          </dgm:shape>
-          <dgm:presOf/>
-          <dgm:constrLst/>
-          <dgm:ruleLst/>
-        </dgm:layoutNode>
-        <dgm:layoutNode name="iconRect" styleLbl="node1">
-          <dgm:alg type="sp"/>
-          <dgm:shape xmlns:r="http://schemas.openxmlformats.org/officeDocument/2006/relationships" type="rect" r:blip="" blipPhldr="1">
-            <dgm:adjLst/>
-          </dgm:shape>
-          <dgm:presOf/>
-          <dgm:constrLst/>
-          <dgm:ruleLst/>
-        </dgm:layoutNode>
-        <dgm:layoutNode name="spaceRect">
-          <dgm:alg type="sp"/>
-          <dgm:shape xmlns:r="http://schemas.openxmlformats.org/officeDocument/2006/relationships" r:blip="">
-            <dgm:adjLst/>
-          </dgm:shape>
-          <dgm:presOf/>
-          <dgm:constrLst/>
-          <dgm:ruleLst/>
-        </dgm:layoutNode>
-        <dgm:layoutNode name="textRect" styleLbl="revTx">
-          <dgm:varLst>
-            <dgm:chMax val="1"/>
-            <dgm:chPref val="1"/>
-          </dgm:varLst>
-          <dgm:alg type="tx">
-            <dgm:param type="txAnchorVert" val="t"/>
-          </dgm:alg>
-          <dgm:shape xmlns:r="http://schemas.openxmlformats.org/officeDocument/2006/relationships" type="rect" r:blip="">
-            <dgm:adjLst/>
-          </dgm:shape>
-          <dgm:presOf axis="self" ptType="node"/>
-          <dgm:constrLst>
-            <dgm:constr type="lMarg"/>
-            <dgm:constr type="rMarg"/>
-            <dgm:constr type="tMarg"/>
-            <dgm:constr type="bMarg"/>
-          </dgm:constrLst>
-          <dgm:ruleLst>
-            <dgm:rule type="primFontSz" val="11" fact="NaN" max="NaN"/>
-            <dgm:rule type="h" val="INF" fact="NaN" max="NaN"/>
-          </dgm:ruleLst>
-        </dgm:layoutNode>
-      </dgm:layoutNode>
-      <dgm:forEach name="Name9" axis="followSib" ptType="sibTrans" cnt="1">
-        <dgm:layoutNode name="sibTrans">
-          <dgm:alg type="sp"/>
-          <dgm:shape xmlns:r="http://schemas.openxmlformats.org/officeDocument/2006/relationships" r:blip="">
-            <dgm:adjLst/>
-          </dgm:shape>
-          <dgm:presOf axis="self"/>
-          <dgm:constrLst/>
-          <dgm:ruleLst/>
-        </dgm:layoutNode>
-      </dgm:forEach>
-    </dgm:forEach>
-  </dgm:layoutNode>
-  <dgm:extLst>
-    <a:ext uri="{68A01E43-0DF5-4B5B-8FA6-DAF915123BFB}">
-      <dgm1612:lstStyle xmlns:dgm1612="http://schemas.microsoft.com/office/drawing/2016/12/diagram">
-        <a:lvl1pPr>
-          <a:lnSpc>
-            <a:spcPct val="100000"/>
-          </a:lnSpc>
-          <a:defRPr cap="all"/>
-        </a:lvl1pPr>
-      </dgm1612:lstStyle>
-    </a:ext>
-  </dgm:extLst>
-</dgm:layoutDef>
-</file>
-
 <file path=ppt/diagrams/quickStyle1.xml><?xml version="1.0" encoding="utf-8"?>
 <dgm:styleDef xmlns:dgm="http://schemas.openxmlformats.org/drawingml/2006/diagram" xmlns:a="http://schemas.openxmlformats.org/drawingml/2006/main" uniqueId="urn:microsoft.com/office/officeart/2005/8/quickstyle/simple1">
   <dgm:title val=""/>
@@ -12278,2074 +8300,6 @@
 </file>
 
 <file path=ppt/diagrams/quickStyle3.xml><?xml version="1.0" encoding="utf-8"?>
-<dgm:styleDef xmlns:dgm="http://schemas.openxmlformats.org/drawingml/2006/diagram" xmlns:a="http://schemas.openxmlformats.org/drawingml/2006/main" uniqueId="urn:microsoft.com/office/officeart/2005/8/quickstyle/simple1">
-  <dgm:title val=""/>
-  <dgm:desc val=""/>
-  <dgm:catLst>
-    <dgm:cat type="simple" pri="10100"/>
-  </dgm:catLst>
-  <dgm:scene3d>
-    <a:camera prst="orthographicFront"/>
-    <a:lightRig rig="threePt" dir="t"/>
-  </dgm:scene3d>
-  <dgm:styleLbl name="node0">
-    <dgm:scene3d>
-      <a:camera prst="orthographicFront"/>
-      <a:lightRig rig="threePt" dir="t"/>
-    </dgm:scene3d>
-    <dgm:sp3d/>
-    <dgm:txPr/>
-    <dgm:style>
-      <a:lnRef idx="2">
-        <a:scrgbClr r="0" g="0" b="0"/>
-      </a:lnRef>
-      <a:fillRef idx="1">
-        <a:scrgbClr r="0" g="0" b="0"/>
-      </a:fillRef>
-      <a:effectRef idx="0">
-        <a:scrgbClr r="0" g="0" b="0"/>
-      </a:effectRef>
-      <a:fontRef idx="minor">
-        <a:schemeClr val="lt1"/>
-      </a:fontRef>
-    </dgm:style>
-  </dgm:styleLbl>
-  <dgm:styleLbl name="lnNode1">
-    <dgm:scene3d>
-      <a:camera prst="orthographicFront"/>
-      <a:lightRig rig="threePt" dir="t"/>
-    </dgm:scene3d>
-    <dgm:sp3d/>
-    <dgm:txPr/>
-    <dgm:style>
-      <a:lnRef idx="2">
-        <a:scrgbClr r="0" g="0" b="0"/>
-      </a:lnRef>
-      <a:fillRef idx="1">
-        <a:scrgbClr r="0" g="0" b="0"/>
-      </a:fillRef>
-      <a:effectRef idx="0">
-        <a:scrgbClr r="0" g="0" b="0"/>
-      </a:effectRef>
-      <a:fontRef idx="minor">
-        <a:schemeClr val="lt1"/>
-      </a:fontRef>
-    </dgm:style>
-  </dgm:styleLbl>
-  <dgm:styleLbl name="vennNode1">
-    <dgm:scene3d>
-      <a:camera prst="orthographicFront"/>
-      <a:lightRig rig="threePt" dir="t"/>
-    </dgm:scene3d>
-    <dgm:sp3d/>
-    <dgm:txPr/>
-    <dgm:style>
-      <a:lnRef idx="2">
-        <a:scrgbClr r="0" g="0" b="0"/>
-      </a:lnRef>
-      <a:fillRef idx="1">
-        <a:scrgbClr r="0" g="0" b="0"/>
-      </a:fillRef>
-      <a:effectRef idx="0">
-        <a:scrgbClr r="0" g="0" b="0"/>
-      </a:effectRef>
-      <a:fontRef idx="minor">
-        <a:schemeClr val="tx1"/>
-      </a:fontRef>
-    </dgm:style>
-  </dgm:styleLbl>
-  <dgm:styleLbl name="alignNode1">
-    <dgm:scene3d>
-      <a:camera prst="orthographicFront"/>
-      <a:lightRig rig="threePt" dir="t"/>
-    </dgm:scene3d>
-    <dgm:sp3d/>
-    <dgm:txPr/>
-    <dgm:style>
-      <a:lnRef idx="2">
-        <a:scrgbClr r="0" g="0" b="0"/>
-      </a:lnRef>
-      <a:fillRef idx="1">
-        <a:scrgbClr r="0" g="0" b="0"/>
-      </a:fillRef>
-      <a:effectRef idx="0">
-        <a:scrgbClr r="0" g="0" b="0"/>
-      </a:effectRef>
-      <a:fontRef idx="minor">
-        <a:schemeClr val="lt1"/>
-      </a:fontRef>
-    </dgm:style>
-  </dgm:styleLbl>
-  <dgm:styleLbl name="node1">
-    <dgm:scene3d>
-      <a:camera prst="orthographicFront"/>
-      <a:lightRig rig="threePt" dir="t"/>
-    </dgm:scene3d>
-    <dgm:sp3d/>
-    <dgm:txPr/>
-    <dgm:style>
-      <a:lnRef idx="2">
-        <a:scrgbClr r="0" g="0" b="0"/>
-      </a:lnRef>
-      <a:fillRef idx="1">
-        <a:scrgbClr r="0" g="0" b="0"/>
-      </a:fillRef>
-      <a:effectRef idx="0">
-        <a:scrgbClr r="0" g="0" b="0"/>
-      </a:effectRef>
-      <a:fontRef idx="minor">
-        <a:schemeClr val="lt1"/>
-      </a:fontRef>
-    </dgm:style>
-  </dgm:styleLbl>
-  <dgm:styleLbl name="node2">
-    <dgm:scene3d>
-      <a:camera prst="orthographicFront"/>
-      <a:lightRig rig="threePt" dir="t"/>
-    </dgm:scene3d>
-    <dgm:sp3d/>
-    <dgm:txPr/>
-    <dgm:style>
-      <a:lnRef idx="2">
-        <a:scrgbClr r="0" g="0" b="0"/>
-      </a:lnRef>
-      <a:fillRef idx="1">
-        <a:scrgbClr r="0" g="0" b="0"/>
-      </a:fillRef>
-      <a:effectRef idx="0">
-        <a:scrgbClr r="0" g="0" b="0"/>
-      </a:effectRef>
-      <a:fontRef idx="minor">
-        <a:schemeClr val="lt1"/>
-      </a:fontRef>
-    </dgm:style>
-  </dgm:styleLbl>
-  <dgm:styleLbl name="node3">
-    <dgm:scene3d>
-      <a:camera prst="orthographicFront"/>
-      <a:lightRig rig="threePt" dir="t"/>
-    </dgm:scene3d>
-    <dgm:sp3d/>
-    <dgm:txPr/>
-    <dgm:style>
-      <a:lnRef idx="2">
-        <a:scrgbClr r="0" g="0" b="0"/>
-      </a:lnRef>
-      <a:fillRef idx="1">
-        <a:scrgbClr r="0" g="0" b="0"/>
-      </a:fillRef>
-      <a:effectRef idx="0">
-        <a:scrgbClr r="0" g="0" b="0"/>
-      </a:effectRef>
-      <a:fontRef idx="minor">
-        <a:schemeClr val="lt1"/>
-      </a:fontRef>
-    </dgm:style>
-  </dgm:styleLbl>
-  <dgm:styleLbl name="node4">
-    <dgm:scene3d>
-      <a:camera prst="orthographicFront"/>
-      <a:lightRig rig="threePt" dir="t"/>
-    </dgm:scene3d>
-    <dgm:sp3d/>
-    <dgm:txPr/>
-    <dgm:style>
-      <a:lnRef idx="2">
-        <a:scrgbClr r="0" g="0" b="0"/>
-      </a:lnRef>
-      <a:fillRef idx="1">
-        <a:scrgbClr r="0" g="0" b="0"/>
-      </a:fillRef>
-      <a:effectRef idx="0">
-        <a:scrgbClr r="0" g="0" b="0"/>
-      </a:effectRef>
-      <a:fontRef idx="minor">
-        <a:schemeClr val="lt1"/>
-      </a:fontRef>
-    </dgm:style>
-  </dgm:styleLbl>
-  <dgm:styleLbl name="fgImgPlace1">
-    <dgm:scene3d>
-      <a:camera prst="orthographicFront"/>
-      <a:lightRig rig="threePt" dir="t"/>
-    </dgm:scene3d>
-    <dgm:sp3d/>
-    <dgm:txPr/>
-    <dgm:style>
-      <a:lnRef idx="2">
-        <a:scrgbClr r="0" g="0" b="0"/>
-      </a:lnRef>
-      <a:fillRef idx="1">
-        <a:scrgbClr r="0" g="0" b="0"/>
-      </a:fillRef>
-      <a:effectRef idx="0">
-        <a:scrgbClr r="0" g="0" b="0"/>
-      </a:effectRef>
-      <a:fontRef idx="minor"/>
-    </dgm:style>
-  </dgm:styleLbl>
-  <dgm:styleLbl name="alignImgPlace1">
-    <dgm:scene3d>
-      <a:camera prst="orthographicFront"/>
-      <a:lightRig rig="threePt" dir="t"/>
-    </dgm:scene3d>
-    <dgm:sp3d/>
-    <dgm:txPr/>
-    <dgm:style>
-      <a:lnRef idx="2">
-        <a:scrgbClr r="0" g="0" b="0"/>
-      </a:lnRef>
-      <a:fillRef idx="1">
-        <a:scrgbClr r="0" g="0" b="0"/>
-      </a:fillRef>
-      <a:effectRef idx="0">
-        <a:scrgbClr r="0" g="0" b="0"/>
-      </a:effectRef>
-      <a:fontRef idx="minor"/>
-    </dgm:style>
-  </dgm:styleLbl>
-  <dgm:styleLbl name="bgImgPlace1">
-    <dgm:scene3d>
-      <a:camera prst="orthographicFront"/>
-      <a:lightRig rig="threePt" dir="t"/>
-    </dgm:scene3d>
-    <dgm:sp3d/>
-    <dgm:txPr/>
-    <dgm:style>
-      <a:lnRef idx="2">
-        <a:scrgbClr r="0" g="0" b="0"/>
-      </a:lnRef>
-      <a:fillRef idx="1">
-        <a:scrgbClr r="0" g="0" b="0"/>
-      </a:fillRef>
-      <a:effectRef idx="0">
-        <a:scrgbClr r="0" g="0" b="0"/>
-      </a:effectRef>
-      <a:fontRef idx="minor"/>
-    </dgm:style>
-  </dgm:styleLbl>
-  <dgm:styleLbl name="sibTrans2D1">
-    <dgm:scene3d>
-      <a:camera prst="orthographicFront"/>
-      <a:lightRig rig="threePt" dir="t"/>
-    </dgm:scene3d>
-    <dgm:sp3d/>
-    <dgm:txPr/>
-    <dgm:style>
-      <a:lnRef idx="0">
-        <a:scrgbClr r="0" g="0" b="0"/>
-      </a:lnRef>
-      <a:fillRef idx="1">
-        <a:scrgbClr r="0" g="0" b="0"/>
-      </a:fillRef>
-      <a:effectRef idx="0">
-        <a:scrgbClr r="0" g="0" b="0"/>
-      </a:effectRef>
-      <a:fontRef idx="minor">
-        <a:schemeClr val="lt1"/>
-      </a:fontRef>
-    </dgm:style>
-  </dgm:styleLbl>
-  <dgm:styleLbl name="fgSibTrans2D1">
-    <dgm:scene3d>
-      <a:camera prst="orthographicFront"/>
-      <a:lightRig rig="threePt" dir="t"/>
-    </dgm:scene3d>
-    <dgm:sp3d/>
-    <dgm:txPr/>
-    <dgm:style>
-      <a:lnRef idx="0">
-        <a:scrgbClr r="0" g="0" b="0"/>
-      </a:lnRef>
-      <a:fillRef idx="1">
-        <a:scrgbClr r="0" g="0" b="0"/>
-      </a:fillRef>
-      <a:effectRef idx="0">
-        <a:scrgbClr r="0" g="0" b="0"/>
-      </a:effectRef>
-      <a:fontRef idx="minor">
-        <a:schemeClr val="lt1"/>
-      </a:fontRef>
-    </dgm:style>
-  </dgm:styleLbl>
-  <dgm:styleLbl name="bgSibTrans2D1">
-    <dgm:scene3d>
-      <a:camera prst="orthographicFront"/>
-      <a:lightRig rig="threePt" dir="t"/>
-    </dgm:scene3d>
-    <dgm:sp3d/>
-    <dgm:txPr/>
-    <dgm:style>
-      <a:lnRef idx="0">
-        <a:scrgbClr r="0" g="0" b="0"/>
-      </a:lnRef>
-      <a:fillRef idx="1">
-        <a:scrgbClr r="0" g="0" b="0"/>
-      </a:fillRef>
-      <a:effectRef idx="0">
-        <a:scrgbClr r="0" g="0" b="0"/>
-      </a:effectRef>
-      <a:fontRef idx="minor">
-        <a:schemeClr val="lt1"/>
-      </a:fontRef>
-    </dgm:style>
-  </dgm:styleLbl>
-  <dgm:styleLbl name="sibTrans1D1">
-    <dgm:scene3d>
-      <a:camera prst="orthographicFront"/>
-      <a:lightRig rig="threePt" dir="t"/>
-    </dgm:scene3d>
-    <dgm:sp3d/>
-    <dgm:txPr/>
-    <dgm:style>
-      <a:lnRef idx="1">
-        <a:scrgbClr r="0" g="0" b="0"/>
-      </a:lnRef>
-      <a:fillRef idx="0">
-        <a:scrgbClr r="0" g="0" b="0"/>
-      </a:fillRef>
-      <a:effectRef idx="0">
-        <a:scrgbClr r="0" g="0" b="0"/>
-      </a:effectRef>
-      <a:fontRef idx="minor"/>
-    </dgm:style>
-  </dgm:styleLbl>
-  <dgm:styleLbl name="callout">
-    <dgm:scene3d>
-      <a:camera prst="orthographicFront"/>
-      <a:lightRig rig="threePt" dir="t"/>
-    </dgm:scene3d>
-    <dgm:sp3d/>
-    <dgm:txPr/>
-    <dgm:style>
-      <a:lnRef idx="2">
-        <a:scrgbClr r="0" g="0" b="0"/>
-      </a:lnRef>
-      <a:fillRef idx="1">
-        <a:scrgbClr r="0" g="0" b="0"/>
-      </a:fillRef>
-      <a:effectRef idx="0">
-        <a:scrgbClr r="0" g="0" b="0"/>
-      </a:effectRef>
-      <a:fontRef idx="minor"/>
-    </dgm:style>
-  </dgm:styleLbl>
-  <dgm:styleLbl name="asst0">
-    <dgm:scene3d>
-      <a:camera prst="orthographicFront"/>
-      <a:lightRig rig="threePt" dir="t"/>
-    </dgm:scene3d>
-    <dgm:sp3d/>
-    <dgm:txPr/>
-    <dgm:style>
-      <a:lnRef idx="2">
-        <a:scrgbClr r="0" g="0" b="0"/>
-      </a:lnRef>
-      <a:fillRef idx="1">
-        <a:scrgbClr r="0" g="0" b="0"/>
-      </a:fillRef>
-      <a:effectRef idx="0">
-        <a:scrgbClr r="0" g="0" b="0"/>
-      </a:effectRef>
-      <a:fontRef idx="minor">
-        <a:schemeClr val="lt1"/>
-      </a:fontRef>
-    </dgm:style>
-  </dgm:styleLbl>
-  <dgm:styleLbl name="asst1">
-    <dgm:scene3d>
-      <a:camera prst="orthographicFront"/>
-      <a:lightRig rig="threePt" dir="t"/>
-    </dgm:scene3d>
-    <dgm:sp3d/>
-    <dgm:txPr/>
-    <dgm:style>
-      <a:lnRef idx="2">
-        <a:scrgbClr r="0" g="0" b="0"/>
-      </a:lnRef>
-      <a:fillRef idx="1">
-        <a:scrgbClr r="0" g="0" b="0"/>
-      </a:fillRef>
-      <a:effectRef idx="0">
-        <a:scrgbClr r="0" g="0" b="0"/>
-      </a:effectRef>
-      <a:fontRef idx="minor">
-        <a:schemeClr val="lt1"/>
-      </a:fontRef>
-    </dgm:style>
-  </dgm:styleLbl>
-  <dgm:styleLbl name="asst2">
-    <dgm:scene3d>
-      <a:camera prst="orthographicFront"/>
-      <a:lightRig rig="threePt" dir="t"/>
-    </dgm:scene3d>
-    <dgm:sp3d/>
-    <dgm:txPr/>
-    <dgm:style>
-      <a:lnRef idx="2">
-        <a:scrgbClr r="0" g="0" b="0"/>
-      </a:lnRef>
-      <a:fillRef idx="1">
-        <a:scrgbClr r="0" g="0" b="0"/>
-      </a:fillRef>
-      <a:effectRef idx="0">
-        <a:scrgbClr r="0" g="0" b="0"/>
-      </a:effectRef>
-      <a:fontRef idx="minor">
-        <a:schemeClr val="lt1"/>
-      </a:fontRef>
-    </dgm:style>
-  </dgm:styleLbl>
-  <dgm:styleLbl name="asst3">
-    <dgm:scene3d>
-      <a:camera prst="orthographicFront"/>
-      <a:lightRig rig="threePt" dir="t"/>
-    </dgm:scene3d>
-    <dgm:sp3d/>
-    <dgm:txPr/>
-    <dgm:style>
-      <a:lnRef idx="2">
-        <a:scrgbClr r="0" g="0" b="0"/>
-      </a:lnRef>
-      <a:fillRef idx="1">
-        <a:scrgbClr r="0" g="0" b="0"/>
-      </a:fillRef>
-      <a:effectRef idx="0">
-        <a:scrgbClr r="0" g="0" b="0"/>
-      </a:effectRef>
-      <a:fontRef idx="minor">
-        <a:schemeClr val="lt1"/>
-      </a:fontRef>
-    </dgm:style>
-  </dgm:styleLbl>
-  <dgm:styleLbl name="asst4">
-    <dgm:scene3d>
-      <a:camera prst="orthographicFront"/>
-      <a:lightRig rig="threePt" dir="t"/>
-    </dgm:scene3d>
-    <dgm:sp3d/>
-    <dgm:txPr/>
-    <dgm:style>
-      <a:lnRef idx="2">
-        <a:scrgbClr r="0" g="0" b="0"/>
-      </a:lnRef>
-      <a:fillRef idx="1">
-        <a:scrgbClr r="0" g="0" b="0"/>
-      </a:fillRef>
-      <a:effectRef idx="0">
-        <a:scrgbClr r="0" g="0" b="0"/>
-      </a:effectRef>
-      <a:fontRef idx="minor">
-        <a:schemeClr val="lt1"/>
-      </a:fontRef>
-    </dgm:style>
-  </dgm:styleLbl>
-  <dgm:styleLbl name="parChTrans2D1">
-    <dgm:scene3d>
-      <a:camera prst="orthographicFront"/>
-      <a:lightRig rig="threePt" dir="t"/>
-    </dgm:scene3d>
-    <dgm:sp3d/>
-    <dgm:txPr/>
-    <dgm:style>
-      <a:lnRef idx="2">
-        <a:scrgbClr r="0" g="0" b="0"/>
-      </a:lnRef>
-      <a:fillRef idx="1">
-        <a:scrgbClr r="0" g="0" b="0"/>
-      </a:fillRef>
-      <a:effectRef idx="0">
-        <a:scrgbClr r="0" g="0" b="0"/>
-      </a:effectRef>
-      <a:fontRef idx="minor">
-        <a:schemeClr val="lt1"/>
-      </a:fontRef>
-    </dgm:style>
-  </dgm:styleLbl>
-  <dgm:styleLbl name="parChTrans2D2">
-    <dgm:scene3d>
-      <a:camera prst="orthographicFront"/>
-      <a:lightRig rig="threePt" dir="t"/>
-    </dgm:scene3d>
-    <dgm:sp3d/>
-    <dgm:txPr/>
-    <dgm:style>
-      <a:lnRef idx="2">
-        <a:scrgbClr r="0" g="0" b="0"/>
-      </a:lnRef>
-      <a:fillRef idx="1">
-        <a:scrgbClr r="0" g="0" b="0"/>
-      </a:fillRef>
-      <a:effectRef idx="0">
-        <a:scrgbClr r="0" g="0" b="0"/>
-      </a:effectRef>
-      <a:fontRef idx="minor">
-        <a:schemeClr val="lt1"/>
-      </a:fontRef>
-    </dgm:style>
-  </dgm:styleLbl>
-  <dgm:styleLbl name="parChTrans2D3">
-    <dgm:scene3d>
-      <a:camera prst="orthographicFront"/>
-      <a:lightRig rig="threePt" dir="t"/>
-    </dgm:scene3d>
-    <dgm:sp3d/>
-    <dgm:txPr/>
-    <dgm:style>
-      <a:lnRef idx="2">
-        <a:scrgbClr r="0" g="0" b="0"/>
-      </a:lnRef>
-      <a:fillRef idx="1">
-        <a:scrgbClr r="0" g="0" b="0"/>
-      </a:fillRef>
-      <a:effectRef idx="0">
-        <a:scrgbClr r="0" g="0" b="0"/>
-      </a:effectRef>
-      <a:fontRef idx="minor">
-        <a:schemeClr val="lt1"/>
-      </a:fontRef>
-    </dgm:style>
-  </dgm:styleLbl>
-  <dgm:styleLbl name="parChTrans2D4">
-    <dgm:scene3d>
-      <a:camera prst="orthographicFront"/>
-      <a:lightRig rig="threePt" dir="t"/>
-    </dgm:scene3d>
-    <dgm:sp3d/>
-    <dgm:txPr/>
-    <dgm:style>
-      <a:lnRef idx="2">
-        <a:scrgbClr r="0" g="0" b="0"/>
-      </a:lnRef>
-      <a:fillRef idx="1">
-        <a:scrgbClr r="0" g="0" b="0"/>
-      </a:fillRef>
-      <a:effectRef idx="0">
-        <a:scrgbClr r="0" g="0" b="0"/>
-      </a:effectRef>
-      <a:fontRef idx="minor">
-        <a:schemeClr val="lt1"/>
-      </a:fontRef>
-    </dgm:style>
-  </dgm:styleLbl>
-  <dgm:styleLbl name="parChTrans1D1">
-    <dgm:scene3d>
-      <a:camera prst="orthographicFront"/>
-      <a:lightRig rig="threePt" dir="t"/>
-    </dgm:scene3d>
-    <dgm:sp3d/>
-    <dgm:txPr/>
-    <dgm:style>
-      <a:lnRef idx="2">
-        <a:scrgbClr r="0" g="0" b="0"/>
-      </a:lnRef>
-      <a:fillRef idx="0">
-        <a:scrgbClr r="0" g="0" b="0"/>
-      </a:fillRef>
-      <a:effectRef idx="0">
-        <a:scrgbClr r="0" g="0" b="0"/>
-      </a:effectRef>
-      <a:fontRef idx="minor"/>
-    </dgm:style>
-  </dgm:styleLbl>
-  <dgm:styleLbl name="parChTrans1D2">
-    <dgm:scene3d>
-      <a:camera prst="orthographicFront"/>
-      <a:lightRig rig="threePt" dir="t"/>
-    </dgm:scene3d>
-    <dgm:sp3d/>
-    <dgm:txPr/>
-    <dgm:style>
-      <a:lnRef idx="2">
-        <a:scrgbClr r="0" g="0" b="0"/>
-      </a:lnRef>
-      <a:fillRef idx="0">
-        <a:scrgbClr r="0" g="0" b="0"/>
-      </a:fillRef>
-      <a:effectRef idx="0">
-        <a:scrgbClr r="0" g="0" b="0"/>
-      </a:effectRef>
-      <a:fontRef idx="minor"/>
-    </dgm:style>
-  </dgm:styleLbl>
-  <dgm:styleLbl name="parChTrans1D3">
-    <dgm:scene3d>
-      <a:camera prst="orthographicFront"/>
-      <a:lightRig rig="threePt" dir="t"/>
-    </dgm:scene3d>
-    <dgm:sp3d/>
-    <dgm:txPr/>
-    <dgm:style>
-      <a:lnRef idx="2">
-        <a:scrgbClr r="0" g="0" b="0"/>
-      </a:lnRef>
-      <a:fillRef idx="0">
-        <a:scrgbClr r="0" g="0" b="0"/>
-      </a:fillRef>
-      <a:effectRef idx="0">
-        <a:scrgbClr r="0" g="0" b="0"/>
-      </a:effectRef>
-      <a:fontRef idx="minor"/>
-    </dgm:style>
-  </dgm:styleLbl>
-  <dgm:styleLbl name="parChTrans1D4">
-    <dgm:scene3d>
-      <a:camera prst="orthographicFront"/>
-      <a:lightRig rig="threePt" dir="t"/>
-    </dgm:scene3d>
-    <dgm:sp3d/>
-    <dgm:txPr/>
-    <dgm:style>
-      <a:lnRef idx="2">
-        <a:scrgbClr r="0" g="0" b="0"/>
-      </a:lnRef>
-      <a:fillRef idx="0">
-        <a:scrgbClr r="0" g="0" b="0"/>
-      </a:fillRef>
-      <a:effectRef idx="0">
-        <a:scrgbClr r="0" g="0" b="0"/>
-      </a:effectRef>
-      <a:fontRef idx="minor"/>
-    </dgm:style>
-  </dgm:styleLbl>
-  <dgm:styleLbl name="fgAcc1">
-    <dgm:scene3d>
-      <a:camera prst="orthographicFront"/>
-      <a:lightRig rig="threePt" dir="t"/>
-    </dgm:scene3d>
-    <dgm:sp3d/>
-    <dgm:txPr/>
-    <dgm:style>
-      <a:lnRef idx="2">
-        <a:scrgbClr r="0" g="0" b="0"/>
-      </a:lnRef>
-      <a:fillRef idx="1">
-        <a:scrgbClr r="0" g="0" b="0"/>
-      </a:fillRef>
-      <a:effectRef idx="0">
-        <a:scrgbClr r="0" g="0" b="0"/>
-      </a:effectRef>
-      <a:fontRef idx="minor"/>
-    </dgm:style>
-  </dgm:styleLbl>
-  <dgm:styleLbl name="conFgAcc1">
-    <dgm:scene3d>
-      <a:camera prst="orthographicFront"/>
-      <a:lightRig rig="threePt" dir="t"/>
-    </dgm:scene3d>
-    <dgm:sp3d/>
-    <dgm:txPr/>
-    <dgm:style>
-      <a:lnRef idx="2">
-        <a:scrgbClr r="0" g="0" b="0"/>
-      </a:lnRef>
-      <a:fillRef idx="1">
-        <a:scrgbClr r="0" g="0" b="0"/>
-      </a:fillRef>
-      <a:effectRef idx="0">
-        <a:scrgbClr r="0" g="0" b="0"/>
-      </a:effectRef>
-      <a:fontRef idx="minor"/>
-    </dgm:style>
-  </dgm:styleLbl>
-  <dgm:styleLbl name="alignAcc1">
-    <dgm:scene3d>
-      <a:camera prst="orthographicFront"/>
-      <a:lightRig rig="threePt" dir="t"/>
-    </dgm:scene3d>
-    <dgm:sp3d/>
-    <dgm:txPr/>
-    <dgm:style>
-      <a:lnRef idx="2">
-        <a:scrgbClr r="0" g="0" b="0"/>
-      </a:lnRef>
-      <a:fillRef idx="1">
-        <a:scrgbClr r="0" g="0" b="0"/>
-      </a:fillRef>
-      <a:effectRef idx="0">
-        <a:scrgbClr r="0" g="0" b="0"/>
-      </a:effectRef>
-      <a:fontRef idx="minor"/>
-    </dgm:style>
-  </dgm:styleLbl>
-  <dgm:styleLbl name="trAlignAcc1">
-    <dgm:scene3d>
-      <a:camera prst="orthographicFront"/>
-      <a:lightRig rig="threePt" dir="t"/>
-    </dgm:scene3d>
-    <dgm:sp3d/>
-    <dgm:txPr/>
-    <dgm:style>
-      <a:lnRef idx="1">
-        <a:scrgbClr r="0" g="0" b="0"/>
-      </a:lnRef>
-      <a:fillRef idx="1">
-        <a:scrgbClr r="0" g="0" b="0"/>
-      </a:fillRef>
-      <a:effectRef idx="0">
-        <a:scrgbClr r="0" g="0" b="0"/>
-      </a:effectRef>
-      <a:fontRef idx="minor"/>
-    </dgm:style>
-  </dgm:styleLbl>
-  <dgm:styleLbl name="bgAcc1">
-    <dgm:scene3d>
-      <a:camera prst="orthographicFront"/>
-      <a:lightRig rig="threePt" dir="t"/>
-    </dgm:scene3d>
-    <dgm:sp3d/>
-    <dgm:txPr/>
-    <dgm:style>
-      <a:lnRef idx="2">
-        <a:scrgbClr r="0" g="0" b="0"/>
-      </a:lnRef>
-      <a:fillRef idx="1">
-        <a:scrgbClr r="0" g="0" b="0"/>
-      </a:fillRef>
-      <a:effectRef idx="0">
-        <a:scrgbClr r="0" g="0" b="0"/>
-      </a:effectRef>
-      <a:fontRef idx="minor"/>
-    </dgm:style>
-  </dgm:styleLbl>
-  <dgm:styleLbl name="solidFgAcc1">
-    <dgm:scene3d>
-      <a:camera prst="orthographicFront"/>
-      <a:lightRig rig="threePt" dir="t"/>
-    </dgm:scene3d>
-    <dgm:sp3d/>
-    <dgm:txPr/>
-    <dgm:style>
-      <a:lnRef idx="2">
-        <a:scrgbClr r="0" g="0" b="0"/>
-      </a:lnRef>
-      <a:fillRef idx="1">
-        <a:scrgbClr r="0" g="0" b="0"/>
-      </a:fillRef>
-      <a:effectRef idx="0">
-        <a:scrgbClr r="0" g="0" b="0"/>
-      </a:effectRef>
-      <a:fontRef idx="minor"/>
-    </dgm:style>
-  </dgm:styleLbl>
-  <dgm:styleLbl name="solidAlignAcc1">
-    <dgm:scene3d>
-      <a:camera prst="orthographicFront"/>
-      <a:lightRig rig="threePt" dir="t"/>
-    </dgm:scene3d>
-    <dgm:sp3d/>
-    <dgm:txPr/>
-    <dgm:style>
-      <a:lnRef idx="2">
-        <a:scrgbClr r="0" g="0" b="0"/>
-      </a:lnRef>
-      <a:fillRef idx="1">
-        <a:scrgbClr r="0" g="0" b="0"/>
-      </a:fillRef>
-      <a:effectRef idx="0">
-        <a:scrgbClr r="0" g="0" b="0"/>
-      </a:effectRef>
-      <a:fontRef idx="minor"/>
-    </dgm:style>
-  </dgm:styleLbl>
-  <dgm:styleLbl name="solidBgAcc1">
-    <dgm:scene3d>
-      <a:camera prst="orthographicFront"/>
-      <a:lightRig rig="threePt" dir="t"/>
-    </dgm:scene3d>
-    <dgm:sp3d/>
-    <dgm:txPr/>
-    <dgm:style>
-      <a:lnRef idx="2">
-        <a:scrgbClr r="0" g="0" b="0"/>
-      </a:lnRef>
-      <a:fillRef idx="1">
-        <a:scrgbClr r="0" g="0" b="0"/>
-      </a:fillRef>
-      <a:effectRef idx="0">
-        <a:scrgbClr r="0" g="0" b="0"/>
-      </a:effectRef>
-      <a:fontRef idx="minor"/>
-    </dgm:style>
-  </dgm:styleLbl>
-  <dgm:styleLbl name="fgAccFollowNode1">
-    <dgm:scene3d>
-      <a:camera prst="orthographicFront"/>
-      <a:lightRig rig="threePt" dir="t"/>
-    </dgm:scene3d>
-    <dgm:sp3d/>
-    <dgm:txPr/>
-    <dgm:style>
-      <a:lnRef idx="2">
-        <a:scrgbClr r="0" g="0" b="0"/>
-      </a:lnRef>
-      <a:fillRef idx="1">
-        <a:scrgbClr r="0" g="0" b="0"/>
-      </a:fillRef>
-      <a:effectRef idx="0">
-        <a:scrgbClr r="0" g="0" b="0"/>
-      </a:effectRef>
-      <a:fontRef idx="minor"/>
-    </dgm:style>
-  </dgm:styleLbl>
-  <dgm:styleLbl name="alignAccFollowNode1">
-    <dgm:scene3d>
-      <a:camera prst="orthographicFront"/>
-      <a:lightRig rig="threePt" dir="t"/>
-    </dgm:scene3d>
-    <dgm:sp3d/>
-    <dgm:txPr/>
-    <dgm:style>
-      <a:lnRef idx="2">
-        <a:scrgbClr r="0" g="0" b="0"/>
-      </a:lnRef>
-      <a:fillRef idx="1">
-        <a:scrgbClr r="0" g="0" b="0"/>
-      </a:fillRef>
-      <a:effectRef idx="0">
-        <a:scrgbClr r="0" g="0" b="0"/>
-      </a:effectRef>
-      <a:fontRef idx="minor"/>
-    </dgm:style>
-  </dgm:styleLbl>
-  <dgm:styleLbl name="bgAccFollowNode1">
-    <dgm:scene3d>
-      <a:camera prst="orthographicFront"/>
-      <a:lightRig rig="threePt" dir="t"/>
-    </dgm:scene3d>
-    <dgm:sp3d/>
-    <dgm:txPr/>
-    <dgm:style>
-      <a:lnRef idx="2">
-        <a:scrgbClr r="0" g="0" b="0"/>
-      </a:lnRef>
-      <a:fillRef idx="1">
-        <a:scrgbClr r="0" g="0" b="0"/>
-      </a:fillRef>
-      <a:effectRef idx="0">
-        <a:scrgbClr r="0" g="0" b="0"/>
-      </a:effectRef>
-      <a:fontRef idx="minor"/>
-    </dgm:style>
-  </dgm:styleLbl>
-  <dgm:styleLbl name="fgAcc0">
-    <dgm:scene3d>
-      <a:camera prst="orthographicFront"/>
-      <a:lightRig rig="threePt" dir="t"/>
-    </dgm:scene3d>
-    <dgm:sp3d/>
-    <dgm:txPr/>
-    <dgm:style>
-      <a:lnRef idx="2">
-        <a:scrgbClr r="0" g="0" b="0"/>
-      </a:lnRef>
-      <a:fillRef idx="1">
-        <a:scrgbClr r="0" g="0" b="0"/>
-      </a:fillRef>
-      <a:effectRef idx="0">
-        <a:scrgbClr r="0" g="0" b="0"/>
-      </a:effectRef>
-      <a:fontRef idx="minor"/>
-    </dgm:style>
-  </dgm:styleLbl>
-  <dgm:styleLbl name="fgAcc2">
-    <dgm:scene3d>
-      <a:camera prst="orthographicFront"/>
-      <a:lightRig rig="threePt" dir="t"/>
-    </dgm:scene3d>
-    <dgm:sp3d/>
-    <dgm:txPr/>
-    <dgm:style>
-      <a:lnRef idx="2">
-        <a:scrgbClr r="0" g="0" b="0"/>
-      </a:lnRef>
-      <a:fillRef idx="1">
-        <a:scrgbClr r="0" g="0" b="0"/>
-      </a:fillRef>
-      <a:effectRef idx="0">
-        <a:scrgbClr r="0" g="0" b="0"/>
-      </a:effectRef>
-      <a:fontRef idx="minor"/>
-    </dgm:style>
-  </dgm:styleLbl>
-  <dgm:styleLbl name="fgAcc3">
-    <dgm:scene3d>
-      <a:camera prst="orthographicFront"/>
-      <a:lightRig rig="threePt" dir="t"/>
-    </dgm:scene3d>
-    <dgm:sp3d/>
-    <dgm:txPr/>
-    <dgm:style>
-      <a:lnRef idx="2">
-        <a:scrgbClr r="0" g="0" b="0"/>
-      </a:lnRef>
-      <a:fillRef idx="1">
-        <a:scrgbClr r="0" g="0" b="0"/>
-      </a:fillRef>
-      <a:effectRef idx="0">
-        <a:scrgbClr r="0" g="0" b="0"/>
-      </a:effectRef>
-      <a:fontRef idx="minor"/>
-    </dgm:style>
-  </dgm:styleLbl>
-  <dgm:styleLbl name="fgAcc4">
-    <dgm:scene3d>
-      <a:camera prst="orthographicFront"/>
-      <a:lightRig rig="threePt" dir="t"/>
-    </dgm:scene3d>
-    <dgm:sp3d/>
-    <dgm:txPr/>
-    <dgm:style>
-      <a:lnRef idx="2">
-        <a:scrgbClr r="0" g="0" b="0"/>
-      </a:lnRef>
-      <a:fillRef idx="1">
-        <a:scrgbClr r="0" g="0" b="0"/>
-      </a:fillRef>
-      <a:effectRef idx="0">
-        <a:scrgbClr r="0" g="0" b="0"/>
-      </a:effectRef>
-      <a:fontRef idx="minor"/>
-    </dgm:style>
-  </dgm:styleLbl>
-  <dgm:styleLbl name="bgShp">
-    <dgm:scene3d>
-      <a:camera prst="orthographicFront"/>
-      <a:lightRig rig="threePt" dir="t"/>
-    </dgm:scene3d>
-    <dgm:sp3d/>
-    <dgm:txPr/>
-    <dgm:style>
-      <a:lnRef idx="0">
-        <a:scrgbClr r="0" g="0" b="0"/>
-      </a:lnRef>
-      <a:fillRef idx="1">
-        <a:scrgbClr r="0" g="0" b="0"/>
-      </a:fillRef>
-      <a:effectRef idx="0">
-        <a:scrgbClr r="0" g="0" b="0"/>
-      </a:effectRef>
-      <a:fontRef idx="minor"/>
-    </dgm:style>
-  </dgm:styleLbl>
-  <dgm:styleLbl name="dkBgShp">
-    <dgm:scene3d>
-      <a:camera prst="orthographicFront"/>
-      <a:lightRig rig="threePt" dir="t"/>
-    </dgm:scene3d>
-    <dgm:sp3d/>
-    <dgm:txPr/>
-    <dgm:style>
-      <a:lnRef idx="0">
-        <a:scrgbClr r="0" g="0" b="0"/>
-      </a:lnRef>
-      <a:fillRef idx="1">
-        <a:scrgbClr r="0" g="0" b="0"/>
-      </a:fillRef>
-      <a:effectRef idx="0">
-        <a:scrgbClr r="0" g="0" b="0"/>
-      </a:effectRef>
-      <a:fontRef idx="minor"/>
-    </dgm:style>
-  </dgm:styleLbl>
-  <dgm:styleLbl name="trBgShp">
-    <dgm:scene3d>
-      <a:camera prst="orthographicFront"/>
-      <a:lightRig rig="threePt" dir="t"/>
-    </dgm:scene3d>
-    <dgm:sp3d/>
-    <dgm:txPr/>
-    <dgm:style>
-      <a:lnRef idx="0">
-        <a:scrgbClr r="0" g="0" b="0"/>
-      </a:lnRef>
-      <a:fillRef idx="1">
-        <a:scrgbClr r="0" g="0" b="0"/>
-      </a:fillRef>
-      <a:effectRef idx="0">
-        <a:scrgbClr r="0" g="0" b="0"/>
-      </a:effectRef>
-      <a:fontRef idx="minor"/>
-    </dgm:style>
-  </dgm:styleLbl>
-  <dgm:styleLbl name="fgShp">
-    <dgm:scene3d>
-      <a:camera prst="orthographicFront"/>
-      <a:lightRig rig="threePt" dir="t"/>
-    </dgm:scene3d>
-    <dgm:sp3d/>
-    <dgm:txPr/>
-    <dgm:style>
-      <a:lnRef idx="2">
-        <a:scrgbClr r="0" g="0" b="0"/>
-      </a:lnRef>
-      <a:fillRef idx="1">
-        <a:scrgbClr r="0" g="0" b="0"/>
-      </a:fillRef>
-      <a:effectRef idx="0">
-        <a:scrgbClr r="0" g="0" b="0"/>
-      </a:effectRef>
-      <a:fontRef idx="minor"/>
-    </dgm:style>
-  </dgm:styleLbl>
-  <dgm:styleLbl name="revTx">
-    <dgm:scene3d>
-      <a:camera prst="orthographicFront"/>
-      <a:lightRig rig="threePt" dir="t"/>
-    </dgm:scene3d>
-    <dgm:sp3d/>
-    <dgm:txPr/>
-    <dgm:style>
-      <a:lnRef idx="0">
-        <a:scrgbClr r="0" g="0" b="0"/>
-      </a:lnRef>
-      <a:fillRef idx="0">
-        <a:scrgbClr r="0" g="0" b="0"/>
-      </a:fillRef>
-      <a:effectRef idx="0">
-        <a:scrgbClr r="0" g="0" b="0"/>
-      </a:effectRef>
-      <a:fontRef idx="minor"/>
-    </dgm:style>
-  </dgm:styleLbl>
-</dgm:styleDef>
-</file>
-
-<file path=ppt/diagrams/quickStyle4.xml><?xml version="1.0" encoding="utf-8"?>
-<dgm:styleDef xmlns:dgm="http://schemas.openxmlformats.org/drawingml/2006/diagram" xmlns:a="http://schemas.openxmlformats.org/drawingml/2006/main" uniqueId="urn:microsoft.com/office/officeart/2005/8/quickstyle/simple1">
-  <dgm:title val=""/>
-  <dgm:desc val=""/>
-  <dgm:catLst>
-    <dgm:cat type="simple" pri="10100"/>
-  </dgm:catLst>
-  <dgm:scene3d>
-    <a:camera prst="orthographicFront"/>
-    <a:lightRig rig="threePt" dir="t"/>
-  </dgm:scene3d>
-  <dgm:styleLbl name="node0">
-    <dgm:scene3d>
-      <a:camera prst="orthographicFront"/>
-      <a:lightRig rig="threePt" dir="t"/>
-    </dgm:scene3d>
-    <dgm:sp3d/>
-    <dgm:txPr/>
-    <dgm:style>
-      <a:lnRef idx="2">
-        <a:scrgbClr r="0" g="0" b="0"/>
-      </a:lnRef>
-      <a:fillRef idx="1">
-        <a:scrgbClr r="0" g="0" b="0"/>
-      </a:fillRef>
-      <a:effectRef idx="0">
-        <a:scrgbClr r="0" g="0" b="0"/>
-      </a:effectRef>
-      <a:fontRef idx="minor">
-        <a:schemeClr val="lt1"/>
-      </a:fontRef>
-    </dgm:style>
-  </dgm:styleLbl>
-  <dgm:styleLbl name="lnNode1">
-    <dgm:scene3d>
-      <a:camera prst="orthographicFront"/>
-      <a:lightRig rig="threePt" dir="t"/>
-    </dgm:scene3d>
-    <dgm:sp3d/>
-    <dgm:txPr/>
-    <dgm:style>
-      <a:lnRef idx="2">
-        <a:scrgbClr r="0" g="0" b="0"/>
-      </a:lnRef>
-      <a:fillRef idx="1">
-        <a:scrgbClr r="0" g="0" b="0"/>
-      </a:fillRef>
-      <a:effectRef idx="0">
-        <a:scrgbClr r="0" g="0" b="0"/>
-      </a:effectRef>
-      <a:fontRef idx="minor">
-        <a:schemeClr val="lt1"/>
-      </a:fontRef>
-    </dgm:style>
-  </dgm:styleLbl>
-  <dgm:styleLbl name="vennNode1">
-    <dgm:scene3d>
-      <a:camera prst="orthographicFront"/>
-      <a:lightRig rig="threePt" dir="t"/>
-    </dgm:scene3d>
-    <dgm:sp3d/>
-    <dgm:txPr/>
-    <dgm:style>
-      <a:lnRef idx="2">
-        <a:scrgbClr r="0" g="0" b="0"/>
-      </a:lnRef>
-      <a:fillRef idx="1">
-        <a:scrgbClr r="0" g="0" b="0"/>
-      </a:fillRef>
-      <a:effectRef idx="0">
-        <a:scrgbClr r="0" g="0" b="0"/>
-      </a:effectRef>
-      <a:fontRef idx="minor">
-        <a:schemeClr val="tx1"/>
-      </a:fontRef>
-    </dgm:style>
-  </dgm:styleLbl>
-  <dgm:styleLbl name="alignNode1">
-    <dgm:scene3d>
-      <a:camera prst="orthographicFront"/>
-      <a:lightRig rig="threePt" dir="t"/>
-    </dgm:scene3d>
-    <dgm:sp3d/>
-    <dgm:txPr/>
-    <dgm:style>
-      <a:lnRef idx="2">
-        <a:scrgbClr r="0" g="0" b="0"/>
-      </a:lnRef>
-      <a:fillRef idx="1">
-        <a:scrgbClr r="0" g="0" b="0"/>
-      </a:fillRef>
-      <a:effectRef idx="0">
-        <a:scrgbClr r="0" g="0" b="0"/>
-      </a:effectRef>
-      <a:fontRef idx="minor">
-        <a:schemeClr val="lt1"/>
-      </a:fontRef>
-    </dgm:style>
-  </dgm:styleLbl>
-  <dgm:styleLbl name="node1">
-    <dgm:scene3d>
-      <a:camera prst="orthographicFront"/>
-      <a:lightRig rig="threePt" dir="t"/>
-    </dgm:scene3d>
-    <dgm:sp3d/>
-    <dgm:txPr/>
-    <dgm:style>
-      <a:lnRef idx="2">
-        <a:scrgbClr r="0" g="0" b="0"/>
-      </a:lnRef>
-      <a:fillRef idx="1">
-        <a:scrgbClr r="0" g="0" b="0"/>
-      </a:fillRef>
-      <a:effectRef idx="0">
-        <a:scrgbClr r="0" g="0" b="0"/>
-      </a:effectRef>
-      <a:fontRef idx="minor">
-        <a:schemeClr val="lt1"/>
-      </a:fontRef>
-    </dgm:style>
-  </dgm:styleLbl>
-  <dgm:styleLbl name="node2">
-    <dgm:scene3d>
-      <a:camera prst="orthographicFront"/>
-      <a:lightRig rig="threePt" dir="t"/>
-    </dgm:scene3d>
-    <dgm:sp3d/>
-    <dgm:txPr/>
-    <dgm:style>
-      <a:lnRef idx="2">
-        <a:scrgbClr r="0" g="0" b="0"/>
-      </a:lnRef>
-      <a:fillRef idx="1">
-        <a:scrgbClr r="0" g="0" b="0"/>
-      </a:fillRef>
-      <a:effectRef idx="0">
-        <a:scrgbClr r="0" g="0" b="0"/>
-      </a:effectRef>
-      <a:fontRef idx="minor">
-        <a:schemeClr val="lt1"/>
-      </a:fontRef>
-    </dgm:style>
-  </dgm:styleLbl>
-  <dgm:styleLbl name="node3">
-    <dgm:scene3d>
-      <a:camera prst="orthographicFront"/>
-      <a:lightRig rig="threePt" dir="t"/>
-    </dgm:scene3d>
-    <dgm:sp3d/>
-    <dgm:txPr/>
-    <dgm:style>
-      <a:lnRef idx="2">
-        <a:scrgbClr r="0" g="0" b="0"/>
-      </a:lnRef>
-      <a:fillRef idx="1">
-        <a:scrgbClr r="0" g="0" b="0"/>
-      </a:fillRef>
-      <a:effectRef idx="0">
-        <a:scrgbClr r="0" g="0" b="0"/>
-      </a:effectRef>
-      <a:fontRef idx="minor">
-        <a:schemeClr val="lt1"/>
-      </a:fontRef>
-    </dgm:style>
-  </dgm:styleLbl>
-  <dgm:styleLbl name="node4">
-    <dgm:scene3d>
-      <a:camera prst="orthographicFront"/>
-      <a:lightRig rig="threePt" dir="t"/>
-    </dgm:scene3d>
-    <dgm:sp3d/>
-    <dgm:txPr/>
-    <dgm:style>
-      <a:lnRef idx="2">
-        <a:scrgbClr r="0" g="0" b="0"/>
-      </a:lnRef>
-      <a:fillRef idx="1">
-        <a:scrgbClr r="0" g="0" b="0"/>
-      </a:fillRef>
-      <a:effectRef idx="0">
-        <a:scrgbClr r="0" g="0" b="0"/>
-      </a:effectRef>
-      <a:fontRef idx="minor">
-        <a:schemeClr val="lt1"/>
-      </a:fontRef>
-    </dgm:style>
-  </dgm:styleLbl>
-  <dgm:styleLbl name="fgImgPlace1">
-    <dgm:scene3d>
-      <a:camera prst="orthographicFront"/>
-      <a:lightRig rig="threePt" dir="t"/>
-    </dgm:scene3d>
-    <dgm:sp3d/>
-    <dgm:txPr/>
-    <dgm:style>
-      <a:lnRef idx="2">
-        <a:scrgbClr r="0" g="0" b="0"/>
-      </a:lnRef>
-      <a:fillRef idx="1">
-        <a:scrgbClr r="0" g="0" b="0"/>
-      </a:fillRef>
-      <a:effectRef idx="0">
-        <a:scrgbClr r="0" g="0" b="0"/>
-      </a:effectRef>
-      <a:fontRef idx="minor"/>
-    </dgm:style>
-  </dgm:styleLbl>
-  <dgm:styleLbl name="alignImgPlace1">
-    <dgm:scene3d>
-      <a:camera prst="orthographicFront"/>
-      <a:lightRig rig="threePt" dir="t"/>
-    </dgm:scene3d>
-    <dgm:sp3d/>
-    <dgm:txPr/>
-    <dgm:style>
-      <a:lnRef idx="2">
-        <a:scrgbClr r="0" g="0" b="0"/>
-      </a:lnRef>
-      <a:fillRef idx="1">
-        <a:scrgbClr r="0" g="0" b="0"/>
-      </a:fillRef>
-      <a:effectRef idx="0">
-        <a:scrgbClr r="0" g="0" b="0"/>
-      </a:effectRef>
-      <a:fontRef idx="minor"/>
-    </dgm:style>
-  </dgm:styleLbl>
-  <dgm:styleLbl name="bgImgPlace1">
-    <dgm:scene3d>
-      <a:camera prst="orthographicFront"/>
-      <a:lightRig rig="threePt" dir="t"/>
-    </dgm:scene3d>
-    <dgm:sp3d/>
-    <dgm:txPr/>
-    <dgm:style>
-      <a:lnRef idx="2">
-        <a:scrgbClr r="0" g="0" b="0"/>
-      </a:lnRef>
-      <a:fillRef idx="1">
-        <a:scrgbClr r="0" g="0" b="0"/>
-      </a:fillRef>
-      <a:effectRef idx="0">
-        <a:scrgbClr r="0" g="0" b="0"/>
-      </a:effectRef>
-      <a:fontRef idx="minor"/>
-    </dgm:style>
-  </dgm:styleLbl>
-  <dgm:styleLbl name="sibTrans2D1">
-    <dgm:scene3d>
-      <a:camera prst="orthographicFront"/>
-      <a:lightRig rig="threePt" dir="t"/>
-    </dgm:scene3d>
-    <dgm:sp3d/>
-    <dgm:txPr/>
-    <dgm:style>
-      <a:lnRef idx="0">
-        <a:scrgbClr r="0" g="0" b="0"/>
-      </a:lnRef>
-      <a:fillRef idx="1">
-        <a:scrgbClr r="0" g="0" b="0"/>
-      </a:fillRef>
-      <a:effectRef idx="0">
-        <a:scrgbClr r="0" g="0" b="0"/>
-      </a:effectRef>
-      <a:fontRef idx="minor">
-        <a:schemeClr val="lt1"/>
-      </a:fontRef>
-    </dgm:style>
-  </dgm:styleLbl>
-  <dgm:styleLbl name="fgSibTrans2D1">
-    <dgm:scene3d>
-      <a:camera prst="orthographicFront"/>
-      <a:lightRig rig="threePt" dir="t"/>
-    </dgm:scene3d>
-    <dgm:sp3d/>
-    <dgm:txPr/>
-    <dgm:style>
-      <a:lnRef idx="0">
-        <a:scrgbClr r="0" g="0" b="0"/>
-      </a:lnRef>
-      <a:fillRef idx="1">
-        <a:scrgbClr r="0" g="0" b="0"/>
-      </a:fillRef>
-      <a:effectRef idx="0">
-        <a:scrgbClr r="0" g="0" b="0"/>
-      </a:effectRef>
-      <a:fontRef idx="minor">
-        <a:schemeClr val="lt1"/>
-      </a:fontRef>
-    </dgm:style>
-  </dgm:styleLbl>
-  <dgm:styleLbl name="bgSibTrans2D1">
-    <dgm:scene3d>
-      <a:camera prst="orthographicFront"/>
-      <a:lightRig rig="threePt" dir="t"/>
-    </dgm:scene3d>
-    <dgm:sp3d/>
-    <dgm:txPr/>
-    <dgm:style>
-      <a:lnRef idx="0">
-        <a:scrgbClr r="0" g="0" b="0"/>
-      </a:lnRef>
-      <a:fillRef idx="1">
-        <a:scrgbClr r="0" g="0" b="0"/>
-      </a:fillRef>
-      <a:effectRef idx="0">
-        <a:scrgbClr r="0" g="0" b="0"/>
-      </a:effectRef>
-      <a:fontRef idx="minor">
-        <a:schemeClr val="lt1"/>
-      </a:fontRef>
-    </dgm:style>
-  </dgm:styleLbl>
-  <dgm:styleLbl name="sibTrans1D1">
-    <dgm:scene3d>
-      <a:camera prst="orthographicFront"/>
-      <a:lightRig rig="threePt" dir="t"/>
-    </dgm:scene3d>
-    <dgm:sp3d/>
-    <dgm:txPr/>
-    <dgm:style>
-      <a:lnRef idx="1">
-        <a:scrgbClr r="0" g="0" b="0"/>
-      </a:lnRef>
-      <a:fillRef idx="0">
-        <a:scrgbClr r="0" g="0" b="0"/>
-      </a:fillRef>
-      <a:effectRef idx="0">
-        <a:scrgbClr r="0" g="0" b="0"/>
-      </a:effectRef>
-      <a:fontRef idx="minor"/>
-    </dgm:style>
-  </dgm:styleLbl>
-  <dgm:styleLbl name="callout">
-    <dgm:scene3d>
-      <a:camera prst="orthographicFront"/>
-      <a:lightRig rig="threePt" dir="t"/>
-    </dgm:scene3d>
-    <dgm:sp3d/>
-    <dgm:txPr/>
-    <dgm:style>
-      <a:lnRef idx="2">
-        <a:scrgbClr r="0" g="0" b="0"/>
-      </a:lnRef>
-      <a:fillRef idx="1">
-        <a:scrgbClr r="0" g="0" b="0"/>
-      </a:fillRef>
-      <a:effectRef idx="0">
-        <a:scrgbClr r="0" g="0" b="0"/>
-      </a:effectRef>
-      <a:fontRef idx="minor"/>
-    </dgm:style>
-  </dgm:styleLbl>
-  <dgm:styleLbl name="asst0">
-    <dgm:scene3d>
-      <a:camera prst="orthographicFront"/>
-      <a:lightRig rig="threePt" dir="t"/>
-    </dgm:scene3d>
-    <dgm:sp3d/>
-    <dgm:txPr/>
-    <dgm:style>
-      <a:lnRef idx="2">
-        <a:scrgbClr r="0" g="0" b="0"/>
-      </a:lnRef>
-      <a:fillRef idx="1">
-        <a:scrgbClr r="0" g="0" b="0"/>
-      </a:fillRef>
-      <a:effectRef idx="0">
-        <a:scrgbClr r="0" g="0" b="0"/>
-      </a:effectRef>
-      <a:fontRef idx="minor">
-        <a:schemeClr val="lt1"/>
-      </a:fontRef>
-    </dgm:style>
-  </dgm:styleLbl>
-  <dgm:styleLbl name="asst1">
-    <dgm:scene3d>
-      <a:camera prst="orthographicFront"/>
-      <a:lightRig rig="threePt" dir="t"/>
-    </dgm:scene3d>
-    <dgm:sp3d/>
-    <dgm:txPr/>
-    <dgm:style>
-      <a:lnRef idx="2">
-        <a:scrgbClr r="0" g="0" b="0"/>
-      </a:lnRef>
-      <a:fillRef idx="1">
-        <a:scrgbClr r="0" g="0" b="0"/>
-      </a:fillRef>
-      <a:effectRef idx="0">
-        <a:scrgbClr r="0" g="0" b="0"/>
-      </a:effectRef>
-      <a:fontRef idx="minor">
-        <a:schemeClr val="lt1"/>
-      </a:fontRef>
-    </dgm:style>
-  </dgm:styleLbl>
-  <dgm:styleLbl name="asst2">
-    <dgm:scene3d>
-      <a:camera prst="orthographicFront"/>
-      <a:lightRig rig="threePt" dir="t"/>
-    </dgm:scene3d>
-    <dgm:sp3d/>
-    <dgm:txPr/>
-    <dgm:style>
-      <a:lnRef idx="2">
-        <a:scrgbClr r="0" g="0" b="0"/>
-      </a:lnRef>
-      <a:fillRef idx="1">
-        <a:scrgbClr r="0" g="0" b="0"/>
-      </a:fillRef>
-      <a:effectRef idx="0">
-        <a:scrgbClr r="0" g="0" b="0"/>
-      </a:effectRef>
-      <a:fontRef idx="minor">
-        <a:schemeClr val="lt1"/>
-      </a:fontRef>
-    </dgm:style>
-  </dgm:styleLbl>
-  <dgm:styleLbl name="asst3">
-    <dgm:scene3d>
-      <a:camera prst="orthographicFront"/>
-      <a:lightRig rig="threePt" dir="t"/>
-    </dgm:scene3d>
-    <dgm:sp3d/>
-    <dgm:txPr/>
-    <dgm:style>
-      <a:lnRef idx="2">
-        <a:scrgbClr r="0" g="0" b="0"/>
-      </a:lnRef>
-      <a:fillRef idx="1">
-        <a:scrgbClr r="0" g="0" b="0"/>
-      </a:fillRef>
-      <a:effectRef idx="0">
-        <a:scrgbClr r="0" g="0" b="0"/>
-      </a:effectRef>
-      <a:fontRef idx="minor">
-        <a:schemeClr val="lt1"/>
-      </a:fontRef>
-    </dgm:style>
-  </dgm:styleLbl>
-  <dgm:styleLbl name="asst4">
-    <dgm:scene3d>
-      <a:camera prst="orthographicFront"/>
-      <a:lightRig rig="threePt" dir="t"/>
-    </dgm:scene3d>
-    <dgm:sp3d/>
-    <dgm:txPr/>
-    <dgm:style>
-      <a:lnRef idx="2">
-        <a:scrgbClr r="0" g="0" b="0"/>
-      </a:lnRef>
-      <a:fillRef idx="1">
-        <a:scrgbClr r="0" g="0" b="0"/>
-      </a:fillRef>
-      <a:effectRef idx="0">
-        <a:scrgbClr r="0" g="0" b="0"/>
-      </a:effectRef>
-      <a:fontRef idx="minor">
-        <a:schemeClr val="lt1"/>
-      </a:fontRef>
-    </dgm:style>
-  </dgm:styleLbl>
-  <dgm:styleLbl name="parChTrans2D1">
-    <dgm:scene3d>
-      <a:camera prst="orthographicFront"/>
-      <a:lightRig rig="threePt" dir="t"/>
-    </dgm:scene3d>
-    <dgm:sp3d/>
-    <dgm:txPr/>
-    <dgm:style>
-      <a:lnRef idx="2">
-        <a:scrgbClr r="0" g="0" b="0"/>
-      </a:lnRef>
-      <a:fillRef idx="1">
-        <a:scrgbClr r="0" g="0" b="0"/>
-      </a:fillRef>
-      <a:effectRef idx="0">
-        <a:scrgbClr r="0" g="0" b="0"/>
-      </a:effectRef>
-      <a:fontRef idx="minor">
-        <a:schemeClr val="lt1"/>
-      </a:fontRef>
-    </dgm:style>
-  </dgm:styleLbl>
-  <dgm:styleLbl name="parChTrans2D2">
-    <dgm:scene3d>
-      <a:camera prst="orthographicFront"/>
-      <a:lightRig rig="threePt" dir="t"/>
-    </dgm:scene3d>
-    <dgm:sp3d/>
-    <dgm:txPr/>
-    <dgm:style>
-      <a:lnRef idx="2">
-        <a:scrgbClr r="0" g="0" b="0"/>
-      </a:lnRef>
-      <a:fillRef idx="1">
-        <a:scrgbClr r="0" g="0" b="0"/>
-      </a:fillRef>
-      <a:effectRef idx="0">
-        <a:scrgbClr r="0" g="0" b="0"/>
-      </a:effectRef>
-      <a:fontRef idx="minor">
-        <a:schemeClr val="lt1"/>
-      </a:fontRef>
-    </dgm:style>
-  </dgm:styleLbl>
-  <dgm:styleLbl name="parChTrans2D3">
-    <dgm:scene3d>
-      <a:camera prst="orthographicFront"/>
-      <a:lightRig rig="threePt" dir="t"/>
-    </dgm:scene3d>
-    <dgm:sp3d/>
-    <dgm:txPr/>
-    <dgm:style>
-      <a:lnRef idx="2">
-        <a:scrgbClr r="0" g="0" b="0"/>
-      </a:lnRef>
-      <a:fillRef idx="1">
-        <a:scrgbClr r="0" g="0" b="0"/>
-      </a:fillRef>
-      <a:effectRef idx="0">
-        <a:scrgbClr r="0" g="0" b="0"/>
-      </a:effectRef>
-      <a:fontRef idx="minor">
-        <a:schemeClr val="lt1"/>
-      </a:fontRef>
-    </dgm:style>
-  </dgm:styleLbl>
-  <dgm:styleLbl name="parChTrans2D4">
-    <dgm:scene3d>
-      <a:camera prst="orthographicFront"/>
-      <a:lightRig rig="threePt" dir="t"/>
-    </dgm:scene3d>
-    <dgm:sp3d/>
-    <dgm:txPr/>
-    <dgm:style>
-      <a:lnRef idx="2">
-        <a:scrgbClr r="0" g="0" b="0"/>
-      </a:lnRef>
-      <a:fillRef idx="1">
-        <a:scrgbClr r="0" g="0" b="0"/>
-      </a:fillRef>
-      <a:effectRef idx="0">
-        <a:scrgbClr r="0" g="0" b="0"/>
-      </a:effectRef>
-      <a:fontRef idx="minor">
-        <a:schemeClr val="lt1"/>
-      </a:fontRef>
-    </dgm:style>
-  </dgm:styleLbl>
-  <dgm:styleLbl name="parChTrans1D1">
-    <dgm:scene3d>
-      <a:camera prst="orthographicFront"/>
-      <a:lightRig rig="threePt" dir="t"/>
-    </dgm:scene3d>
-    <dgm:sp3d/>
-    <dgm:txPr/>
-    <dgm:style>
-      <a:lnRef idx="2">
-        <a:scrgbClr r="0" g="0" b="0"/>
-      </a:lnRef>
-      <a:fillRef idx="0">
-        <a:scrgbClr r="0" g="0" b="0"/>
-      </a:fillRef>
-      <a:effectRef idx="0">
-        <a:scrgbClr r="0" g="0" b="0"/>
-      </a:effectRef>
-      <a:fontRef idx="minor"/>
-    </dgm:style>
-  </dgm:styleLbl>
-  <dgm:styleLbl name="parChTrans1D2">
-    <dgm:scene3d>
-      <a:camera prst="orthographicFront"/>
-      <a:lightRig rig="threePt" dir="t"/>
-    </dgm:scene3d>
-    <dgm:sp3d/>
-    <dgm:txPr/>
-    <dgm:style>
-      <a:lnRef idx="2">
-        <a:scrgbClr r="0" g="0" b="0"/>
-      </a:lnRef>
-      <a:fillRef idx="0">
-        <a:scrgbClr r="0" g="0" b="0"/>
-      </a:fillRef>
-      <a:effectRef idx="0">
-        <a:scrgbClr r="0" g="0" b="0"/>
-      </a:effectRef>
-      <a:fontRef idx="minor"/>
-    </dgm:style>
-  </dgm:styleLbl>
-  <dgm:styleLbl name="parChTrans1D3">
-    <dgm:scene3d>
-      <a:camera prst="orthographicFront"/>
-      <a:lightRig rig="threePt" dir="t"/>
-    </dgm:scene3d>
-    <dgm:sp3d/>
-    <dgm:txPr/>
-    <dgm:style>
-      <a:lnRef idx="2">
-        <a:scrgbClr r="0" g="0" b="0"/>
-      </a:lnRef>
-      <a:fillRef idx="0">
-        <a:scrgbClr r="0" g="0" b="0"/>
-      </a:fillRef>
-      <a:effectRef idx="0">
-        <a:scrgbClr r="0" g="0" b="0"/>
-      </a:effectRef>
-      <a:fontRef idx="minor"/>
-    </dgm:style>
-  </dgm:styleLbl>
-  <dgm:styleLbl name="parChTrans1D4">
-    <dgm:scene3d>
-      <a:camera prst="orthographicFront"/>
-      <a:lightRig rig="threePt" dir="t"/>
-    </dgm:scene3d>
-    <dgm:sp3d/>
-    <dgm:txPr/>
-    <dgm:style>
-      <a:lnRef idx="2">
-        <a:scrgbClr r="0" g="0" b="0"/>
-      </a:lnRef>
-      <a:fillRef idx="0">
-        <a:scrgbClr r="0" g="0" b="0"/>
-      </a:fillRef>
-      <a:effectRef idx="0">
-        <a:scrgbClr r="0" g="0" b="0"/>
-      </a:effectRef>
-      <a:fontRef idx="minor"/>
-    </dgm:style>
-  </dgm:styleLbl>
-  <dgm:styleLbl name="fgAcc1">
-    <dgm:scene3d>
-      <a:camera prst="orthographicFront"/>
-      <a:lightRig rig="threePt" dir="t"/>
-    </dgm:scene3d>
-    <dgm:sp3d/>
-    <dgm:txPr/>
-    <dgm:style>
-      <a:lnRef idx="2">
-        <a:scrgbClr r="0" g="0" b="0"/>
-      </a:lnRef>
-      <a:fillRef idx="1">
-        <a:scrgbClr r="0" g="0" b="0"/>
-      </a:fillRef>
-      <a:effectRef idx="0">
-        <a:scrgbClr r="0" g="0" b="0"/>
-      </a:effectRef>
-      <a:fontRef idx="minor"/>
-    </dgm:style>
-  </dgm:styleLbl>
-  <dgm:styleLbl name="conFgAcc1">
-    <dgm:scene3d>
-      <a:camera prst="orthographicFront"/>
-      <a:lightRig rig="threePt" dir="t"/>
-    </dgm:scene3d>
-    <dgm:sp3d/>
-    <dgm:txPr/>
-    <dgm:style>
-      <a:lnRef idx="2">
-        <a:scrgbClr r="0" g="0" b="0"/>
-      </a:lnRef>
-      <a:fillRef idx="1">
-        <a:scrgbClr r="0" g="0" b="0"/>
-      </a:fillRef>
-      <a:effectRef idx="0">
-        <a:scrgbClr r="0" g="0" b="0"/>
-      </a:effectRef>
-      <a:fontRef idx="minor"/>
-    </dgm:style>
-  </dgm:styleLbl>
-  <dgm:styleLbl name="alignAcc1">
-    <dgm:scene3d>
-      <a:camera prst="orthographicFront"/>
-      <a:lightRig rig="threePt" dir="t"/>
-    </dgm:scene3d>
-    <dgm:sp3d/>
-    <dgm:txPr/>
-    <dgm:style>
-      <a:lnRef idx="2">
-        <a:scrgbClr r="0" g="0" b="0"/>
-      </a:lnRef>
-      <a:fillRef idx="1">
-        <a:scrgbClr r="0" g="0" b="0"/>
-      </a:fillRef>
-      <a:effectRef idx="0">
-        <a:scrgbClr r="0" g="0" b="0"/>
-      </a:effectRef>
-      <a:fontRef idx="minor"/>
-    </dgm:style>
-  </dgm:styleLbl>
-  <dgm:styleLbl name="trAlignAcc1">
-    <dgm:scene3d>
-      <a:camera prst="orthographicFront"/>
-      <a:lightRig rig="threePt" dir="t"/>
-    </dgm:scene3d>
-    <dgm:sp3d/>
-    <dgm:txPr/>
-    <dgm:style>
-      <a:lnRef idx="1">
-        <a:scrgbClr r="0" g="0" b="0"/>
-      </a:lnRef>
-      <a:fillRef idx="1">
-        <a:scrgbClr r="0" g="0" b="0"/>
-      </a:fillRef>
-      <a:effectRef idx="0">
-        <a:scrgbClr r="0" g="0" b="0"/>
-      </a:effectRef>
-      <a:fontRef idx="minor"/>
-    </dgm:style>
-  </dgm:styleLbl>
-  <dgm:styleLbl name="bgAcc1">
-    <dgm:scene3d>
-      <a:camera prst="orthographicFront"/>
-      <a:lightRig rig="threePt" dir="t"/>
-    </dgm:scene3d>
-    <dgm:sp3d/>
-    <dgm:txPr/>
-    <dgm:style>
-      <a:lnRef idx="2">
-        <a:scrgbClr r="0" g="0" b="0"/>
-      </a:lnRef>
-      <a:fillRef idx="1">
-        <a:scrgbClr r="0" g="0" b="0"/>
-      </a:fillRef>
-      <a:effectRef idx="0">
-        <a:scrgbClr r="0" g="0" b="0"/>
-      </a:effectRef>
-      <a:fontRef idx="minor"/>
-    </dgm:style>
-  </dgm:styleLbl>
-  <dgm:styleLbl name="solidFgAcc1">
-    <dgm:scene3d>
-      <a:camera prst="orthographicFront"/>
-      <a:lightRig rig="threePt" dir="t"/>
-    </dgm:scene3d>
-    <dgm:sp3d/>
-    <dgm:txPr/>
-    <dgm:style>
-      <a:lnRef idx="2">
-        <a:scrgbClr r="0" g="0" b="0"/>
-      </a:lnRef>
-      <a:fillRef idx="1">
-        <a:scrgbClr r="0" g="0" b="0"/>
-      </a:fillRef>
-      <a:effectRef idx="0">
-        <a:scrgbClr r="0" g="0" b="0"/>
-      </a:effectRef>
-      <a:fontRef idx="minor"/>
-    </dgm:style>
-  </dgm:styleLbl>
-  <dgm:styleLbl name="solidAlignAcc1">
-    <dgm:scene3d>
-      <a:camera prst="orthographicFront"/>
-      <a:lightRig rig="threePt" dir="t"/>
-    </dgm:scene3d>
-    <dgm:sp3d/>
-    <dgm:txPr/>
-    <dgm:style>
-      <a:lnRef idx="2">
-        <a:scrgbClr r="0" g="0" b="0"/>
-      </a:lnRef>
-      <a:fillRef idx="1">
-        <a:scrgbClr r="0" g="0" b="0"/>
-      </a:fillRef>
-      <a:effectRef idx="0">
-        <a:scrgbClr r="0" g="0" b="0"/>
-      </a:effectRef>
-      <a:fontRef idx="minor"/>
-    </dgm:style>
-  </dgm:styleLbl>
-  <dgm:styleLbl name="solidBgAcc1">
-    <dgm:scene3d>
-      <a:camera prst="orthographicFront"/>
-      <a:lightRig rig="threePt" dir="t"/>
-    </dgm:scene3d>
-    <dgm:sp3d/>
-    <dgm:txPr/>
-    <dgm:style>
-      <a:lnRef idx="2">
-        <a:scrgbClr r="0" g="0" b="0"/>
-      </a:lnRef>
-      <a:fillRef idx="1">
-        <a:scrgbClr r="0" g="0" b="0"/>
-      </a:fillRef>
-      <a:effectRef idx="0">
-        <a:scrgbClr r="0" g="0" b="0"/>
-      </a:effectRef>
-      <a:fontRef idx="minor"/>
-    </dgm:style>
-  </dgm:styleLbl>
-  <dgm:styleLbl name="fgAccFollowNode1">
-    <dgm:scene3d>
-      <a:camera prst="orthographicFront"/>
-      <a:lightRig rig="threePt" dir="t"/>
-    </dgm:scene3d>
-    <dgm:sp3d/>
-    <dgm:txPr/>
-    <dgm:style>
-      <a:lnRef idx="2">
-        <a:scrgbClr r="0" g="0" b="0"/>
-      </a:lnRef>
-      <a:fillRef idx="1">
-        <a:scrgbClr r="0" g="0" b="0"/>
-      </a:fillRef>
-      <a:effectRef idx="0">
-        <a:scrgbClr r="0" g="0" b="0"/>
-      </a:effectRef>
-      <a:fontRef idx="minor"/>
-    </dgm:style>
-  </dgm:styleLbl>
-  <dgm:styleLbl name="alignAccFollowNode1">
-    <dgm:scene3d>
-      <a:camera prst="orthographicFront"/>
-      <a:lightRig rig="threePt" dir="t"/>
-    </dgm:scene3d>
-    <dgm:sp3d/>
-    <dgm:txPr/>
-    <dgm:style>
-      <a:lnRef idx="2">
-        <a:scrgbClr r="0" g="0" b="0"/>
-      </a:lnRef>
-      <a:fillRef idx="1">
-        <a:scrgbClr r="0" g="0" b="0"/>
-      </a:fillRef>
-      <a:effectRef idx="0">
-        <a:scrgbClr r="0" g="0" b="0"/>
-      </a:effectRef>
-      <a:fontRef idx="minor"/>
-    </dgm:style>
-  </dgm:styleLbl>
-  <dgm:styleLbl name="bgAccFollowNode1">
-    <dgm:scene3d>
-      <a:camera prst="orthographicFront"/>
-      <a:lightRig rig="threePt" dir="t"/>
-    </dgm:scene3d>
-    <dgm:sp3d/>
-    <dgm:txPr/>
-    <dgm:style>
-      <a:lnRef idx="2">
-        <a:scrgbClr r="0" g="0" b="0"/>
-      </a:lnRef>
-      <a:fillRef idx="1">
-        <a:scrgbClr r="0" g="0" b="0"/>
-      </a:fillRef>
-      <a:effectRef idx="0">
-        <a:scrgbClr r="0" g="0" b="0"/>
-      </a:effectRef>
-      <a:fontRef idx="minor"/>
-    </dgm:style>
-  </dgm:styleLbl>
-  <dgm:styleLbl name="fgAcc0">
-    <dgm:scene3d>
-      <a:camera prst="orthographicFront"/>
-      <a:lightRig rig="threePt" dir="t"/>
-    </dgm:scene3d>
-    <dgm:sp3d/>
-    <dgm:txPr/>
-    <dgm:style>
-      <a:lnRef idx="2">
-        <a:scrgbClr r="0" g="0" b="0"/>
-      </a:lnRef>
-      <a:fillRef idx="1">
-        <a:scrgbClr r="0" g="0" b="0"/>
-      </a:fillRef>
-      <a:effectRef idx="0">
-        <a:scrgbClr r="0" g="0" b="0"/>
-      </a:effectRef>
-      <a:fontRef idx="minor"/>
-    </dgm:style>
-  </dgm:styleLbl>
-  <dgm:styleLbl name="fgAcc2">
-    <dgm:scene3d>
-      <a:camera prst="orthographicFront"/>
-      <a:lightRig rig="threePt" dir="t"/>
-    </dgm:scene3d>
-    <dgm:sp3d/>
-    <dgm:txPr/>
-    <dgm:style>
-      <a:lnRef idx="2">
-        <a:scrgbClr r="0" g="0" b="0"/>
-      </a:lnRef>
-      <a:fillRef idx="1">
-        <a:scrgbClr r="0" g="0" b="0"/>
-      </a:fillRef>
-      <a:effectRef idx="0">
-        <a:scrgbClr r="0" g="0" b="0"/>
-      </a:effectRef>
-      <a:fontRef idx="minor"/>
-    </dgm:style>
-  </dgm:styleLbl>
-  <dgm:styleLbl name="fgAcc3">
-    <dgm:scene3d>
-      <a:camera prst="orthographicFront"/>
-      <a:lightRig rig="threePt" dir="t"/>
-    </dgm:scene3d>
-    <dgm:sp3d/>
-    <dgm:txPr/>
-    <dgm:style>
-      <a:lnRef idx="2">
-        <a:scrgbClr r="0" g="0" b="0"/>
-      </a:lnRef>
-      <a:fillRef idx="1">
-        <a:scrgbClr r="0" g="0" b="0"/>
-      </a:fillRef>
-      <a:effectRef idx="0">
-        <a:scrgbClr r="0" g="0" b="0"/>
-      </a:effectRef>
-      <a:fontRef idx="minor"/>
-    </dgm:style>
-  </dgm:styleLbl>
-  <dgm:styleLbl name="fgAcc4">
-    <dgm:scene3d>
-      <a:camera prst="orthographicFront"/>
-      <a:lightRig rig="threePt" dir="t"/>
-    </dgm:scene3d>
-    <dgm:sp3d/>
-    <dgm:txPr/>
-    <dgm:style>
-      <a:lnRef idx="2">
-        <a:scrgbClr r="0" g="0" b="0"/>
-      </a:lnRef>
-      <a:fillRef idx="1">
-        <a:scrgbClr r="0" g="0" b="0"/>
-      </a:fillRef>
-      <a:effectRef idx="0">
-        <a:scrgbClr r="0" g="0" b="0"/>
-      </a:effectRef>
-      <a:fontRef idx="minor"/>
-    </dgm:style>
-  </dgm:styleLbl>
-  <dgm:styleLbl name="bgShp">
-    <dgm:scene3d>
-      <a:camera prst="orthographicFront"/>
-      <a:lightRig rig="threePt" dir="t"/>
-    </dgm:scene3d>
-    <dgm:sp3d/>
-    <dgm:txPr/>
-    <dgm:style>
-      <a:lnRef idx="0">
-        <a:scrgbClr r="0" g="0" b="0"/>
-      </a:lnRef>
-      <a:fillRef idx="1">
-        <a:scrgbClr r="0" g="0" b="0"/>
-      </a:fillRef>
-      <a:effectRef idx="0">
-        <a:scrgbClr r="0" g="0" b="0"/>
-      </a:effectRef>
-      <a:fontRef idx="minor"/>
-    </dgm:style>
-  </dgm:styleLbl>
-  <dgm:styleLbl name="dkBgShp">
-    <dgm:scene3d>
-      <a:camera prst="orthographicFront"/>
-      <a:lightRig rig="threePt" dir="t"/>
-    </dgm:scene3d>
-    <dgm:sp3d/>
-    <dgm:txPr/>
-    <dgm:style>
-      <a:lnRef idx="0">
-        <a:scrgbClr r="0" g="0" b="0"/>
-      </a:lnRef>
-      <a:fillRef idx="1">
-        <a:scrgbClr r="0" g="0" b="0"/>
-      </a:fillRef>
-      <a:effectRef idx="0">
-        <a:scrgbClr r="0" g="0" b="0"/>
-      </a:effectRef>
-      <a:fontRef idx="minor"/>
-    </dgm:style>
-  </dgm:styleLbl>
-  <dgm:styleLbl name="trBgShp">
-    <dgm:scene3d>
-      <a:camera prst="orthographicFront"/>
-      <a:lightRig rig="threePt" dir="t"/>
-    </dgm:scene3d>
-    <dgm:sp3d/>
-    <dgm:txPr/>
-    <dgm:style>
-      <a:lnRef idx="0">
-        <a:scrgbClr r="0" g="0" b="0"/>
-      </a:lnRef>
-      <a:fillRef idx="1">
-        <a:scrgbClr r="0" g="0" b="0"/>
-      </a:fillRef>
-      <a:effectRef idx="0">
-        <a:scrgbClr r="0" g="0" b="0"/>
-      </a:effectRef>
-      <a:fontRef idx="minor"/>
-    </dgm:style>
-  </dgm:styleLbl>
-  <dgm:styleLbl name="fgShp">
-    <dgm:scene3d>
-      <a:camera prst="orthographicFront"/>
-      <a:lightRig rig="threePt" dir="t"/>
-    </dgm:scene3d>
-    <dgm:sp3d/>
-    <dgm:txPr/>
-    <dgm:style>
-      <a:lnRef idx="2">
-        <a:scrgbClr r="0" g="0" b="0"/>
-      </a:lnRef>
-      <a:fillRef idx="1">
-        <a:scrgbClr r="0" g="0" b="0"/>
-      </a:fillRef>
-      <a:effectRef idx="0">
-        <a:scrgbClr r="0" g="0" b="0"/>
-      </a:effectRef>
-      <a:fontRef idx="minor"/>
-    </dgm:style>
-  </dgm:styleLbl>
-  <dgm:styleLbl name="revTx">
-    <dgm:scene3d>
-      <a:camera prst="orthographicFront"/>
-      <a:lightRig rig="threePt" dir="t"/>
-    </dgm:scene3d>
-    <dgm:sp3d/>
-    <dgm:txPr/>
-    <dgm:style>
-      <a:lnRef idx="0">
-        <a:scrgbClr r="0" g="0" b="0"/>
-      </a:lnRef>
-      <a:fillRef idx="0">
-        <a:scrgbClr r="0" g="0" b="0"/>
-      </a:fillRef>
-      <a:effectRef idx="0">
-        <a:scrgbClr r="0" g="0" b="0"/>
-      </a:effectRef>
-      <a:fontRef idx="minor"/>
-    </dgm:style>
-  </dgm:styleLbl>
-</dgm:styleDef>
-</file>
-
-<file path=ppt/diagrams/quickStyle5.xml><?xml version="1.0" encoding="utf-8"?>
 <dgm:styleDef xmlns:dgm="http://schemas.openxmlformats.org/drawingml/2006/diagram" xmlns:a="http://schemas.openxmlformats.org/drawingml/2006/main" uniqueId="urn:microsoft.com/office/officeart/2005/8/quickstyle/simple1">
   <dgm:title val=""/>
   <dgm:desc val=""/>
@@ -15461,7 +9415,7 @@
           <a:p>
             <a:fld id="{16791BA5-2BD3-4EC6-A0E8-5178E1553EA2}" type="datetimeFigureOut">
               <a:rPr lang="en-US" smtClean="0"/>
-              <a:t>11/7/2020</a:t>
+              <a:t>11/8/2020</a:t>
             </a:fld>
             <a:endParaRPr lang="en-US"/>
           </a:p>
@@ -15794,7 +9748,7 @@
             </a:pPr>
             <a:r>
               <a:rPr lang="en-US" dirty="0"/>
-              <a:t>Discounting behavior</a:t>
+              <a:t>Discounting strategy</a:t>
             </a:r>
           </a:p>
         </p:txBody>
@@ -15879,6 +9833,59 @@
           <a:bodyPr/>
           <a:lstStyle/>
           <a:p>
+            <a:r>
+              <a:rPr lang="en-US" dirty="0"/>
+              <a:t>Brett</a:t>
+            </a:r>
+          </a:p>
+          <a:p>
+            <a:pPr marL="171450" indent="-171450">
+              <a:buFontTx/>
+              <a:buChar char="-"/>
+            </a:pPr>
+            <a:r>
+              <a:rPr lang="en-US" dirty="0"/>
+              <a:t>Assess differences in discounting strategy between Adidas &amp; Nike.</a:t>
+            </a:r>
+          </a:p>
+          <a:p>
+            <a:pPr marL="171450" indent="-171450">
+              <a:buFontTx/>
+              <a:buChar char="-"/>
+            </a:pPr>
+            <a:r>
+              <a:rPr lang="en-US" dirty="0"/>
+              <a:t>Evaluate differences in customer ratings between Adidas &amp; Nike.  </a:t>
+            </a:r>
+          </a:p>
+          <a:p>
+            <a:pPr marL="171450" marR="0" lvl="0" indent="-171450" algn="l" defTabSz="914400" rtl="0" eaLnBrk="1" fontAlgn="auto" latinLnBrk="0" hangingPunct="1">
+              <a:lnSpc>
+                <a:spcPct val="100000"/>
+              </a:lnSpc>
+              <a:spcBef>
+                <a:spcPts val="0"/>
+              </a:spcBef>
+              <a:spcAft>
+                <a:spcPts val="0"/>
+              </a:spcAft>
+              <a:buClrTx/>
+              <a:buSzTx/>
+              <a:buFontTx/>
+              <a:buChar char="-"/>
+              <a:tabLst/>
+              <a:defRPr/>
+            </a:pPr>
+            <a:r>
+              <a:rPr lang="en-US" dirty="0"/>
+              <a:t>Evaluate differences in customer reviews between Adidas &amp; Nike.  </a:t>
+            </a:r>
+          </a:p>
+          <a:p>
+            <a:pPr marL="171450" indent="-171450">
+              <a:buFontTx/>
+              <a:buChar char="-"/>
+            </a:pPr>
             <a:endParaRPr lang="en-US" dirty="0"/>
           </a:p>
         </p:txBody>
@@ -15968,6 +9975,12 @@
               <a:t>Aaron</a:t>
             </a:r>
           </a:p>
+          <a:p>
+            <a:r>
+              <a:rPr lang="en-US" dirty="0"/>
+              <a:t>30 seconds, hi-level</a:t>
+            </a:r>
+          </a:p>
         </p:txBody>
       </p:sp>
       <p:sp>
@@ -16050,6 +10063,38 @@
           <a:bodyPr/>
           <a:lstStyle/>
           <a:p>
+            <a:r>
+              <a:rPr lang="en-US" dirty="0"/>
+              <a:t>Adam</a:t>
+            </a:r>
+          </a:p>
+          <a:p>
+            <a:pPr marL="171450" indent="-171450">
+              <a:buFontTx/>
+              <a:buChar char="-"/>
+            </a:pPr>
+            <a:r>
+              <a:rPr lang="en-US" dirty="0"/>
+              <a:t>Category: data not standardized enough to create category bins (</a:t>
+            </a:r>
+            <a:r>
+              <a:rPr lang="en-US" dirty="0" err="1"/>
+              <a:t>ie</a:t>
+            </a:r>
+            <a:r>
+              <a:rPr lang="en-US" dirty="0"/>
+              <a:t>: running, basketball, etc.)</a:t>
+            </a:r>
+          </a:p>
+          <a:p>
+            <a:pPr marL="171450" indent="-171450">
+              <a:buFontTx/>
+              <a:buChar char="-"/>
+            </a:pPr>
+            <a:r>
+              <a:rPr lang="en-US"/>
+              <a:t>Single-day snapshot in time</a:t>
+            </a:r>
             <a:endParaRPr lang="en-US" dirty="0"/>
           </a:p>
         </p:txBody>
@@ -16139,6 +10184,24 @@
               <a:t>Alejandro</a:t>
             </a:r>
           </a:p>
+          <a:p>
+            <a:pPr marL="228600" indent="-228600">
+              <a:buAutoNum type="arabicPeriod"/>
+            </a:pPr>
+            <a:r>
+              <a:rPr lang="en-US" dirty="0"/>
+              <a:t>Nike generally had higher-rated products, potentially indicating higher customer satisfaction</a:t>
+            </a:r>
+          </a:p>
+          <a:p>
+            <a:pPr marL="228600" indent="-228600">
+              <a:buAutoNum type="arabicPeriod"/>
+            </a:pPr>
+            <a:r>
+              <a:rPr lang="en-US" dirty="0"/>
+              <a:t>Adidas generally had more ratings, potentially indicating higher customer engagement</a:t>
+            </a:r>
+          </a:p>
         </p:txBody>
       </p:sp>
       <p:sp>
@@ -16223,8 +10286,53 @@
           <a:p>
             <a:r>
               <a:rPr lang="en-US" dirty="0"/>
-              <a:t>Sung, Adam</a:t>
+              <a:t>Sung</a:t>
             </a:r>
+          </a:p>
+          <a:p>
+            <a:pPr marL="171450" indent="-171450">
+              <a:buFontTx/>
+              <a:buChar char="-"/>
+            </a:pPr>
+            <a:r>
+              <a:rPr lang="en-US" dirty="0"/>
+              <a:t>Discounting: Adidas is more aggressive with discounting, offering higher discount across all price bins. </a:t>
+            </a:r>
+          </a:p>
+          <a:p>
+            <a:pPr marL="171450" indent="-171450">
+              <a:buFontTx/>
+              <a:buChar char="-"/>
+            </a:pPr>
+            <a:r>
+              <a:rPr lang="en-US" dirty="0"/>
+              <a:t>Pricing: </a:t>
+            </a:r>
+          </a:p>
+          <a:p>
+            <a:pPr marL="171450" indent="-171450">
+              <a:buFontTx/>
+              <a:buChar char="-"/>
+            </a:pPr>
+            <a:r>
+              <a:rPr lang="en-US" dirty="0"/>
+              <a:t>Recommendation: assess price offering to identify potential gaps to competition. </a:t>
+            </a:r>
+            <a:r>
+              <a:rPr lang="en-US" dirty="0" err="1"/>
+              <a:t>Ie</a:t>
+            </a:r>
+            <a:r>
+              <a:rPr lang="en-US" dirty="0"/>
+              <a:t>: </a:t>
+            </a:r>
+          </a:p>
+          <a:p>
+            <a:pPr marL="171450" indent="-171450">
+              <a:buFontTx/>
+              <a:buChar char="-"/>
+            </a:pPr>
+            <a:endParaRPr lang="en-US" dirty="0"/>
           </a:p>
         </p:txBody>
       </p:sp>
@@ -16255,6 +10363,325 @@
     <p:extLst>
       <p:ext uri="{BB962C8B-B14F-4D97-AF65-F5344CB8AC3E}">
         <p14:creationId xmlns:p14="http://schemas.microsoft.com/office/powerpoint/2010/main" val="2904697053"/>
+      </p:ext>
+    </p:extLst>
+  </p:cSld>
+  <p:clrMapOvr>
+    <a:masterClrMapping/>
+  </p:clrMapOvr>
+</p:notes>
+</file>
+
+<file path=ppt/notesSlides/notesSlide7.xml><?xml version="1.0" encoding="utf-8"?>
+<p:notes xmlns:a="http://schemas.openxmlformats.org/drawingml/2006/main" xmlns:r="http://schemas.openxmlformats.org/officeDocument/2006/relationships" xmlns:p="http://schemas.openxmlformats.org/presentationml/2006/main">
+  <p:cSld>
+    <p:spTree>
+      <p:nvGrpSpPr>
+        <p:cNvPr id="1" name=""/>
+        <p:cNvGrpSpPr/>
+        <p:nvPr/>
+      </p:nvGrpSpPr>
+      <p:grpSpPr>
+        <a:xfrm>
+          <a:off x="0" y="0"/>
+          <a:ext cx="0" cy="0"/>
+          <a:chOff x="0" y="0"/>
+          <a:chExt cx="0" cy="0"/>
+        </a:xfrm>
+      </p:grpSpPr>
+      <p:sp>
+        <p:nvSpPr>
+          <p:cNvPr id="2" name="Slide Image Placeholder 1"/>
+          <p:cNvSpPr>
+            <a:spLocks noGrp="1" noRot="1" noChangeAspect="1"/>
+          </p:cNvSpPr>
+          <p:nvPr>
+            <p:ph type="sldImg"/>
+          </p:nvPr>
+        </p:nvSpPr>
+        <p:spPr/>
+      </p:sp>
+      <p:sp>
+        <p:nvSpPr>
+          <p:cNvPr id="3" name="Notes Placeholder 2"/>
+          <p:cNvSpPr>
+            <a:spLocks noGrp="1"/>
+          </p:cNvSpPr>
+          <p:nvPr>
+            <p:ph type="body" idx="1"/>
+          </p:nvPr>
+        </p:nvSpPr>
+        <p:spPr/>
+        <p:txBody>
+          <a:bodyPr/>
+          <a:lstStyle/>
+          <a:p>
+            <a:r>
+              <a:rPr lang="en-US" dirty="0"/>
+              <a:t>Aaron</a:t>
+            </a:r>
+          </a:p>
+          <a:p>
+            <a:pPr marL="0" marR="0" lvl="0" indent="0" algn="l" defTabSz="914400" rtl="0" eaLnBrk="1" fontAlgn="auto" latinLnBrk="0" hangingPunct="1">
+              <a:lnSpc>
+                <a:spcPct val="100000"/>
+              </a:lnSpc>
+              <a:spcBef>
+                <a:spcPts val="0"/>
+              </a:spcBef>
+              <a:spcAft>
+                <a:spcPts val="0"/>
+              </a:spcAft>
+              <a:buClrTx/>
+              <a:buSzTx/>
+              <a:buFontTx/>
+              <a:buNone/>
+              <a:tabLst/>
+              <a:defRPr/>
+            </a:pPr>
+            <a:r>
+              <a:rPr lang="en-US" dirty="0" err="1"/>
+              <a:t>Ttest_indResult</a:t>
+            </a:r>
+            <a:r>
+              <a:rPr lang="en-US" dirty="0"/>
+              <a:t>(statistic=-9.181162235290103, </a:t>
+            </a:r>
+            <a:r>
+              <a:rPr lang="en-US" dirty="0" err="1"/>
+              <a:t>pvalue</a:t>
+            </a:r>
+            <a:r>
+              <a:rPr lang="en-US" dirty="0"/>
+              <a:t>=9.538449921033955e-17)</a:t>
+            </a:r>
+          </a:p>
+          <a:p>
+            <a:endParaRPr lang="en-US" dirty="0"/>
+          </a:p>
+        </p:txBody>
+      </p:sp>
+      <p:sp>
+        <p:nvSpPr>
+          <p:cNvPr id="4" name="Slide Number Placeholder 3"/>
+          <p:cNvSpPr>
+            <a:spLocks noGrp="1"/>
+          </p:cNvSpPr>
+          <p:nvPr>
+            <p:ph type="sldNum" sz="quarter" idx="5"/>
+          </p:nvPr>
+        </p:nvSpPr>
+        <p:spPr/>
+        <p:txBody>
+          <a:bodyPr/>
+          <a:lstStyle/>
+          <a:p>
+            <a:fld id="{80BFDE17-6DC8-4C29-8158-5E696A77EB1E}" type="slidenum">
+              <a:rPr lang="en-US" smtClean="0"/>
+              <a:t>7</a:t>
+            </a:fld>
+            <a:endParaRPr lang="en-US"/>
+          </a:p>
+        </p:txBody>
+      </p:sp>
+    </p:spTree>
+    <p:extLst>
+      <p:ext uri="{BB962C8B-B14F-4D97-AF65-F5344CB8AC3E}">
+        <p14:creationId xmlns:p14="http://schemas.microsoft.com/office/powerpoint/2010/main" val="3344706656"/>
+      </p:ext>
+    </p:extLst>
+  </p:cSld>
+  <p:clrMapOvr>
+    <a:masterClrMapping/>
+  </p:clrMapOvr>
+</p:notes>
+</file>
+
+<file path=ppt/notesSlides/notesSlide8.xml><?xml version="1.0" encoding="utf-8"?>
+<p:notes xmlns:a="http://schemas.openxmlformats.org/drawingml/2006/main" xmlns:r="http://schemas.openxmlformats.org/officeDocument/2006/relationships" xmlns:p="http://schemas.openxmlformats.org/presentationml/2006/main">
+  <p:cSld>
+    <p:spTree>
+      <p:nvGrpSpPr>
+        <p:cNvPr id="1" name=""/>
+        <p:cNvGrpSpPr/>
+        <p:nvPr/>
+      </p:nvGrpSpPr>
+      <p:grpSpPr>
+        <a:xfrm>
+          <a:off x="0" y="0"/>
+          <a:ext cx="0" cy="0"/>
+          <a:chOff x="0" y="0"/>
+          <a:chExt cx="0" cy="0"/>
+        </a:xfrm>
+      </p:grpSpPr>
+      <p:sp>
+        <p:nvSpPr>
+          <p:cNvPr id="2" name="Slide Image Placeholder 1"/>
+          <p:cNvSpPr>
+            <a:spLocks noGrp="1" noRot="1" noChangeAspect="1"/>
+          </p:cNvSpPr>
+          <p:nvPr>
+            <p:ph type="sldImg"/>
+          </p:nvPr>
+        </p:nvSpPr>
+        <p:spPr/>
+      </p:sp>
+      <p:sp>
+        <p:nvSpPr>
+          <p:cNvPr id="3" name="Notes Placeholder 2"/>
+          <p:cNvSpPr>
+            <a:spLocks noGrp="1"/>
+          </p:cNvSpPr>
+          <p:nvPr>
+            <p:ph type="body" idx="1"/>
+          </p:nvPr>
+        </p:nvSpPr>
+        <p:spPr/>
+        <p:txBody>
+          <a:bodyPr/>
+          <a:lstStyle/>
+          <a:p>
+            <a:r>
+              <a:rPr lang="en-US" dirty="0"/>
+              <a:t>Aaron</a:t>
+            </a:r>
+          </a:p>
+        </p:txBody>
+      </p:sp>
+      <p:sp>
+        <p:nvSpPr>
+          <p:cNvPr id="4" name="Slide Number Placeholder 3"/>
+          <p:cNvSpPr>
+            <a:spLocks noGrp="1"/>
+          </p:cNvSpPr>
+          <p:nvPr>
+            <p:ph type="sldNum" sz="quarter" idx="5"/>
+          </p:nvPr>
+        </p:nvSpPr>
+        <p:spPr/>
+        <p:txBody>
+          <a:bodyPr/>
+          <a:lstStyle/>
+          <a:p>
+            <a:fld id="{80BFDE17-6DC8-4C29-8158-5E696A77EB1E}" type="slidenum">
+              <a:rPr lang="en-US" smtClean="0"/>
+              <a:t>8</a:t>
+            </a:fld>
+            <a:endParaRPr lang="en-US"/>
+          </a:p>
+        </p:txBody>
+      </p:sp>
+    </p:spTree>
+    <p:extLst>
+      <p:ext uri="{BB962C8B-B14F-4D97-AF65-F5344CB8AC3E}">
+        <p14:creationId xmlns:p14="http://schemas.microsoft.com/office/powerpoint/2010/main" val="3148904050"/>
+      </p:ext>
+    </p:extLst>
+  </p:cSld>
+  <p:clrMapOvr>
+    <a:masterClrMapping/>
+  </p:clrMapOvr>
+</p:notes>
+</file>
+
+<file path=ppt/notesSlides/notesSlide9.xml><?xml version="1.0" encoding="utf-8"?>
+<p:notes xmlns:a="http://schemas.openxmlformats.org/drawingml/2006/main" xmlns:r="http://schemas.openxmlformats.org/officeDocument/2006/relationships" xmlns:p="http://schemas.openxmlformats.org/presentationml/2006/main">
+  <p:cSld>
+    <p:spTree>
+      <p:nvGrpSpPr>
+        <p:cNvPr id="1" name=""/>
+        <p:cNvGrpSpPr/>
+        <p:nvPr/>
+      </p:nvGrpSpPr>
+      <p:grpSpPr>
+        <a:xfrm>
+          <a:off x="0" y="0"/>
+          <a:ext cx="0" cy="0"/>
+          <a:chOff x="0" y="0"/>
+          <a:chExt cx="0" cy="0"/>
+        </a:xfrm>
+      </p:grpSpPr>
+      <p:sp>
+        <p:nvSpPr>
+          <p:cNvPr id="2" name="Slide Image Placeholder 1"/>
+          <p:cNvSpPr>
+            <a:spLocks noGrp="1" noRot="1" noChangeAspect="1"/>
+          </p:cNvSpPr>
+          <p:nvPr>
+            <p:ph type="sldImg"/>
+          </p:nvPr>
+        </p:nvSpPr>
+        <p:spPr/>
+      </p:sp>
+      <p:sp>
+        <p:nvSpPr>
+          <p:cNvPr id="3" name="Notes Placeholder 2"/>
+          <p:cNvSpPr>
+            <a:spLocks noGrp="1"/>
+          </p:cNvSpPr>
+          <p:nvPr>
+            <p:ph type="body" idx="1"/>
+          </p:nvPr>
+        </p:nvSpPr>
+        <p:spPr/>
+        <p:txBody>
+          <a:bodyPr/>
+          <a:lstStyle/>
+          <a:p>
+            <a:r>
+              <a:rPr lang="en-US" dirty="0"/>
+              <a:t>Goal was to compare Nike vs. Adidas </a:t>
+            </a:r>
+          </a:p>
+          <a:p>
+            <a:pPr marL="171450" indent="-171450">
+              <a:buFontTx/>
+              <a:buChar char="-"/>
+            </a:pPr>
+            <a:r>
+              <a:rPr lang="en-US" dirty="0"/>
+              <a:t>Customer reviews</a:t>
+            </a:r>
+          </a:p>
+          <a:p>
+            <a:pPr marL="171450" indent="-171450">
+              <a:buFontTx/>
+              <a:buChar char="-"/>
+            </a:pPr>
+            <a:r>
+              <a:rPr lang="en-US" dirty="0"/>
+              <a:t>Discounting strategy</a:t>
+            </a:r>
+          </a:p>
+        </p:txBody>
+      </p:sp>
+      <p:sp>
+        <p:nvSpPr>
+          <p:cNvPr id="4" name="Slide Number Placeholder 3"/>
+          <p:cNvSpPr>
+            <a:spLocks noGrp="1"/>
+          </p:cNvSpPr>
+          <p:nvPr>
+            <p:ph type="sldNum" sz="quarter" idx="5"/>
+          </p:nvPr>
+        </p:nvSpPr>
+        <p:spPr/>
+        <p:txBody>
+          <a:bodyPr/>
+          <a:lstStyle/>
+          <a:p>
+            <a:fld id="{80BFDE17-6DC8-4C29-8158-5E696A77EB1E}" type="slidenum">
+              <a:rPr lang="en-US" smtClean="0"/>
+              <a:t>9</a:t>
+            </a:fld>
+            <a:endParaRPr lang="en-US"/>
+          </a:p>
+        </p:txBody>
+      </p:sp>
+    </p:spTree>
+    <p:extLst>
+      <p:ext uri="{BB962C8B-B14F-4D97-AF65-F5344CB8AC3E}">
+        <p14:creationId xmlns:p14="http://schemas.microsoft.com/office/powerpoint/2010/main" val="509606618"/>
       </p:ext>
     </p:extLst>
   </p:cSld>
@@ -16733,7 +11160,7 @@
           <a:p>
             <a:fld id="{EA0C0817-A112-4847-8014-A94B7D2A4EA3}" type="datetime1">
               <a:rPr lang="en-US" smtClean="0"/>
-              <a:t>11/7/2020</a:t>
+              <a:t>11/8/2020</a:t>
             </a:fld>
             <a:endParaRPr lang="en-US" dirty="0"/>
           </a:p>
@@ -16935,7 +11362,7 @@
           <a:p>
             <a:fld id="{7332B432-ACDA-4023-A761-2BAB76577B62}" type="datetime1">
               <a:rPr lang="en-US" smtClean="0"/>
-              <a:t>11/7/2020</a:t>
+              <a:t>11/8/2020</a:t>
             </a:fld>
             <a:endParaRPr lang="en-US" dirty="0"/>
           </a:p>
@@ -17534,7 +11961,7 @@
           <a:p>
             <a:fld id="{D9C646AA-F36E-4540-911D-FFFC0A0EF24A}" type="datetime1">
               <a:rPr lang="en-US" smtClean="0"/>
-              <a:t>11/7/2020</a:t>
+              <a:t>11/8/2020</a:t>
             </a:fld>
             <a:endParaRPr lang="en-US" dirty="0"/>
           </a:p>
@@ -17854,7 +12281,7 @@
           <a:p>
             <a:fld id="{69186D26-FA5F-4637-B602-B7C2DC34CFD4}" type="datetime1">
               <a:rPr lang="en-US" smtClean="0"/>
-              <a:t>11/7/2020</a:t>
+              <a:t>11/8/2020</a:t>
             </a:fld>
             <a:endParaRPr lang="en-US" dirty="0"/>
           </a:p>
@@ -18291,7 +12718,7 @@
           <a:p>
             <a:fld id="{8A7F15D8-96D1-4781-BC50-CA8A088B2FE4}" type="datetime1">
               <a:rPr lang="en-US" smtClean="0"/>
-              <a:t>11/7/2020</a:t>
+              <a:t>11/8/2020</a:t>
             </a:fld>
             <a:endParaRPr lang="en-US" dirty="0"/>
           </a:p>
@@ -18409,7 +12836,7 @@
           <a:p>
             <a:fld id="{F9A96C99-B8F8-4528-BD05-0E16E943DC09}" type="datetime1">
               <a:rPr lang="en-US" smtClean="0"/>
-              <a:t>11/7/2020</a:t>
+              <a:t>11/8/2020</a:t>
             </a:fld>
             <a:endParaRPr lang="en-US" dirty="0"/>
           </a:p>
@@ -18504,7 +12931,7 @@
           <a:p>
             <a:fld id="{03636942-C211-4B28-8DBD-C953E00AF71B}" type="datetime1">
               <a:rPr lang="en-US" smtClean="0"/>
-              <a:t>11/7/2020</a:t>
+              <a:t>11/8/2020</a:t>
             </a:fld>
             <a:endParaRPr lang="en-US" dirty="0"/>
           </a:p>
@@ -18921,7 +13348,7 @@
           <a:p>
             <a:fld id="{7E8D12A6-918A-48BD-8CB9-CA713993B0EA}" type="datetime1">
               <a:rPr lang="en-US" smtClean="0"/>
-              <a:t>11/7/2020</a:t>
+              <a:t>11/8/2020</a:t>
             </a:fld>
             <a:endParaRPr lang="en-US" dirty="0"/>
           </a:p>
@@ -19183,7 +13610,7 @@
             <a:fld id="{E778CE86-875F-4587-BCF6-FA054AFC0D53}" type="datetime1">
               <a:rPr lang="en-US" smtClean="0"/>
               <a:pPr/>
-              <a:t>11/7/2020</a:t>
+              <a:t>11/8/2020</a:t>
             </a:fld>
             <a:endParaRPr lang="en-US" dirty="0"/>
           </a:p>
@@ -19699,7 +14126,7 @@
           <a:p>
             <a:fld id="{F6FA2B21-3FCD-4721-B95C-427943F61125}" type="datetime1">
               <a:rPr lang="en-US" smtClean="0"/>
-              <a:t>11/7/2020</a:t>
+              <a:t>11/8/2020</a:t>
             </a:fld>
             <a:endParaRPr lang="en-US" dirty="0"/>
           </a:p>
@@ -20471,7 +14898,7 @@
             <p:ph idx="1"/>
             <p:extLst>
               <p:ext uri="{D42A27DB-BD31-4B8C-83A1-F6EECF244321}">
-                <p14:modId xmlns:p14="http://schemas.microsoft.com/office/powerpoint/2010/main" val="3396107955"/>
+                <p14:modId xmlns:p14="http://schemas.microsoft.com/office/powerpoint/2010/main" val="1094498924"/>
               </p:ext>
             </p:extLst>
           </p:nvPr>
@@ -20676,7 +15103,7 @@
             <p:ph idx="1"/>
             <p:extLst>
               <p:ext uri="{D42A27DB-BD31-4B8C-83A1-F6EECF244321}">
-                <p14:modId xmlns:p14="http://schemas.microsoft.com/office/powerpoint/2010/main" val="1486790269"/>
+                <p14:modId xmlns:p14="http://schemas.microsoft.com/office/powerpoint/2010/main" val="208055659"/>
               </p:ext>
             </p:extLst>
           </p:nvPr>
@@ -20765,37 +15192,100 @@
           </a:p>
         </p:txBody>
       </p:sp>
-      <p:graphicFrame>
-        <p:nvGraphicFramePr>
-          <p:cNvPr id="5" name="Content Placeholder 2" descr="SmartArt graphic">
+      <p:pic>
+        <p:nvPicPr>
+          <p:cNvPr id="1026" name="Picture 2">
             <a:extLst>
               <a:ext uri="{FF2B5EF4-FFF2-40B4-BE49-F238E27FC236}">
-                <a16:creationId xmlns:a16="http://schemas.microsoft.com/office/drawing/2014/main" id="{91DB1382-7276-49FA-9632-38D558F457E3}"/>
+                <a16:creationId xmlns:a16="http://schemas.microsoft.com/office/drawing/2014/main" id="{8BC1B1E8-A018-4D11-AAAF-7A9606448D8A}"/>
               </a:ext>
             </a:extLst>
           </p:cNvPr>
-          <p:cNvGraphicFramePr>
-            <a:graphicFrameLocks noGrp="1"/>
-          </p:cNvGraphicFramePr>
-          <p:nvPr>
-            <p:ph idx="1"/>
-            <p:extLst>
-              <p:ext uri="{D42A27DB-BD31-4B8C-83A1-F6EECF244321}">
-                <p14:modId xmlns:p14="http://schemas.microsoft.com/office/powerpoint/2010/main" val="4227796617"/>
-              </p:ext>
-            </p:extLst>
-          </p:nvPr>
-        </p:nvGraphicFramePr>
-        <p:xfrm>
-          <a:off x="1066800" y="2310063"/>
-          <a:ext cx="10058400" cy="3725612"/>
-        </p:xfrm>
-        <a:graphic>
-          <a:graphicData uri="http://schemas.openxmlformats.org/drawingml/2006/diagram">
-            <dgm:relIds xmlns:dgm="http://schemas.openxmlformats.org/drawingml/2006/diagram" xmlns:r="http://schemas.openxmlformats.org/officeDocument/2006/relationships" r:dm="rId3" r:lo="rId4" r:qs="rId5" r:cs="rId6"/>
-          </a:graphicData>
-        </a:graphic>
-      </p:graphicFrame>
+          <p:cNvPicPr>
+            <a:picLocks noChangeAspect="1" noChangeArrowheads="1"/>
+          </p:cNvPicPr>
+          <p:nvPr/>
+        </p:nvPicPr>
+        <p:blipFill>
+          <a:blip r:embed="rId3">
+            <a:extLst>
+              <a:ext uri="{28A0092B-C50C-407E-A947-70E740481C1C}">
+                <a14:useLocalDpi xmlns:a14="http://schemas.microsoft.com/office/drawing/2010/main" val="0"/>
+              </a:ext>
+            </a:extLst>
+          </a:blip>
+          <a:srcRect/>
+          <a:stretch>
+            <a:fillRect/>
+          </a:stretch>
+        </p:blipFill>
+        <p:spPr bwMode="auto">
+          <a:xfrm>
+            <a:off x="762120" y="2014193"/>
+            <a:ext cx="5333880" cy="4256049"/>
+          </a:xfrm>
+          <a:prstGeom prst="rect">
+            <a:avLst/>
+          </a:prstGeom>
+          <a:noFill/>
+          <a:extLst>
+            <a:ext uri="{909E8E84-426E-40DD-AFC4-6F175D3DCCD1}">
+              <a14:hiddenFill xmlns:a14="http://schemas.microsoft.com/office/drawing/2010/main">
+                <a:solidFill>
+                  <a:srgbClr val="FFFFFF"/>
+                </a:solidFill>
+              </a14:hiddenFill>
+            </a:ext>
+          </a:extLst>
+        </p:spPr>
+      </p:pic>
+      <p:pic>
+        <p:nvPicPr>
+          <p:cNvPr id="1028" name="Picture 4">
+            <a:extLst>
+              <a:ext uri="{FF2B5EF4-FFF2-40B4-BE49-F238E27FC236}">
+                <a16:creationId xmlns:a16="http://schemas.microsoft.com/office/drawing/2014/main" id="{E1CABF10-F457-4331-A253-9773C54C9579}"/>
+              </a:ext>
+            </a:extLst>
+          </p:cNvPr>
+          <p:cNvPicPr>
+            <a:picLocks noChangeAspect="1" noChangeArrowheads="1"/>
+          </p:cNvPicPr>
+          <p:nvPr/>
+        </p:nvPicPr>
+        <p:blipFill>
+          <a:blip r:embed="rId4">
+            <a:extLst>
+              <a:ext uri="{28A0092B-C50C-407E-A947-70E740481C1C}">
+                <a14:useLocalDpi xmlns:a14="http://schemas.microsoft.com/office/drawing/2010/main" val="0"/>
+              </a:ext>
+            </a:extLst>
+          </a:blip>
+          <a:srcRect/>
+          <a:stretch>
+            <a:fillRect/>
+          </a:stretch>
+        </p:blipFill>
+        <p:spPr bwMode="auto">
+          <a:xfrm>
+            <a:off x="6667259" y="2014192"/>
+            <a:ext cx="5176040" cy="4108815"/>
+          </a:xfrm>
+          <a:prstGeom prst="rect">
+            <a:avLst/>
+          </a:prstGeom>
+          <a:noFill/>
+          <a:extLst>
+            <a:ext uri="{909E8E84-426E-40DD-AFC4-6F175D3DCCD1}">
+              <a14:hiddenFill xmlns:a14="http://schemas.microsoft.com/office/drawing/2010/main">
+                <a:solidFill>
+                  <a:srgbClr val="FFFFFF"/>
+                </a:solidFill>
+              </a14:hiddenFill>
+            </a:ext>
+          </a:extLst>
+        </p:spPr>
+      </p:pic>
     </p:spTree>
     <p:extLst>
       <p:ext uri="{BB962C8B-B14F-4D97-AF65-F5344CB8AC3E}">
@@ -20870,41 +15360,541 @@
           </a:p>
         </p:txBody>
       </p:sp>
-      <p:graphicFrame>
-        <p:nvGraphicFramePr>
-          <p:cNvPr id="5" name="Content Placeholder 2" descr="SmartArt graphic">
+      <p:pic>
+        <p:nvPicPr>
+          <p:cNvPr id="2050" name="Picture 2">
             <a:extLst>
               <a:ext uri="{FF2B5EF4-FFF2-40B4-BE49-F238E27FC236}">
-                <a16:creationId xmlns:a16="http://schemas.microsoft.com/office/drawing/2014/main" id="{91DB1382-7276-49FA-9632-38D558F457E3}"/>
+                <a16:creationId xmlns:a16="http://schemas.microsoft.com/office/drawing/2014/main" id="{6778F7E5-E0F0-4F56-903F-523D36B83384}"/>
               </a:ext>
             </a:extLst>
           </p:cNvPr>
-          <p:cNvGraphicFramePr>
-            <a:graphicFrameLocks noGrp="1"/>
-          </p:cNvGraphicFramePr>
-          <p:nvPr>
-            <p:ph idx="1"/>
-            <p:extLst>
-              <p:ext uri="{D42A27DB-BD31-4B8C-83A1-F6EECF244321}">
-                <p14:modId xmlns:p14="http://schemas.microsoft.com/office/powerpoint/2010/main" val="1953986156"/>
-              </p:ext>
-            </p:extLst>
-          </p:nvPr>
-        </p:nvGraphicFramePr>
-        <p:xfrm>
-          <a:off x="1066800" y="2310063"/>
-          <a:ext cx="10058400" cy="3725612"/>
-        </p:xfrm>
-        <a:graphic>
-          <a:graphicData uri="http://schemas.openxmlformats.org/drawingml/2006/diagram">
-            <dgm:relIds xmlns:dgm="http://schemas.openxmlformats.org/drawingml/2006/diagram" xmlns:r="http://schemas.openxmlformats.org/officeDocument/2006/relationships" r:dm="rId3" r:lo="rId4" r:qs="rId5" r:cs="rId6"/>
-          </a:graphicData>
-        </a:graphic>
-      </p:graphicFrame>
+          <p:cNvPicPr>
+            <a:picLocks noChangeAspect="1" noChangeArrowheads="1"/>
+          </p:cNvPicPr>
+          <p:nvPr/>
+        </p:nvPicPr>
+        <p:blipFill>
+          <a:blip r:embed="rId3">
+            <a:extLst>
+              <a:ext uri="{28A0092B-C50C-407E-A947-70E740481C1C}">
+                <a14:useLocalDpi xmlns:a14="http://schemas.microsoft.com/office/drawing/2010/main" val="0"/>
+              </a:ext>
+            </a:extLst>
+          </a:blip>
+          <a:srcRect/>
+          <a:stretch>
+            <a:fillRect/>
+          </a:stretch>
+        </p:blipFill>
+        <p:spPr bwMode="auto">
+          <a:xfrm>
+            <a:off x="532074" y="1759551"/>
+            <a:ext cx="5415760" cy="4400852"/>
+          </a:xfrm>
+          <a:prstGeom prst="rect">
+            <a:avLst/>
+          </a:prstGeom>
+          <a:noFill/>
+          <a:extLst>
+            <a:ext uri="{909E8E84-426E-40DD-AFC4-6F175D3DCCD1}">
+              <a14:hiddenFill xmlns:a14="http://schemas.microsoft.com/office/drawing/2010/main">
+                <a:solidFill>
+                  <a:srgbClr val="FFFFFF"/>
+                </a:solidFill>
+              </a14:hiddenFill>
+            </a:ext>
+          </a:extLst>
+        </p:spPr>
+      </p:pic>
+      <p:pic>
+        <p:nvPicPr>
+          <p:cNvPr id="2052" name="Picture 4">
+            <a:extLst>
+              <a:ext uri="{FF2B5EF4-FFF2-40B4-BE49-F238E27FC236}">
+                <a16:creationId xmlns:a16="http://schemas.microsoft.com/office/drawing/2014/main" id="{9A258A1B-B4B1-498A-A5D3-306C691CCBD8}"/>
+              </a:ext>
+            </a:extLst>
+          </p:cNvPr>
+          <p:cNvPicPr>
+            <a:picLocks noChangeAspect="1" noChangeArrowheads="1"/>
+          </p:cNvPicPr>
+          <p:nvPr/>
+        </p:nvPicPr>
+        <p:blipFill>
+          <a:blip r:embed="rId4">
+            <a:extLst>
+              <a:ext uri="{28A0092B-C50C-407E-A947-70E740481C1C}">
+                <a14:useLocalDpi xmlns:a14="http://schemas.microsoft.com/office/drawing/2010/main" val="0"/>
+              </a:ext>
+            </a:extLst>
+          </a:blip>
+          <a:srcRect/>
+          <a:stretch>
+            <a:fillRect/>
+          </a:stretch>
+        </p:blipFill>
+        <p:spPr bwMode="auto">
+          <a:xfrm>
+            <a:off x="6610572" y="1759551"/>
+            <a:ext cx="5049354" cy="4319630"/>
+          </a:xfrm>
+          <a:prstGeom prst="rect">
+            <a:avLst/>
+          </a:prstGeom>
+          <a:noFill/>
+          <a:extLst>
+            <a:ext uri="{909E8E84-426E-40DD-AFC4-6F175D3DCCD1}">
+              <a14:hiddenFill xmlns:a14="http://schemas.microsoft.com/office/drawing/2010/main">
+                <a:solidFill>
+                  <a:srgbClr val="FFFFFF"/>
+                </a:solidFill>
+              </a14:hiddenFill>
+            </a:ext>
+          </a:extLst>
+        </p:spPr>
+      </p:pic>
     </p:spTree>
     <p:extLst>
       <p:ext uri="{BB962C8B-B14F-4D97-AF65-F5344CB8AC3E}">
         <p14:creationId xmlns:p14="http://schemas.microsoft.com/office/powerpoint/2010/main" val="1465980575"/>
+      </p:ext>
+    </p:extLst>
+  </p:cSld>
+  <p:clrMapOvr>
+    <a:masterClrMapping/>
+  </p:clrMapOvr>
+</p:sld>
+</file>
+
+<file path=ppt/slides/slide7.xml><?xml version="1.0" encoding="utf-8"?>
+<p:sld xmlns:a="http://schemas.openxmlformats.org/drawingml/2006/main" xmlns:r="http://schemas.openxmlformats.org/officeDocument/2006/relationships" xmlns:p="http://schemas.openxmlformats.org/presentationml/2006/main">
+  <p:cSld>
+    <p:bg>
+      <p:bgPr>
+        <a:solidFill>
+          <a:schemeClr val="bg1"/>
+        </a:solidFill>
+        <a:effectLst/>
+      </p:bgPr>
+    </p:bg>
+    <p:spTree>
+      <p:nvGrpSpPr>
+        <p:cNvPr id="1" name=""/>
+        <p:cNvGrpSpPr/>
+        <p:nvPr/>
+      </p:nvGrpSpPr>
+      <p:grpSpPr>
+        <a:xfrm>
+          <a:off x="0" y="0"/>
+          <a:ext cx="0" cy="0"/>
+          <a:chOff x="0" y="0"/>
+          <a:chExt cx="0" cy="0"/>
+        </a:xfrm>
+      </p:grpSpPr>
+      <p:sp>
+        <p:nvSpPr>
+          <p:cNvPr id="2" name="Title 1">
+            <a:extLst>
+              <a:ext uri="{FF2B5EF4-FFF2-40B4-BE49-F238E27FC236}">
+                <a16:creationId xmlns:a16="http://schemas.microsoft.com/office/drawing/2014/main" id="{7A4919D0-F177-4BBA-9A0B-DBA69E2ED764}"/>
+              </a:ext>
+            </a:extLst>
+          </p:cNvPr>
+          <p:cNvSpPr>
+            <a:spLocks noGrp="1"/>
+          </p:cNvSpPr>
+          <p:nvPr>
+            <p:ph type="title"/>
+          </p:nvPr>
+        </p:nvSpPr>
+        <p:spPr>
+          <a:xfrm>
+            <a:off x="1066800" y="642594"/>
+            <a:ext cx="10058400" cy="1371600"/>
+          </a:xfrm>
+        </p:spPr>
+        <p:txBody>
+          <a:bodyPr>
+            <a:normAutofit/>
+          </a:bodyPr>
+          <a:lstStyle/>
+          <a:p>
+            <a:pPr algn="ctr"/>
+            <a:r>
+              <a:rPr lang="en-US" dirty="0"/>
+              <a:t>Appendix</a:t>
+            </a:r>
+          </a:p>
+        </p:txBody>
+      </p:sp>
+      <p:pic>
+        <p:nvPicPr>
+          <p:cNvPr id="3074" name="Picture 2">
+            <a:extLst>
+              <a:ext uri="{FF2B5EF4-FFF2-40B4-BE49-F238E27FC236}">
+                <a16:creationId xmlns:a16="http://schemas.microsoft.com/office/drawing/2014/main" id="{054F9E93-4551-41A1-A504-E8C944D64B3E}"/>
+              </a:ext>
+            </a:extLst>
+          </p:cNvPr>
+          <p:cNvPicPr>
+            <a:picLocks noChangeAspect="1" noChangeArrowheads="1"/>
+          </p:cNvPicPr>
+          <p:nvPr/>
+        </p:nvPicPr>
+        <p:blipFill>
+          <a:blip r:embed="rId3">
+            <a:extLst>
+              <a:ext uri="{28A0092B-C50C-407E-A947-70E740481C1C}">
+                <a14:useLocalDpi xmlns:a14="http://schemas.microsoft.com/office/drawing/2010/main" val="0"/>
+              </a:ext>
+            </a:extLst>
+          </a:blip>
+          <a:srcRect/>
+          <a:stretch>
+            <a:fillRect/>
+          </a:stretch>
+        </p:blipFill>
+        <p:spPr bwMode="auto">
+          <a:xfrm>
+            <a:off x="499761" y="1830837"/>
+            <a:ext cx="5106244" cy="3695879"/>
+          </a:xfrm>
+          <a:prstGeom prst="rect">
+            <a:avLst/>
+          </a:prstGeom>
+          <a:noFill/>
+          <a:extLst>
+            <a:ext uri="{909E8E84-426E-40DD-AFC4-6F175D3DCCD1}">
+              <a14:hiddenFill xmlns:a14="http://schemas.microsoft.com/office/drawing/2010/main">
+                <a:solidFill>
+                  <a:srgbClr val="FFFFFF"/>
+                </a:solidFill>
+              </a14:hiddenFill>
+            </a:ext>
+          </a:extLst>
+        </p:spPr>
+      </p:pic>
+      <p:pic>
+        <p:nvPicPr>
+          <p:cNvPr id="3076" name="Picture 4">
+            <a:extLst>
+              <a:ext uri="{FF2B5EF4-FFF2-40B4-BE49-F238E27FC236}">
+                <a16:creationId xmlns:a16="http://schemas.microsoft.com/office/drawing/2014/main" id="{0DB64DB3-0C5F-44F1-96A1-04BBFF63E82E}"/>
+              </a:ext>
+            </a:extLst>
+          </p:cNvPr>
+          <p:cNvPicPr>
+            <a:picLocks noChangeAspect="1" noChangeArrowheads="1"/>
+          </p:cNvPicPr>
+          <p:nvPr/>
+        </p:nvPicPr>
+        <p:blipFill>
+          <a:blip r:embed="rId4">
+            <a:extLst>
+              <a:ext uri="{28A0092B-C50C-407E-A947-70E740481C1C}">
+                <a14:useLocalDpi xmlns:a14="http://schemas.microsoft.com/office/drawing/2010/main" val="0"/>
+              </a:ext>
+            </a:extLst>
+          </a:blip>
+          <a:srcRect/>
+          <a:stretch>
+            <a:fillRect/>
+          </a:stretch>
+        </p:blipFill>
+        <p:spPr bwMode="auto">
+          <a:xfrm>
+            <a:off x="6667018" y="1830837"/>
+            <a:ext cx="5106244" cy="3695879"/>
+          </a:xfrm>
+          <a:prstGeom prst="rect">
+            <a:avLst/>
+          </a:prstGeom>
+          <a:noFill/>
+          <a:extLst>
+            <a:ext uri="{909E8E84-426E-40DD-AFC4-6F175D3DCCD1}">
+              <a14:hiddenFill xmlns:a14="http://schemas.microsoft.com/office/drawing/2010/main">
+                <a:solidFill>
+                  <a:srgbClr val="FFFFFF"/>
+                </a:solidFill>
+              </a14:hiddenFill>
+            </a:ext>
+          </a:extLst>
+        </p:spPr>
+      </p:pic>
+    </p:spTree>
+    <p:extLst>
+      <p:ext uri="{BB962C8B-B14F-4D97-AF65-F5344CB8AC3E}">
+        <p14:creationId xmlns:p14="http://schemas.microsoft.com/office/powerpoint/2010/main" val="3276845899"/>
+      </p:ext>
+    </p:extLst>
+  </p:cSld>
+  <p:clrMapOvr>
+    <a:masterClrMapping/>
+  </p:clrMapOvr>
+</p:sld>
+</file>
+
+<file path=ppt/slides/slide8.xml><?xml version="1.0" encoding="utf-8"?>
+<p:sld xmlns:a="http://schemas.openxmlformats.org/drawingml/2006/main" xmlns:r="http://schemas.openxmlformats.org/officeDocument/2006/relationships" xmlns:p="http://schemas.openxmlformats.org/presentationml/2006/main">
+  <p:cSld>
+    <p:bg>
+      <p:bgPr>
+        <a:solidFill>
+          <a:schemeClr val="bg1"/>
+        </a:solidFill>
+        <a:effectLst/>
+      </p:bgPr>
+    </p:bg>
+    <p:spTree>
+      <p:nvGrpSpPr>
+        <p:cNvPr id="1" name=""/>
+        <p:cNvGrpSpPr/>
+        <p:nvPr/>
+      </p:nvGrpSpPr>
+      <p:grpSpPr>
+        <a:xfrm>
+          <a:off x="0" y="0"/>
+          <a:ext cx="0" cy="0"/>
+          <a:chOff x="0" y="0"/>
+          <a:chExt cx="0" cy="0"/>
+        </a:xfrm>
+      </p:grpSpPr>
+      <p:sp>
+        <p:nvSpPr>
+          <p:cNvPr id="2" name="Title 1">
+            <a:extLst>
+              <a:ext uri="{FF2B5EF4-FFF2-40B4-BE49-F238E27FC236}">
+                <a16:creationId xmlns:a16="http://schemas.microsoft.com/office/drawing/2014/main" id="{7A4919D0-F177-4BBA-9A0B-DBA69E2ED764}"/>
+              </a:ext>
+            </a:extLst>
+          </p:cNvPr>
+          <p:cNvSpPr>
+            <a:spLocks noGrp="1"/>
+          </p:cNvSpPr>
+          <p:nvPr>
+            <p:ph type="title"/>
+          </p:nvPr>
+        </p:nvSpPr>
+        <p:spPr>
+          <a:xfrm>
+            <a:off x="1066800" y="642594"/>
+            <a:ext cx="10058400" cy="1371600"/>
+          </a:xfrm>
+        </p:spPr>
+        <p:txBody>
+          <a:bodyPr>
+            <a:normAutofit/>
+          </a:bodyPr>
+          <a:lstStyle/>
+          <a:p>
+            <a:pPr algn="ctr"/>
+            <a:r>
+              <a:rPr lang="en-US" dirty="0"/>
+              <a:t>Appendix</a:t>
+            </a:r>
+          </a:p>
+        </p:txBody>
+      </p:sp>
+      <p:pic>
+        <p:nvPicPr>
+          <p:cNvPr id="4098" name="Picture 2">
+            <a:extLst>
+              <a:ext uri="{FF2B5EF4-FFF2-40B4-BE49-F238E27FC236}">
+                <a16:creationId xmlns:a16="http://schemas.microsoft.com/office/drawing/2014/main" id="{C818ABDA-8BFA-4504-B54B-8480FB293FAD}"/>
+              </a:ext>
+            </a:extLst>
+          </p:cNvPr>
+          <p:cNvPicPr>
+            <a:picLocks noChangeAspect="1" noChangeArrowheads="1"/>
+          </p:cNvPicPr>
+          <p:nvPr/>
+        </p:nvPicPr>
+        <p:blipFill>
+          <a:blip r:embed="rId3">
+            <a:extLst>
+              <a:ext uri="{28A0092B-C50C-407E-A947-70E740481C1C}">
+                <a14:useLocalDpi xmlns:a14="http://schemas.microsoft.com/office/drawing/2010/main" val="0"/>
+              </a:ext>
+            </a:extLst>
+          </a:blip>
+          <a:srcRect/>
+          <a:stretch>
+            <a:fillRect/>
+          </a:stretch>
+        </p:blipFill>
+        <p:spPr bwMode="auto">
+          <a:xfrm>
+            <a:off x="3574891" y="1810713"/>
+            <a:ext cx="4596837" cy="4596837"/>
+          </a:xfrm>
+          <a:prstGeom prst="rect">
+            <a:avLst/>
+          </a:prstGeom>
+          <a:noFill/>
+          <a:extLst>
+            <a:ext uri="{909E8E84-426E-40DD-AFC4-6F175D3DCCD1}">
+              <a14:hiddenFill xmlns:a14="http://schemas.microsoft.com/office/drawing/2010/main">
+                <a:solidFill>
+                  <a:srgbClr val="FFFFFF"/>
+                </a:solidFill>
+              </a14:hiddenFill>
+            </a:ext>
+          </a:extLst>
+        </p:spPr>
+      </p:pic>
+    </p:spTree>
+    <p:extLst>
+      <p:ext uri="{BB962C8B-B14F-4D97-AF65-F5344CB8AC3E}">
+        <p14:creationId xmlns:p14="http://schemas.microsoft.com/office/powerpoint/2010/main" val="1098261418"/>
+      </p:ext>
+    </p:extLst>
+  </p:cSld>
+  <p:clrMapOvr>
+    <a:masterClrMapping/>
+  </p:clrMapOvr>
+</p:sld>
+</file>
+
+<file path=ppt/slides/slide9.xml><?xml version="1.0" encoding="utf-8"?>
+<p:sld xmlns:a="http://schemas.openxmlformats.org/drawingml/2006/main" xmlns:r="http://schemas.openxmlformats.org/officeDocument/2006/relationships" xmlns:p="http://schemas.openxmlformats.org/presentationml/2006/main">
+  <p:cSld>
+    <p:spTree>
+      <p:nvGrpSpPr>
+        <p:cNvPr id="1" name=""/>
+        <p:cNvGrpSpPr/>
+        <p:nvPr/>
+      </p:nvGrpSpPr>
+      <p:grpSpPr>
+        <a:xfrm>
+          <a:off x="0" y="0"/>
+          <a:ext cx="0" cy="0"/>
+          <a:chOff x="0" y="0"/>
+          <a:chExt cx="0" cy="0"/>
+        </a:xfrm>
+      </p:grpSpPr>
+      <p:pic>
+        <p:nvPicPr>
+          <p:cNvPr id="6" name="Picture 5" descr="abstract image">
+            <a:extLst>
+              <a:ext uri="{FF2B5EF4-FFF2-40B4-BE49-F238E27FC236}">
+                <a16:creationId xmlns:a16="http://schemas.microsoft.com/office/drawing/2014/main" id="{8045422F-7258-40AC-BD2E-2469AA448922}"/>
+              </a:ext>
+            </a:extLst>
+          </p:cNvPr>
+          <p:cNvPicPr>
+            <a:picLocks noChangeAspect="1"/>
+          </p:cNvPicPr>
+          <p:nvPr/>
+        </p:nvPicPr>
+        <p:blipFill rotWithShape="1">
+          <a:blip r:embed="rId3">
+            <a:extLst>
+              <a:ext uri="{28A0092B-C50C-407E-A947-70E740481C1C}">
+                <a14:useLocalDpi xmlns:a14="http://schemas.microsoft.com/office/drawing/2010/main" val="0"/>
+              </a:ext>
+            </a:extLst>
+          </a:blip>
+          <a:srcRect/>
+          <a:stretch/>
+        </p:blipFill>
+        <p:spPr>
+          <a:xfrm>
+            <a:off x="20" y="10"/>
+            <a:ext cx="12191980" cy="6857990"/>
+          </a:xfrm>
+          <a:prstGeom prst="rect">
+            <a:avLst/>
+          </a:prstGeom>
+        </p:spPr>
+      </p:pic>
+      <p:sp>
+        <p:nvSpPr>
+          <p:cNvPr id="2" name="Title 1">
+            <a:extLst>
+              <a:ext uri="{FF2B5EF4-FFF2-40B4-BE49-F238E27FC236}">
+                <a16:creationId xmlns:a16="http://schemas.microsoft.com/office/drawing/2014/main" id="{18C3B467-088C-4F3D-A9A7-105C4E1E20CD}"/>
+              </a:ext>
+            </a:extLst>
+          </p:cNvPr>
+          <p:cNvSpPr>
+            <a:spLocks noGrp="1"/>
+          </p:cNvSpPr>
+          <p:nvPr>
+            <p:ph type="ctrTitle"/>
+          </p:nvPr>
+        </p:nvSpPr>
+        <p:spPr>
+          <a:xfrm>
+            <a:off x="6033793" y="2355458"/>
+            <a:ext cx="4775075" cy="1630907"/>
+          </a:xfrm>
+        </p:spPr>
+        <p:txBody>
+          <a:bodyPr>
+            <a:normAutofit/>
+          </a:bodyPr>
+          <a:lstStyle/>
+          <a:p>
+            <a:r>
+              <a:rPr lang="en-US" sz="4400" dirty="0">
+                <a:solidFill>
+                  <a:schemeClr val="tx1"/>
+                </a:solidFill>
+              </a:rPr>
+              <a:t>Q &amp; A</a:t>
+            </a:r>
+          </a:p>
+        </p:txBody>
+      </p:sp>
+      <p:sp>
+        <p:nvSpPr>
+          <p:cNvPr id="3" name="Subtitle 2">
+            <a:extLst>
+              <a:ext uri="{FF2B5EF4-FFF2-40B4-BE49-F238E27FC236}">
+                <a16:creationId xmlns:a16="http://schemas.microsoft.com/office/drawing/2014/main" id="{C8722DDC-8EEE-4A06-8DFE-B44871EAA2CF}"/>
+              </a:ext>
+            </a:extLst>
+          </p:cNvPr>
+          <p:cNvSpPr>
+            <a:spLocks noGrp="1"/>
+          </p:cNvSpPr>
+          <p:nvPr>
+            <p:ph type="subTitle" idx="1"/>
+          </p:nvPr>
+        </p:nvSpPr>
+        <p:spPr>
+          <a:xfrm>
+            <a:off x="6033793" y="3995988"/>
+            <a:ext cx="4775075" cy="559656"/>
+          </a:xfrm>
+        </p:spPr>
+        <p:txBody>
+          <a:bodyPr>
+            <a:normAutofit/>
+          </a:bodyPr>
+          <a:lstStyle/>
+          <a:p>
+            <a:pPr>
+              <a:spcAft>
+                <a:spcPts val="600"/>
+              </a:spcAft>
+            </a:pPr>
+            <a:r>
+              <a:rPr lang="en-US" dirty="0">
+                <a:solidFill>
+                  <a:schemeClr val="tx1"/>
+                </a:solidFill>
+              </a:rPr>
+              <a:t>Alejandro, Aaron, Brett, Sung, Adam</a:t>
+            </a:r>
+          </a:p>
+        </p:txBody>
+      </p:sp>
+    </p:spTree>
+    <p:extLst>
+      <p:ext uri="{BB962C8B-B14F-4D97-AF65-F5344CB8AC3E}">
+        <p14:creationId xmlns:p14="http://schemas.microsoft.com/office/powerpoint/2010/main" val="2165583497"/>
       </p:ext>
     </p:extLst>
   </p:cSld>
@@ -21486,24 +16476,6 @@
 </file>
 
 <file path=customXml/item1.xml><?xml version="1.0" encoding="utf-8"?>
-<p:properties xmlns:p="http://schemas.microsoft.com/office/2006/metadata/properties" xmlns:xsi="http://www.w3.org/2001/XMLSchema-instance" xmlns:pc="http://schemas.microsoft.com/office/infopath/2007/PartnerControls">
-  <documentManagement>
-    <Status xmlns="71af3243-3dd4-4a8d-8c0d-dd76da1f02a5">Not started</Status>
-    <MediaServiceKeyPoints xmlns="71af3243-3dd4-4a8d-8c0d-dd76da1f02a5" xsi:nil="true"/>
-  </documentManagement>
-</p:properties>
-</file>
-
-<file path=customXml/item2.xml><?xml version="1.0" encoding="utf-8"?>
-<?mso-contentType ?>
-<FormTemplates xmlns="http://schemas.microsoft.com/sharepoint/v3/contenttype/forms">
-  <Display>DocumentLibraryForm</Display>
-  <Edit>DocumentLibraryForm</Edit>
-  <New>DocumentLibraryForm</New>
-</FormTemplates>
-</file>
-
-<file path=customXml/item3.xml><?xml version="1.0" encoding="utf-8"?>
 <ct:contentTypeSchema xmlns:ct="http://schemas.microsoft.com/office/2006/metadata/contentType" xmlns:ma="http://schemas.microsoft.com/office/2006/metadata/properties/metaAttributes" ct:_="" ma:_="" ma:contentTypeName="Document" ma:contentTypeID="0x01010079F111ED35F8CC479449609E8A0923A6" ma:contentTypeVersion="12" ma:contentTypeDescription="Create a new document." ma:contentTypeScope="" ma:versionID="a410dd7f93c95333ffa1b60ed6adedd1">
   <xsd:schema xmlns:xsd="http://www.w3.org/2001/XMLSchema" xmlns:xs="http://www.w3.org/2001/XMLSchema" xmlns:p="http://schemas.microsoft.com/office/2006/metadata/properties" xmlns:ns2="71af3243-3dd4-4a8d-8c0d-dd76da1f02a5" xmlns:ns3="16c05727-aa75-4e4a-9b5f-8a80a1165891" targetNamespace="http://schemas.microsoft.com/office/2006/metadata/properties" ma:root="true" ma:fieldsID="a936d9baba76aa3866493feff160faab" ns2:_="" ns3:_="">
     <xsd:import namespace="71af3243-3dd4-4a8d-8c0d-dd76da1f02a5"/>
@@ -21724,25 +16696,25 @@
 </ct:contentTypeSchema>
 </file>
 
-<file path=customXml/itemProps1.xml><?xml version="1.0" encoding="utf-8"?>
-<ds:datastoreItem xmlns:ds="http://schemas.openxmlformats.org/officeDocument/2006/customXml" ds:itemID="{137651BA-F45C-4845-9AB3-E0A65B39F5E1}">
-  <ds:schemaRefs>
-    <ds:schemaRef ds:uri="http://schemas.microsoft.com/office/2006/metadata/properties"/>
-    <ds:schemaRef ds:uri="http://schemas.microsoft.com/office/infopath/2007/PartnerControls"/>
-    <ds:schemaRef ds:uri="71af3243-3dd4-4a8d-8c0d-dd76da1f02a5"/>
-  </ds:schemaRefs>
-</ds:datastoreItem>
+<file path=customXml/item2.xml><?xml version="1.0" encoding="utf-8"?>
+<p:properties xmlns:p="http://schemas.microsoft.com/office/2006/metadata/properties" xmlns:xsi="http://www.w3.org/2001/XMLSchema-instance" xmlns:pc="http://schemas.microsoft.com/office/infopath/2007/PartnerControls">
+  <documentManagement>
+    <Status xmlns="71af3243-3dd4-4a8d-8c0d-dd76da1f02a5">Not started</Status>
+    <MediaServiceKeyPoints xmlns="71af3243-3dd4-4a8d-8c0d-dd76da1f02a5" xsi:nil="true"/>
+  </documentManagement>
+</p:properties>
 </file>
 
-<file path=customXml/itemProps2.xml><?xml version="1.0" encoding="utf-8"?>
-<ds:datastoreItem xmlns:ds="http://schemas.openxmlformats.org/officeDocument/2006/customXml" ds:itemID="{CDB58277-F8DF-46FF-84EC-EF41B835E69F}">
-  <ds:schemaRefs>
-    <ds:schemaRef ds:uri="http://schemas.microsoft.com/sharepoint/v3/contenttype/forms"/>
-  </ds:schemaRefs>
-</ds:datastoreItem>
+<file path=customXml/item3.xml><?xml version="1.0" encoding="utf-8"?>
+<?mso-contentType ?>
+<FormTemplates xmlns="http://schemas.microsoft.com/sharepoint/v3/contenttype/forms">
+  <Display>DocumentLibraryForm</Display>
+  <Edit>DocumentLibraryForm</Edit>
+  <New>DocumentLibraryForm</New>
+</FormTemplates>
 </file>
 
-<file path=customXml/itemProps3.xml><?xml version="1.0" encoding="utf-8"?>
+<file path=customXml/itemProps1.xml><?xml version="1.0" encoding="utf-8"?>
 <ds:datastoreItem xmlns:ds="http://schemas.openxmlformats.org/officeDocument/2006/customXml" ds:itemID="{2D276E62-80A3-44DD-9BCC-97ED2B99B57F}">
   <ds:schemaRefs>
     <ds:schemaRef ds:uri="http://schemas.microsoft.com/office/2006/metadata/contentType"/>
@@ -21759,4 +16731,22 @@
     <ds:schemaRef ds:uri="http://schemas.microsoft.com/internal/obd"/>
   </ds:schemaRefs>
 </ds:datastoreItem>
+</file>
+
+<file path=customXml/itemProps2.xml><?xml version="1.0" encoding="utf-8"?>
+<ds:datastoreItem xmlns:ds="http://schemas.openxmlformats.org/officeDocument/2006/customXml" ds:itemID="{137651BA-F45C-4845-9AB3-E0A65B39F5E1}">
+  <ds:schemaRefs>
+    <ds:schemaRef ds:uri="http://schemas.microsoft.com/office/2006/metadata/properties"/>
+    <ds:schemaRef ds:uri="http://schemas.microsoft.com/office/infopath/2007/PartnerControls"/>
+    <ds:schemaRef ds:uri="71af3243-3dd4-4a8d-8c0d-dd76da1f02a5"/>
+  </ds:schemaRefs>
+</ds:datastoreItem>
+</file>
+
+<file path=customXml/itemProps3.xml><?xml version="1.0" encoding="utf-8"?>
+<ds:datastoreItem xmlns:ds="http://schemas.openxmlformats.org/officeDocument/2006/customXml" ds:itemID="{CDB58277-F8DF-46FF-84EC-EF41B835E69F}">
+  <ds:schemaRefs>
+    <ds:schemaRef ds:uri="http://schemas.microsoft.com/sharepoint/v3/contenttype/forms"/>
+  </ds:schemaRefs>
+</ds:datastoreItem>
 </file>
--- a/Nike_vs_Adidas.pptx
+++ b/Nike_vs_Adidas.pptx
@@ -3046,31 +3046,10 @@
     <dgm:pt modelId="{7C175B98-93F4-4D7C-BB95-1514AB879CD5}" type="pres">
       <dgm:prSet presAssocID="{40FC4FFE-8987-4A26-B7F4-8A516F18ADAE}" presName="iconRect" presStyleLbl="node1" presStyleIdx="0" presStyleCnt="3"/>
       <dgm:spPr>
-        <a:blipFill>
-          <a:blip xmlns:r="http://schemas.openxmlformats.org/officeDocument/2006/relationships" r:embed="rId1">
-            <a:extLst>
-              <a:ext uri="{28A0092B-C50C-407E-A947-70E740481C1C}">
-                <a14:useLocalDpi xmlns:a14="http://schemas.microsoft.com/office/drawing/2010/main" val="0"/>
-              </a:ext>
-              <a:ext uri="{96DAC541-7B7A-43D3-8B79-37D633B846F1}">
-                <asvg:svgBlip xmlns:asvg="http://schemas.microsoft.com/office/drawing/2016/SVG/main" r:embed="rId2"/>
-              </a:ext>
-            </a:extLst>
-          </a:blip>
-          <a:srcRect/>
-          <a:stretch>
-            <a:fillRect/>
-          </a:stretch>
-        </a:blipFill>
         <a:ln>
           <a:noFill/>
         </a:ln>
       </dgm:spPr>
-      <dgm:extLst>
-        <a:ext uri="{E40237B7-FDA0-4F09-8148-C483321AD2D9}">
-          <dgm14:cNvPr xmlns:dgm14="http://schemas.microsoft.com/office/drawing/2010/diagram" id="0" name="" descr="Bar graph with downward trend"/>
-        </a:ext>
-      </dgm:extLst>
     </dgm:pt>
     <dgm:pt modelId="{677A3090-5F01-43FD-9FA6-C0420AD80FD6}" type="pres">
       <dgm:prSet presAssocID="{40FC4FFE-8987-4A26-B7F4-8A516F18ADAE}" presName="spaceRect" presStyleCnt="0"/>
@@ -3101,13 +3080,13 @@
       <dgm:prSet presAssocID="{49225C73-1633-42F1-AB3B-7CB183E5F8B8}" presName="iconRect" presStyleLbl="node1" presStyleIdx="1" presStyleCnt="3"/>
       <dgm:spPr>
         <a:blipFill>
-          <a:blip xmlns:r="http://schemas.openxmlformats.org/officeDocument/2006/relationships" r:embed="rId3">
+          <a:blip xmlns:r="http://schemas.openxmlformats.org/officeDocument/2006/relationships" r:embed="rId1">
             <a:extLst>
               <a:ext uri="{28A0092B-C50C-407E-A947-70E740481C1C}">
                 <a14:useLocalDpi xmlns:a14="http://schemas.microsoft.com/office/drawing/2010/main" val="0"/>
               </a:ext>
               <a:ext uri="{96DAC541-7B7A-43D3-8B79-37D633B846F1}">
-                <asvg:svgBlip xmlns:asvg="http://schemas.microsoft.com/office/drawing/2016/SVG/main" r:embed="rId4"/>
+                <asvg:svgBlip xmlns:asvg="http://schemas.microsoft.com/office/drawing/2016/SVG/main" r:embed="rId2"/>
               </a:ext>
             </a:extLst>
           </a:blip>
@@ -3155,13 +3134,13 @@
       <dgm:prSet presAssocID="{1C383F32-22E8-4F62-A3E0-BDC3D5F48992}" presName="iconRect" presStyleLbl="node1" presStyleIdx="2" presStyleCnt="3"/>
       <dgm:spPr>
         <a:blipFill>
-          <a:blip xmlns:r="http://schemas.openxmlformats.org/officeDocument/2006/relationships" r:embed="rId5">
+          <a:blip xmlns:r="http://schemas.openxmlformats.org/officeDocument/2006/relationships" r:embed="rId3">
             <a:extLst>
               <a:ext uri="{28A0092B-C50C-407E-A947-70E740481C1C}">
                 <a14:useLocalDpi xmlns:a14="http://schemas.microsoft.com/office/drawing/2010/main" val="0"/>
               </a:ext>
               <a:ext uri="{96DAC541-7B7A-43D3-8B79-37D633B846F1}">
-                <asvg:svgBlip xmlns:asvg="http://schemas.microsoft.com/office/drawing/2016/SVG/main" r:embed="rId6"/>
+                <asvg:svgBlip xmlns:asvg="http://schemas.microsoft.com/office/drawing/2016/SVG/main" r:embed="rId4"/>
               </a:ext>
             </a:extLst>
           </a:blip>
@@ -3269,10 +3248,6 @@
             </a:lnSpc>
             <a:defRPr cap="all"/>
           </a:pPr>
-          <a:r>
-            <a:rPr lang="en-US" dirty="0" err="1"/>
-            <a:t>kaggle</a:t>
-          </a:r>
           <a:endParaRPr lang="en-US" dirty="0"/>
         </a:p>
       </dgm:t>
@@ -3317,42 +3292,6 @@
             <a:t>Remove bad data</a:t>
           </a:r>
         </a:p>
-        <a:p>
-          <a:pPr>
-            <a:lnSpc>
-              <a:spcPct val="100000"/>
-            </a:lnSpc>
-            <a:defRPr cap="all"/>
-          </a:pPr>
-          <a:r>
-            <a:rPr lang="en-US" dirty="0"/>
-            <a:t>- Missing price</a:t>
-          </a:r>
-        </a:p>
-        <a:p>
-          <a:pPr>
-            <a:lnSpc>
-              <a:spcPct val="100000"/>
-            </a:lnSpc>
-            <a:defRPr cap="all"/>
-          </a:pPr>
-          <a:r>
-            <a:rPr lang="en-US" dirty="0"/>
-            <a:t>- No ratings/reviews</a:t>
-          </a:r>
-        </a:p>
-        <a:p>
-          <a:pPr>
-            <a:lnSpc>
-              <a:spcPct val="100000"/>
-            </a:lnSpc>
-            <a:defRPr cap="all"/>
-          </a:pPr>
-          <a:r>
-            <a:rPr lang="en-US" dirty="0"/>
-            <a:t>- Dropped 600 of 3,200 rows</a:t>
-          </a:r>
-        </a:p>
       </dgm:t>
     </dgm:pt>
     <dgm:pt modelId="{1A0E2090-1D4F-438A-8766-B6030CE01ADD}" type="parTrans" cxnId="{A9154303-8225-4248-91DC-1B0156A35F07}">
@@ -3393,50 +3332,6 @@
           <a:r>
             <a:rPr lang="en-US" dirty="0"/>
             <a:t>Clean up columns</a:t>
-          </a:r>
-        </a:p>
-        <a:p>
-          <a:pPr>
-            <a:lnSpc>
-              <a:spcPct val="100000"/>
-            </a:lnSpc>
-            <a:defRPr cap="all"/>
-          </a:pPr>
-          <a:r>
-            <a:rPr lang="en-US" dirty="0"/>
-            <a:t>- </a:t>
-          </a:r>
-          <a:r>
-            <a:rPr lang="en-US" dirty="0" err="1"/>
-            <a:t>nike</a:t>
-          </a:r>
-          <a:r>
-            <a:rPr lang="en-US" dirty="0"/>
-            <a:t>/adidas column</a:t>
-          </a:r>
-        </a:p>
-        <a:p>
-          <a:pPr>
-            <a:lnSpc>
-              <a:spcPct val="100000"/>
-            </a:lnSpc>
-            <a:defRPr cap="all"/>
-          </a:pPr>
-          <a:r>
-            <a:rPr lang="en-US" dirty="0"/>
-            <a:t>- Gender column</a:t>
-          </a:r>
-        </a:p>
-        <a:p>
-          <a:pPr>
-            <a:lnSpc>
-              <a:spcPct val="100000"/>
-            </a:lnSpc>
-            <a:defRPr cap="all"/>
-          </a:pPr>
-          <a:r>
-            <a:rPr lang="en-US" dirty="0"/>
-            <a:t>- Price columns</a:t>
           </a:r>
         </a:p>
       </dgm:t>
@@ -3514,7 +3409,7 @@
       <dgm:spPr/>
     </dgm:pt>
     <dgm:pt modelId="{127117FB-F8A7-4A20-A8A7-EC686DDC76D0}" type="pres">
-      <dgm:prSet presAssocID="{40FC4FFE-8987-4A26-B7F4-8A516F18ADAE}" presName="textRect" presStyleLbl="revTx" presStyleIdx="0" presStyleCnt="3">
+      <dgm:prSet presAssocID="{40FC4FFE-8987-4A26-B7F4-8A516F18ADAE}" presName="textRect" presStyleLbl="revTx" presStyleIdx="0" presStyleCnt="3" custLinFactY="-238727" custLinFactNeighborX="4010" custLinFactNeighborY="-300000">
         <dgm:presLayoutVars>
           <dgm:chMax val="1"/>
           <dgm:chPref val="1"/>
@@ -3568,7 +3463,7 @@
       <dgm:spPr/>
     </dgm:pt>
     <dgm:pt modelId="{7E6FE37A-5DB0-4899-9FCB-0CE39BC185F8}" type="pres">
-      <dgm:prSet presAssocID="{49225C73-1633-42F1-AB3B-7CB183E5F8B8}" presName="textRect" presStyleLbl="revTx" presStyleIdx="1" presStyleCnt="3">
+      <dgm:prSet presAssocID="{49225C73-1633-42F1-AB3B-7CB183E5F8B8}" presName="textRect" presStyleLbl="revTx" presStyleIdx="1" presStyleCnt="3" custLinFactY="-200000" custLinFactNeighborX="2412" custLinFactNeighborY="-286196">
         <dgm:presLayoutVars>
           <dgm:chMax val="1"/>
           <dgm:chPref val="1"/>
@@ -3622,7 +3517,7 @@
       <dgm:spPr/>
     </dgm:pt>
     <dgm:pt modelId="{1AEDC777-00B3-41D7-9AE1-23D741E941C3}" type="pres">
-      <dgm:prSet presAssocID="{1C383F32-22E8-4F62-A3E0-BDC3D5F48992}" presName="textRect" presStyleLbl="revTx" presStyleIdx="2" presStyleCnt="3">
+      <dgm:prSet presAssocID="{1C383F32-22E8-4F62-A3E0-BDC3D5F48992}" presName="textRect" presStyleLbl="revTx" presStyleIdx="2" presStyleCnt="3" custLinFactY="-200000" custLinFactNeighborX="1194" custLinFactNeighborY="-226159">
         <dgm:presLayoutVars>
           <dgm:chMax val="1"/>
           <dgm:chPref val="1"/>
@@ -3738,7 +3633,7 @@
           </a:pPr>
           <a:r>
             <a:rPr lang="en-US" dirty="0"/>
-            <a:t>Sales volume</a:t>
+            <a:t>NO Sales Data</a:t>
           </a:r>
         </a:p>
       </dgm:t>
@@ -3780,27 +3675,7 @@
           </a:pPr>
           <a:r>
             <a:rPr lang="en-US" dirty="0"/>
-            <a:t>Nike &lt; adidas data size</a:t>
-          </a:r>
-        </a:p>
-        <a:p>
-          <a:pPr>
-            <a:lnSpc>
-              <a:spcPct val="100000"/>
-            </a:lnSpc>
-            <a:defRPr cap="all"/>
-          </a:pPr>
-          <a:r>
-            <a:rPr lang="en-US" dirty="0"/>
-            <a:t>155 </a:t>
-          </a:r>
-          <a:r>
-            <a:rPr lang="en-US" dirty="0" err="1"/>
-            <a:t>nike</a:t>
-          </a:r>
-          <a:r>
-            <a:rPr lang="en-US" dirty="0"/>
-            <a:t> rows</a:t>
+            <a:t>Data size &amp; scope</a:t>
           </a:r>
         </a:p>
       </dgm:t>
@@ -4091,6 +3966,938 @@
         <a:prstGeom prst="rect">
           <a:avLst/>
         </a:prstGeom>
+        <a:solidFill>
+          <a:schemeClr val="bg1">
+            <a:hueOff val="0"/>
+            <a:satOff val="0"/>
+            <a:lumOff val="0"/>
+            <a:alphaOff val="0"/>
+          </a:schemeClr>
+        </a:solidFill>
+        <a:ln w="12700" cap="flat" cmpd="sng" algn="ctr">
+          <a:noFill/>
+          <a:prstDash val="solid"/>
+        </a:ln>
+        <a:effectLst/>
+      </dsp:spPr>
+      <dsp:style>
+        <a:lnRef idx="2">
+          <a:scrgbClr r="0" g="0" b="0"/>
+        </a:lnRef>
+        <a:fillRef idx="1">
+          <a:scrgbClr r="0" g="0" b="0"/>
+        </a:fillRef>
+        <a:effectRef idx="0">
+          <a:scrgbClr r="0" g="0" b="0"/>
+        </a:effectRef>
+        <a:fontRef idx="minor">
+          <a:schemeClr val="lt1"/>
+        </a:fontRef>
+      </dsp:style>
+    </dsp:sp>
+    <dsp:sp modelId="{127117FB-F8A7-4A20-A8A7-EC686DDC76D0}">
+      <dsp:nvSpPr>
+        <dsp:cNvPr id="0" name=""/>
+        <dsp:cNvSpPr/>
+      </dsp:nvSpPr>
+      <dsp:spPr>
+        <a:xfrm>
+          <a:off x="35606" y="2695306"/>
+          <a:ext cx="2981250" cy="720000"/>
+        </a:xfrm>
+        <a:prstGeom prst="rect">
+          <a:avLst/>
+        </a:prstGeom>
+        <a:noFill/>
+        <a:ln>
+          <a:noFill/>
+        </a:ln>
+        <a:effectLst/>
+      </dsp:spPr>
+      <dsp:style>
+        <a:lnRef idx="0">
+          <a:scrgbClr r="0" g="0" b="0"/>
+        </a:lnRef>
+        <a:fillRef idx="0">
+          <a:scrgbClr r="0" g="0" b="0"/>
+        </a:fillRef>
+        <a:effectRef idx="0">
+          <a:scrgbClr r="0" g="0" b="0"/>
+        </a:effectRef>
+        <a:fontRef idx="minor"/>
+      </dsp:style>
+      <dsp:txBody>
+        <a:bodyPr spcFirstLastPara="0" vert="horz" wrap="square" lIns="0" tIns="0" rIns="0" bIns="0" numCol="1" spcCol="1270" anchor="t" anchorCtr="0">
+          <a:noAutofit/>
+        </a:bodyPr>
+        <a:lstStyle/>
+        <a:p>
+          <a:pPr marL="0" lvl="0" indent="0" algn="ctr" defTabSz="1022350">
+            <a:lnSpc>
+              <a:spcPct val="100000"/>
+            </a:lnSpc>
+            <a:spcBef>
+              <a:spcPct val="0"/>
+            </a:spcBef>
+            <a:spcAft>
+              <a:spcPct val="35000"/>
+            </a:spcAft>
+            <a:buNone/>
+            <a:defRPr cap="all"/>
+          </a:pPr>
+          <a:r>
+            <a:rPr lang="en-US" sz="2300" kern="1200" dirty="0"/>
+            <a:t>Discounting strategy</a:t>
+          </a:r>
+        </a:p>
+      </dsp:txBody>
+      <dsp:txXfrm>
+        <a:off x="35606" y="2695306"/>
+        <a:ext cx="2981250" cy="720000"/>
+      </dsp:txXfrm>
+    </dsp:sp>
+    <dsp:sp modelId="{BCD8CDD9-0C56-4401-ADB1-8B48DAB2C96F}">
+      <dsp:nvSpPr>
+        <dsp:cNvPr id="0" name=""/>
+        <dsp:cNvSpPr/>
+      </dsp:nvSpPr>
+      <dsp:spPr>
+        <a:xfrm>
+          <a:off x="4119918" y="310305"/>
+          <a:ext cx="1818562" cy="1818562"/>
+        </a:xfrm>
+        <a:prstGeom prst="ellipse">
+          <a:avLst/>
+        </a:prstGeom>
+        <a:solidFill>
+          <a:schemeClr val="accent3">
+            <a:hueOff val="0"/>
+            <a:satOff val="0"/>
+            <a:lumOff val="0"/>
+            <a:alphaOff val="0"/>
+          </a:schemeClr>
+        </a:solidFill>
+        <a:ln>
+          <a:noFill/>
+        </a:ln>
+        <a:effectLst/>
+      </dsp:spPr>
+      <dsp:style>
+        <a:lnRef idx="0">
+          <a:scrgbClr r="0" g="0" b="0"/>
+        </a:lnRef>
+        <a:fillRef idx="1">
+          <a:scrgbClr r="0" g="0" b="0"/>
+        </a:fillRef>
+        <a:effectRef idx="0">
+          <a:scrgbClr r="0" g="0" b="0"/>
+        </a:effectRef>
+        <a:fontRef idx="minor"/>
+      </dsp:style>
+    </dsp:sp>
+    <dsp:sp modelId="{DB4CA7C4-FCA1-4127-B20A-2A5C031A3CF4}">
+      <dsp:nvSpPr>
+        <dsp:cNvPr id="0" name=""/>
+        <dsp:cNvSpPr/>
+      </dsp:nvSpPr>
+      <dsp:spPr>
+        <a:xfrm>
+          <a:off x="4507481" y="697868"/>
+          <a:ext cx="1043437" cy="1043437"/>
+        </a:xfrm>
+        <a:prstGeom prst="rect">
+          <a:avLst/>
+        </a:prstGeom>
+        <a:blipFill>
+          <a:blip xmlns:r="http://schemas.openxmlformats.org/officeDocument/2006/relationships" r:embed="rId1">
+            <a:extLst>
+              <a:ext uri="{28A0092B-C50C-407E-A947-70E740481C1C}">
+                <a14:useLocalDpi xmlns:a14="http://schemas.microsoft.com/office/drawing/2010/main" val="0"/>
+              </a:ext>
+              <a:ext uri="{96DAC541-7B7A-43D3-8B79-37D633B846F1}">
+                <asvg:svgBlip xmlns:asvg="http://schemas.microsoft.com/office/drawing/2016/SVG/main" r:embed="rId2"/>
+              </a:ext>
+            </a:extLst>
+          </a:blip>
+          <a:srcRect/>
+          <a:stretch>
+            <a:fillRect/>
+          </a:stretch>
+        </a:blipFill>
+        <a:ln w="12700" cap="flat" cmpd="sng" algn="ctr">
+          <a:noFill/>
+          <a:prstDash val="solid"/>
+        </a:ln>
+        <a:effectLst/>
+      </dsp:spPr>
+      <dsp:style>
+        <a:lnRef idx="2">
+          <a:scrgbClr r="0" g="0" b="0"/>
+        </a:lnRef>
+        <a:fillRef idx="1">
+          <a:scrgbClr r="0" g="0" b="0"/>
+        </a:fillRef>
+        <a:effectRef idx="0">
+          <a:scrgbClr r="0" g="0" b="0"/>
+        </a:effectRef>
+        <a:fontRef idx="minor">
+          <a:schemeClr val="lt1"/>
+        </a:fontRef>
+      </dsp:style>
+    </dsp:sp>
+    <dsp:sp modelId="{7E6FE37A-5DB0-4899-9FCB-0CE39BC185F8}">
+      <dsp:nvSpPr>
+        <dsp:cNvPr id="0" name=""/>
+        <dsp:cNvSpPr/>
+      </dsp:nvSpPr>
+      <dsp:spPr>
+        <a:xfrm>
+          <a:off x="3538574" y="2695306"/>
+          <a:ext cx="2981250" cy="720000"/>
+        </a:xfrm>
+        <a:prstGeom prst="rect">
+          <a:avLst/>
+        </a:prstGeom>
+        <a:noFill/>
+        <a:ln>
+          <a:noFill/>
+        </a:ln>
+        <a:effectLst/>
+      </dsp:spPr>
+      <dsp:style>
+        <a:lnRef idx="0">
+          <a:scrgbClr r="0" g="0" b="0"/>
+        </a:lnRef>
+        <a:fillRef idx="0">
+          <a:scrgbClr r="0" g="0" b="0"/>
+        </a:fillRef>
+        <a:effectRef idx="0">
+          <a:scrgbClr r="0" g="0" b="0"/>
+        </a:effectRef>
+        <a:fontRef idx="minor"/>
+      </dsp:style>
+      <dsp:txBody>
+        <a:bodyPr spcFirstLastPara="0" vert="horz" wrap="square" lIns="0" tIns="0" rIns="0" bIns="0" numCol="1" spcCol="1270" anchor="t" anchorCtr="0">
+          <a:noAutofit/>
+        </a:bodyPr>
+        <a:lstStyle/>
+        <a:p>
+          <a:pPr marL="0" lvl="0" indent="0" algn="ctr" defTabSz="1022350">
+            <a:lnSpc>
+              <a:spcPct val="100000"/>
+            </a:lnSpc>
+            <a:spcBef>
+              <a:spcPct val="0"/>
+            </a:spcBef>
+            <a:spcAft>
+              <a:spcPct val="35000"/>
+            </a:spcAft>
+            <a:buNone/>
+            <a:defRPr cap="all"/>
+          </a:pPr>
+          <a:r>
+            <a:rPr lang="en-US" sz="2300" kern="1200" dirty="0"/>
+            <a:t>Customer reviews</a:t>
+          </a:r>
+        </a:p>
+      </dsp:txBody>
+      <dsp:txXfrm>
+        <a:off x="3538574" y="2695306"/>
+        <a:ext cx="2981250" cy="720000"/>
+      </dsp:txXfrm>
+    </dsp:sp>
+    <dsp:sp modelId="{FF93E135-77D6-48A0-8871-9BC93D705D06}">
+      <dsp:nvSpPr>
+        <dsp:cNvPr id="0" name=""/>
+        <dsp:cNvSpPr/>
+      </dsp:nvSpPr>
+      <dsp:spPr>
+        <a:xfrm>
+          <a:off x="7622887" y="310305"/>
+          <a:ext cx="1818562" cy="1818562"/>
+        </a:xfrm>
+        <a:prstGeom prst="ellipse">
+          <a:avLst/>
+        </a:prstGeom>
+        <a:solidFill>
+          <a:schemeClr val="accent4">
+            <a:hueOff val="0"/>
+            <a:satOff val="0"/>
+            <a:lumOff val="0"/>
+            <a:alphaOff val="0"/>
+          </a:schemeClr>
+        </a:solidFill>
+        <a:ln>
+          <a:noFill/>
+        </a:ln>
+        <a:effectLst/>
+      </dsp:spPr>
+      <dsp:style>
+        <a:lnRef idx="0">
+          <a:scrgbClr r="0" g="0" b="0"/>
+        </a:lnRef>
+        <a:fillRef idx="1">
+          <a:scrgbClr r="0" g="0" b="0"/>
+        </a:fillRef>
+        <a:effectRef idx="0">
+          <a:scrgbClr r="0" g="0" b="0"/>
+        </a:effectRef>
+        <a:fontRef idx="minor"/>
+      </dsp:style>
+    </dsp:sp>
+    <dsp:sp modelId="{39509775-983E-4110-B989-EE2CD6514BE0}">
+      <dsp:nvSpPr>
+        <dsp:cNvPr id="0" name=""/>
+        <dsp:cNvSpPr/>
+      </dsp:nvSpPr>
+      <dsp:spPr>
+        <a:xfrm>
+          <a:off x="8010450" y="697868"/>
+          <a:ext cx="1043437" cy="1043437"/>
+        </a:xfrm>
+        <a:prstGeom prst="rect">
+          <a:avLst/>
+        </a:prstGeom>
+        <a:blipFill>
+          <a:blip xmlns:r="http://schemas.openxmlformats.org/officeDocument/2006/relationships" r:embed="rId3">
+            <a:extLst>
+              <a:ext uri="{28A0092B-C50C-407E-A947-70E740481C1C}">
+                <a14:useLocalDpi xmlns:a14="http://schemas.microsoft.com/office/drawing/2010/main" val="0"/>
+              </a:ext>
+              <a:ext uri="{96DAC541-7B7A-43D3-8B79-37D633B846F1}">
+                <asvg:svgBlip xmlns:asvg="http://schemas.microsoft.com/office/drawing/2016/SVG/main" r:embed="rId4"/>
+              </a:ext>
+            </a:extLst>
+          </a:blip>
+          <a:srcRect/>
+          <a:stretch>
+            <a:fillRect/>
+          </a:stretch>
+        </a:blipFill>
+        <a:ln w="12700" cap="flat" cmpd="sng" algn="ctr">
+          <a:noFill/>
+          <a:prstDash val="solid"/>
+        </a:ln>
+        <a:effectLst/>
+      </dsp:spPr>
+      <dsp:style>
+        <a:lnRef idx="2">
+          <a:scrgbClr r="0" g="0" b="0"/>
+        </a:lnRef>
+        <a:fillRef idx="1">
+          <a:scrgbClr r="0" g="0" b="0"/>
+        </a:fillRef>
+        <a:effectRef idx="0">
+          <a:scrgbClr r="0" g="0" b="0"/>
+        </a:effectRef>
+        <a:fontRef idx="minor">
+          <a:schemeClr val="lt1"/>
+        </a:fontRef>
+      </dsp:style>
+    </dsp:sp>
+    <dsp:sp modelId="{1AEDC777-00B3-41D7-9AE1-23D741E941C3}">
+      <dsp:nvSpPr>
+        <dsp:cNvPr id="0" name=""/>
+        <dsp:cNvSpPr/>
+      </dsp:nvSpPr>
+      <dsp:spPr>
+        <a:xfrm>
+          <a:off x="7041543" y="2695306"/>
+          <a:ext cx="2981250" cy="720000"/>
+        </a:xfrm>
+        <a:prstGeom prst="rect">
+          <a:avLst/>
+        </a:prstGeom>
+        <a:noFill/>
+        <a:ln>
+          <a:noFill/>
+        </a:ln>
+        <a:effectLst/>
+      </dsp:spPr>
+      <dsp:style>
+        <a:lnRef idx="0">
+          <a:scrgbClr r="0" g="0" b="0"/>
+        </a:lnRef>
+        <a:fillRef idx="0">
+          <a:scrgbClr r="0" g="0" b="0"/>
+        </a:fillRef>
+        <a:effectRef idx="0">
+          <a:scrgbClr r="0" g="0" b="0"/>
+        </a:effectRef>
+        <a:fontRef idx="minor"/>
+      </dsp:style>
+      <dsp:txBody>
+        <a:bodyPr spcFirstLastPara="0" vert="horz" wrap="square" lIns="0" tIns="0" rIns="0" bIns="0" numCol="1" spcCol="1270" anchor="t" anchorCtr="0">
+          <a:noAutofit/>
+        </a:bodyPr>
+        <a:lstStyle/>
+        <a:p>
+          <a:pPr marL="0" lvl="0" indent="0" algn="ctr" defTabSz="1022350">
+            <a:lnSpc>
+              <a:spcPct val="100000"/>
+            </a:lnSpc>
+            <a:spcBef>
+              <a:spcPct val="0"/>
+            </a:spcBef>
+            <a:spcAft>
+              <a:spcPct val="35000"/>
+            </a:spcAft>
+            <a:buNone/>
+            <a:defRPr cap="all"/>
+          </a:pPr>
+          <a:r>
+            <a:rPr lang="en-US" sz="2300" kern="1200" dirty="0"/>
+            <a:t>Customer ratings</a:t>
+          </a:r>
+        </a:p>
+      </dsp:txBody>
+      <dsp:txXfrm>
+        <a:off x="7041543" y="2695306"/>
+        <a:ext cx="2981250" cy="720000"/>
+      </dsp:txXfrm>
+    </dsp:sp>
+  </dsp:spTree>
+</dsp:drawing>
+</file>
+
+<file path=ppt/diagrams/drawing2.xml><?xml version="1.0" encoding="utf-8"?>
+<dsp:drawing xmlns:dgm="http://schemas.openxmlformats.org/drawingml/2006/diagram" xmlns:dsp="http://schemas.microsoft.com/office/drawing/2008/diagram" xmlns:a="http://schemas.openxmlformats.org/drawingml/2006/main">
+  <dsp:spTree>
+    <dsp:nvGrpSpPr>
+      <dsp:cNvPr id="0" name=""/>
+      <dsp:cNvGrpSpPr/>
+    </dsp:nvGrpSpPr>
+    <dsp:grpSpPr/>
+    <dsp:sp modelId="{B59FCF02-CAD2-4D6F-9542-AD86711168CA}">
+      <dsp:nvSpPr>
+        <dsp:cNvPr id="0" name=""/>
+        <dsp:cNvSpPr/>
+      </dsp:nvSpPr>
+      <dsp:spPr>
+        <a:xfrm>
+          <a:off x="616949" y="310305"/>
+          <a:ext cx="1818562" cy="1818562"/>
+        </a:xfrm>
+        <a:prstGeom prst="ellipse">
+          <a:avLst/>
+        </a:prstGeom>
+        <a:solidFill>
+          <a:schemeClr val="accent2">
+            <a:hueOff val="0"/>
+            <a:satOff val="0"/>
+            <a:lumOff val="0"/>
+            <a:alphaOff val="0"/>
+          </a:schemeClr>
+        </a:solidFill>
+        <a:ln>
+          <a:noFill/>
+        </a:ln>
+        <a:effectLst/>
+      </dsp:spPr>
+      <dsp:style>
+        <a:lnRef idx="0">
+          <a:scrgbClr r="0" g="0" b="0"/>
+        </a:lnRef>
+        <a:fillRef idx="1">
+          <a:scrgbClr r="0" g="0" b="0"/>
+        </a:fillRef>
+        <a:effectRef idx="0">
+          <a:scrgbClr r="0" g="0" b="0"/>
+        </a:effectRef>
+        <a:fontRef idx="minor"/>
+      </dsp:style>
+    </dsp:sp>
+    <dsp:sp modelId="{7C175B98-93F4-4D7C-BB95-1514AB879CD5}">
+      <dsp:nvSpPr>
+        <dsp:cNvPr id="0" name=""/>
+        <dsp:cNvSpPr/>
+      </dsp:nvSpPr>
+      <dsp:spPr>
+        <a:xfrm>
+          <a:off x="1004512" y="697868"/>
+          <a:ext cx="1043437" cy="1043437"/>
+        </a:xfrm>
+        <a:prstGeom prst="rect">
+          <a:avLst/>
+        </a:prstGeom>
+        <a:blipFill>
+          <a:blip xmlns:r="http://schemas.openxmlformats.org/officeDocument/2006/relationships" r:embed="rId1">
+            <a:extLst>
+              <a:ext uri="{28A0092B-C50C-407E-A947-70E740481C1C}">
+                <a14:useLocalDpi xmlns:a14="http://schemas.microsoft.com/office/drawing/2010/main" val="0"/>
+              </a:ext>
+              <a:ext uri="{96DAC541-7B7A-43D3-8B79-37D633B846F1}">
+                <asvg:svgBlip xmlns:asvg="http://schemas.microsoft.com/office/drawing/2016/SVG/main" r:embed="rId2"/>
+              </a:ext>
+            </a:extLst>
+          </a:blip>
+          <a:srcRect/>
+          <a:stretch>
+            <a:fillRect/>
+          </a:stretch>
+        </a:blipFill>
+        <a:ln w="12700" cap="flat" cmpd="sng" algn="ctr">
+          <a:noFill/>
+          <a:prstDash val="solid"/>
+        </a:ln>
+        <a:effectLst/>
+      </dsp:spPr>
+      <dsp:style>
+        <a:lnRef idx="2">
+          <a:scrgbClr r="0" g="0" b="0"/>
+        </a:lnRef>
+        <a:fillRef idx="1">
+          <a:scrgbClr r="0" g="0" b="0"/>
+        </a:fillRef>
+        <a:effectRef idx="0">
+          <a:scrgbClr r="0" g="0" b="0"/>
+        </a:effectRef>
+        <a:fontRef idx="minor">
+          <a:schemeClr val="lt1"/>
+        </a:fontRef>
+      </dsp:style>
+    </dsp:sp>
+    <dsp:sp modelId="{127117FB-F8A7-4A20-A8A7-EC686DDC76D0}">
+      <dsp:nvSpPr>
+        <dsp:cNvPr id="0" name=""/>
+        <dsp:cNvSpPr/>
+      </dsp:nvSpPr>
+      <dsp:spPr>
+        <a:xfrm>
+          <a:off x="155154" y="0"/>
+          <a:ext cx="2981250" cy="720000"/>
+        </a:xfrm>
+        <a:prstGeom prst="rect">
+          <a:avLst/>
+        </a:prstGeom>
+        <a:noFill/>
+        <a:ln>
+          <a:noFill/>
+        </a:ln>
+        <a:effectLst/>
+      </dsp:spPr>
+      <dsp:style>
+        <a:lnRef idx="0">
+          <a:scrgbClr r="0" g="0" b="0"/>
+        </a:lnRef>
+        <a:fillRef idx="0">
+          <a:scrgbClr r="0" g="0" b="0"/>
+        </a:fillRef>
+        <a:effectRef idx="0">
+          <a:scrgbClr r="0" g="0" b="0"/>
+        </a:effectRef>
+        <a:fontRef idx="minor"/>
+      </dsp:style>
+      <dsp:txBody>
+        <a:bodyPr spcFirstLastPara="0" vert="horz" wrap="square" lIns="0" tIns="0" rIns="0" bIns="0" numCol="1" spcCol="1270" anchor="t" anchorCtr="0">
+          <a:noAutofit/>
+        </a:bodyPr>
+        <a:lstStyle/>
+        <a:p>
+          <a:pPr marL="0" lvl="0" indent="0" algn="ctr" defTabSz="844550">
+            <a:lnSpc>
+              <a:spcPct val="100000"/>
+            </a:lnSpc>
+            <a:spcBef>
+              <a:spcPct val="0"/>
+            </a:spcBef>
+            <a:spcAft>
+              <a:spcPct val="35000"/>
+            </a:spcAft>
+            <a:buNone/>
+            <a:defRPr cap="all"/>
+          </a:pPr>
+          <a:r>
+            <a:rPr lang="en-US" sz="1900" kern="1200" dirty="0"/>
+            <a:t>Original data source</a:t>
+          </a:r>
+        </a:p>
+        <a:p>
+          <a:pPr marL="0" lvl="0" indent="0" algn="ctr" defTabSz="844550">
+            <a:lnSpc>
+              <a:spcPct val="100000"/>
+            </a:lnSpc>
+            <a:spcBef>
+              <a:spcPct val="0"/>
+            </a:spcBef>
+            <a:spcAft>
+              <a:spcPct val="35000"/>
+            </a:spcAft>
+            <a:buNone/>
+            <a:defRPr cap="all"/>
+          </a:pPr>
+          <a:endParaRPr lang="en-US" sz="1900" kern="1200" dirty="0"/>
+        </a:p>
+      </dsp:txBody>
+      <dsp:txXfrm>
+        <a:off x="155154" y="0"/>
+        <a:ext cx="2981250" cy="720000"/>
+      </dsp:txXfrm>
+    </dsp:sp>
+    <dsp:sp modelId="{BCD8CDD9-0C56-4401-ADB1-8B48DAB2C96F}">
+      <dsp:nvSpPr>
+        <dsp:cNvPr id="0" name=""/>
+        <dsp:cNvSpPr/>
+      </dsp:nvSpPr>
+      <dsp:spPr>
+        <a:xfrm>
+          <a:off x="4119918" y="310305"/>
+          <a:ext cx="1818562" cy="1818562"/>
+        </a:xfrm>
+        <a:prstGeom prst="ellipse">
+          <a:avLst/>
+        </a:prstGeom>
+        <a:solidFill>
+          <a:schemeClr val="accent3">
+            <a:hueOff val="0"/>
+            <a:satOff val="0"/>
+            <a:lumOff val="0"/>
+            <a:alphaOff val="0"/>
+          </a:schemeClr>
+        </a:solidFill>
+        <a:ln>
+          <a:noFill/>
+        </a:ln>
+        <a:effectLst/>
+      </dsp:spPr>
+      <dsp:style>
+        <a:lnRef idx="0">
+          <a:scrgbClr r="0" g="0" b="0"/>
+        </a:lnRef>
+        <a:fillRef idx="1">
+          <a:scrgbClr r="0" g="0" b="0"/>
+        </a:fillRef>
+        <a:effectRef idx="0">
+          <a:scrgbClr r="0" g="0" b="0"/>
+        </a:effectRef>
+        <a:fontRef idx="minor"/>
+      </dsp:style>
+    </dsp:sp>
+    <dsp:sp modelId="{DB4CA7C4-FCA1-4127-B20A-2A5C031A3CF4}">
+      <dsp:nvSpPr>
+        <dsp:cNvPr id="0" name=""/>
+        <dsp:cNvSpPr/>
+      </dsp:nvSpPr>
+      <dsp:spPr>
+        <a:xfrm>
+          <a:off x="4507481" y="697868"/>
+          <a:ext cx="1043437" cy="1043437"/>
+        </a:xfrm>
+        <a:prstGeom prst="rect">
+          <a:avLst/>
+        </a:prstGeom>
+        <a:blipFill>
+          <a:blip xmlns:r="http://schemas.openxmlformats.org/officeDocument/2006/relationships" r:embed="rId3">
+            <a:extLst>
+              <a:ext uri="{28A0092B-C50C-407E-A947-70E740481C1C}">
+                <a14:useLocalDpi xmlns:a14="http://schemas.microsoft.com/office/drawing/2010/main" val="0"/>
+              </a:ext>
+              <a:ext uri="{96DAC541-7B7A-43D3-8B79-37D633B846F1}">
+                <asvg:svgBlip xmlns:asvg="http://schemas.microsoft.com/office/drawing/2016/SVG/main" r:embed="rId4"/>
+              </a:ext>
+            </a:extLst>
+          </a:blip>
+          <a:srcRect/>
+          <a:stretch>
+            <a:fillRect/>
+          </a:stretch>
+        </a:blipFill>
+        <a:ln w="12700" cap="flat" cmpd="sng" algn="ctr">
+          <a:noFill/>
+          <a:prstDash val="solid"/>
+        </a:ln>
+        <a:effectLst/>
+      </dsp:spPr>
+      <dsp:style>
+        <a:lnRef idx="2">
+          <a:scrgbClr r="0" g="0" b="0"/>
+        </a:lnRef>
+        <a:fillRef idx="1">
+          <a:scrgbClr r="0" g="0" b="0"/>
+        </a:fillRef>
+        <a:effectRef idx="0">
+          <a:scrgbClr r="0" g="0" b="0"/>
+        </a:effectRef>
+        <a:fontRef idx="minor">
+          <a:schemeClr val="lt1"/>
+        </a:fontRef>
+      </dsp:style>
+    </dsp:sp>
+    <dsp:sp modelId="{7E6FE37A-5DB0-4899-9FCB-0CE39BC185F8}">
+      <dsp:nvSpPr>
+        <dsp:cNvPr id="0" name=""/>
+        <dsp:cNvSpPr/>
+      </dsp:nvSpPr>
+      <dsp:spPr>
+        <a:xfrm>
+          <a:off x="3610482" y="0"/>
+          <a:ext cx="2981250" cy="720000"/>
+        </a:xfrm>
+        <a:prstGeom prst="rect">
+          <a:avLst/>
+        </a:prstGeom>
+        <a:noFill/>
+        <a:ln>
+          <a:noFill/>
+        </a:ln>
+        <a:effectLst/>
+      </dsp:spPr>
+      <dsp:style>
+        <a:lnRef idx="0">
+          <a:scrgbClr r="0" g="0" b="0"/>
+        </a:lnRef>
+        <a:fillRef idx="0">
+          <a:scrgbClr r="0" g="0" b="0"/>
+        </a:fillRef>
+        <a:effectRef idx="0">
+          <a:scrgbClr r="0" g="0" b="0"/>
+        </a:effectRef>
+        <a:fontRef idx="minor"/>
+      </dsp:style>
+      <dsp:txBody>
+        <a:bodyPr spcFirstLastPara="0" vert="horz" wrap="square" lIns="0" tIns="0" rIns="0" bIns="0" numCol="1" spcCol="1270" anchor="t" anchorCtr="0">
+          <a:noAutofit/>
+        </a:bodyPr>
+        <a:lstStyle/>
+        <a:p>
+          <a:pPr marL="0" lvl="0" indent="0" algn="ctr" defTabSz="844550">
+            <a:lnSpc>
+              <a:spcPct val="100000"/>
+            </a:lnSpc>
+            <a:spcBef>
+              <a:spcPct val="0"/>
+            </a:spcBef>
+            <a:spcAft>
+              <a:spcPct val="35000"/>
+            </a:spcAft>
+            <a:buNone/>
+            <a:defRPr cap="all"/>
+          </a:pPr>
+          <a:r>
+            <a:rPr lang="en-US" sz="1900" kern="1200" dirty="0"/>
+            <a:t>Remove bad data</a:t>
+          </a:r>
+        </a:p>
+      </dsp:txBody>
+      <dsp:txXfrm>
+        <a:off x="3610482" y="0"/>
+        <a:ext cx="2981250" cy="720000"/>
+      </dsp:txXfrm>
+    </dsp:sp>
+    <dsp:sp modelId="{FF93E135-77D6-48A0-8871-9BC93D705D06}">
+      <dsp:nvSpPr>
+        <dsp:cNvPr id="0" name=""/>
+        <dsp:cNvSpPr/>
+      </dsp:nvSpPr>
+      <dsp:spPr>
+        <a:xfrm>
+          <a:off x="7622887" y="310305"/>
+          <a:ext cx="1818562" cy="1818562"/>
+        </a:xfrm>
+        <a:prstGeom prst="ellipse">
+          <a:avLst/>
+        </a:prstGeom>
+        <a:solidFill>
+          <a:schemeClr val="accent4">
+            <a:hueOff val="0"/>
+            <a:satOff val="0"/>
+            <a:lumOff val="0"/>
+            <a:alphaOff val="0"/>
+          </a:schemeClr>
+        </a:solidFill>
+        <a:ln>
+          <a:noFill/>
+        </a:ln>
+        <a:effectLst/>
+      </dsp:spPr>
+      <dsp:style>
+        <a:lnRef idx="0">
+          <a:scrgbClr r="0" g="0" b="0"/>
+        </a:lnRef>
+        <a:fillRef idx="1">
+          <a:scrgbClr r="0" g="0" b="0"/>
+        </a:fillRef>
+        <a:effectRef idx="0">
+          <a:scrgbClr r="0" g="0" b="0"/>
+        </a:effectRef>
+        <a:fontRef idx="minor"/>
+      </dsp:style>
+    </dsp:sp>
+    <dsp:sp modelId="{39509775-983E-4110-B989-EE2CD6514BE0}">
+      <dsp:nvSpPr>
+        <dsp:cNvPr id="0" name=""/>
+        <dsp:cNvSpPr/>
+      </dsp:nvSpPr>
+      <dsp:spPr>
+        <a:xfrm>
+          <a:off x="8010450" y="697868"/>
+          <a:ext cx="1043437" cy="1043437"/>
+        </a:xfrm>
+        <a:prstGeom prst="rect">
+          <a:avLst/>
+        </a:prstGeom>
+        <a:blipFill>
+          <a:blip xmlns:r="http://schemas.openxmlformats.org/officeDocument/2006/relationships" r:embed="rId5">
+            <a:extLst>
+              <a:ext uri="{28A0092B-C50C-407E-A947-70E740481C1C}">
+                <a14:useLocalDpi xmlns:a14="http://schemas.microsoft.com/office/drawing/2010/main" val="0"/>
+              </a:ext>
+              <a:ext uri="{96DAC541-7B7A-43D3-8B79-37D633B846F1}">
+                <asvg:svgBlip xmlns:asvg="http://schemas.microsoft.com/office/drawing/2016/SVG/main" r:embed="rId6"/>
+              </a:ext>
+            </a:extLst>
+          </a:blip>
+          <a:srcRect/>
+          <a:stretch>
+            <a:fillRect/>
+          </a:stretch>
+        </a:blipFill>
+        <a:ln w="12700" cap="flat" cmpd="sng" algn="ctr">
+          <a:noFill/>
+          <a:prstDash val="solid"/>
+        </a:ln>
+        <a:effectLst/>
+      </dsp:spPr>
+      <dsp:style>
+        <a:lnRef idx="2">
+          <a:scrgbClr r="0" g="0" b="0"/>
+        </a:lnRef>
+        <a:fillRef idx="1">
+          <a:scrgbClr r="0" g="0" b="0"/>
+        </a:fillRef>
+        <a:effectRef idx="0">
+          <a:scrgbClr r="0" g="0" b="0"/>
+        </a:effectRef>
+        <a:fontRef idx="minor">
+          <a:schemeClr val="lt1"/>
+        </a:fontRef>
+      </dsp:style>
+    </dsp:sp>
+    <dsp:sp modelId="{1AEDC777-00B3-41D7-9AE1-23D741E941C3}">
+      <dsp:nvSpPr>
+        <dsp:cNvPr id="0" name=""/>
+        <dsp:cNvSpPr/>
+      </dsp:nvSpPr>
+      <dsp:spPr>
+        <a:xfrm>
+          <a:off x="7077139" y="0"/>
+          <a:ext cx="2981250" cy="720000"/>
+        </a:xfrm>
+        <a:prstGeom prst="rect">
+          <a:avLst/>
+        </a:prstGeom>
+        <a:noFill/>
+        <a:ln>
+          <a:noFill/>
+        </a:ln>
+        <a:effectLst/>
+      </dsp:spPr>
+      <dsp:style>
+        <a:lnRef idx="0">
+          <a:scrgbClr r="0" g="0" b="0"/>
+        </a:lnRef>
+        <a:fillRef idx="0">
+          <a:scrgbClr r="0" g="0" b="0"/>
+        </a:fillRef>
+        <a:effectRef idx="0">
+          <a:scrgbClr r="0" g="0" b="0"/>
+        </a:effectRef>
+        <a:fontRef idx="minor"/>
+      </dsp:style>
+      <dsp:txBody>
+        <a:bodyPr spcFirstLastPara="0" vert="horz" wrap="square" lIns="0" tIns="0" rIns="0" bIns="0" numCol="1" spcCol="1270" anchor="t" anchorCtr="0">
+          <a:noAutofit/>
+        </a:bodyPr>
+        <a:lstStyle/>
+        <a:p>
+          <a:pPr marL="0" lvl="0" indent="0" algn="ctr" defTabSz="844550">
+            <a:lnSpc>
+              <a:spcPct val="100000"/>
+            </a:lnSpc>
+            <a:spcBef>
+              <a:spcPct val="0"/>
+            </a:spcBef>
+            <a:spcAft>
+              <a:spcPct val="35000"/>
+            </a:spcAft>
+            <a:buNone/>
+            <a:defRPr cap="all"/>
+          </a:pPr>
+          <a:r>
+            <a:rPr lang="en-US" sz="1900" kern="1200" dirty="0"/>
+            <a:t>Clean up columns</a:t>
+          </a:r>
+        </a:p>
+      </dsp:txBody>
+      <dsp:txXfrm>
+        <a:off x="7077139" y="0"/>
+        <a:ext cx="2981250" cy="720000"/>
+      </dsp:txXfrm>
+    </dsp:sp>
+  </dsp:spTree>
+</dsp:drawing>
+</file>
+
+<file path=ppt/diagrams/drawing3.xml><?xml version="1.0" encoding="utf-8"?>
+<dsp:drawing xmlns:dgm="http://schemas.openxmlformats.org/drawingml/2006/diagram" xmlns:dsp="http://schemas.microsoft.com/office/drawing/2008/diagram" xmlns:a="http://schemas.openxmlformats.org/drawingml/2006/main">
+  <dsp:spTree>
+    <dsp:nvGrpSpPr>
+      <dsp:cNvPr id="0" name=""/>
+      <dsp:cNvGrpSpPr/>
+    </dsp:nvGrpSpPr>
+    <dsp:grpSpPr/>
+    <dsp:sp modelId="{B59FCF02-CAD2-4D6F-9542-AD86711168CA}">
+      <dsp:nvSpPr>
+        <dsp:cNvPr id="0" name=""/>
+        <dsp:cNvSpPr/>
+      </dsp:nvSpPr>
+      <dsp:spPr>
+        <a:xfrm>
+          <a:off x="616949" y="310305"/>
+          <a:ext cx="1818562" cy="1818562"/>
+        </a:xfrm>
+        <a:prstGeom prst="ellipse">
+          <a:avLst/>
+        </a:prstGeom>
+        <a:solidFill>
+          <a:schemeClr val="accent2">
+            <a:hueOff val="0"/>
+            <a:satOff val="0"/>
+            <a:lumOff val="0"/>
+            <a:alphaOff val="0"/>
+          </a:schemeClr>
+        </a:solidFill>
+        <a:ln>
+          <a:noFill/>
+        </a:ln>
+        <a:effectLst/>
+      </dsp:spPr>
+      <dsp:style>
+        <a:lnRef idx="0">
+          <a:scrgbClr r="0" g="0" b="0"/>
+        </a:lnRef>
+        <a:fillRef idx="1">
+          <a:scrgbClr r="0" g="0" b="0"/>
+        </a:fillRef>
+        <a:effectRef idx="0">
+          <a:scrgbClr r="0" g="0" b="0"/>
+        </a:effectRef>
+        <a:fontRef idx="minor"/>
+      </dsp:style>
+    </dsp:sp>
+    <dsp:sp modelId="{7C175B98-93F4-4D7C-BB95-1514AB879CD5}">
+      <dsp:nvSpPr>
+        <dsp:cNvPr id="0" name=""/>
+        <dsp:cNvSpPr/>
+      </dsp:nvSpPr>
+      <dsp:spPr>
+        <a:xfrm>
+          <a:off x="1004512" y="697868"/>
+          <a:ext cx="1043437" cy="1043437"/>
+        </a:xfrm>
+        <a:prstGeom prst="rect">
+          <a:avLst/>
+        </a:prstGeom>
         <a:blipFill>
           <a:blip xmlns:r="http://schemas.openxmlformats.org/officeDocument/2006/relationships" r:embed="rId1">
             <a:extLst>
@@ -4180,7 +4987,7 @@
           </a:pPr>
           <a:r>
             <a:rPr lang="en-US" sz="2300" kern="1200" dirty="0"/>
-            <a:t>Discounting strategy</a:t>
+            <a:t>Product category</a:t>
           </a:r>
         </a:p>
       </dsp:txBody>
@@ -4330,7 +5137,7 @@
           </a:pPr>
           <a:r>
             <a:rPr lang="en-US" sz="2300" kern="1200" dirty="0"/>
-            <a:t>Customer reviews</a:t>
+            <a:t>NO Sales Data</a:t>
           </a:r>
         </a:p>
       </dsp:txBody>
@@ -4480,1100 +5287,7 @@
           </a:pPr>
           <a:r>
             <a:rPr lang="en-US" sz="2300" kern="1200" dirty="0"/>
-            <a:t>Customer ratings</a:t>
-          </a:r>
-        </a:p>
-      </dsp:txBody>
-      <dsp:txXfrm>
-        <a:off x="7041543" y="2695306"/>
-        <a:ext cx="2981250" cy="720000"/>
-      </dsp:txXfrm>
-    </dsp:sp>
-  </dsp:spTree>
-</dsp:drawing>
-</file>
-
-<file path=ppt/diagrams/drawing2.xml><?xml version="1.0" encoding="utf-8"?>
-<dsp:drawing xmlns:dgm="http://schemas.openxmlformats.org/drawingml/2006/diagram" xmlns:dsp="http://schemas.microsoft.com/office/drawing/2008/diagram" xmlns:a="http://schemas.openxmlformats.org/drawingml/2006/main">
-  <dsp:spTree>
-    <dsp:nvGrpSpPr>
-      <dsp:cNvPr id="0" name=""/>
-      <dsp:cNvGrpSpPr/>
-    </dsp:nvGrpSpPr>
-    <dsp:grpSpPr/>
-    <dsp:sp modelId="{B59FCF02-CAD2-4D6F-9542-AD86711168CA}">
-      <dsp:nvSpPr>
-        <dsp:cNvPr id="0" name=""/>
-        <dsp:cNvSpPr/>
-      </dsp:nvSpPr>
-      <dsp:spPr>
-        <a:xfrm>
-          <a:off x="616949" y="231555"/>
-          <a:ext cx="1818562" cy="1818562"/>
-        </a:xfrm>
-        <a:prstGeom prst="ellipse">
-          <a:avLst/>
-        </a:prstGeom>
-        <a:solidFill>
-          <a:schemeClr val="accent2">
-            <a:hueOff val="0"/>
-            <a:satOff val="0"/>
-            <a:lumOff val="0"/>
-            <a:alphaOff val="0"/>
-          </a:schemeClr>
-        </a:solidFill>
-        <a:ln>
-          <a:noFill/>
-        </a:ln>
-        <a:effectLst/>
-      </dsp:spPr>
-      <dsp:style>
-        <a:lnRef idx="0">
-          <a:scrgbClr r="0" g="0" b="0"/>
-        </a:lnRef>
-        <a:fillRef idx="1">
-          <a:scrgbClr r="0" g="0" b="0"/>
-        </a:fillRef>
-        <a:effectRef idx="0">
-          <a:scrgbClr r="0" g="0" b="0"/>
-        </a:effectRef>
-        <a:fontRef idx="minor"/>
-      </dsp:style>
-    </dsp:sp>
-    <dsp:sp modelId="{7C175B98-93F4-4D7C-BB95-1514AB879CD5}">
-      <dsp:nvSpPr>
-        <dsp:cNvPr id="0" name=""/>
-        <dsp:cNvSpPr/>
-      </dsp:nvSpPr>
-      <dsp:spPr>
-        <a:xfrm>
-          <a:off x="1004512" y="619118"/>
-          <a:ext cx="1043437" cy="1043437"/>
-        </a:xfrm>
-        <a:prstGeom prst="rect">
-          <a:avLst/>
-        </a:prstGeom>
-        <a:blipFill>
-          <a:blip xmlns:r="http://schemas.openxmlformats.org/officeDocument/2006/relationships" r:embed="rId1">
-            <a:extLst>
-              <a:ext uri="{28A0092B-C50C-407E-A947-70E740481C1C}">
-                <a14:useLocalDpi xmlns:a14="http://schemas.microsoft.com/office/drawing/2010/main" val="0"/>
-              </a:ext>
-              <a:ext uri="{96DAC541-7B7A-43D3-8B79-37D633B846F1}">
-                <asvg:svgBlip xmlns:asvg="http://schemas.microsoft.com/office/drawing/2016/SVG/main" r:embed="rId2"/>
-              </a:ext>
-            </a:extLst>
-          </a:blip>
-          <a:srcRect/>
-          <a:stretch>
-            <a:fillRect/>
-          </a:stretch>
-        </a:blipFill>
-        <a:ln w="12700" cap="flat" cmpd="sng" algn="ctr">
-          <a:noFill/>
-          <a:prstDash val="solid"/>
-        </a:ln>
-        <a:effectLst/>
-      </dsp:spPr>
-      <dsp:style>
-        <a:lnRef idx="2">
-          <a:scrgbClr r="0" g="0" b="0"/>
-        </a:lnRef>
-        <a:fillRef idx="1">
-          <a:scrgbClr r="0" g="0" b="0"/>
-        </a:fillRef>
-        <a:effectRef idx="0">
-          <a:scrgbClr r="0" g="0" b="0"/>
-        </a:effectRef>
-        <a:fontRef idx="minor">
-          <a:schemeClr val="lt1"/>
-        </a:fontRef>
-      </dsp:style>
-    </dsp:sp>
-    <dsp:sp modelId="{127117FB-F8A7-4A20-A8A7-EC686DDC76D0}">
-      <dsp:nvSpPr>
-        <dsp:cNvPr id="0" name=""/>
-        <dsp:cNvSpPr/>
-      </dsp:nvSpPr>
-      <dsp:spPr>
-        <a:xfrm>
-          <a:off x="35606" y="2616556"/>
-          <a:ext cx="2981250" cy="877500"/>
-        </a:xfrm>
-        <a:prstGeom prst="rect">
-          <a:avLst/>
-        </a:prstGeom>
-        <a:noFill/>
-        <a:ln>
-          <a:noFill/>
-        </a:ln>
-        <a:effectLst/>
-      </dsp:spPr>
-      <dsp:style>
-        <a:lnRef idx="0">
-          <a:scrgbClr r="0" g="0" b="0"/>
-        </a:lnRef>
-        <a:fillRef idx="0">
-          <a:scrgbClr r="0" g="0" b="0"/>
-        </a:fillRef>
-        <a:effectRef idx="0">
-          <a:scrgbClr r="0" g="0" b="0"/>
-        </a:effectRef>
-        <a:fontRef idx="minor"/>
-      </dsp:style>
-      <dsp:txBody>
-        <a:bodyPr spcFirstLastPara="0" vert="horz" wrap="square" lIns="0" tIns="0" rIns="0" bIns="0" numCol="1" spcCol="1270" anchor="t" anchorCtr="0">
-          <a:noAutofit/>
-        </a:bodyPr>
-        <a:lstStyle/>
-        <a:p>
-          <a:pPr marL="0" lvl="0" indent="0" algn="ctr" defTabSz="488950">
-            <a:lnSpc>
-              <a:spcPct val="100000"/>
-            </a:lnSpc>
-            <a:spcBef>
-              <a:spcPct val="0"/>
-            </a:spcBef>
-            <a:spcAft>
-              <a:spcPct val="35000"/>
-            </a:spcAft>
-            <a:buNone/>
-            <a:defRPr cap="all"/>
-          </a:pPr>
-          <a:r>
-            <a:rPr lang="en-US" sz="1100" kern="1200" dirty="0"/>
-            <a:t>Original data source</a:t>
-          </a:r>
-        </a:p>
-        <a:p>
-          <a:pPr marL="0" lvl="0" indent="0" algn="ctr" defTabSz="488950">
-            <a:lnSpc>
-              <a:spcPct val="100000"/>
-            </a:lnSpc>
-            <a:spcBef>
-              <a:spcPct val="0"/>
-            </a:spcBef>
-            <a:spcAft>
-              <a:spcPct val="35000"/>
-            </a:spcAft>
-            <a:buNone/>
-            <a:defRPr cap="all"/>
-          </a:pPr>
-          <a:r>
-            <a:rPr lang="en-US" sz="1100" kern="1200" dirty="0" err="1"/>
-            <a:t>kaggle</a:t>
-          </a:r>
-          <a:endParaRPr lang="en-US" sz="1100" kern="1200" dirty="0"/>
-        </a:p>
-      </dsp:txBody>
-      <dsp:txXfrm>
-        <a:off x="35606" y="2616556"/>
-        <a:ext cx="2981250" cy="877500"/>
-      </dsp:txXfrm>
-    </dsp:sp>
-    <dsp:sp modelId="{BCD8CDD9-0C56-4401-ADB1-8B48DAB2C96F}">
-      <dsp:nvSpPr>
-        <dsp:cNvPr id="0" name=""/>
-        <dsp:cNvSpPr/>
-      </dsp:nvSpPr>
-      <dsp:spPr>
-        <a:xfrm>
-          <a:off x="4119918" y="231555"/>
-          <a:ext cx="1818562" cy="1818562"/>
-        </a:xfrm>
-        <a:prstGeom prst="ellipse">
-          <a:avLst/>
-        </a:prstGeom>
-        <a:solidFill>
-          <a:schemeClr val="accent3">
-            <a:hueOff val="0"/>
-            <a:satOff val="0"/>
-            <a:lumOff val="0"/>
-            <a:alphaOff val="0"/>
-          </a:schemeClr>
-        </a:solidFill>
-        <a:ln>
-          <a:noFill/>
-        </a:ln>
-        <a:effectLst/>
-      </dsp:spPr>
-      <dsp:style>
-        <a:lnRef idx="0">
-          <a:scrgbClr r="0" g="0" b="0"/>
-        </a:lnRef>
-        <a:fillRef idx="1">
-          <a:scrgbClr r="0" g="0" b="0"/>
-        </a:fillRef>
-        <a:effectRef idx="0">
-          <a:scrgbClr r="0" g="0" b="0"/>
-        </a:effectRef>
-        <a:fontRef idx="minor"/>
-      </dsp:style>
-    </dsp:sp>
-    <dsp:sp modelId="{DB4CA7C4-FCA1-4127-B20A-2A5C031A3CF4}">
-      <dsp:nvSpPr>
-        <dsp:cNvPr id="0" name=""/>
-        <dsp:cNvSpPr/>
-      </dsp:nvSpPr>
-      <dsp:spPr>
-        <a:xfrm>
-          <a:off x="4507481" y="619118"/>
-          <a:ext cx="1043437" cy="1043437"/>
-        </a:xfrm>
-        <a:prstGeom prst="rect">
-          <a:avLst/>
-        </a:prstGeom>
-        <a:blipFill>
-          <a:blip xmlns:r="http://schemas.openxmlformats.org/officeDocument/2006/relationships" r:embed="rId3">
-            <a:extLst>
-              <a:ext uri="{28A0092B-C50C-407E-A947-70E740481C1C}">
-                <a14:useLocalDpi xmlns:a14="http://schemas.microsoft.com/office/drawing/2010/main" val="0"/>
-              </a:ext>
-              <a:ext uri="{96DAC541-7B7A-43D3-8B79-37D633B846F1}">
-                <asvg:svgBlip xmlns:asvg="http://schemas.microsoft.com/office/drawing/2016/SVG/main" r:embed="rId4"/>
-              </a:ext>
-            </a:extLst>
-          </a:blip>
-          <a:srcRect/>
-          <a:stretch>
-            <a:fillRect/>
-          </a:stretch>
-        </a:blipFill>
-        <a:ln w="12700" cap="flat" cmpd="sng" algn="ctr">
-          <a:noFill/>
-          <a:prstDash val="solid"/>
-        </a:ln>
-        <a:effectLst/>
-      </dsp:spPr>
-      <dsp:style>
-        <a:lnRef idx="2">
-          <a:scrgbClr r="0" g="0" b="0"/>
-        </a:lnRef>
-        <a:fillRef idx="1">
-          <a:scrgbClr r="0" g="0" b="0"/>
-        </a:fillRef>
-        <a:effectRef idx="0">
-          <a:scrgbClr r="0" g="0" b="0"/>
-        </a:effectRef>
-        <a:fontRef idx="minor">
-          <a:schemeClr val="lt1"/>
-        </a:fontRef>
-      </dsp:style>
-    </dsp:sp>
-    <dsp:sp modelId="{7E6FE37A-5DB0-4899-9FCB-0CE39BC185F8}">
-      <dsp:nvSpPr>
-        <dsp:cNvPr id="0" name=""/>
-        <dsp:cNvSpPr/>
-      </dsp:nvSpPr>
-      <dsp:spPr>
-        <a:xfrm>
-          <a:off x="3538574" y="2616556"/>
-          <a:ext cx="2981250" cy="877500"/>
-        </a:xfrm>
-        <a:prstGeom prst="rect">
-          <a:avLst/>
-        </a:prstGeom>
-        <a:noFill/>
-        <a:ln>
-          <a:noFill/>
-        </a:ln>
-        <a:effectLst/>
-      </dsp:spPr>
-      <dsp:style>
-        <a:lnRef idx="0">
-          <a:scrgbClr r="0" g="0" b="0"/>
-        </a:lnRef>
-        <a:fillRef idx="0">
-          <a:scrgbClr r="0" g="0" b="0"/>
-        </a:fillRef>
-        <a:effectRef idx="0">
-          <a:scrgbClr r="0" g="0" b="0"/>
-        </a:effectRef>
-        <a:fontRef idx="minor"/>
-      </dsp:style>
-      <dsp:txBody>
-        <a:bodyPr spcFirstLastPara="0" vert="horz" wrap="square" lIns="0" tIns="0" rIns="0" bIns="0" numCol="1" spcCol="1270" anchor="t" anchorCtr="0">
-          <a:noAutofit/>
-        </a:bodyPr>
-        <a:lstStyle/>
-        <a:p>
-          <a:pPr marL="0" lvl="0" indent="0" algn="ctr" defTabSz="488950">
-            <a:lnSpc>
-              <a:spcPct val="100000"/>
-            </a:lnSpc>
-            <a:spcBef>
-              <a:spcPct val="0"/>
-            </a:spcBef>
-            <a:spcAft>
-              <a:spcPct val="35000"/>
-            </a:spcAft>
-            <a:buNone/>
-            <a:defRPr cap="all"/>
-          </a:pPr>
-          <a:r>
-            <a:rPr lang="en-US" sz="1100" kern="1200" dirty="0"/>
-            <a:t>Remove bad data</a:t>
-          </a:r>
-        </a:p>
-        <a:p>
-          <a:pPr marL="0" lvl="0" indent="0" algn="ctr" defTabSz="488950">
-            <a:lnSpc>
-              <a:spcPct val="100000"/>
-            </a:lnSpc>
-            <a:spcBef>
-              <a:spcPct val="0"/>
-            </a:spcBef>
-            <a:spcAft>
-              <a:spcPct val="35000"/>
-            </a:spcAft>
-            <a:buNone/>
-            <a:defRPr cap="all"/>
-          </a:pPr>
-          <a:r>
-            <a:rPr lang="en-US" sz="1100" kern="1200" dirty="0"/>
-            <a:t>- Missing price</a:t>
-          </a:r>
-        </a:p>
-        <a:p>
-          <a:pPr marL="0" lvl="0" indent="0" algn="ctr" defTabSz="488950">
-            <a:lnSpc>
-              <a:spcPct val="100000"/>
-            </a:lnSpc>
-            <a:spcBef>
-              <a:spcPct val="0"/>
-            </a:spcBef>
-            <a:spcAft>
-              <a:spcPct val="35000"/>
-            </a:spcAft>
-            <a:buNone/>
-            <a:defRPr cap="all"/>
-          </a:pPr>
-          <a:r>
-            <a:rPr lang="en-US" sz="1100" kern="1200" dirty="0"/>
-            <a:t>- No ratings/reviews</a:t>
-          </a:r>
-        </a:p>
-        <a:p>
-          <a:pPr marL="0" lvl="0" indent="0" algn="ctr" defTabSz="488950">
-            <a:lnSpc>
-              <a:spcPct val="100000"/>
-            </a:lnSpc>
-            <a:spcBef>
-              <a:spcPct val="0"/>
-            </a:spcBef>
-            <a:spcAft>
-              <a:spcPct val="35000"/>
-            </a:spcAft>
-            <a:buNone/>
-            <a:defRPr cap="all"/>
-          </a:pPr>
-          <a:r>
-            <a:rPr lang="en-US" sz="1100" kern="1200" dirty="0"/>
-            <a:t>- Dropped 600 of 3,200 rows</a:t>
-          </a:r>
-        </a:p>
-      </dsp:txBody>
-      <dsp:txXfrm>
-        <a:off x="3538574" y="2616556"/>
-        <a:ext cx="2981250" cy="877500"/>
-      </dsp:txXfrm>
-    </dsp:sp>
-    <dsp:sp modelId="{FF93E135-77D6-48A0-8871-9BC93D705D06}">
-      <dsp:nvSpPr>
-        <dsp:cNvPr id="0" name=""/>
-        <dsp:cNvSpPr/>
-      </dsp:nvSpPr>
-      <dsp:spPr>
-        <a:xfrm>
-          <a:off x="7622887" y="231555"/>
-          <a:ext cx="1818562" cy="1818562"/>
-        </a:xfrm>
-        <a:prstGeom prst="ellipse">
-          <a:avLst/>
-        </a:prstGeom>
-        <a:solidFill>
-          <a:schemeClr val="accent4">
-            <a:hueOff val="0"/>
-            <a:satOff val="0"/>
-            <a:lumOff val="0"/>
-            <a:alphaOff val="0"/>
-          </a:schemeClr>
-        </a:solidFill>
-        <a:ln>
-          <a:noFill/>
-        </a:ln>
-        <a:effectLst/>
-      </dsp:spPr>
-      <dsp:style>
-        <a:lnRef idx="0">
-          <a:scrgbClr r="0" g="0" b="0"/>
-        </a:lnRef>
-        <a:fillRef idx="1">
-          <a:scrgbClr r="0" g="0" b="0"/>
-        </a:fillRef>
-        <a:effectRef idx="0">
-          <a:scrgbClr r="0" g="0" b="0"/>
-        </a:effectRef>
-        <a:fontRef idx="minor"/>
-      </dsp:style>
-    </dsp:sp>
-    <dsp:sp modelId="{39509775-983E-4110-B989-EE2CD6514BE0}">
-      <dsp:nvSpPr>
-        <dsp:cNvPr id="0" name=""/>
-        <dsp:cNvSpPr/>
-      </dsp:nvSpPr>
-      <dsp:spPr>
-        <a:xfrm>
-          <a:off x="8010450" y="619118"/>
-          <a:ext cx="1043437" cy="1043437"/>
-        </a:xfrm>
-        <a:prstGeom prst="rect">
-          <a:avLst/>
-        </a:prstGeom>
-        <a:blipFill>
-          <a:blip xmlns:r="http://schemas.openxmlformats.org/officeDocument/2006/relationships" r:embed="rId5">
-            <a:extLst>
-              <a:ext uri="{28A0092B-C50C-407E-A947-70E740481C1C}">
-                <a14:useLocalDpi xmlns:a14="http://schemas.microsoft.com/office/drawing/2010/main" val="0"/>
-              </a:ext>
-              <a:ext uri="{96DAC541-7B7A-43D3-8B79-37D633B846F1}">
-                <asvg:svgBlip xmlns:asvg="http://schemas.microsoft.com/office/drawing/2016/SVG/main" r:embed="rId6"/>
-              </a:ext>
-            </a:extLst>
-          </a:blip>
-          <a:srcRect/>
-          <a:stretch>
-            <a:fillRect/>
-          </a:stretch>
-        </a:blipFill>
-        <a:ln w="12700" cap="flat" cmpd="sng" algn="ctr">
-          <a:noFill/>
-          <a:prstDash val="solid"/>
-        </a:ln>
-        <a:effectLst/>
-      </dsp:spPr>
-      <dsp:style>
-        <a:lnRef idx="2">
-          <a:scrgbClr r="0" g="0" b="0"/>
-        </a:lnRef>
-        <a:fillRef idx="1">
-          <a:scrgbClr r="0" g="0" b="0"/>
-        </a:fillRef>
-        <a:effectRef idx="0">
-          <a:scrgbClr r="0" g="0" b="0"/>
-        </a:effectRef>
-        <a:fontRef idx="minor">
-          <a:schemeClr val="lt1"/>
-        </a:fontRef>
-      </dsp:style>
-    </dsp:sp>
-    <dsp:sp modelId="{1AEDC777-00B3-41D7-9AE1-23D741E941C3}">
-      <dsp:nvSpPr>
-        <dsp:cNvPr id="0" name=""/>
-        <dsp:cNvSpPr/>
-      </dsp:nvSpPr>
-      <dsp:spPr>
-        <a:xfrm>
-          <a:off x="7041543" y="2616556"/>
-          <a:ext cx="2981250" cy="877500"/>
-        </a:xfrm>
-        <a:prstGeom prst="rect">
-          <a:avLst/>
-        </a:prstGeom>
-        <a:noFill/>
-        <a:ln>
-          <a:noFill/>
-        </a:ln>
-        <a:effectLst/>
-      </dsp:spPr>
-      <dsp:style>
-        <a:lnRef idx="0">
-          <a:scrgbClr r="0" g="0" b="0"/>
-        </a:lnRef>
-        <a:fillRef idx="0">
-          <a:scrgbClr r="0" g="0" b="0"/>
-        </a:fillRef>
-        <a:effectRef idx="0">
-          <a:scrgbClr r="0" g="0" b="0"/>
-        </a:effectRef>
-        <a:fontRef idx="minor"/>
-      </dsp:style>
-      <dsp:txBody>
-        <a:bodyPr spcFirstLastPara="0" vert="horz" wrap="square" lIns="0" tIns="0" rIns="0" bIns="0" numCol="1" spcCol="1270" anchor="t" anchorCtr="0">
-          <a:noAutofit/>
-        </a:bodyPr>
-        <a:lstStyle/>
-        <a:p>
-          <a:pPr marL="0" lvl="0" indent="0" algn="ctr" defTabSz="488950">
-            <a:lnSpc>
-              <a:spcPct val="100000"/>
-            </a:lnSpc>
-            <a:spcBef>
-              <a:spcPct val="0"/>
-            </a:spcBef>
-            <a:spcAft>
-              <a:spcPct val="35000"/>
-            </a:spcAft>
-            <a:buNone/>
-            <a:defRPr cap="all"/>
-          </a:pPr>
-          <a:r>
-            <a:rPr lang="en-US" sz="1100" kern="1200" dirty="0"/>
-            <a:t>Clean up columns</a:t>
-          </a:r>
-        </a:p>
-        <a:p>
-          <a:pPr marL="0" lvl="0" indent="0" algn="ctr" defTabSz="488950">
-            <a:lnSpc>
-              <a:spcPct val="100000"/>
-            </a:lnSpc>
-            <a:spcBef>
-              <a:spcPct val="0"/>
-            </a:spcBef>
-            <a:spcAft>
-              <a:spcPct val="35000"/>
-            </a:spcAft>
-            <a:buNone/>
-            <a:defRPr cap="all"/>
-          </a:pPr>
-          <a:r>
-            <a:rPr lang="en-US" sz="1100" kern="1200" dirty="0"/>
-            <a:t>- </a:t>
-          </a:r>
-          <a:r>
-            <a:rPr lang="en-US" sz="1100" kern="1200" dirty="0" err="1"/>
-            <a:t>nike</a:t>
-          </a:r>
-          <a:r>
-            <a:rPr lang="en-US" sz="1100" kern="1200" dirty="0"/>
-            <a:t>/adidas column</a:t>
-          </a:r>
-        </a:p>
-        <a:p>
-          <a:pPr marL="0" lvl="0" indent="0" algn="ctr" defTabSz="488950">
-            <a:lnSpc>
-              <a:spcPct val="100000"/>
-            </a:lnSpc>
-            <a:spcBef>
-              <a:spcPct val="0"/>
-            </a:spcBef>
-            <a:spcAft>
-              <a:spcPct val="35000"/>
-            </a:spcAft>
-            <a:buNone/>
-            <a:defRPr cap="all"/>
-          </a:pPr>
-          <a:r>
-            <a:rPr lang="en-US" sz="1100" kern="1200" dirty="0"/>
-            <a:t>- Gender column</a:t>
-          </a:r>
-        </a:p>
-        <a:p>
-          <a:pPr marL="0" lvl="0" indent="0" algn="ctr" defTabSz="488950">
-            <a:lnSpc>
-              <a:spcPct val="100000"/>
-            </a:lnSpc>
-            <a:spcBef>
-              <a:spcPct val="0"/>
-            </a:spcBef>
-            <a:spcAft>
-              <a:spcPct val="35000"/>
-            </a:spcAft>
-            <a:buNone/>
-            <a:defRPr cap="all"/>
-          </a:pPr>
-          <a:r>
-            <a:rPr lang="en-US" sz="1100" kern="1200" dirty="0"/>
-            <a:t>- Price columns</a:t>
-          </a:r>
-        </a:p>
-      </dsp:txBody>
-      <dsp:txXfrm>
-        <a:off x="7041543" y="2616556"/>
-        <a:ext cx="2981250" cy="877500"/>
-      </dsp:txXfrm>
-    </dsp:sp>
-  </dsp:spTree>
-</dsp:drawing>
-</file>
-
-<file path=ppt/diagrams/drawing3.xml><?xml version="1.0" encoding="utf-8"?>
-<dsp:drawing xmlns:dgm="http://schemas.openxmlformats.org/drawingml/2006/diagram" xmlns:dsp="http://schemas.microsoft.com/office/drawing/2008/diagram" xmlns:a="http://schemas.openxmlformats.org/drawingml/2006/main">
-  <dsp:spTree>
-    <dsp:nvGrpSpPr>
-      <dsp:cNvPr id="0" name=""/>
-      <dsp:cNvGrpSpPr/>
-    </dsp:nvGrpSpPr>
-    <dsp:grpSpPr/>
-    <dsp:sp modelId="{B59FCF02-CAD2-4D6F-9542-AD86711168CA}">
-      <dsp:nvSpPr>
-        <dsp:cNvPr id="0" name=""/>
-        <dsp:cNvSpPr/>
-      </dsp:nvSpPr>
-      <dsp:spPr>
-        <a:xfrm>
-          <a:off x="616949" y="310305"/>
-          <a:ext cx="1818562" cy="1818562"/>
-        </a:xfrm>
-        <a:prstGeom prst="ellipse">
-          <a:avLst/>
-        </a:prstGeom>
-        <a:solidFill>
-          <a:schemeClr val="accent2">
-            <a:hueOff val="0"/>
-            <a:satOff val="0"/>
-            <a:lumOff val="0"/>
-            <a:alphaOff val="0"/>
-          </a:schemeClr>
-        </a:solidFill>
-        <a:ln>
-          <a:noFill/>
-        </a:ln>
-        <a:effectLst/>
-      </dsp:spPr>
-      <dsp:style>
-        <a:lnRef idx="0">
-          <a:scrgbClr r="0" g="0" b="0"/>
-        </a:lnRef>
-        <a:fillRef idx="1">
-          <a:scrgbClr r="0" g="0" b="0"/>
-        </a:fillRef>
-        <a:effectRef idx="0">
-          <a:scrgbClr r="0" g="0" b="0"/>
-        </a:effectRef>
-        <a:fontRef idx="minor"/>
-      </dsp:style>
-    </dsp:sp>
-    <dsp:sp modelId="{7C175B98-93F4-4D7C-BB95-1514AB879CD5}">
-      <dsp:nvSpPr>
-        <dsp:cNvPr id="0" name=""/>
-        <dsp:cNvSpPr/>
-      </dsp:nvSpPr>
-      <dsp:spPr>
-        <a:xfrm>
-          <a:off x="1004512" y="697868"/>
-          <a:ext cx="1043437" cy="1043437"/>
-        </a:xfrm>
-        <a:prstGeom prst="rect">
-          <a:avLst/>
-        </a:prstGeom>
-        <a:blipFill>
-          <a:blip xmlns:r="http://schemas.openxmlformats.org/officeDocument/2006/relationships" r:embed="rId1">
-            <a:extLst>
-              <a:ext uri="{28A0092B-C50C-407E-A947-70E740481C1C}">
-                <a14:useLocalDpi xmlns:a14="http://schemas.microsoft.com/office/drawing/2010/main" val="0"/>
-              </a:ext>
-              <a:ext uri="{96DAC541-7B7A-43D3-8B79-37D633B846F1}">
-                <asvg:svgBlip xmlns:asvg="http://schemas.microsoft.com/office/drawing/2016/SVG/main" r:embed="rId2"/>
-              </a:ext>
-            </a:extLst>
-          </a:blip>
-          <a:srcRect/>
-          <a:stretch>
-            <a:fillRect/>
-          </a:stretch>
-        </a:blipFill>
-        <a:ln w="12700" cap="flat" cmpd="sng" algn="ctr">
-          <a:noFill/>
-          <a:prstDash val="solid"/>
-        </a:ln>
-        <a:effectLst/>
-      </dsp:spPr>
-      <dsp:style>
-        <a:lnRef idx="2">
-          <a:scrgbClr r="0" g="0" b="0"/>
-        </a:lnRef>
-        <a:fillRef idx="1">
-          <a:scrgbClr r="0" g="0" b="0"/>
-        </a:fillRef>
-        <a:effectRef idx="0">
-          <a:scrgbClr r="0" g="0" b="0"/>
-        </a:effectRef>
-        <a:fontRef idx="minor">
-          <a:schemeClr val="lt1"/>
-        </a:fontRef>
-      </dsp:style>
-    </dsp:sp>
-    <dsp:sp modelId="{127117FB-F8A7-4A20-A8A7-EC686DDC76D0}">
-      <dsp:nvSpPr>
-        <dsp:cNvPr id="0" name=""/>
-        <dsp:cNvSpPr/>
-      </dsp:nvSpPr>
-      <dsp:spPr>
-        <a:xfrm>
-          <a:off x="35606" y="2695306"/>
-          <a:ext cx="2981250" cy="720000"/>
-        </a:xfrm>
-        <a:prstGeom prst="rect">
-          <a:avLst/>
-        </a:prstGeom>
-        <a:noFill/>
-        <a:ln>
-          <a:noFill/>
-        </a:ln>
-        <a:effectLst/>
-      </dsp:spPr>
-      <dsp:style>
-        <a:lnRef idx="0">
-          <a:scrgbClr r="0" g="0" b="0"/>
-        </a:lnRef>
-        <a:fillRef idx="0">
-          <a:scrgbClr r="0" g="0" b="0"/>
-        </a:fillRef>
-        <a:effectRef idx="0">
-          <a:scrgbClr r="0" g="0" b="0"/>
-        </a:effectRef>
-        <a:fontRef idx="minor"/>
-      </dsp:style>
-      <dsp:txBody>
-        <a:bodyPr spcFirstLastPara="0" vert="horz" wrap="square" lIns="0" tIns="0" rIns="0" bIns="0" numCol="1" spcCol="1270" anchor="t" anchorCtr="0">
-          <a:noAutofit/>
-        </a:bodyPr>
-        <a:lstStyle/>
-        <a:p>
-          <a:pPr marL="0" lvl="0" indent="0" algn="ctr" defTabSz="844550">
-            <a:lnSpc>
-              <a:spcPct val="100000"/>
-            </a:lnSpc>
-            <a:spcBef>
-              <a:spcPct val="0"/>
-            </a:spcBef>
-            <a:spcAft>
-              <a:spcPct val="35000"/>
-            </a:spcAft>
-            <a:buNone/>
-            <a:defRPr cap="all"/>
-          </a:pPr>
-          <a:r>
-            <a:rPr lang="en-US" sz="1900" kern="1200" dirty="0"/>
-            <a:t>Product category</a:t>
-          </a:r>
-        </a:p>
-      </dsp:txBody>
-      <dsp:txXfrm>
-        <a:off x="35606" y="2695306"/>
-        <a:ext cx="2981250" cy="720000"/>
-      </dsp:txXfrm>
-    </dsp:sp>
-    <dsp:sp modelId="{BCD8CDD9-0C56-4401-ADB1-8B48DAB2C96F}">
-      <dsp:nvSpPr>
-        <dsp:cNvPr id="0" name=""/>
-        <dsp:cNvSpPr/>
-      </dsp:nvSpPr>
-      <dsp:spPr>
-        <a:xfrm>
-          <a:off x="4119918" y="310305"/>
-          <a:ext cx="1818562" cy="1818562"/>
-        </a:xfrm>
-        <a:prstGeom prst="ellipse">
-          <a:avLst/>
-        </a:prstGeom>
-        <a:solidFill>
-          <a:schemeClr val="accent3">
-            <a:hueOff val="0"/>
-            <a:satOff val="0"/>
-            <a:lumOff val="0"/>
-            <a:alphaOff val="0"/>
-          </a:schemeClr>
-        </a:solidFill>
-        <a:ln>
-          <a:noFill/>
-        </a:ln>
-        <a:effectLst/>
-      </dsp:spPr>
-      <dsp:style>
-        <a:lnRef idx="0">
-          <a:scrgbClr r="0" g="0" b="0"/>
-        </a:lnRef>
-        <a:fillRef idx="1">
-          <a:scrgbClr r="0" g="0" b="0"/>
-        </a:fillRef>
-        <a:effectRef idx="0">
-          <a:scrgbClr r="0" g="0" b="0"/>
-        </a:effectRef>
-        <a:fontRef idx="minor"/>
-      </dsp:style>
-    </dsp:sp>
-    <dsp:sp modelId="{DB4CA7C4-FCA1-4127-B20A-2A5C031A3CF4}">
-      <dsp:nvSpPr>
-        <dsp:cNvPr id="0" name=""/>
-        <dsp:cNvSpPr/>
-      </dsp:nvSpPr>
-      <dsp:spPr>
-        <a:xfrm>
-          <a:off x="4507481" y="697868"/>
-          <a:ext cx="1043437" cy="1043437"/>
-        </a:xfrm>
-        <a:prstGeom prst="rect">
-          <a:avLst/>
-        </a:prstGeom>
-        <a:blipFill>
-          <a:blip xmlns:r="http://schemas.openxmlformats.org/officeDocument/2006/relationships" r:embed="rId3">
-            <a:extLst>
-              <a:ext uri="{28A0092B-C50C-407E-A947-70E740481C1C}">
-                <a14:useLocalDpi xmlns:a14="http://schemas.microsoft.com/office/drawing/2010/main" val="0"/>
-              </a:ext>
-              <a:ext uri="{96DAC541-7B7A-43D3-8B79-37D633B846F1}">
-                <asvg:svgBlip xmlns:asvg="http://schemas.microsoft.com/office/drawing/2016/SVG/main" r:embed="rId4"/>
-              </a:ext>
-            </a:extLst>
-          </a:blip>
-          <a:srcRect/>
-          <a:stretch>
-            <a:fillRect/>
-          </a:stretch>
-        </a:blipFill>
-        <a:ln w="12700" cap="flat" cmpd="sng" algn="ctr">
-          <a:noFill/>
-          <a:prstDash val="solid"/>
-        </a:ln>
-        <a:effectLst/>
-      </dsp:spPr>
-      <dsp:style>
-        <a:lnRef idx="2">
-          <a:scrgbClr r="0" g="0" b="0"/>
-        </a:lnRef>
-        <a:fillRef idx="1">
-          <a:scrgbClr r="0" g="0" b="0"/>
-        </a:fillRef>
-        <a:effectRef idx="0">
-          <a:scrgbClr r="0" g="0" b="0"/>
-        </a:effectRef>
-        <a:fontRef idx="minor">
-          <a:schemeClr val="lt1"/>
-        </a:fontRef>
-      </dsp:style>
-    </dsp:sp>
-    <dsp:sp modelId="{7E6FE37A-5DB0-4899-9FCB-0CE39BC185F8}">
-      <dsp:nvSpPr>
-        <dsp:cNvPr id="0" name=""/>
-        <dsp:cNvSpPr/>
-      </dsp:nvSpPr>
-      <dsp:spPr>
-        <a:xfrm>
-          <a:off x="3538574" y="2695306"/>
-          <a:ext cx="2981250" cy="720000"/>
-        </a:xfrm>
-        <a:prstGeom prst="rect">
-          <a:avLst/>
-        </a:prstGeom>
-        <a:noFill/>
-        <a:ln>
-          <a:noFill/>
-        </a:ln>
-        <a:effectLst/>
-      </dsp:spPr>
-      <dsp:style>
-        <a:lnRef idx="0">
-          <a:scrgbClr r="0" g="0" b="0"/>
-        </a:lnRef>
-        <a:fillRef idx="0">
-          <a:scrgbClr r="0" g="0" b="0"/>
-        </a:fillRef>
-        <a:effectRef idx="0">
-          <a:scrgbClr r="0" g="0" b="0"/>
-        </a:effectRef>
-        <a:fontRef idx="minor"/>
-      </dsp:style>
-      <dsp:txBody>
-        <a:bodyPr spcFirstLastPara="0" vert="horz" wrap="square" lIns="0" tIns="0" rIns="0" bIns="0" numCol="1" spcCol="1270" anchor="t" anchorCtr="0">
-          <a:noAutofit/>
-        </a:bodyPr>
-        <a:lstStyle/>
-        <a:p>
-          <a:pPr marL="0" lvl="0" indent="0" algn="ctr" defTabSz="844550">
-            <a:lnSpc>
-              <a:spcPct val="100000"/>
-            </a:lnSpc>
-            <a:spcBef>
-              <a:spcPct val="0"/>
-            </a:spcBef>
-            <a:spcAft>
-              <a:spcPct val="35000"/>
-            </a:spcAft>
-            <a:buNone/>
-            <a:defRPr cap="all"/>
-          </a:pPr>
-          <a:r>
-            <a:rPr lang="en-US" sz="1900" kern="1200" dirty="0"/>
-            <a:t>Sales volume</a:t>
-          </a:r>
-        </a:p>
-      </dsp:txBody>
-      <dsp:txXfrm>
-        <a:off x="3538574" y="2695306"/>
-        <a:ext cx="2981250" cy="720000"/>
-      </dsp:txXfrm>
-    </dsp:sp>
-    <dsp:sp modelId="{FF93E135-77D6-48A0-8871-9BC93D705D06}">
-      <dsp:nvSpPr>
-        <dsp:cNvPr id="0" name=""/>
-        <dsp:cNvSpPr/>
-      </dsp:nvSpPr>
-      <dsp:spPr>
-        <a:xfrm>
-          <a:off x="7622887" y="310305"/>
-          <a:ext cx="1818562" cy="1818562"/>
-        </a:xfrm>
-        <a:prstGeom prst="ellipse">
-          <a:avLst/>
-        </a:prstGeom>
-        <a:solidFill>
-          <a:schemeClr val="accent4">
-            <a:hueOff val="0"/>
-            <a:satOff val="0"/>
-            <a:lumOff val="0"/>
-            <a:alphaOff val="0"/>
-          </a:schemeClr>
-        </a:solidFill>
-        <a:ln>
-          <a:noFill/>
-        </a:ln>
-        <a:effectLst/>
-      </dsp:spPr>
-      <dsp:style>
-        <a:lnRef idx="0">
-          <a:scrgbClr r="0" g="0" b="0"/>
-        </a:lnRef>
-        <a:fillRef idx="1">
-          <a:scrgbClr r="0" g="0" b="0"/>
-        </a:fillRef>
-        <a:effectRef idx="0">
-          <a:scrgbClr r="0" g="0" b="0"/>
-        </a:effectRef>
-        <a:fontRef idx="minor"/>
-      </dsp:style>
-    </dsp:sp>
-    <dsp:sp modelId="{39509775-983E-4110-B989-EE2CD6514BE0}">
-      <dsp:nvSpPr>
-        <dsp:cNvPr id="0" name=""/>
-        <dsp:cNvSpPr/>
-      </dsp:nvSpPr>
-      <dsp:spPr>
-        <a:xfrm>
-          <a:off x="8010450" y="697868"/>
-          <a:ext cx="1043437" cy="1043437"/>
-        </a:xfrm>
-        <a:prstGeom prst="rect">
-          <a:avLst/>
-        </a:prstGeom>
-        <a:blipFill>
-          <a:blip xmlns:r="http://schemas.openxmlformats.org/officeDocument/2006/relationships" r:embed="rId5">
-            <a:extLst>
-              <a:ext uri="{28A0092B-C50C-407E-A947-70E740481C1C}">
-                <a14:useLocalDpi xmlns:a14="http://schemas.microsoft.com/office/drawing/2010/main" val="0"/>
-              </a:ext>
-              <a:ext uri="{96DAC541-7B7A-43D3-8B79-37D633B846F1}">
-                <asvg:svgBlip xmlns:asvg="http://schemas.microsoft.com/office/drawing/2016/SVG/main" r:embed="rId6"/>
-              </a:ext>
-            </a:extLst>
-          </a:blip>
-          <a:srcRect/>
-          <a:stretch>
-            <a:fillRect/>
-          </a:stretch>
-        </a:blipFill>
-        <a:ln w="12700" cap="flat" cmpd="sng" algn="ctr">
-          <a:noFill/>
-          <a:prstDash val="solid"/>
-        </a:ln>
-        <a:effectLst/>
-      </dsp:spPr>
-      <dsp:style>
-        <a:lnRef idx="2">
-          <a:scrgbClr r="0" g="0" b="0"/>
-        </a:lnRef>
-        <a:fillRef idx="1">
-          <a:scrgbClr r="0" g="0" b="0"/>
-        </a:fillRef>
-        <a:effectRef idx="0">
-          <a:scrgbClr r="0" g="0" b="0"/>
-        </a:effectRef>
-        <a:fontRef idx="minor">
-          <a:schemeClr val="lt1"/>
-        </a:fontRef>
-      </dsp:style>
-    </dsp:sp>
-    <dsp:sp modelId="{1AEDC777-00B3-41D7-9AE1-23D741E941C3}">
-      <dsp:nvSpPr>
-        <dsp:cNvPr id="0" name=""/>
-        <dsp:cNvSpPr/>
-      </dsp:nvSpPr>
-      <dsp:spPr>
-        <a:xfrm>
-          <a:off x="7041543" y="2695306"/>
-          <a:ext cx="2981250" cy="720000"/>
-        </a:xfrm>
-        <a:prstGeom prst="rect">
-          <a:avLst/>
-        </a:prstGeom>
-        <a:noFill/>
-        <a:ln>
-          <a:noFill/>
-        </a:ln>
-        <a:effectLst/>
-      </dsp:spPr>
-      <dsp:style>
-        <a:lnRef idx="0">
-          <a:scrgbClr r="0" g="0" b="0"/>
-        </a:lnRef>
-        <a:fillRef idx="0">
-          <a:scrgbClr r="0" g="0" b="0"/>
-        </a:fillRef>
-        <a:effectRef idx="0">
-          <a:scrgbClr r="0" g="0" b="0"/>
-        </a:effectRef>
-        <a:fontRef idx="minor"/>
-      </dsp:style>
-      <dsp:txBody>
-        <a:bodyPr spcFirstLastPara="0" vert="horz" wrap="square" lIns="0" tIns="0" rIns="0" bIns="0" numCol="1" spcCol="1270" anchor="t" anchorCtr="0">
-          <a:noAutofit/>
-        </a:bodyPr>
-        <a:lstStyle/>
-        <a:p>
-          <a:pPr marL="0" lvl="0" indent="0" algn="ctr" defTabSz="844550">
-            <a:lnSpc>
-              <a:spcPct val="100000"/>
-            </a:lnSpc>
-            <a:spcBef>
-              <a:spcPct val="0"/>
-            </a:spcBef>
-            <a:spcAft>
-              <a:spcPct val="35000"/>
-            </a:spcAft>
-            <a:buNone/>
-            <a:defRPr cap="all"/>
-          </a:pPr>
-          <a:r>
-            <a:rPr lang="en-US" sz="1900" kern="1200" dirty="0"/>
-            <a:t>Nike &lt; adidas data size</a:t>
-          </a:r>
-        </a:p>
-        <a:p>
-          <a:pPr marL="0" lvl="0" indent="0" algn="ctr" defTabSz="844550">
-            <a:lnSpc>
-              <a:spcPct val="100000"/>
-            </a:lnSpc>
-            <a:spcBef>
-              <a:spcPct val="0"/>
-            </a:spcBef>
-            <a:spcAft>
-              <a:spcPct val="35000"/>
-            </a:spcAft>
-            <a:buNone/>
-            <a:defRPr cap="all"/>
-          </a:pPr>
-          <a:r>
-            <a:rPr lang="en-US" sz="1900" kern="1200" dirty="0"/>
-            <a:t>155 </a:t>
-          </a:r>
-          <a:r>
-            <a:rPr lang="en-US" sz="1900" kern="1200" dirty="0" err="1"/>
-            <a:t>nike</a:t>
-          </a:r>
-          <a:r>
-            <a:rPr lang="en-US" sz="1900" kern="1200" dirty="0"/>
-            <a:t> rows</a:t>
+            <a:t>Data size &amp; scope</a:t>
           </a:r>
         </a:p>
       </dsp:txBody>
@@ -9415,7 +9129,7 @@
           <a:p>
             <a:fld id="{16791BA5-2BD3-4EC6-A0E8-5178E1553EA2}" type="datetimeFigureOut">
               <a:rPr lang="en-US" smtClean="0"/>
-              <a:t>11/8/2020</a:t>
+              <a:t>11/9/2020</a:t>
             </a:fld>
             <a:endParaRPr lang="en-US"/>
           </a:p>
@@ -9981,6 +9695,36 @@
               <a:t>30 seconds, hi-level</a:t>
             </a:r>
           </a:p>
+          <a:p>
+            <a:pPr marL="171450" indent="-171450">
+              <a:buFontTx/>
+              <a:buChar char="-"/>
+            </a:pPr>
+            <a:r>
+              <a:rPr lang="en-US" dirty="0"/>
+              <a:t>Original Data Source: Kaggle.com &gt; intended for a blog to compare discounting trends in early COVID</a:t>
+            </a:r>
+          </a:p>
+          <a:p>
+            <a:pPr marL="171450" indent="-171450">
+              <a:buFontTx/>
+              <a:buChar char="-"/>
+            </a:pPr>
+            <a:r>
+              <a:rPr lang="en-US" dirty="0"/>
+              <a:t>Remove Bad Data: missing price, no ratings, no reviews. Dropped 600 of 3,200 rows.</a:t>
+            </a:r>
+          </a:p>
+          <a:p>
+            <a:pPr marL="171450" indent="-171450">
+              <a:buFontTx/>
+              <a:buChar char="-"/>
+            </a:pPr>
+            <a:r>
+              <a:rPr lang="en-US" dirty="0"/>
+              <a:t>Clean up Columns: added brand consolidation column (Nike vs. Adidas), Gender column, and columns for list &amp; sale price (divide by 100)</a:t>
+            </a:r>
+          </a:p>
         </p:txBody>
       </p:sp>
       <p:sp>
@@ -10075,7 +9819,7 @@
             </a:pPr>
             <a:r>
               <a:rPr lang="en-US" dirty="0"/>
-              <a:t>Category: data not standardized enough to create category bins (</a:t>
+              <a:t>Product Category: data not standardized enough to create category bins (</a:t>
             </a:r>
             <a:r>
               <a:rPr lang="en-US" dirty="0" err="1"/>
@@ -10092,9 +9836,55 @@
               <a:buChar char="-"/>
             </a:pPr>
             <a:r>
-              <a:rPr lang="en-US"/>
-              <a:t>Single-day snapshot in time</a:t>
+              <a:rPr lang="en-US" dirty="0"/>
+              <a:t>Sales Data: no units or dollars sold. Potentially could provide more relevant guidance to company if we had sales units or dollars.</a:t>
             </a:r>
+          </a:p>
+          <a:p>
+            <a:pPr marL="171450" indent="-171450">
+              <a:buFontTx/>
+              <a:buChar char="-"/>
+            </a:pPr>
+            <a:r>
+              <a:rPr lang="en-US" dirty="0"/>
+              <a:t>Data size &amp; scope: </a:t>
+            </a:r>
+          </a:p>
+          <a:p>
+            <a:pPr marL="628650" lvl="1" indent="-171450">
+              <a:buFontTx/>
+              <a:buChar char="-"/>
+            </a:pPr>
+            <a:r>
+              <a:rPr lang="en-US" dirty="0"/>
+              <a:t>Single-day snapshot in time for prices (April 2020), </a:t>
+            </a:r>
+          </a:p>
+          <a:p>
+            <a:pPr marL="628650" lvl="1" indent="-171450">
+              <a:buFontTx/>
+              <a:buChar char="-"/>
+            </a:pPr>
+            <a:r>
+              <a:rPr lang="en-US" dirty="0"/>
+              <a:t>Timing of ratings &amp; reviews unknown, but likely different from pricing data</a:t>
+            </a:r>
+          </a:p>
+          <a:p>
+            <a:pPr marL="628650" lvl="1" indent="-171450">
+              <a:buFontTx/>
+              <a:buChar char="-"/>
+            </a:pPr>
+            <a:r>
+              <a:rPr lang="en-US" dirty="0"/>
+              <a:t>more adidas rows than Nike (&gt;2k for Adidas, only 155 for Nike)</a:t>
+            </a:r>
+          </a:p>
+          <a:p>
+            <a:pPr marL="171450" indent="-171450">
+              <a:buFontTx/>
+              <a:buChar char="-"/>
+            </a:pPr>
             <a:endParaRPr lang="en-US" dirty="0"/>
           </a:p>
         </p:txBody>
@@ -10290,48 +10080,6 @@
             </a:r>
           </a:p>
           <a:p>
-            <a:pPr marL="171450" indent="-171450">
-              <a:buFontTx/>
-              <a:buChar char="-"/>
-            </a:pPr>
-            <a:r>
-              <a:rPr lang="en-US" dirty="0"/>
-              <a:t>Discounting: Adidas is more aggressive with discounting, offering higher discount across all price bins. </a:t>
-            </a:r>
-          </a:p>
-          <a:p>
-            <a:pPr marL="171450" indent="-171450">
-              <a:buFontTx/>
-              <a:buChar char="-"/>
-            </a:pPr>
-            <a:r>
-              <a:rPr lang="en-US" dirty="0"/>
-              <a:t>Pricing: </a:t>
-            </a:r>
-          </a:p>
-          <a:p>
-            <a:pPr marL="171450" indent="-171450">
-              <a:buFontTx/>
-              <a:buChar char="-"/>
-            </a:pPr>
-            <a:r>
-              <a:rPr lang="en-US" dirty="0"/>
-              <a:t>Recommendation: assess price offering to identify potential gaps to competition. </a:t>
-            </a:r>
-            <a:r>
-              <a:rPr lang="en-US" dirty="0" err="1"/>
-              <a:t>Ie</a:t>
-            </a:r>
-            <a:r>
-              <a:rPr lang="en-US" dirty="0"/>
-              <a:t>: </a:t>
-            </a:r>
-          </a:p>
-          <a:p>
-            <a:pPr marL="171450" indent="-171450">
-              <a:buFontTx/>
-              <a:buChar char="-"/>
-            </a:pPr>
             <a:endParaRPr lang="en-US" dirty="0"/>
           </a:p>
         </p:txBody>
@@ -11160,7 +10908,7 @@
           <a:p>
             <a:fld id="{EA0C0817-A112-4847-8014-A94B7D2A4EA3}" type="datetime1">
               <a:rPr lang="en-US" smtClean="0"/>
-              <a:t>11/8/2020</a:t>
+              <a:t>11/9/2020</a:t>
             </a:fld>
             <a:endParaRPr lang="en-US" dirty="0"/>
           </a:p>
@@ -11362,7 +11110,7 @@
           <a:p>
             <a:fld id="{7332B432-ACDA-4023-A761-2BAB76577B62}" type="datetime1">
               <a:rPr lang="en-US" smtClean="0"/>
-              <a:t>11/8/2020</a:t>
+              <a:t>11/9/2020</a:t>
             </a:fld>
             <a:endParaRPr lang="en-US" dirty="0"/>
           </a:p>
@@ -11961,7 +11709,7 @@
           <a:p>
             <a:fld id="{D9C646AA-F36E-4540-911D-FFFC0A0EF24A}" type="datetime1">
               <a:rPr lang="en-US" smtClean="0"/>
-              <a:t>11/8/2020</a:t>
+              <a:t>11/9/2020</a:t>
             </a:fld>
             <a:endParaRPr lang="en-US" dirty="0"/>
           </a:p>
@@ -12281,7 +12029,7 @@
           <a:p>
             <a:fld id="{69186D26-FA5F-4637-B602-B7C2DC34CFD4}" type="datetime1">
               <a:rPr lang="en-US" smtClean="0"/>
-              <a:t>11/8/2020</a:t>
+              <a:t>11/9/2020</a:t>
             </a:fld>
             <a:endParaRPr lang="en-US" dirty="0"/>
           </a:p>
@@ -12718,7 +12466,7 @@
           <a:p>
             <a:fld id="{8A7F15D8-96D1-4781-BC50-CA8A088B2FE4}" type="datetime1">
               <a:rPr lang="en-US" smtClean="0"/>
-              <a:t>11/8/2020</a:t>
+              <a:t>11/9/2020</a:t>
             </a:fld>
             <a:endParaRPr lang="en-US" dirty="0"/>
           </a:p>
@@ -12836,7 +12584,7 @@
           <a:p>
             <a:fld id="{F9A96C99-B8F8-4528-BD05-0E16E943DC09}" type="datetime1">
               <a:rPr lang="en-US" smtClean="0"/>
-              <a:t>11/8/2020</a:t>
+              <a:t>11/9/2020</a:t>
             </a:fld>
             <a:endParaRPr lang="en-US" dirty="0"/>
           </a:p>
@@ -12931,7 +12679,7 @@
           <a:p>
             <a:fld id="{03636942-C211-4B28-8DBD-C953E00AF71B}" type="datetime1">
               <a:rPr lang="en-US" smtClean="0"/>
-              <a:t>11/8/2020</a:t>
+              <a:t>11/9/2020</a:t>
             </a:fld>
             <a:endParaRPr lang="en-US" dirty="0"/>
           </a:p>
@@ -13348,7 +13096,7 @@
           <a:p>
             <a:fld id="{7E8D12A6-918A-48BD-8CB9-CA713993B0EA}" type="datetime1">
               <a:rPr lang="en-US" smtClean="0"/>
-              <a:t>11/8/2020</a:t>
+              <a:t>11/9/2020</a:t>
             </a:fld>
             <a:endParaRPr lang="en-US" dirty="0"/>
           </a:p>
@@ -13610,7 +13358,7 @@
             <a:fld id="{E778CE86-875F-4587-BCF6-FA054AFC0D53}" type="datetime1">
               <a:rPr lang="en-US" smtClean="0"/>
               <a:pPr/>
-              <a:t>11/8/2020</a:t>
+              <a:t>11/9/2020</a:t>
             </a:fld>
             <a:endParaRPr lang="en-US" dirty="0"/>
           </a:p>
@@ -14126,7 +13874,7 @@
           <a:p>
             <a:fld id="{F6FA2B21-3FCD-4721-B95C-427943F61125}" type="datetime1">
               <a:rPr lang="en-US" smtClean="0"/>
-              <a:t>11/8/2020</a:t>
+              <a:t>11/9/2020</a:t>
             </a:fld>
             <a:endParaRPr lang="en-US" dirty="0"/>
           </a:p>
@@ -14808,6 +14556,141 @@
           </a:p>
         </p:txBody>
       </p:sp>
+      <p:pic>
+        <p:nvPicPr>
+          <p:cNvPr id="4098" name="Picture 2" descr="Nike Bought 'Swoosh' Logo For $35 - Business Insider">
+            <a:extLst>
+              <a:ext uri="{FF2B5EF4-FFF2-40B4-BE49-F238E27FC236}">
+                <a16:creationId xmlns:a16="http://schemas.microsoft.com/office/drawing/2014/main" id="{B2C7DD73-9371-4DCB-9016-CA6B8CF37AE1}"/>
+              </a:ext>
+            </a:extLst>
+          </p:cNvPr>
+          <p:cNvPicPr>
+            <a:picLocks noChangeAspect="1" noChangeArrowheads="1"/>
+          </p:cNvPicPr>
+          <p:nvPr/>
+        </p:nvPicPr>
+        <p:blipFill rotWithShape="1">
+          <a:blip r:embed="rId4">
+            <a:extLst>
+              <a:ext uri="{28A0092B-C50C-407E-A947-70E740481C1C}">
+                <a14:useLocalDpi xmlns:a14="http://schemas.microsoft.com/office/drawing/2010/main" val="0"/>
+              </a:ext>
+            </a:extLst>
+          </a:blip>
+          <a:srcRect t="13483" r="5319" b="12060"/>
+          <a:stretch/>
+        </p:blipFill>
+        <p:spPr bwMode="auto">
+          <a:xfrm>
+            <a:off x="261906" y="255245"/>
+            <a:ext cx="5267217" cy="3106574"/>
+          </a:xfrm>
+          <a:prstGeom prst="rect">
+            <a:avLst/>
+          </a:prstGeom>
+          <a:noFill/>
+          <a:extLst>
+            <a:ext uri="{909E8E84-426E-40DD-AFC4-6F175D3DCCD1}">
+              <a14:hiddenFill xmlns:a14="http://schemas.microsoft.com/office/drawing/2010/main">
+                <a:solidFill>
+                  <a:srgbClr val="FFFFFF"/>
+                </a:solidFill>
+              </a14:hiddenFill>
+            </a:ext>
+          </a:extLst>
+        </p:spPr>
+      </p:pic>
+      <p:pic>
+        <p:nvPicPr>
+          <p:cNvPr id="4100" name="Picture 4" descr="adidas (@adidas) | Twitter">
+            <a:extLst>
+              <a:ext uri="{FF2B5EF4-FFF2-40B4-BE49-F238E27FC236}">
+                <a16:creationId xmlns:a16="http://schemas.microsoft.com/office/drawing/2014/main" id="{4E0DC626-8758-4928-B41B-90F878DED250}"/>
+              </a:ext>
+            </a:extLst>
+          </p:cNvPr>
+          <p:cNvPicPr>
+            <a:picLocks noChangeAspect="1" noChangeArrowheads="1"/>
+          </p:cNvPicPr>
+          <p:nvPr/>
+        </p:nvPicPr>
+        <p:blipFill rotWithShape="1">
+          <a:blip r:embed="rId5">
+            <a:extLst>
+              <a:ext uri="{28A0092B-C50C-407E-A947-70E740481C1C}">
+                <a14:useLocalDpi xmlns:a14="http://schemas.microsoft.com/office/drawing/2010/main" val="0"/>
+              </a:ext>
+            </a:extLst>
+          </a:blip>
+          <a:srcRect l="103900" t="-51763" r="-103900" b="51763"/>
+          <a:stretch/>
+        </p:blipFill>
+        <p:spPr bwMode="auto">
+          <a:xfrm>
+            <a:off x="4191000" y="1524000"/>
+            <a:ext cx="3810000" cy="3810000"/>
+          </a:xfrm>
+          <a:prstGeom prst="rect">
+            <a:avLst/>
+          </a:prstGeom>
+          <a:noFill/>
+          <a:extLst>
+            <a:ext uri="{909E8E84-426E-40DD-AFC4-6F175D3DCCD1}">
+              <a14:hiddenFill xmlns:a14="http://schemas.microsoft.com/office/drawing/2010/main">
+                <a:solidFill>
+                  <a:srgbClr val="FFFFFF"/>
+                </a:solidFill>
+              </a14:hiddenFill>
+            </a:ext>
+          </a:extLst>
+        </p:spPr>
+      </p:pic>
+      <p:pic>
+        <p:nvPicPr>
+          <p:cNvPr id="4102" name="Picture 6" descr="adidas (@adidas) | Twitter">
+            <a:extLst>
+              <a:ext uri="{FF2B5EF4-FFF2-40B4-BE49-F238E27FC236}">
+                <a16:creationId xmlns:a16="http://schemas.microsoft.com/office/drawing/2014/main" id="{3DC6718E-436E-4C2D-B855-82DC28C6D86D}"/>
+              </a:ext>
+            </a:extLst>
+          </p:cNvPr>
+          <p:cNvPicPr>
+            <a:picLocks noChangeAspect="1" noChangeArrowheads="1"/>
+          </p:cNvPicPr>
+          <p:nvPr/>
+        </p:nvPicPr>
+        <p:blipFill rotWithShape="1">
+          <a:blip r:embed="rId5">
+            <a:extLst>
+              <a:ext uri="{28A0092B-C50C-407E-A947-70E740481C1C}">
+                <a14:useLocalDpi xmlns:a14="http://schemas.microsoft.com/office/drawing/2010/main" val="0"/>
+              </a:ext>
+            </a:extLst>
+          </a:blip>
+          <a:srcRect t="24120" b="24845"/>
+          <a:stretch/>
+        </p:blipFill>
+        <p:spPr bwMode="auto">
+          <a:xfrm>
+            <a:off x="268744" y="3767597"/>
+            <a:ext cx="5260379" cy="2684625"/>
+          </a:xfrm>
+          <a:prstGeom prst="rect">
+            <a:avLst/>
+          </a:prstGeom>
+          <a:noFill/>
+          <a:extLst>
+            <a:ext uri="{909E8E84-426E-40DD-AFC4-6F175D3DCCD1}">
+              <a14:hiddenFill xmlns:a14="http://schemas.microsoft.com/office/drawing/2010/main">
+                <a:solidFill>
+                  <a:srgbClr val="FFFFFF"/>
+                </a:solidFill>
+              </a14:hiddenFill>
+            </a:ext>
+          </a:extLst>
+        </p:spPr>
+      </p:pic>
     </p:spTree>
     <p:extLst>
       <p:ext uri="{BB962C8B-B14F-4D97-AF65-F5344CB8AC3E}">
@@ -14898,7 +14781,7 @@
             <p:ph idx="1"/>
             <p:extLst>
               <p:ext uri="{D42A27DB-BD31-4B8C-83A1-F6EECF244321}">
-                <p14:modId xmlns:p14="http://schemas.microsoft.com/office/powerpoint/2010/main" val="1094498924"/>
+                <p14:modId xmlns:p14="http://schemas.microsoft.com/office/powerpoint/2010/main" val="1499693105"/>
               </p:ext>
             </p:extLst>
           </p:nvPr>
@@ -14913,6 +14796,275 @@
           </a:graphicData>
         </a:graphic>
       </p:graphicFrame>
+      <p:sp>
+        <p:nvSpPr>
+          <p:cNvPr id="3" name="AutoShape 2">
+            <a:extLst>
+              <a:ext uri="{FF2B5EF4-FFF2-40B4-BE49-F238E27FC236}">
+                <a16:creationId xmlns:a16="http://schemas.microsoft.com/office/drawing/2014/main" id="{2AB050F2-CE46-49D4-A324-0A7A0CBD8B2F}"/>
+              </a:ext>
+            </a:extLst>
+          </p:cNvPr>
+          <p:cNvSpPr>
+            <a:spLocks noChangeAspect="1" noChangeArrowheads="1"/>
+          </p:cNvSpPr>
+          <p:nvPr/>
+        </p:nvSpPr>
+        <p:spPr bwMode="auto">
+          <a:xfrm>
+            <a:off x="5943600" y="3276600"/>
+            <a:ext cx="304800" cy="304800"/>
+          </a:xfrm>
+          <a:prstGeom prst="rect">
+            <a:avLst/>
+          </a:prstGeom>
+          <a:noFill/>
+          <a:extLst>
+            <a:ext uri="{909E8E84-426E-40DD-AFC4-6F175D3DCCD1}">
+              <a14:hiddenFill xmlns:a14="http://schemas.microsoft.com/office/drawing/2010/main">
+                <a:solidFill>
+                  <a:srgbClr val="FFFFFF"/>
+                </a:solidFill>
+              </a14:hiddenFill>
+            </a:ext>
+          </a:extLst>
+        </p:spPr>
+        <p:txBody>
+          <a:bodyPr vert="horz" wrap="square" lIns="91440" tIns="45720" rIns="91440" bIns="45720" numCol="1" anchor="t" anchorCtr="0" compatLnSpc="1">
+            <a:prstTxWarp prst="textNoShape">
+              <a:avLst/>
+            </a:prstTxWarp>
+          </a:bodyPr>
+          <a:lstStyle/>
+          <a:p>
+            <a:endParaRPr lang="en-US"/>
+          </a:p>
+        </p:txBody>
+      </p:sp>
+      <p:sp>
+        <p:nvSpPr>
+          <p:cNvPr id="4" name="AutoShape 4">
+            <a:extLst>
+              <a:ext uri="{FF2B5EF4-FFF2-40B4-BE49-F238E27FC236}">
+                <a16:creationId xmlns:a16="http://schemas.microsoft.com/office/drawing/2014/main" id="{1DDDD8DE-32E1-426F-B31B-C8BF79E5C782}"/>
+              </a:ext>
+            </a:extLst>
+          </p:cNvPr>
+          <p:cNvSpPr>
+            <a:spLocks noChangeAspect="1" noChangeArrowheads="1"/>
+          </p:cNvSpPr>
+          <p:nvPr/>
+        </p:nvSpPr>
+        <p:spPr bwMode="auto">
+          <a:xfrm>
+            <a:off x="6096000" y="3429000"/>
+            <a:ext cx="304800" cy="304800"/>
+          </a:xfrm>
+          <a:prstGeom prst="rect">
+            <a:avLst/>
+          </a:prstGeom>
+          <a:noFill/>
+          <a:extLst>
+            <a:ext uri="{909E8E84-426E-40DD-AFC4-6F175D3DCCD1}">
+              <a14:hiddenFill xmlns:a14="http://schemas.microsoft.com/office/drawing/2010/main">
+                <a:solidFill>
+                  <a:srgbClr val="FFFFFF"/>
+                </a:solidFill>
+              </a14:hiddenFill>
+            </a:ext>
+          </a:extLst>
+        </p:spPr>
+        <p:txBody>
+          <a:bodyPr vert="horz" wrap="square" lIns="91440" tIns="45720" rIns="91440" bIns="45720" numCol="1" anchor="t" anchorCtr="0" compatLnSpc="1">
+            <a:prstTxWarp prst="textNoShape">
+              <a:avLst/>
+            </a:prstTxWarp>
+          </a:bodyPr>
+          <a:lstStyle/>
+          <a:p>
+            <a:endParaRPr lang="en-US"/>
+          </a:p>
+        </p:txBody>
+      </p:sp>
+      <p:sp>
+        <p:nvSpPr>
+          <p:cNvPr id="7" name="AutoShape 6">
+            <a:extLst>
+              <a:ext uri="{FF2B5EF4-FFF2-40B4-BE49-F238E27FC236}">
+                <a16:creationId xmlns:a16="http://schemas.microsoft.com/office/drawing/2014/main" id="{093F8720-E87F-4E87-8E21-6F820D0C9D0E}"/>
+              </a:ext>
+            </a:extLst>
+          </p:cNvPr>
+          <p:cNvSpPr>
+            <a:spLocks noChangeAspect="1" noChangeArrowheads="1"/>
+          </p:cNvSpPr>
+          <p:nvPr/>
+        </p:nvSpPr>
+        <p:spPr bwMode="auto">
+          <a:xfrm>
+            <a:off x="6248400" y="3581400"/>
+            <a:ext cx="304800" cy="304800"/>
+          </a:xfrm>
+          <a:prstGeom prst="rect">
+            <a:avLst/>
+          </a:prstGeom>
+          <a:noFill/>
+          <a:extLst>
+            <a:ext uri="{909E8E84-426E-40DD-AFC4-6F175D3DCCD1}">
+              <a14:hiddenFill xmlns:a14="http://schemas.microsoft.com/office/drawing/2010/main">
+                <a:solidFill>
+                  <a:srgbClr val="FFFFFF"/>
+                </a:solidFill>
+              </a14:hiddenFill>
+            </a:ext>
+          </a:extLst>
+        </p:spPr>
+        <p:txBody>
+          <a:bodyPr vert="horz" wrap="square" lIns="91440" tIns="45720" rIns="91440" bIns="45720" numCol="1" anchor="t" anchorCtr="0" compatLnSpc="1">
+            <a:prstTxWarp prst="textNoShape">
+              <a:avLst/>
+            </a:prstTxWarp>
+          </a:bodyPr>
+          <a:lstStyle/>
+          <a:p>
+            <a:endParaRPr lang="en-US"/>
+          </a:p>
+        </p:txBody>
+      </p:sp>
+      <p:pic>
+        <p:nvPicPr>
+          <p:cNvPr id="8" name="Picture 7">
+            <a:extLst>
+              <a:ext uri="{FF2B5EF4-FFF2-40B4-BE49-F238E27FC236}">
+                <a16:creationId xmlns:a16="http://schemas.microsoft.com/office/drawing/2014/main" id="{D10B22F0-AD4E-4068-BB6E-DF1CE8C4C171}"/>
+              </a:ext>
+            </a:extLst>
+          </p:cNvPr>
+          <p:cNvPicPr>
+            <a:picLocks noChangeAspect="1"/>
+          </p:cNvPicPr>
+          <p:nvPr/>
+        </p:nvPicPr>
+        <p:blipFill>
+          <a:blip r:embed="rId8"/>
+          <a:stretch>
+            <a:fillRect/>
+          </a:stretch>
+        </p:blipFill>
+        <p:spPr>
+          <a:xfrm>
+            <a:off x="1524000" y="2357437"/>
+            <a:ext cx="2143125" cy="2143125"/>
+          </a:xfrm>
+          <a:prstGeom prst="rect">
+            <a:avLst/>
+          </a:prstGeom>
+        </p:spPr>
+      </p:pic>
+      <p:pic>
+        <p:nvPicPr>
+          <p:cNvPr id="10" name="Picture 9">
+            <a:extLst>
+              <a:ext uri="{FF2B5EF4-FFF2-40B4-BE49-F238E27FC236}">
+                <a16:creationId xmlns:a16="http://schemas.microsoft.com/office/drawing/2014/main" id="{07FB071A-DC9D-4C85-85DC-7365E35CC98A}"/>
+              </a:ext>
+            </a:extLst>
+          </p:cNvPr>
+          <p:cNvPicPr>
+            <a:picLocks noChangeAspect="1"/>
+          </p:cNvPicPr>
+          <p:nvPr/>
+        </p:nvPicPr>
+        <p:blipFill rotWithShape="1">
+          <a:blip r:embed="rId9"/>
+          <a:srcRect l="8299" t="3446" r="8245" b="9370"/>
+          <a:stretch/>
+        </p:blipFill>
+        <p:spPr>
+          <a:xfrm>
+            <a:off x="8661691" y="2489143"/>
+            <a:ext cx="1918650" cy="2143125"/>
+          </a:xfrm>
+          <a:prstGeom prst="rect">
+            <a:avLst/>
+          </a:prstGeom>
+        </p:spPr>
+      </p:pic>
+      <p:sp>
+        <p:nvSpPr>
+          <p:cNvPr id="11" name="AutoShape 8">
+            <a:extLst>
+              <a:ext uri="{FF2B5EF4-FFF2-40B4-BE49-F238E27FC236}">
+                <a16:creationId xmlns:a16="http://schemas.microsoft.com/office/drawing/2014/main" id="{17A4AB64-E08E-415C-AE82-9E044FDC75A9}"/>
+              </a:ext>
+            </a:extLst>
+          </p:cNvPr>
+          <p:cNvSpPr>
+            <a:spLocks noChangeAspect="1" noChangeArrowheads="1"/>
+          </p:cNvSpPr>
+          <p:nvPr/>
+        </p:nvSpPr>
+        <p:spPr bwMode="auto">
+          <a:xfrm>
+            <a:off x="6400800" y="3733800"/>
+            <a:ext cx="304800" cy="304800"/>
+          </a:xfrm>
+          <a:prstGeom prst="rect">
+            <a:avLst/>
+          </a:prstGeom>
+          <a:noFill/>
+          <a:extLst>
+            <a:ext uri="{909E8E84-426E-40DD-AFC4-6F175D3DCCD1}">
+              <a14:hiddenFill xmlns:a14="http://schemas.microsoft.com/office/drawing/2010/main">
+                <a:solidFill>
+                  <a:srgbClr val="FFFFFF"/>
+                </a:solidFill>
+              </a14:hiddenFill>
+            </a:ext>
+          </a:extLst>
+        </p:spPr>
+        <p:txBody>
+          <a:bodyPr vert="horz" wrap="square" lIns="91440" tIns="45720" rIns="91440" bIns="45720" numCol="1" anchor="t" anchorCtr="0" compatLnSpc="1">
+            <a:prstTxWarp prst="textNoShape">
+              <a:avLst/>
+            </a:prstTxWarp>
+          </a:bodyPr>
+          <a:lstStyle/>
+          <a:p>
+            <a:endParaRPr lang="en-US"/>
+          </a:p>
+        </p:txBody>
+      </p:sp>
+      <p:pic>
+        <p:nvPicPr>
+          <p:cNvPr id="12" name="Picture 11">
+            <a:extLst>
+              <a:ext uri="{FF2B5EF4-FFF2-40B4-BE49-F238E27FC236}">
+                <a16:creationId xmlns:a16="http://schemas.microsoft.com/office/drawing/2014/main" id="{80AB46FE-DC05-4250-B267-F14624DC0082}"/>
+              </a:ext>
+            </a:extLst>
+          </p:cNvPr>
+          <p:cNvPicPr>
+            <a:picLocks noChangeAspect="1"/>
+          </p:cNvPicPr>
+          <p:nvPr/>
+        </p:nvPicPr>
+        <p:blipFill>
+          <a:blip r:embed="rId10"/>
+          <a:stretch>
+            <a:fillRect/>
+          </a:stretch>
+        </p:blipFill>
+        <p:spPr>
+          <a:xfrm>
+            <a:off x="5081856" y="2476500"/>
+            <a:ext cx="2143124" cy="2143124"/>
+          </a:xfrm>
+          <a:prstGeom prst="rect">
+            <a:avLst/>
+          </a:prstGeom>
+        </p:spPr>
+      </p:pic>
     </p:spTree>
     <p:extLst>
       <p:ext uri="{BB962C8B-B14F-4D97-AF65-F5344CB8AC3E}">
@@ -14970,7 +15122,7 @@
         <p:spPr>
           <a:xfrm>
             <a:off x="1066800" y="642594"/>
-            <a:ext cx="10058400" cy="1371600"/>
+            <a:ext cx="10058400" cy="693046"/>
           </a:xfrm>
         </p:spPr>
         <p:txBody>
@@ -15001,10 +15153,15 @@
           </p:cNvGraphicFramePr>
           <p:nvPr>
             <p:ph idx="1"/>
+            <p:extLst>
+              <p:ext uri="{D42A27DB-BD31-4B8C-83A1-F6EECF244321}">
+                <p14:modId xmlns:p14="http://schemas.microsoft.com/office/powerpoint/2010/main" val="3521969013"/>
+              </p:ext>
+            </p:extLst>
           </p:nvPr>
         </p:nvGraphicFramePr>
         <p:xfrm>
-          <a:off x="1066800" y="2310063"/>
+          <a:off x="943510" y="1391666"/>
           <a:ext cx="10058400" cy="3725612"/>
         </p:xfrm>
         <a:graphic>
@@ -15013,6 +15170,141 @@
           </a:graphicData>
         </a:graphic>
       </p:graphicFrame>
+      <p:pic>
+        <p:nvPicPr>
+          <p:cNvPr id="2050" name="Picture 2" descr="Kaggle Kernels Tutorials - Beginner Guide to Improve Your Skills">
+            <a:extLst>
+              <a:ext uri="{FF2B5EF4-FFF2-40B4-BE49-F238E27FC236}">
+                <a16:creationId xmlns:a16="http://schemas.microsoft.com/office/drawing/2014/main" id="{09FA4878-59C6-485A-A85D-246DA31BB12E}"/>
+              </a:ext>
+            </a:extLst>
+          </p:cNvPr>
+          <p:cNvPicPr>
+            <a:picLocks noChangeAspect="1" noChangeArrowheads="1"/>
+          </p:cNvPicPr>
+          <p:nvPr/>
+        </p:nvPicPr>
+        <p:blipFill rotWithShape="1">
+          <a:blip r:embed="rId8">
+            <a:extLst>
+              <a:ext uri="{28A0092B-C50C-407E-A947-70E740481C1C}">
+                <a14:useLocalDpi xmlns:a14="http://schemas.microsoft.com/office/drawing/2010/main" val="0"/>
+              </a:ext>
+            </a:extLst>
+          </a:blip>
+          <a:srcRect l="19209" r="20766"/>
+          <a:stretch/>
+        </p:blipFill>
+        <p:spPr bwMode="auto">
+          <a:xfrm>
+            <a:off x="1190089" y="1706375"/>
+            <a:ext cx="2547616" cy="2126368"/>
+          </a:xfrm>
+          <a:prstGeom prst="rect">
+            <a:avLst/>
+          </a:prstGeom>
+          <a:noFill/>
+          <a:extLst>
+            <a:ext uri="{909E8E84-426E-40DD-AFC4-6F175D3DCCD1}">
+              <a14:hiddenFill xmlns:a14="http://schemas.microsoft.com/office/drawing/2010/main">
+                <a:solidFill>
+                  <a:srgbClr val="FFFFFF"/>
+                </a:solidFill>
+              </a14:hiddenFill>
+            </a:ext>
+          </a:extLst>
+        </p:spPr>
+      </p:pic>
+      <p:pic>
+        <p:nvPicPr>
+          <p:cNvPr id="3" name="Picture 2">
+            <a:extLst>
+              <a:ext uri="{FF2B5EF4-FFF2-40B4-BE49-F238E27FC236}">
+                <a16:creationId xmlns:a16="http://schemas.microsoft.com/office/drawing/2014/main" id="{CEEEADD0-0476-476D-A93C-21BF0D00DD97}"/>
+              </a:ext>
+            </a:extLst>
+          </p:cNvPr>
+          <p:cNvPicPr>
+            <a:picLocks noChangeAspect="1"/>
+          </p:cNvPicPr>
+          <p:nvPr/>
+        </p:nvPicPr>
+        <p:blipFill>
+          <a:blip r:embed="rId9"/>
+          <a:stretch>
+            <a:fillRect/>
+          </a:stretch>
+        </p:blipFill>
+        <p:spPr>
+          <a:xfrm>
+            <a:off x="8454297" y="1706375"/>
+            <a:ext cx="2138179" cy="2138179"/>
+          </a:xfrm>
+          <a:prstGeom prst="rect">
+            <a:avLst/>
+          </a:prstGeom>
+        </p:spPr>
+      </p:pic>
+      <p:pic>
+        <p:nvPicPr>
+          <p:cNvPr id="4" name="Picture 3">
+            <a:extLst>
+              <a:ext uri="{FF2B5EF4-FFF2-40B4-BE49-F238E27FC236}">
+                <a16:creationId xmlns:a16="http://schemas.microsoft.com/office/drawing/2014/main" id="{257912DA-D4B0-42DB-8459-7D2D07987F09}"/>
+              </a:ext>
+            </a:extLst>
+          </p:cNvPr>
+          <p:cNvPicPr>
+            <a:picLocks noChangeAspect="1"/>
+          </p:cNvPicPr>
+          <p:nvPr/>
+        </p:nvPicPr>
+        <p:blipFill>
+          <a:blip r:embed="rId10"/>
+          <a:stretch>
+            <a:fillRect/>
+          </a:stretch>
+        </p:blipFill>
+        <p:spPr>
+          <a:xfrm>
+            <a:off x="4901147" y="1689618"/>
+            <a:ext cx="2143125" cy="2143125"/>
+          </a:xfrm>
+          <a:prstGeom prst="rect">
+            <a:avLst/>
+          </a:prstGeom>
+        </p:spPr>
+      </p:pic>
+      <p:pic>
+        <p:nvPicPr>
+          <p:cNvPr id="6" name="Picture 5">
+            <a:extLst>
+              <a:ext uri="{FF2B5EF4-FFF2-40B4-BE49-F238E27FC236}">
+                <a16:creationId xmlns:a16="http://schemas.microsoft.com/office/drawing/2014/main" id="{E876A2D6-378B-4EC0-95C5-F7818D26348E}"/>
+              </a:ext>
+            </a:extLst>
+          </p:cNvPr>
+          <p:cNvPicPr>
+            <a:picLocks noChangeAspect="1"/>
+          </p:cNvPicPr>
+          <p:nvPr/>
+        </p:nvPicPr>
+        <p:blipFill>
+          <a:blip r:embed="rId11"/>
+          <a:stretch>
+            <a:fillRect/>
+          </a:stretch>
+        </p:blipFill>
+        <p:spPr>
+          <a:xfrm>
+            <a:off x="431515" y="4187919"/>
+            <a:ext cx="11330897" cy="1523170"/>
+          </a:xfrm>
+          <a:prstGeom prst="rect">
+            <a:avLst/>
+          </a:prstGeom>
+        </p:spPr>
+      </p:pic>
     </p:spTree>
     <p:extLst>
       <p:ext uri="{BB962C8B-B14F-4D97-AF65-F5344CB8AC3E}">
@@ -15103,7 +15395,7 @@
             <p:ph idx="1"/>
             <p:extLst>
               <p:ext uri="{D42A27DB-BD31-4B8C-83A1-F6EECF244321}">
-                <p14:modId xmlns:p14="http://schemas.microsoft.com/office/powerpoint/2010/main" val="208055659"/>
+                <p14:modId xmlns:p14="http://schemas.microsoft.com/office/powerpoint/2010/main" val="2916407610"/>
               </p:ext>
             </p:extLst>
           </p:nvPr>
@@ -15118,6 +15410,203 @@
           </a:graphicData>
         </a:graphic>
       </p:graphicFrame>
+      <p:sp>
+        <p:nvSpPr>
+          <p:cNvPr id="3" name="AutoShape 2">
+            <a:extLst>
+              <a:ext uri="{FF2B5EF4-FFF2-40B4-BE49-F238E27FC236}">
+                <a16:creationId xmlns:a16="http://schemas.microsoft.com/office/drawing/2014/main" id="{9AB5A4B3-A007-4D9E-A2D8-FB1B6DBA7808}"/>
+              </a:ext>
+            </a:extLst>
+          </p:cNvPr>
+          <p:cNvSpPr>
+            <a:spLocks noChangeAspect="1" noChangeArrowheads="1"/>
+          </p:cNvSpPr>
+          <p:nvPr/>
+        </p:nvSpPr>
+        <p:spPr bwMode="auto">
+          <a:xfrm>
+            <a:off x="5943600" y="3276600"/>
+            <a:ext cx="304800" cy="304800"/>
+          </a:xfrm>
+          <a:prstGeom prst="rect">
+            <a:avLst/>
+          </a:prstGeom>
+          <a:noFill/>
+          <a:extLst>
+            <a:ext uri="{909E8E84-426E-40DD-AFC4-6F175D3DCCD1}">
+              <a14:hiddenFill xmlns:a14="http://schemas.microsoft.com/office/drawing/2010/main">
+                <a:solidFill>
+                  <a:srgbClr val="FFFFFF"/>
+                </a:solidFill>
+              </a14:hiddenFill>
+            </a:ext>
+          </a:extLst>
+        </p:spPr>
+        <p:txBody>
+          <a:bodyPr vert="horz" wrap="square" lIns="91440" tIns="45720" rIns="91440" bIns="45720" numCol="1" anchor="t" anchorCtr="0" compatLnSpc="1">
+            <a:prstTxWarp prst="textNoShape">
+              <a:avLst/>
+            </a:prstTxWarp>
+          </a:bodyPr>
+          <a:lstStyle/>
+          <a:p>
+            <a:endParaRPr lang="en-US"/>
+          </a:p>
+        </p:txBody>
+      </p:sp>
+      <p:pic>
+        <p:nvPicPr>
+          <p:cNvPr id="4" name="Picture 3">
+            <a:extLst>
+              <a:ext uri="{FF2B5EF4-FFF2-40B4-BE49-F238E27FC236}">
+                <a16:creationId xmlns:a16="http://schemas.microsoft.com/office/drawing/2014/main" id="{F165682E-C088-4149-9E88-C2CA298F7BE5}"/>
+              </a:ext>
+            </a:extLst>
+          </p:cNvPr>
+          <p:cNvPicPr>
+            <a:picLocks noChangeAspect="1"/>
+          </p:cNvPicPr>
+          <p:nvPr/>
+        </p:nvPicPr>
+        <p:blipFill>
+          <a:blip r:embed="rId8"/>
+          <a:stretch>
+            <a:fillRect/>
+          </a:stretch>
+        </p:blipFill>
+        <p:spPr>
+          <a:xfrm>
+            <a:off x="963309" y="2496727"/>
+            <a:ext cx="3016091" cy="2169346"/>
+          </a:xfrm>
+          <a:prstGeom prst="rect">
+            <a:avLst/>
+          </a:prstGeom>
+        </p:spPr>
+      </p:pic>
+      <p:pic>
+        <p:nvPicPr>
+          <p:cNvPr id="3076" name="Picture 4" descr="7 key data every sales managers must analyse to be in control of sales">
+            <a:extLst>
+              <a:ext uri="{FF2B5EF4-FFF2-40B4-BE49-F238E27FC236}">
+                <a16:creationId xmlns:a16="http://schemas.microsoft.com/office/drawing/2014/main" id="{2BE57878-5D44-4190-9FD4-A78A2AF29FCD}"/>
+              </a:ext>
+            </a:extLst>
+          </p:cNvPr>
+          <p:cNvPicPr>
+            <a:picLocks noChangeAspect="1" noChangeArrowheads="1"/>
+          </p:cNvPicPr>
+          <p:nvPr/>
+        </p:nvPicPr>
+        <p:blipFill>
+          <a:blip r:embed="rId9">
+            <a:extLst>
+              <a:ext uri="{28A0092B-C50C-407E-A947-70E740481C1C}">
+                <a14:useLocalDpi xmlns:a14="http://schemas.microsoft.com/office/drawing/2010/main" val="0"/>
+              </a:ext>
+            </a:extLst>
+          </a:blip>
+          <a:srcRect/>
+          <a:stretch>
+            <a:fillRect/>
+          </a:stretch>
+        </p:blipFill>
+        <p:spPr bwMode="auto">
+          <a:xfrm>
+            <a:off x="4437785" y="2516419"/>
+            <a:ext cx="3134918" cy="2169346"/>
+          </a:xfrm>
+          <a:prstGeom prst="rect">
+            <a:avLst/>
+          </a:prstGeom>
+          <a:noFill/>
+          <a:extLst>
+            <a:ext uri="{909E8E84-426E-40DD-AFC4-6F175D3DCCD1}">
+              <a14:hiddenFill xmlns:a14="http://schemas.microsoft.com/office/drawing/2010/main">
+                <a:solidFill>
+                  <a:srgbClr val="FFFFFF"/>
+                </a:solidFill>
+              </a14:hiddenFill>
+            </a:ext>
+          </a:extLst>
+        </p:spPr>
+      </p:pic>
+      <p:sp>
+        <p:nvSpPr>
+          <p:cNvPr id="6" name="AutoShape 6">
+            <a:extLst>
+              <a:ext uri="{FF2B5EF4-FFF2-40B4-BE49-F238E27FC236}">
+                <a16:creationId xmlns:a16="http://schemas.microsoft.com/office/drawing/2014/main" id="{776D1F24-7469-447B-BF3C-F8265303CBAC}"/>
+              </a:ext>
+            </a:extLst>
+          </p:cNvPr>
+          <p:cNvSpPr>
+            <a:spLocks noChangeAspect="1" noChangeArrowheads="1"/>
+          </p:cNvSpPr>
+          <p:nvPr/>
+        </p:nvSpPr>
+        <p:spPr bwMode="auto">
+          <a:xfrm>
+            <a:off x="6096000" y="3429000"/>
+            <a:ext cx="304800" cy="304800"/>
+          </a:xfrm>
+          <a:prstGeom prst="rect">
+            <a:avLst/>
+          </a:prstGeom>
+          <a:noFill/>
+          <a:extLst>
+            <a:ext uri="{909E8E84-426E-40DD-AFC4-6F175D3DCCD1}">
+              <a14:hiddenFill xmlns:a14="http://schemas.microsoft.com/office/drawing/2010/main">
+                <a:solidFill>
+                  <a:srgbClr val="FFFFFF"/>
+                </a:solidFill>
+              </a14:hiddenFill>
+            </a:ext>
+          </a:extLst>
+        </p:spPr>
+        <p:txBody>
+          <a:bodyPr vert="horz" wrap="square" lIns="91440" tIns="45720" rIns="91440" bIns="45720" numCol="1" anchor="t" anchorCtr="0" compatLnSpc="1">
+            <a:prstTxWarp prst="textNoShape">
+              <a:avLst/>
+            </a:prstTxWarp>
+          </a:bodyPr>
+          <a:lstStyle/>
+          <a:p>
+            <a:endParaRPr lang="en-US"/>
+          </a:p>
+        </p:txBody>
+      </p:sp>
+      <p:pic>
+        <p:nvPicPr>
+          <p:cNvPr id="7" name="Picture 6">
+            <a:extLst>
+              <a:ext uri="{FF2B5EF4-FFF2-40B4-BE49-F238E27FC236}">
+                <a16:creationId xmlns:a16="http://schemas.microsoft.com/office/drawing/2014/main" id="{052BF245-730E-482A-9AB8-FBCED2A841A5}"/>
+              </a:ext>
+            </a:extLst>
+          </p:cNvPr>
+          <p:cNvPicPr>
+            <a:picLocks noChangeAspect="1"/>
+          </p:cNvPicPr>
+          <p:nvPr/>
+        </p:nvPicPr>
+        <p:blipFill>
+          <a:blip r:embed="rId10"/>
+          <a:stretch>
+            <a:fillRect/>
+          </a:stretch>
+        </p:blipFill>
+        <p:spPr>
+          <a:xfrm>
+            <a:off x="8615473" y="2469329"/>
+            <a:ext cx="2143125" cy="2133600"/>
+          </a:xfrm>
+          <a:prstGeom prst="rect">
+            <a:avLst/>
+          </a:prstGeom>
+        </p:spPr>
+      </p:pic>
     </p:spTree>
     <p:extLst>
       <p:ext uri="{BB962C8B-B14F-4D97-AF65-F5344CB8AC3E}">
@@ -15362,10 +15851,10 @@
       </p:sp>
       <p:pic>
         <p:nvPicPr>
-          <p:cNvPr id="2050" name="Picture 2">
+          <p:cNvPr id="8" name="Picture 4">
             <a:extLst>
               <a:ext uri="{FF2B5EF4-FFF2-40B4-BE49-F238E27FC236}">
-                <a16:creationId xmlns:a16="http://schemas.microsoft.com/office/drawing/2014/main" id="{6778F7E5-E0F0-4F56-903F-523D36B83384}"/>
+                <a16:creationId xmlns:a16="http://schemas.microsoft.com/office/drawing/2014/main" id="{51D44F7E-FB9F-46F0-A76F-12A4F15684C0}"/>
               </a:ext>
             </a:extLst>
           </p:cNvPr>
@@ -15389,13 +15878,18 @@
         </p:blipFill>
         <p:spPr bwMode="auto">
           <a:xfrm>
-            <a:off x="532074" y="1759551"/>
-            <a:ext cx="5415760" cy="4400852"/>
+            <a:off x="6744876" y="1560870"/>
+            <a:ext cx="4198794" cy="3591991"/>
           </a:xfrm>
           <a:prstGeom prst="rect">
             <a:avLst/>
           </a:prstGeom>
           <a:noFill/>
+          <a:ln>
+            <a:solidFill>
+              <a:schemeClr val="tx1"/>
+            </a:solidFill>
+          </a:ln>
           <a:extLst>
             <a:ext uri="{909E8E84-426E-40DD-AFC4-6F175D3DCCD1}">
               <a14:hiddenFill xmlns:a14="http://schemas.microsoft.com/office/drawing/2010/main">
@@ -15407,53 +15901,260 @@
           </a:extLst>
         </p:spPr>
       </p:pic>
+      <p:sp>
+        <p:nvSpPr>
+          <p:cNvPr id="9" name="Rectangle 8">
+            <a:extLst>
+              <a:ext uri="{FF2B5EF4-FFF2-40B4-BE49-F238E27FC236}">
+                <a16:creationId xmlns:a16="http://schemas.microsoft.com/office/drawing/2014/main" id="{68097E9D-50D5-4B01-8B3F-D9C07758B362}"/>
+              </a:ext>
+            </a:extLst>
+          </p:cNvPr>
+          <p:cNvSpPr/>
+          <p:nvPr/>
+        </p:nvSpPr>
+        <p:spPr>
+          <a:xfrm>
+            <a:off x="1026761" y="5262383"/>
+            <a:ext cx="9916909" cy="1187197"/>
+          </a:xfrm>
+          <a:prstGeom prst="rect">
+            <a:avLst/>
+          </a:prstGeom>
+          <a:solidFill>
+            <a:schemeClr val="bg1"/>
+          </a:solidFill>
+        </p:spPr>
+        <p:style>
+          <a:lnRef idx="2">
+            <a:schemeClr val="accent1">
+              <a:shade val="50000"/>
+            </a:schemeClr>
+          </a:lnRef>
+          <a:fillRef idx="1">
+            <a:schemeClr val="accent1"/>
+          </a:fillRef>
+          <a:effectRef idx="0">
+            <a:schemeClr val="accent1"/>
+          </a:effectRef>
+          <a:fontRef idx="minor">
+            <a:schemeClr val="lt1"/>
+          </a:fontRef>
+        </p:style>
+        <p:txBody>
+          <a:bodyPr rtlCol="0" anchor="t"/>
+          <a:lstStyle/>
+          <a:p>
+            <a:pPr algn="ctr"/>
+            <a:r>
+              <a:rPr lang="en-US" sz="1600" dirty="0">
+                <a:solidFill>
+                  <a:schemeClr val="tx1"/>
+                </a:solidFill>
+              </a:rPr>
+              <a:t>Average Discount</a:t>
+            </a:r>
+          </a:p>
+        </p:txBody>
+      </p:sp>
       <p:pic>
         <p:nvPicPr>
-          <p:cNvPr id="2052" name="Picture 4">
+          <p:cNvPr id="10" name="Picture 9" descr="Text&#10;&#10;Description automatically generated">
             <a:extLst>
               <a:ext uri="{FF2B5EF4-FFF2-40B4-BE49-F238E27FC236}">
-                <a16:creationId xmlns:a16="http://schemas.microsoft.com/office/drawing/2014/main" id="{9A258A1B-B4B1-498A-A5D3-306C691CCBD8}"/>
+                <a16:creationId xmlns:a16="http://schemas.microsoft.com/office/drawing/2014/main" id="{51C3DA27-8494-4462-82D3-4DDF539F6484}"/>
               </a:ext>
             </a:extLst>
           </p:cNvPr>
           <p:cNvPicPr>
-            <a:picLocks noChangeAspect="1" noChangeArrowheads="1"/>
+            <a:picLocks noChangeAspect="1"/>
           </p:cNvPicPr>
           <p:nvPr/>
         </p:nvPicPr>
         <p:blipFill>
-          <a:blip r:embed="rId4">
-            <a:extLst>
-              <a:ext uri="{28A0092B-C50C-407E-A947-70E740481C1C}">
-                <a14:useLocalDpi xmlns:a14="http://schemas.microsoft.com/office/drawing/2010/main" val="0"/>
-              </a:ext>
-            </a:extLst>
-          </a:blip>
-          <a:srcRect/>
+          <a:blip r:embed="rId4"/>
           <a:stretch>
             <a:fillRect/>
           </a:stretch>
         </p:blipFill>
-        <p:spPr bwMode="auto">
+        <p:spPr>
           <a:xfrm>
-            <a:off x="6610572" y="1759551"/>
-            <a:ext cx="5049354" cy="4319630"/>
+            <a:off x="6989596" y="5489805"/>
+            <a:ext cx="3126620" cy="772951"/>
+          </a:xfrm>
+          <a:prstGeom prst="rect">
+            <a:avLst/>
+          </a:prstGeom>
+        </p:spPr>
+      </p:pic>
+      <p:pic>
+        <p:nvPicPr>
+          <p:cNvPr id="11" name="Picture 10" descr="Text&#10;&#10;Description automatically generated">
+            <a:extLst>
+              <a:ext uri="{FF2B5EF4-FFF2-40B4-BE49-F238E27FC236}">
+                <a16:creationId xmlns:a16="http://schemas.microsoft.com/office/drawing/2014/main" id="{5633B085-CFCE-4097-B0F7-7136151A5E49}"/>
+              </a:ext>
+            </a:extLst>
+          </p:cNvPr>
+          <p:cNvPicPr>
+            <a:picLocks noChangeAspect="1"/>
+          </p:cNvPicPr>
+          <p:nvPr/>
+        </p:nvPicPr>
+        <p:blipFill rotWithShape="1">
+          <a:blip r:embed="rId5"/>
+          <a:srcRect b="24292"/>
+          <a:stretch/>
+        </p:blipFill>
+        <p:spPr>
+          <a:xfrm>
+            <a:off x="2074350" y="5489805"/>
+            <a:ext cx="3128055" cy="772951"/>
+          </a:xfrm>
+          <a:prstGeom prst="rect">
+            <a:avLst/>
+          </a:prstGeom>
+        </p:spPr>
+      </p:pic>
+      <p:pic>
+        <p:nvPicPr>
+          <p:cNvPr id="12" name="Picture 11" descr="Chart, bar chart&#10;&#10;Description automatically generated">
+            <a:extLst>
+              <a:ext uri="{FF2B5EF4-FFF2-40B4-BE49-F238E27FC236}">
+                <a16:creationId xmlns:a16="http://schemas.microsoft.com/office/drawing/2014/main" id="{DE2E0D45-D1D5-4437-AB82-F2B320CFD620}"/>
+              </a:ext>
+            </a:extLst>
+          </p:cNvPr>
+          <p:cNvPicPr>
+            <a:picLocks noChangeAspect="1"/>
+          </p:cNvPicPr>
+          <p:nvPr/>
+        </p:nvPicPr>
+        <p:blipFill>
+          <a:blip r:embed="rId6"/>
+          <a:stretch>
+            <a:fillRect/>
+          </a:stretch>
+        </p:blipFill>
+        <p:spPr>
+          <a:xfrm>
+            <a:off x="1026761" y="1560870"/>
+            <a:ext cx="4420363" cy="3591991"/>
+          </a:xfrm>
+          <a:prstGeom prst="rect">
+            <a:avLst/>
+          </a:prstGeom>
+          <a:ln>
+            <a:solidFill>
+              <a:schemeClr val="tx1"/>
+            </a:solidFill>
+          </a:ln>
+        </p:spPr>
+      </p:pic>
+      <p:sp>
+        <p:nvSpPr>
+          <p:cNvPr id="13" name="Rectangle 12">
+            <a:extLst>
+              <a:ext uri="{FF2B5EF4-FFF2-40B4-BE49-F238E27FC236}">
+                <a16:creationId xmlns:a16="http://schemas.microsoft.com/office/drawing/2014/main" id="{1615877C-5418-4751-8724-959CA17CE357}"/>
+              </a:ext>
+            </a:extLst>
+          </p:cNvPr>
+          <p:cNvSpPr/>
+          <p:nvPr/>
+        </p:nvSpPr>
+        <p:spPr>
+          <a:xfrm>
+            <a:off x="1823357" y="6079671"/>
+            <a:ext cx="3456214" cy="292607"/>
           </a:xfrm>
           <a:prstGeom prst="rect">
             <a:avLst/>
           </a:prstGeom>
           <a:noFill/>
-          <a:extLst>
-            <a:ext uri="{909E8E84-426E-40DD-AFC4-6F175D3DCCD1}">
-              <a14:hiddenFill xmlns:a14="http://schemas.microsoft.com/office/drawing/2010/main">
-                <a:solidFill>
-                  <a:srgbClr val="FFFFFF"/>
-                </a:solidFill>
-              </a14:hiddenFill>
-            </a:ext>
-          </a:extLst>
+          <a:ln w="19050">
+            <a:solidFill>
+              <a:srgbClr val="FF0000"/>
+            </a:solidFill>
+          </a:ln>
         </p:spPr>
-      </p:pic>
+        <p:style>
+          <a:lnRef idx="2">
+            <a:schemeClr val="accent1">
+              <a:shade val="50000"/>
+            </a:schemeClr>
+          </a:lnRef>
+          <a:fillRef idx="1">
+            <a:schemeClr val="accent1"/>
+          </a:fillRef>
+          <a:effectRef idx="0">
+            <a:schemeClr val="accent1"/>
+          </a:effectRef>
+          <a:fontRef idx="minor">
+            <a:schemeClr val="lt1"/>
+          </a:fontRef>
+        </p:style>
+        <p:txBody>
+          <a:bodyPr rtlCol="0" anchor="ctr"/>
+          <a:lstStyle/>
+          <a:p>
+            <a:pPr algn="ctr"/>
+            <a:endParaRPr lang="en-US"/>
+          </a:p>
+        </p:txBody>
+      </p:sp>
+      <p:sp>
+        <p:nvSpPr>
+          <p:cNvPr id="14" name="Rectangle 13">
+            <a:extLst>
+              <a:ext uri="{FF2B5EF4-FFF2-40B4-BE49-F238E27FC236}">
+                <a16:creationId xmlns:a16="http://schemas.microsoft.com/office/drawing/2014/main" id="{1B3C90F3-2FC5-45DD-B357-6900AD937BCB}"/>
+              </a:ext>
+            </a:extLst>
+          </p:cNvPr>
+          <p:cNvSpPr/>
+          <p:nvPr/>
+        </p:nvSpPr>
+        <p:spPr>
+          <a:xfrm>
+            <a:off x="6744876" y="6079671"/>
+            <a:ext cx="3456214" cy="292607"/>
+          </a:xfrm>
+          <a:prstGeom prst="rect">
+            <a:avLst/>
+          </a:prstGeom>
+          <a:noFill/>
+          <a:ln w="19050">
+            <a:solidFill>
+              <a:srgbClr val="FF0000"/>
+            </a:solidFill>
+          </a:ln>
+        </p:spPr>
+        <p:style>
+          <a:lnRef idx="2">
+            <a:schemeClr val="accent1">
+              <a:shade val="50000"/>
+            </a:schemeClr>
+          </a:lnRef>
+          <a:fillRef idx="1">
+            <a:schemeClr val="accent1"/>
+          </a:fillRef>
+          <a:effectRef idx="0">
+            <a:schemeClr val="accent1"/>
+          </a:effectRef>
+          <a:fontRef idx="minor">
+            <a:schemeClr val="lt1"/>
+          </a:fontRef>
+        </p:style>
+        <p:txBody>
+          <a:bodyPr rtlCol="0" anchor="ctr"/>
+          <a:lstStyle/>
+          <a:p>
+            <a:pPr algn="ctr"/>
+            <a:endParaRPr lang="en-US"/>
+          </a:p>
+        </p:txBody>
+      </p:sp>
     </p:spTree>
     <p:extLst>
       <p:ext uri="{BB962C8B-B14F-4D97-AF65-F5344CB8AC3E}">
@@ -16476,6 +17177,24 @@
 </file>
 
 <file path=customXml/item1.xml><?xml version="1.0" encoding="utf-8"?>
+<?mso-contentType ?>
+<FormTemplates xmlns="http://schemas.microsoft.com/sharepoint/v3/contenttype/forms">
+  <Display>DocumentLibraryForm</Display>
+  <Edit>DocumentLibraryForm</Edit>
+  <New>DocumentLibraryForm</New>
+</FormTemplates>
+</file>
+
+<file path=customXml/item2.xml><?xml version="1.0" encoding="utf-8"?>
+<p:properties xmlns:p="http://schemas.microsoft.com/office/2006/metadata/properties" xmlns:xsi="http://www.w3.org/2001/XMLSchema-instance" xmlns:pc="http://schemas.microsoft.com/office/infopath/2007/PartnerControls">
+  <documentManagement>
+    <Status xmlns="71af3243-3dd4-4a8d-8c0d-dd76da1f02a5">Not started</Status>
+    <MediaServiceKeyPoints xmlns="71af3243-3dd4-4a8d-8c0d-dd76da1f02a5" xsi:nil="true"/>
+  </documentManagement>
+</p:properties>
+</file>
+
+<file path=customXml/item3.xml><?xml version="1.0" encoding="utf-8"?>
 <ct:contentTypeSchema xmlns:ct="http://schemas.microsoft.com/office/2006/metadata/contentType" xmlns:ma="http://schemas.microsoft.com/office/2006/metadata/properties/metaAttributes" ct:_="" ma:_="" ma:contentTypeName="Document" ma:contentTypeID="0x01010079F111ED35F8CC479449609E8A0923A6" ma:contentTypeVersion="12" ma:contentTypeDescription="Create a new document." ma:contentTypeScope="" ma:versionID="a410dd7f93c95333ffa1b60ed6adedd1">
   <xsd:schema xmlns:xsd="http://www.w3.org/2001/XMLSchema" xmlns:xs="http://www.w3.org/2001/XMLSchema" xmlns:p="http://schemas.microsoft.com/office/2006/metadata/properties" xmlns:ns2="71af3243-3dd4-4a8d-8c0d-dd76da1f02a5" xmlns:ns3="16c05727-aa75-4e4a-9b5f-8a80a1165891" targetNamespace="http://schemas.microsoft.com/office/2006/metadata/properties" ma:root="true" ma:fieldsID="a936d9baba76aa3866493feff160faab" ns2:_="" ns3:_="">
     <xsd:import namespace="71af3243-3dd4-4a8d-8c0d-dd76da1f02a5"/>
@@ -16696,25 +17415,25 @@
 </ct:contentTypeSchema>
 </file>
 
-<file path=customXml/item2.xml><?xml version="1.0" encoding="utf-8"?>
-<p:properties xmlns:p="http://schemas.microsoft.com/office/2006/metadata/properties" xmlns:xsi="http://www.w3.org/2001/XMLSchema-instance" xmlns:pc="http://schemas.microsoft.com/office/infopath/2007/PartnerControls">
-  <documentManagement>
-    <Status xmlns="71af3243-3dd4-4a8d-8c0d-dd76da1f02a5">Not started</Status>
-    <MediaServiceKeyPoints xmlns="71af3243-3dd4-4a8d-8c0d-dd76da1f02a5" xsi:nil="true"/>
-  </documentManagement>
-</p:properties>
+<file path=customXml/itemProps1.xml><?xml version="1.0" encoding="utf-8"?>
+<ds:datastoreItem xmlns:ds="http://schemas.openxmlformats.org/officeDocument/2006/customXml" ds:itemID="{CDB58277-F8DF-46FF-84EC-EF41B835E69F}">
+  <ds:schemaRefs>
+    <ds:schemaRef ds:uri="http://schemas.microsoft.com/sharepoint/v3/contenttype/forms"/>
+  </ds:schemaRefs>
+</ds:datastoreItem>
 </file>
 
-<file path=customXml/item3.xml><?xml version="1.0" encoding="utf-8"?>
-<?mso-contentType ?>
-<FormTemplates xmlns="http://schemas.microsoft.com/sharepoint/v3/contenttype/forms">
-  <Display>DocumentLibraryForm</Display>
-  <Edit>DocumentLibraryForm</Edit>
-  <New>DocumentLibraryForm</New>
-</FormTemplates>
+<file path=customXml/itemProps2.xml><?xml version="1.0" encoding="utf-8"?>
+<ds:datastoreItem xmlns:ds="http://schemas.openxmlformats.org/officeDocument/2006/customXml" ds:itemID="{137651BA-F45C-4845-9AB3-E0A65B39F5E1}">
+  <ds:schemaRefs>
+    <ds:schemaRef ds:uri="http://schemas.microsoft.com/office/2006/metadata/properties"/>
+    <ds:schemaRef ds:uri="http://schemas.microsoft.com/office/infopath/2007/PartnerControls"/>
+    <ds:schemaRef ds:uri="71af3243-3dd4-4a8d-8c0d-dd76da1f02a5"/>
+  </ds:schemaRefs>
+</ds:datastoreItem>
 </file>
 
-<file path=customXml/itemProps1.xml><?xml version="1.0" encoding="utf-8"?>
+<file path=customXml/itemProps3.xml><?xml version="1.0" encoding="utf-8"?>
 <ds:datastoreItem xmlns:ds="http://schemas.openxmlformats.org/officeDocument/2006/customXml" ds:itemID="{2D276E62-80A3-44DD-9BCC-97ED2B99B57F}">
   <ds:schemaRefs>
     <ds:schemaRef ds:uri="http://schemas.microsoft.com/office/2006/metadata/contentType"/>
@@ -16731,22 +17450,4 @@
     <ds:schemaRef ds:uri="http://schemas.microsoft.com/internal/obd"/>
   </ds:schemaRefs>
 </ds:datastoreItem>
-</file>
-
-<file path=customXml/itemProps2.xml><?xml version="1.0" encoding="utf-8"?>
-<ds:datastoreItem xmlns:ds="http://schemas.openxmlformats.org/officeDocument/2006/customXml" ds:itemID="{137651BA-F45C-4845-9AB3-E0A65B39F5E1}">
-  <ds:schemaRefs>
-    <ds:schemaRef ds:uri="http://schemas.microsoft.com/office/2006/metadata/properties"/>
-    <ds:schemaRef ds:uri="http://schemas.microsoft.com/office/infopath/2007/PartnerControls"/>
-    <ds:schemaRef ds:uri="71af3243-3dd4-4a8d-8c0d-dd76da1f02a5"/>
-  </ds:schemaRefs>
-</ds:datastoreItem>
-</file>
-
-<file path=customXml/itemProps3.xml><?xml version="1.0" encoding="utf-8"?>
-<ds:datastoreItem xmlns:ds="http://schemas.openxmlformats.org/officeDocument/2006/customXml" ds:itemID="{CDB58277-F8DF-46FF-84EC-EF41B835E69F}">
-  <ds:schemaRefs>
-    <ds:schemaRef ds:uri="http://schemas.microsoft.com/sharepoint/v3/contenttype/forms"/>
-  </ds:schemaRefs>
-</ds:datastoreItem>
 </file>